--- a/Product Definition Document Sample - Vybing - v1.5.pptx
+++ b/Product Definition Document Sample - Vybing - v1.5.pptx
@@ -269,7 +269,7 @@
           <a:p>
             <a:fld id="{7C9B4D39-4953-4FB5-9AB7-4DBC478C0B9F}" type="datetimeFigureOut">
               <a:rPr lang="en-IL" smtClean="0"/>
-              <a:t>18/03/2020</a:t>
+              <a:t>03/18/2020</a:t>
             </a:fld>
             <a:endParaRPr lang="en-IL"/>
           </a:p>
@@ -439,7 +439,7 @@
           <a:p>
             <a:fld id="{7C9B4D39-4953-4FB5-9AB7-4DBC478C0B9F}" type="datetimeFigureOut">
               <a:rPr lang="en-IL" smtClean="0"/>
-              <a:t>18/03/2020</a:t>
+              <a:t>03/18/2020</a:t>
             </a:fld>
             <a:endParaRPr lang="en-IL"/>
           </a:p>
@@ -619,7 +619,7 @@
           <a:p>
             <a:fld id="{7C9B4D39-4953-4FB5-9AB7-4DBC478C0B9F}" type="datetimeFigureOut">
               <a:rPr lang="en-IL" smtClean="0"/>
-              <a:t>18/03/2020</a:t>
+              <a:t>03/18/2020</a:t>
             </a:fld>
             <a:endParaRPr lang="en-IL"/>
           </a:p>
@@ -789,7 +789,7 @@
           <a:p>
             <a:fld id="{7C9B4D39-4953-4FB5-9AB7-4DBC478C0B9F}" type="datetimeFigureOut">
               <a:rPr lang="en-IL" smtClean="0"/>
-              <a:t>18/03/2020</a:t>
+              <a:t>03/18/2020</a:t>
             </a:fld>
             <a:endParaRPr lang="en-IL"/>
           </a:p>
@@ -1035,7 +1035,7 @@
           <a:p>
             <a:fld id="{7C9B4D39-4953-4FB5-9AB7-4DBC478C0B9F}" type="datetimeFigureOut">
               <a:rPr lang="en-IL" smtClean="0"/>
-              <a:t>18/03/2020</a:t>
+              <a:t>03/18/2020</a:t>
             </a:fld>
             <a:endParaRPr lang="en-IL"/>
           </a:p>
@@ -1267,7 +1267,7 @@
           <a:p>
             <a:fld id="{7C9B4D39-4953-4FB5-9AB7-4DBC478C0B9F}" type="datetimeFigureOut">
               <a:rPr lang="en-IL" smtClean="0"/>
-              <a:t>18/03/2020</a:t>
+              <a:t>03/18/2020</a:t>
             </a:fld>
             <a:endParaRPr lang="en-IL"/>
           </a:p>
@@ -1634,7 +1634,7 @@
           <a:p>
             <a:fld id="{7C9B4D39-4953-4FB5-9AB7-4DBC478C0B9F}" type="datetimeFigureOut">
               <a:rPr lang="en-IL" smtClean="0"/>
-              <a:t>18/03/2020</a:t>
+              <a:t>03/18/2020</a:t>
             </a:fld>
             <a:endParaRPr lang="en-IL"/>
           </a:p>
@@ -1752,7 +1752,7 @@
           <a:p>
             <a:fld id="{7C9B4D39-4953-4FB5-9AB7-4DBC478C0B9F}" type="datetimeFigureOut">
               <a:rPr lang="en-IL" smtClean="0"/>
-              <a:t>18/03/2020</a:t>
+              <a:t>03/18/2020</a:t>
             </a:fld>
             <a:endParaRPr lang="en-IL"/>
           </a:p>
@@ -1847,7 +1847,7 @@
           <a:p>
             <a:fld id="{7C9B4D39-4953-4FB5-9AB7-4DBC478C0B9F}" type="datetimeFigureOut">
               <a:rPr lang="en-IL" smtClean="0"/>
-              <a:t>18/03/2020</a:t>
+              <a:t>03/18/2020</a:t>
             </a:fld>
             <a:endParaRPr lang="en-IL"/>
           </a:p>
@@ -2124,7 +2124,7 @@
           <a:p>
             <a:fld id="{7C9B4D39-4953-4FB5-9AB7-4DBC478C0B9F}" type="datetimeFigureOut">
               <a:rPr lang="en-IL" smtClean="0"/>
-              <a:t>18/03/2020</a:t>
+              <a:t>03/18/2020</a:t>
             </a:fld>
             <a:endParaRPr lang="en-IL"/>
           </a:p>
@@ -2381,7 +2381,7 @@
           <a:p>
             <a:fld id="{7C9B4D39-4953-4FB5-9AB7-4DBC478C0B9F}" type="datetimeFigureOut">
               <a:rPr lang="en-IL" smtClean="0"/>
-              <a:t>18/03/2020</a:t>
+              <a:t>03/18/2020</a:t>
             </a:fld>
             <a:endParaRPr lang="en-IL"/>
           </a:p>
@@ -2594,7 +2594,7 @@
           <a:p>
             <a:fld id="{7C9B4D39-4953-4FB5-9AB7-4DBC478C0B9F}" type="datetimeFigureOut">
               <a:rPr lang="en-IL" smtClean="0"/>
-              <a:t>18/03/2020</a:t>
+              <a:t>03/18/2020</a:t>
             </a:fld>
             <a:endParaRPr lang="en-IL"/>
           </a:p>
@@ -3029,8 +3029,8 @@
           <a:p>
             <a:pPr algn="ctr"/>
             <a:r>
-              <a:rPr lang="en-US" sz="4800" b="1" dirty="0" err="1"/>
-              <a:t>Vybing</a:t>
+              <a:rPr lang="en-US" sz="4800" b="1" dirty="0"/>
+              <a:t>Fiverr - TBD</a:t>
             </a:r>
             <a:endParaRPr lang="en-IL" sz="4800" b="1" dirty="0"/>
           </a:p>
@@ -3067,23 +3067,7 @@
             <a:pPr algn="ctr"/>
             <a:r>
               <a:rPr lang="en-US" sz="4000" dirty="0"/>
-              <a:t>Pick</a:t>
-            </a:r>
-            <a:r>
-              <a:rPr lang="he-IL" sz="4000"/>
-              <a:t> </a:t>
-            </a:r>
-            <a:r>
-              <a:rPr lang="en-US" sz="4000"/>
-              <a:t>a </a:t>
-            </a:r>
-            <a:r>
-              <a:rPr lang="en-US" sz="4000" dirty="0"/>
-              <a:t>station and join the </a:t>
-            </a:r>
-            <a:r>
-              <a:rPr lang="en-US" sz="4000" dirty="0" err="1"/>
-              <a:t>vybe</a:t>
+              <a:t>Market place</a:t>
             </a:r>
             <a:endParaRPr lang="en-IL" sz="4000" dirty="0"/>
           </a:p>
@@ -3178,19 +3162,27 @@
           <a:p>
             <a:r>
               <a:rPr lang="en-US" sz="2000" dirty="0"/>
-              <a:t>Tom Timor, Ben </a:t>
+              <a:t>Emanuel Ben Hamo, </a:t>
             </a:r>
             <a:r>
               <a:rPr lang="en-US" sz="2000" dirty="0" err="1"/>
-              <a:t>Barel</a:t>
+              <a:t>Rotem</a:t>
             </a:r>
             <a:r>
               <a:rPr lang="en-US" sz="2000" dirty="0"/>
-              <a:t>, Danna </a:t>
+              <a:t> Carmon, </a:t>
             </a:r>
             <a:r>
               <a:rPr lang="en-US" sz="2000" dirty="0" err="1"/>
-              <a:t>Dottan</a:t>
+              <a:t>Vova</a:t>
+            </a:r>
+            <a:r>
+              <a:rPr lang="en-US" sz="2000" dirty="0"/>
+              <a:t> </a:t>
+            </a:r>
+            <a:r>
+              <a:rPr lang="en-US" sz="2000" dirty="0" err="1"/>
+              <a:t>Eygel</a:t>
             </a:r>
             <a:endParaRPr lang="en-IL" sz="2000" dirty="0"/>
           </a:p>
@@ -6429,7 +6421,7 @@
         <p:spPr>
           <a:xfrm>
             <a:off x="638174" y="1397000"/>
-            <a:ext cx="10791825" cy="4401205"/>
+            <a:ext cx="10791825" cy="4708981"/>
           </a:xfrm>
           <a:prstGeom prst="rect">
             <a:avLst/>
@@ -6444,13 +6436,8 @@
           <a:p>
             <a:r>
               <a:rPr lang="en-US" sz="2000" b="1" dirty="0"/>
-              <a:t>Product Name: </a:t>
-            </a:r>
-            <a:r>
-              <a:rPr lang="en-US" sz="2000" b="1" dirty="0" err="1"/>
-              <a:t>Vybing</a:t>
-            </a:r>
-            <a:endParaRPr lang="en-US" sz="2000" b="1" dirty="0"/>
+              <a:t>Product Name: Fiverr - TBD</a:t>
+            </a:r>
           </a:p>
           <a:p>
             <a:endParaRPr lang="en-US" sz="2000" dirty="0"/>
@@ -6469,7 +6456,7 @@
           <a:p>
             <a:r>
               <a:rPr lang="en-US" sz="2000" dirty="0"/>
-              <a:t>Listen to various online music stations, communicate with other listeners, and change songs order</a:t>
+              <a:t>Marketplace for web design and development service</a:t>
             </a:r>
           </a:p>
           <a:p>
@@ -6489,7 +6476,7 @@
           <a:p>
             <a:r>
               <a:rPr lang="en-US" sz="2000" dirty="0"/>
-              <a:t>Listeners, Station Creators, Admin users</a:t>
+              <a:t>Guest users, Sellers, Buyers, Admin</a:t>
             </a:r>
           </a:p>
           <a:p>
@@ -6509,7 +6496,13 @@
           <a:p>
             <a:r>
               <a:rPr lang="en-US" sz="2000" dirty="0"/>
-              <a:t>Browse/select stations, listen to a station (same timestamp as other listeners, change songs order, chat with other listeners, add songs to a station</a:t>
+              <a:t>Offer web design &amp; development services, purchase web services, chat between buyers and sellers,</a:t>
+            </a:r>
+          </a:p>
+          <a:p>
+            <a:r>
+              <a:rPr lang="en-US" sz="2000" dirty="0"/>
+              <a:t>Show sellers reviews &amp; description</a:t>
             </a:r>
           </a:p>
           <a:p>
@@ -6529,7 +6522,7 @@
           <a:p>
             <a:r>
               <a:rPr lang="en-US" sz="2000" dirty="0"/>
-              <a:t>Guest can listen and chat. Need to login in order to create a station and to chat with your name </a:t>
+              <a:t>Guest can browse all services offered in the marketplace and look at specific seller details, information &amp; reviews</a:t>
             </a:r>
           </a:p>
         </p:txBody>
@@ -8822,6 +8815,11 @@
               <a:rPr lang="en-US" sz="2000" b="1" dirty="0"/>
               <a:t>Home page</a:t>
             </a:r>
+          </a:p>
+          <a:p>
+            <a:endParaRPr lang="en-US" sz="2000" b="1" dirty="0"/>
+          </a:p>
+          <a:p>
             <a:endParaRPr lang="en-US" sz="2000" b="1" dirty="0">
               <a:solidFill>
                 <a:srgbClr val="FF0000"/>
@@ -8833,12 +8831,6 @@
               <a:rPr lang="en-US" sz="2000" dirty="0"/>
               <a:t>Browse between station’s categories and select a station</a:t>
             </a:r>
-          </a:p>
-          <a:p>
-            <a:endParaRPr lang="en-US" sz="2000" b="1" dirty="0"/>
-          </a:p>
-          <a:p>
-            <a:endParaRPr lang="en-US" sz="2000" b="1" dirty="0"/>
           </a:p>
           <a:p>
             <a:endParaRPr lang="en-US" sz="2000" b="1" dirty="0"/>
@@ -9026,7 +9018,7 @@
         <p:spPr>
           <a:xfrm>
             <a:off x="6862761" y="1985962"/>
-            <a:ext cx="1040607" cy="190500"/>
+            <a:ext cx="408051" cy="171450"/>
           </a:xfrm>
           <a:prstGeom prst="rect">
             <a:avLst/>

--- a/Product Definition Document Sample - Vybing - v1.5.pptx
+++ b/Product Definition Document Sample - Vybing - v1.5.pptx
@@ -15,17 +15,7 @@
     <p:sldId id="290" r:id="rId9"/>
     <p:sldId id="291" r:id="rId10"/>
     <p:sldId id="292" r:id="rId11"/>
-    <p:sldId id="264" r:id="rId12"/>
-    <p:sldId id="266" r:id="rId13"/>
-    <p:sldId id="267" r:id="rId14"/>
-    <p:sldId id="269" r:id="rId15"/>
-    <p:sldId id="268" r:id="rId16"/>
-    <p:sldId id="279" r:id="rId17"/>
-    <p:sldId id="281" r:id="rId18"/>
-    <p:sldId id="263" r:id="rId19"/>
-    <p:sldId id="280" r:id="rId20"/>
-    <p:sldId id="272" r:id="rId21"/>
-    <p:sldId id="282" r:id="rId22"/>
+    <p:sldId id="293" r:id="rId12"/>
   </p:sldIdLst>
   <p:sldSz cx="12192000" cy="6858000"/>
   <p:notesSz cx="6858000" cy="9144000"/>
@@ -3024,7 +3014,7 @@
             <a:pPr algn="ctr"/>
             <a:r>
               <a:rPr lang="en-US" sz="4800" b="1" dirty="0"/>
-              <a:t>Fiverr - TBD</a:t>
+              <a:t>Fiver &amp; 1/2</a:t>
             </a:r>
             <a:endParaRPr lang="en-IL" sz="4800" b="1" dirty="0"/>
           </a:p>
@@ -3212,53 +3202,76 @@
           <a:chExt cx="0" cy="0"/>
         </a:xfrm>
       </p:grpSpPr>
-      <p:sp>
-        <p:nvSpPr>
-          <p:cNvPr id="2" name="Title 1">
+      <p:pic>
+        <p:nvPicPr>
+          <p:cNvPr id="5" name="Picture 4" descr="A screenshot of a cell phone&#10;&#10;Description automatically generated">
             <a:extLst>
               <a:ext uri="{FF2B5EF4-FFF2-40B4-BE49-F238E27FC236}">
-                <a16:creationId xmlns:a16="http://schemas.microsoft.com/office/drawing/2014/main" id="{8CE335A2-44C3-49CF-98BA-5F0DE7A71CA5}"/>
+                <a16:creationId xmlns:a16="http://schemas.microsoft.com/office/drawing/2014/main" id="{0AA1B4F0-0618-45FD-BFAE-63F16908117B}"/>
               </a:ext>
             </a:extLst>
           </p:cNvPr>
-          <p:cNvSpPr>
-            <a:spLocks noGrp="1"/>
-          </p:cNvSpPr>
-          <p:nvPr>
-            <p:ph type="title"/>
-          </p:nvPr>
-        </p:nvSpPr>
-        <p:spPr/>
-        <p:txBody>
-          <a:bodyPr/>
-          <a:lstStyle/>
-          <a:p>
-            <a:endParaRPr lang="LID4096"/>
-          </a:p>
-        </p:txBody>
-      </p:sp>
-      <p:sp>
-        <p:nvSpPr>
-          <p:cNvPr id="3" name="Content Placeholder 2">
+          <p:cNvPicPr>
+            <a:picLocks noChangeAspect="1"/>
+          </p:cNvPicPr>
+          <p:nvPr/>
+        </p:nvPicPr>
+        <p:blipFill>
+          <a:blip r:embed="rId2">
+            <a:extLst>
+              <a:ext uri="{28A0092B-C50C-407E-A947-70E740481C1C}">
+                <a14:useLocalDpi xmlns:a14="http://schemas.microsoft.com/office/drawing/2010/main" val="0"/>
+              </a:ext>
+            </a:extLst>
+          </a:blip>
+          <a:stretch>
+            <a:fillRect/>
+          </a:stretch>
+        </p:blipFill>
+        <p:spPr>
+          <a:xfrm>
+            <a:off x="2611987" y="1677585"/>
+            <a:ext cx="6532014" cy="4421671"/>
+          </a:xfrm>
+          <a:prstGeom prst="rect">
+            <a:avLst/>
+          </a:prstGeom>
+        </p:spPr>
+      </p:pic>
+      <p:sp>
+        <p:nvSpPr>
+          <p:cNvPr id="7" name="TextBox 6">
             <a:extLst>
               <a:ext uri="{FF2B5EF4-FFF2-40B4-BE49-F238E27FC236}">
-                <a16:creationId xmlns:a16="http://schemas.microsoft.com/office/drawing/2014/main" id="{47738CB5-8579-441E-AA76-BB8CAE6AD324}"/>
+                <a16:creationId xmlns:a16="http://schemas.microsoft.com/office/drawing/2014/main" id="{079CB494-6686-4EBF-9740-9602FB108BFD}"/>
               </a:ext>
             </a:extLst>
           </p:cNvPr>
-          <p:cNvSpPr>
-            <a:spLocks noGrp="1"/>
-          </p:cNvSpPr>
-          <p:nvPr>
-            <p:ph idx="1"/>
-          </p:nvPr>
-        </p:nvSpPr>
-        <p:spPr/>
-        <p:txBody>
-          <a:bodyPr/>
-          <a:lstStyle/>
-          <a:p>
-            <a:endParaRPr lang="LID4096"/>
+          <p:cNvSpPr txBox="1"/>
+          <p:nvPr/>
+        </p:nvSpPr>
+        <p:spPr>
+          <a:xfrm>
+            <a:off x="700087" y="183072"/>
+            <a:ext cx="10791825" cy="830997"/>
+          </a:xfrm>
+          <a:prstGeom prst="rect">
+            <a:avLst/>
+          </a:prstGeom>
+          <a:noFill/>
+        </p:spPr>
+        <p:txBody>
+          <a:bodyPr wrap="square" rtlCol="0">
+            <a:spAutoFit/>
+          </a:bodyPr>
+          <a:lstStyle/>
+          <a:p>
+            <a:pPr algn="ctr"/>
+            <a:r>
+              <a:rPr lang="en-US" sz="4800" b="1" dirty="0"/>
+              <a:t>sign</a:t>
+            </a:r>
+            <a:endParaRPr lang="en-IL" sz="4800" b="1" dirty="0"/>
           </a:p>
         </p:txBody>
       </p:sp>
@@ -3292,643 +3305,12 @@
           <a:chExt cx="0" cy="0"/>
         </a:xfrm>
       </p:grpSpPr>
-      <p:sp>
-        <p:nvSpPr>
-          <p:cNvPr id="5" name="TextBox 4">
-            <a:extLst>
-              <a:ext uri="{FF2B5EF4-FFF2-40B4-BE49-F238E27FC236}">
-                <a16:creationId xmlns:a16="http://schemas.microsoft.com/office/drawing/2014/main" id="{654AA4C7-1A2B-4498-BBA8-ECF8118D3984}"/>
-              </a:ext>
-            </a:extLst>
-          </p:cNvPr>
-          <p:cNvSpPr txBox="1"/>
-          <p:nvPr/>
-        </p:nvSpPr>
-        <p:spPr>
-          <a:xfrm>
-            <a:off x="638175" y="409575"/>
-            <a:ext cx="10791825" cy="769441"/>
-          </a:xfrm>
-          <a:prstGeom prst="rect">
-            <a:avLst/>
-          </a:prstGeom>
-          <a:noFill/>
-        </p:spPr>
-        <p:txBody>
-          <a:bodyPr wrap="square" rtlCol="0">
-            <a:spAutoFit/>
-          </a:bodyPr>
-          <a:lstStyle/>
-          <a:p>
-            <a:r>
-              <a:rPr lang="en-US" sz="4400" b="1" dirty="0"/>
-              <a:t>Main component – Music Station Preview </a:t>
-            </a:r>
-            <a:endParaRPr lang="en-IL" sz="4400" b="1" dirty="0"/>
-          </a:p>
-        </p:txBody>
-      </p:sp>
-      <p:cxnSp>
-        <p:nvCxnSpPr>
-          <p:cNvPr id="8" name="Straight Connector 7">
-            <a:extLst>
-              <a:ext uri="{FF2B5EF4-FFF2-40B4-BE49-F238E27FC236}">
-                <a16:creationId xmlns:a16="http://schemas.microsoft.com/office/drawing/2014/main" id="{38E70AE2-3194-4F3F-996D-F0F607FEF874}"/>
-              </a:ext>
-            </a:extLst>
-          </p:cNvPr>
-          <p:cNvCxnSpPr/>
-          <p:nvPr/>
-        </p:nvCxnSpPr>
-        <p:spPr>
-          <a:xfrm>
-            <a:off x="638174" y="1228725"/>
-            <a:ext cx="10791825" cy="0"/>
-          </a:xfrm>
-          <a:prstGeom prst="line">
-            <a:avLst/>
-          </a:prstGeom>
-        </p:spPr>
-        <p:style>
-          <a:lnRef idx="1">
-            <a:schemeClr val="accent1"/>
-          </a:lnRef>
-          <a:fillRef idx="0">
-            <a:schemeClr val="accent1"/>
-          </a:fillRef>
-          <a:effectRef idx="0">
-            <a:schemeClr val="accent1"/>
-          </a:effectRef>
-          <a:fontRef idx="minor">
-            <a:schemeClr val="tx1"/>
-          </a:fontRef>
-        </p:style>
-      </p:cxnSp>
       <p:pic>
         <p:nvPicPr>
-          <p:cNvPr id="3" name="Picture 2">
+          <p:cNvPr id="5" name="Picture 4" descr="A screenshot of a cell phone&#10;&#10;Description automatically generated">
             <a:extLst>
               <a:ext uri="{FF2B5EF4-FFF2-40B4-BE49-F238E27FC236}">
-                <a16:creationId xmlns:a16="http://schemas.microsoft.com/office/drawing/2014/main" id="{004B9674-B2E8-4975-B174-3EEAAC0D8682}"/>
-              </a:ext>
-            </a:extLst>
-          </p:cNvPr>
-          <p:cNvPicPr>
-            <a:picLocks noChangeAspect="1"/>
-          </p:cNvPicPr>
-          <p:nvPr/>
-        </p:nvPicPr>
-        <p:blipFill rotWithShape="1">
-          <a:blip r:embed="rId2"/>
-          <a:srcRect l="6851"/>
-          <a:stretch/>
-        </p:blipFill>
-        <p:spPr>
-          <a:xfrm>
-            <a:off x="3457575" y="1828800"/>
-            <a:ext cx="4338637" cy="4038600"/>
-          </a:xfrm>
-          <a:prstGeom prst="rect">
-            <a:avLst/>
-          </a:prstGeom>
-        </p:spPr>
-      </p:pic>
-      <p:sp>
-        <p:nvSpPr>
-          <p:cNvPr id="4" name="Speech Bubble: Rectangle 3">
-            <a:extLst>
-              <a:ext uri="{FF2B5EF4-FFF2-40B4-BE49-F238E27FC236}">
-                <a16:creationId xmlns:a16="http://schemas.microsoft.com/office/drawing/2014/main" id="{32282C8F-F8AF-4EFF-8490-AFAFA698E0EC}"/>
-              </a:ext>
-            </a:extLst>
-          </p:cNvPr>
-          <p:cNvSpPr/>
-          <p:nvPr/>
-        </p:nvSpPr>
-        <p:spPr>
-          <a:xfrm>
-            <a:off x="8772525" y="1533525"/>
-            <a:ext cx="2495550" cy="514351"/>
-          </a:xfrm>
-          <a:prstGeom prst="wedgeRectCallout">
-            <a:avLst>
-              <a:gd name="adj1" fmla="val -133429"/>
-              <a:gd name="adj2" fmla="val 149393"/>
-            </a:avLst>
-          </a:prstGeom>
-        </p:spPr>
-        <p:style>
-          <a:lnRef idx="2">
-            <a:schemeClr val="accent1">
-              <a:shade val="50000"/>
-            </a:schemeClr>
-          </a:lnRef>
-          <a:fillRef idx="1">
-            <a:schemeClr val="accent1"/>
-          </a:fillRef>
-          <a:effectRef idx="0">
-            <a:schemeClr val="accent1"/>
-          </a:effectRef>
-          <a:fontRef idx="minor">
-            <a:schemeClr val="lt1"/>
-          </a:fontRef>
-        </p:style>
-        <p:txBody>
-          <a:bodyPr rtlCol="0" anchor="ctr"/>
-          <a:lstStyle/>
-          <a:p>
-            <a:pPr algn="ctr"/>
-            <a:r>
-              <a:rPr lang="en-US" dirty="0" err="1"/>
-              <a:t>Youtube</a:t>
-            </a:r>
-            <a:r>
-              <a:rPr lang="en-US" dirty="0"/>
-              <a:t> thumbnail</a:t>
-            </a:r>
-            <a:endParaRPr lang="en-IL" dirty="0"/>
-          </a:p>
-        </p:txBody>
-      </p:sp>
-      <p:sp>
-        <p:nvSpPr>
-          <p:cNvPr id="15" name="Speech Bubble: Rectangle 14">
-            <a:extLst>
-              <a:ext uri="{FF2B5EF4-FFF2-40B4-BE49-F238E27FC236}">
-                <a16:creationId xmlns:a16="http://schemas.microsoft.com/office/drawing/2014/main" id="{84557024-F4CD-43EB-84C5-99C63331D71B}"/>
-              </a:ext>
-            </a:extLst>
-          </p:cNvPr>
-          <p:cNvSpPr/>
-          <p:nvPr/>
-        </p:nvSpPr>
-        <p:spPr>
-          <a:xfrm>
-            <a:off x="8772525" y="2464653"/>
-            <a:ext cx="2495550" cy="773847"/>
-          </a:xfrm>
-          <a:prstGeom prst="wedgeRectCallout">
-            <a:avLst>
-              <a:gd name="adj1" fmla="val -119688"/>
-              <a:gd name="adj2" fmla="val 162442"/>
-            </a:avLst>
-          </a:prstGeom>
-        </p:spPr>
-        <p:style>
-          <a:lnRef idx="2">
-            <a:schemeClr val="accent1">
-              <a:shade val="50000"/>
-            </a:schemeClr>
-          </a:lnRef>
-          <a:fillRef idx="1">
-            <a:schemeClr val="accent1"/>
-          </a:fillRef>
-          <a:effectRef idx="0">
-            <a:schemeClr val="accent1"/>
-          </a:effectRef>
-          <a:fontRef idx="minor">
-            <a:schemeClr val="lt1"/>
-          </a:fontRef>
-        </p:style>
-        <p:txBody>
-          <a:bodyPr rtlCol="0" anchor="ctr"/>
-          <a:lstStyle/>
-          <a:p>
-            <a:pPr algn="ctr"/>
-            <a:r>
-              <a:rPr lang="en-US" dirty="0"/>
-              <a:t>Artist + Song name</a:t>
-            </a:r>
-            <a:endParaRPr lang="en-IL" dirty="0"/>
-          </a:p>
-        </p:txBody>
-      </p:sp>
-      <p:sp>
-        <p:nvSpPr>
-          <p:cNvPr id="16" name="Speech Bubble: Rectangle 15">
-            <a:extLst>
-              <a:ext uri="{FF2B5EF4-FFF2-40B4-BE49-F238E27FC236}">
-                <a16:creationId xmlns:a16="http://schemas.microsoft.com/office/drawing/2014/main" id="{5E7C0E98-78F0-49BE-B611-B82D2F58E0A9}"/>
-              </a:ext>
-            </a:extLst>
-          </p:cNvPr>
-          <p:cNvSpPr/>
-          <p:nvPr/>
-        </p:nvSpPr>
-        <p:spPr>
-          <a:xfrm>
-            <a:off x="8772525" y="3798154"/>
-            <a:ext cx="2495550" cy="773847"/>
-          </a:xfrm>
-          <a:prstGeom prst="wedgeRectCallout">
-            <a:avLst>
-              <a:gd name="adj1" fmla="val -120451"/>
-              <a:gd name="adj2" fmla="val 76282"/>
-            </a:avLst>
-          </a:prstGeom>
-        </p:spPr>
-        <p:style>
-          <a:lnRef idx="2">
-            <a:schemeClr val="accent1">
-              <a:shade val="50000"/>
-            </a:schemeClr>
-          </a:lnRef>
-          <a:fillRef idx="1">
-            <a:schemeClr val="accent1"/>
-          </a:fillRef>
-          <a:effectRef idx="0">
-            <a:schemeClr val="accent1"/>
-          </a:effectRef>
-          <a:fontRef idx="minor">
-            <a:schemeClr val="lt1"/>
-          </a:fontRef>
-        </p:style>
-        <p:txBody>
-          <a:bodyPr rtlCol="0" anchor="ctr"/>
-          <a:lstStyle/>
-          <a:p>
-            <a:pPr algn="ctr"/>
-            <a:r>
-              <a:rPr lang="en-US" dirty="0"/>
-              <a:t>Station name</a:t>
-            </a:r>
-            <a:endParaRPr lang="en-IL" dirty="0"/>
-          </a:p>
-        </p:txBody>
-      </p:sp>
-      <p:sp>
-        <p:nvSpPr>
-          <p:cNvPr id="17" name="Speech Bubble: Rectangle 16">
-            <a:extLst>
-              <a:ext uri="{FF2B5EF4-FFF2-40B4-BE49-F238E27FC236}">
-                <a16:creationId xmlns:a16="http://schemas.microsoft.com/office/drawing/2014/main" id="{690DA203-5B3E-44A2-86A5-8A30E0048BE0}"/>
-              </a:ext>
-            </a:extLst>
-          </p:cNvPr>
-          <p:cNvSpPr/>
-          <p:nvPr/>
-        </p:nvSpPr>
-        <p:spPr>
-          <a:xfrm>
-            <a:off x="8772525" y="4810125"/>
-            <a:ext cx="2495550" cy="773847"/>
-          </a:xfrm>
-          <a:prstGeom prst="wedgeRectCallout">
-            <a:avLst>
-              <a:gd name="adj1" fmla="val -123886"/>
-              <a:gd name="adj2" fmla="val 28278"/>
-            </a:avLst>
-          </a:prstGeom>
-        </p:spPr>
-        <p:style>
-          <a:lnRef idx="2">
-            <a:schemeClr val="accent1">
-              <a:shade val="50000"/>
-            </a:schemeClr>
-          </a:lnRef>
-          <a:fillRef idx="1">
-            <a:schemeClr val="accent1"/>
-          </a:fillRef>
-          <a:effectRef idx="0">
-            <a:schemeClr val="accent1"/>
-          </a:effectRef>
-          <a:fontRef idx="minor">
-            <a:schemeClr val="lt1"/>
-          </a:fontRef>
-        </p:style>
-        <p:txBody>
-          <a:bodyPr rtlCol="0" anchor="ctr"/>
-          <a:lstStyle/>
-          <a:p>
-            <a:pPr algn="ctr"/>
-            <a:r>
-              <a:rPr lang="en-US" dirty="0"/>
-              <a:t>likes</a:t>
-            </a:r>
-            <a:endParaRPr lang="en-IL" dirty="0"/>
-          </a:p>
-        </p:txBody>
-      </p:sp>
-      <p:sp>
-        <p:nvSpPr>
-          <p:cNvPr id="18" name="Speech Bubble: Rectangle 17">
-            <a:extLst>
-              <a:ext uri="{FF2B5EF4-FFF2-40B4-BE49-F238E27FC236}">
-                <a16:creationId xmlns:a16="http://schemas.microsoft.com/office/drawing/2014/main" id="{33A4B709-3B13-4CB6-A708-AA2DD9F612B3}"/>
-              </a:ext>
-            </a:extLst>
-          </p:cNvPr>
-          <p:cNvSpPr/>
-          <p:nvPr/>
-        </p:nvSpPr>
-        <p:spPr>
-          <a:xfrm>
-            <a:off x="8772525" y="5898297"/>
-            <a:ext cx="2495550" cy="773847"/>
-          </a:xfrm>
-          <a:prstGeom prst="wedgeRectCallout">
-            <a:avLst>
-              <a:gd name="adj1" fmla="val -165107"/>
-              <a:gd name="adj2" fmla="val -98501"/>
-            </a:avLst>
-          </a:prstGeom>
-        </p:spPr>
-        <p:style>
-          <a:lnRef idx="2">
-            <a:schemeClr val="accent1">
-              <a:shade val="50000"/>
-            </a:schemeClr>
-          </a:lnRef>
-          <a:fillRef idx="1">
-            <a:schemeClr val="accent1"/>
-          </a:fillRef>
-          <a:effectRef idx="0">
-            <a:schemeClr val="accent1"/>
-          </a:effectRef>
-          <a:fontRef idx="minor">
-            <a:schemeClr val="lt1"/>
-          </a:fontRef>
-        </p:style>
-        <p:txBody>
-          <a:bodyPr rtlCol="0" anchor="ctr"/>
-          <a:lstStyle/>
-          <a:p>
-            <a:pPr algn="ctr"/>
-            <a:r>
-              <a:rPr lang="en-US" dirty="0"/>
-              <a:t>Currently listening count</a:t>
-            </a:r>
-            <a:endParaRPr lang="en-IL" dirty="0"/>
-          </a:p>
-        </p:txBody>
-      </p:sp>
-      <p:sp>
-        <p:nvSpPr>
-          <p:cNvPr id="19" name="Speech Bubble: Rectangle 18">
-            <a:extLst>
-              <a:ext uri="{FF2B5EF4-FFF2-40B4-BE49-F238E27FC236}">
-                <a16:creationId xmlns:a16="http://schemas.microsoft.com/office/drawing/2014/main" id="{D34D26A9-C901-4B52-ADDF-B52D6934D4DE}"/>
-              </a:ext>
-            </a:extLst>
-          </p:cNvPr>
-          <p:cNvSpPr/>
-          <p:nvPr/>
-        </p:nvSpPr>
-        <p:spPr>
-          <a:xfrm>
-            <a:off x="638174" y="5674578"/>
-            <a:ext cx="2495550" cy="773847"/>
-          </a:xfrm>
-          <a:prstGeom prst="wedgeRectCallout">
-            <a:avLst>
-              <a:gd name="adj1" fmla="val 100924"/>
-              <a:gd name="adj2" fmla="val -83731"/>
-            </a:avLst>
-          </a:prstGeom>
-        </p:spPr>
-        <p:style>
-          <a:lnRef idx="2">
-            <a:schemeClr val="accent1">
-              <a:shade val="50000"/>
-            </a:schemeClr>
-          </a:lnRef>
-          <a:fillRef idx="1">
-            <a:schemeClr val="accent1"/>
-          </a:fillRef>
-          <a:effectRef idx="0">
-            <a:schemeClr val="accent1"/>
-          </a:effectRef>
-          <a:fontRef idx="minor">
-            <a:schemeClr val="lt1"/>
-          </a:fontRef>
-        </p:style>
-        <p:txBody>
-          <a:bodyPr rtlCol="0" anchor="ctr"/>
-          <a:lstStyle/>
-          <a:p>
-            <a:pPr algn="ctr"/>
-            <a:r>
-              <a:rPr lang="en-US" dirty="0"/>
-              <a:t>Genre / category</a:t>
-            </a:r>
-            <a:endParaRPr lang="en-IL" dirty="0"/>
-          </a:p>
-        </p:txBody>
-      </p:sp>
-      <p:sp>
-        <p:nvSpPr>
-          <p:cNvPr id="20" name="Speech Bubble: Rectangle 19">
-            <a:extLst>
-              <a:ext uri="{FF2B5EF4-FFF2-40B4-BE49-F238E27FC236}">
-                <a16:creationId xmlns:a16="http://schemas.microsoft.com/office/drawing/2014/main" id="{E47F8D4F-DF4C-443C-9159-D8D7A91A43A7}"/>
-              </a:ext>
-            </a:extLst>
-          </p:cNvPr>
-          <p:cNvSpPr/>
-          <p:nvPr/>
-        </p:nvSpPr>
-        <p:spPr>
-          <a:xfrm>
-            <a:off x="342899" y="1533525"/>
-            <a:ext cx="2495550" cy="773847"/>
-          </a:xfrm>
-          <a:prstGeom prst="wedgeRectCallout">
-            <a:avLst>
-              <a:gd name="adj1" fmla="val 97871"/>
-              <a:gd name="adj2" fmla="val 210445"/>
-            </a:avLst>
-          </a:prstGeom>
-        </p:spPr>
-        <p:style>
-          <a:lnRef idx="2">
-            <a:schemeClr val="accent1">
-              <a:shade val="50000"/>
-            </a:schemeClr>
-          </a:lnRef>
-          <a:fillRef idx="1">
-            <a:schemeClr val="accent1"/>
-          </a:fillRef>
-          <a:effectRef idx="0">
-            <a:schemeClr val="accent1"/>
-          </a:effectRef>
-          <a:fontRef idx="minor">
-            <a:schemeClr val="lt1"/>
-          </a:fontRef>
-        </p:style>
-        <p:txBody>
-          <a:bodyPr rtlCol="0" anchor="ctr"/>
-          <a:lstStyle/>
-          <a:p>
-            <a:pPr algn="ctr"/>
-            <a:r>
-              <a:rPr lang="en-US" dirty="0"/>
-              <a:t>Pay while staying at the home page</a:t>
-            </a:r>
-            <a:endParaRPr lang="en-IL" dirty="0"/>
-          </a:p>
-        </p:txBody>
-      </p:sp>
-      <p:sp>
-        <p:nvSpPr>
-          <p:cNvPr id="21" name="Speech Bubble: Rectangle 20">
-            <a:extLst>
-              <a:ext uri="{FF2B5EF4-FFF2-40B4-BE49-F238E27FC236}">
-                <a16:creationId xmlns:a16="http://schemas.microsoft.com/office/drawing/2014/main" id="{1DECD29F-6C46-4AB8-B250-167571D99BCF}"/>
-              </a:ext>
-            </a:extLst>
-          </p:cNvPr>
-          <p:cNvSpPr/>
-          <p:nvPr/>
-        </p:nvSpPr>
-        <p:spPr>
-          <a:xfrm>
-            <a:off x="473869" y="3714749"/>
-            <a:ext cx="2495550" cy="1482299"/>
-          </a:xfrm>
-          <a:prstGeom prst="wedgeRectCallout">
-            <a:avLst>
-              <a:gd name="adj1" fmla="val 158940"/>
-              <a:gd name="adj2" fmla="val -39420"/>
-            </a:avLst>
-          </a:prstGeom>
-        </p:spPr>
-        <p:style>
-          <a:lnRef idx="2">
-            <a:schemeClr val="accent1">
-              <a:shade val="50000"/>
-            </a:schemeClr>
-          </a:lnRef>
-          <a:fillRef idx="1">
-            <a:schemeClr val="accent1"/>
-          </a:fillRef>
-          <a:effectRef idx="0">
-            <a:schemeClr val="accent1"/>
-          </a:effectRef>
-          <a:fontRef idx="minor">
-            <a:schemeClr val="lt1"/>
-          </a:fontRef>
-        </p:style>
-        <p:txBody>
-          <a:bodyPr rtlCol="0" anchor="ctr"/>
-          <a:lstStyle/>
-          <a:p>
-            <a:pPr algn="ctr"/>
-            <a:r>
-              <a:rPr lang="en-US" dirty="0"/>
-              <a:t>Click anywhere to enter the station</a:t>
-            </a:r>
-            <a:endParaRPr lang="en-IL" dirty="0"/>
-          </a:p>
-        </p:txBody>
-      </p:sp>
-    </p:spTree>
-    <p:extLst>
-      <p:ext uri="{BB962C8B-B14F-4D97-AF65-F5344CB8AC3E}">
-        <p14:creationId xmlns:p14="http://schemas.microsoft.com/office/powerpoint/2010/main" val="3260804523"/>
-      </p:ext>
-    </p:extLst>
-  </p:cSld>
-  <p:clrMapOvr>
-    <a:masterClrMapping/>
-  </p:clrMapOvr>
-</p:sld>
-</file>
-
-<file path=ppt/slides/slide12.xml><?xml version="1.0" encoding="utf-8"?>
-<p:sld xmlns:a="http://schemas.openxmlformats.org/drawingml/2006/main" xmlns:r="http://schemas.openxmlformats.org/officeDocument/2006/relationships" xmlns:p="http://schemas.openxmlformats.org/presentationml/2006/main">
-  <p:cSld>
-    <p:spTree>
-      <p:nvGrpSpPr>
-        <p:cNvPr id="1" name=""/>
-        <p:cNvGrpSpPr/>
-        <p:nvPr/>
-      </p:nvGrpSpPr>
-      <p:grpSpPr>
-        <a:xfrm>
-          <a:off x="0" y="0"/>
-          <a:ext cx="0" cy="0"/>
-          <a:chOff x="0" y="0"/>
-          <a:chExt cx="0" cy="0"/>
-        </a:xfrm>
-      </p:grpSpPr>
-      <p:sp>
-        <p:nvSpPr>
-          <p:cNvPr id="5" name="TextBox 4">
-            <a:extLst>
-              <a:ext uri="{FF2B5EF4-FFF2-40B4-BE49-F238E27FC236}">
-                <a16:creationId xmlns:a16="http://schemas.microsoft.com/office/drawing/2014/main" id="{654AA4C7-1A2B-4498-BBA8-ECF8118D3984}"/>
-              </a:ext>
-            </a:extLst>
-          </p:cNvPr>
-          <p:cNvSpPr txBox="1"/>
-          <p:nvPr/>
-        </p:nvSpPr>
-        <p:spPr>
-          <a:xfrm>
-            <a:off x="638175" y="409575"/>
-            <a:ext cx="10791825" cy="830997"/>
-          </a:xfrm>
-          <a:prstGeom prst="rect">
-            <a:avLst/>
-          </a:prstGeom>
-          <a:noFill/>
-        </p:spPr>
-        <p:txBody>
-          <a:bodyPr wrap="square" rtlCol="0">
-            <a:spAutoFit/>
-          </a:bodyPr>
-          <a:lstStyle/>
-          <a:p>
-            <a:r>
-              <a:rPr lang="en-US" sz="4800" b="1" dirty="0"/>
-              <a:t>Station Page</a:t>
-            </a:r>
-            <a:endParaRPr lang="en-IL" sz="4800" b="1" dirty="0"/>
-          </a:p>
-        </p:txBody>
-      </p:sp>
-      <p:cxnSp>
-        <p:nvCxnSpPr>
-          <p:cNvPr id="8" name="Straight Connector 7">
-            <a:extLst>
-              <a:ext uri="{FF2B5EF4-FFF2-40B4-BE49-F238E27FC236}">
-                <a16:creationId xmlns:a16="http://schemas.microsoft.com/office/drawing/2014/main" id="{38E70AE2-3194-4F3F-996D-F0F607FEF874}"/>
-              </a:ext>
-            </a:extLst>
-          </p:cNvPr>
-          <p:cNvCxnSpPr/>
-          <p:nvPr/>
-        </p:nvCxnSpPr>
-        <p:spPr>
-          <a:xfrm>
-            <a:off x="638174" y="1228725"/>
-            <a:ext cx="10791825" cy="0"/>
-          </a:xfrm>
-          <a:prstGeom prst="line">
-            <a:avLst/>
-          </a:prstGeom>
-        </p:spPr>
-        <p:style>
-          <a:lnRef idx="1">
-            <a:schemeClr val="accent1"/>
-          </a:lnRef>
-          <a:fillRef idx="0">
-            <a:schemeClr val="accent1"/>
-          </a:fillRef>
-          <a:effectRef idx="0">
-            <a:schemeClr val="accent1"/>
-          </a:effectRef>
-          <a:fontRef idx="minor">
-            <a:schemeClr val="tx1"/>
-          </a:fontRef>
-        </p:style>
-      </p:cxnSp>
-      <p:pic>
-        <p:nvPicPr>
-          <p:cNvPr id="6" name="Picture 5">
-            <a:extLst>
-              <a:ext uri="{FF2B5EF4-FFF2-40B4-BE49-F238E27FC236}">
-                <a16:creationId xmlns:a16="http://schemas.microsoft.com/office/drawing/2014/main" id="{E348CED2-C44E-441E-A093-D045F0CC9B49}"/>
+                <a16:creationId xmlns:a16="http://schemas.microsoft.com/office/drawing/2014/main" id="{9B69D750-0FF9-4974-A597-82CB35106A70}"/>
               </a:ext>
             </a:extLst>
           </p:cNvPr>
@@ -3938,790 +3320,33 @@
           <p:nvPr/>
         </p:nvPicPr>
         <p:blipFill>
-          <a:blip r:embed="rId2"/>
+          <a:blip r:embed="rId2">
+            <a:extLst>
+              <a:ext uri="{28A0092B-C50C-407E-A947-70E740481C1C}">
+                <a14:useLocalDpi xmlns:a14="http://schemas.microsoft.com/office/drawing/2010/main" val="0"/>
+              </a:ext>
+            </a:extLst>
+          </a:blip>
           <a:stretch>
             <a:fillRect/>
           </a:stretch>
         </p:blipFill>
         <p:spPr>
           <a:xfrm>
-            <a:off x="1323975" y="1332288"/>
-            <a:ext cx="8432511" cy="4296987"/>
+            <a:off x="4886120" y="1380215"/>
+            <a:ext cx="2998357" cy="4806416"/>
           </a:xfrm>
           <a:prstGeom prst="rect">
             <a:avLst/>
           </a:prstGeom>
         </p:spPr>
       </p:pic>
-      <p:sp>
-        <p:nvSpPr>
-          <p:cNvPr id="7" name="Speech Bubble: Rectangle 6">
-            <a:extLst>
-              <a:ext uri="{FF2B5EF4-FFF2-40B4-BE49-F238E27FC236}">
-                <a16:creationId xmlns:a16="http://schemas.microsoft.com/office/drawing/2014/main" id="{FC320AE4-9FD4-4286-8D5F-823496F7217B}"/>
-              </a:ext>
-            </a:extLst>
-          </p:cNvPr>
-          <p:cNvSpPr/>
-          <p:nvPr/>
-        </p:nvSpPr>
-        <p:spPr>
-          <a:xfrm>
-            <a:off x="10296525" y="4437439"/>
-            <a:ext cx="1390650" cy="1400173"/>
-          </a:xfrm>
-          <a:prstGeom prst="wedgeRectCallout">
-            <a:avLst>
-              <a:gd name="adj1" fmla="val -149600"/>
-              <a:gd name="adj2" fmla="val 23044"/>
-            </a:avLst>
-          </a:prstGeom>
-        </p:spPr>
-        <p:style>
-          <a:lnRef idx="2">
-            <a:schemeClr val="accent1">
-              <a:shade val="50000"/>
-            </a:schemeClr>
-          </a:lnRef>
-          <a:fillRef idx="1">
-            <a:schemeClr val="accent1"/>
-          </a:fillRef>
-          <a:effectRef idx="0">
-            <a:schemeClr val="accent1"/>
-          </a:effectRef>
-          <a:fontRef idx="minor">
-            <a:schemeClr val="lt1"/>
-          </a:fontRef>
-        </p:style>
-        <p:txBody>
-          <a:bodyPr rtlCol="0" anchor="ctr"/>
-          <a:lstStyle/>
-          <a:p>
-            <a:pPr algn="ctr"/>
-            <a:r>
-              <a:rPr lang="en-US" dirty="0"/>
-              <a:t>Input for chat messages</a:t>
-            </a:r>
-            <a:endParaRPr lang="en-IL" dirty="0"/>
-          </a:p>
-        </p:txBody>
-      </p:sp>
-      <p:sp>
-        <p:nvSpPr>
-          <p:cNvPr id="38" name="Speech Bubble: Rectangle 37">
-            <a:extLst>
-              <a:ext uri="{FF2B5EF4-FFF2-40B4-BE49-F238E27FC236}">
-                <a16:creationId xmlns:a16="http://schemas.microsoft.com/office/drawing/2014/main" id="{59CEEB0C-511A-4774-B920-8DE9B46288D4}"/>
-              </a:ext>
-            </a:extLst>
-          </p:cNvPr>
-          <p:cNvSpPr/>
-          <p:nvPr/>
-        </p:nvSpPr>
-        <p:spPr>
-          <a:xfrm>
-            <a:off x="10144125" y="2180014"/>
-            <a:ext cx="1390650" cy="1400173"/>
-          </a:xfrm>
-          <a:prstGeom prst="wedgeRectCallout">
-            <a:avLst>
-              <a:gd name="adj1" fmla="val -170833"/>
-              <a:gd name="adj2" fmla="val -15051"/>
-            </a:avLst>
-          </a:prstGeom>
-        </p:spPr>
-        <p:style>
-          <a:lnRef idx="2">
-            <a:schemeClr val="accent1">
-              <a:shade val="50000"/>
-            </a:schemeClr>
-          </a:lnRef>
-          <a:fillRef idx="1">
-            <a:schemeClr val="accent1"/>
-          </a:fillRef>
-          <a:effectRef idx="0">
-            <a:schemeClr val="accent1"/>
-          </a:effectRef>
-          <a:fontRef idx="minor">
-            <a:schemeClr val="lt1"/>
-          </a:fontRef>
-        </p:style>
-        <p:txBody>
-          <a:bodyPr rtlCol="0" anchor="ctr"/>
-          <a:lstStyle/>
-          <a:p>
-            <a:pPr algn="ctr"/>
-            <a:r>
-              <a:rPr lang="en-US" dirty="0"/>
-              <a:t>chat messages</a:t>
-            </a:r>
-          </a:p>
-          <a:p>
-            <a:pPr algn="ctr"/>
-            <a:r>
-              <a:rPr lang="en-US" dirty="0"/>
-              <a:t>Appear here</a:t>
-            </a:r>
-            <a:endParaRPr lang="en-IL" dirty="0"/>
-          </a:p>
-        </p:txBody>
-      </p:sp>
-      <p:sp>
-        <p:nvSpPr>
-          <p:cNvPr id="13" name="TextBox 12">
-            <a:extLst>
-              <a:ext uri="{FF2B5EF4-FFF2-40B4-BE49-F238E27FC236}">
-                <a16:creationId xmlns:a16="http://schemas.microsoft.com/office/drawing/2014/main" id="{362CE4F5-469C-4195-8E20-6BB0980C4FD1}"/>
-              </a:ext>
-            </a:extLst>
-          </p:cNvPr>
-          <p:cNvSpPr txBox="1"/>
-          <p:nvPr/>
-        </p:nvSpPr>
-        <p:spPr>
-          <a:xfrm>
-            <a:off x="7419973" y="2894725"/>
-            <a:ext cx="2219325" cy="276999"/>
-          </a:xfrm>
-          <a:prstGeom prst="rect">
-            <a:avLst/>
-          </a:prstGeom>
-          <a:noFill/>
-        </p:spPr>
-        <p:txBody>
-          <a:bodyPr wrap="square" rtlCol="0">
-            <a:spAutoFit/>
-          </a:bodyPr>
-          <a:lstStyle/>
-          <a:p>
-            <a:r>
-              <a:rPr lang="en-US" sz="1200" dirty="0">
-                <a:solidFill>
-                  <a:schemeClr val="bg1"/>
-                </a:solidFill>
-              </a:rPr>
-              <a:t>Dudu: amazing song</a:t>
-            </a:r>
-            <a:endParaRPr lang="en-IL" sz="1200" dirty="0">
-              <a:solidFill>
-                <a:schemeClr val="bg1"/>
-              </a:solidFill>
-            </a:endParaRPr>
-          </a:p>
-        </p:txBody>
-      </p:sp>
-      <p:sp>
-        <p:nvSpPr>
-          <p:cNvPr id="40" name="TextBox 39">
-            <a:extLst>
-              <a:ext uri="{FF2B5EF4-FFF2-40B4-BE49-F238E27FC236}">
-                <a16:creationId xmlns:a16="http://schemas.microsoft.com/office/drawing/2014/main" id="{1D8E962D-AE42-4D6B-B803-096D97766553}"/>
-              </a:ext>
-            </a:extLst>
-          </p:cNvPr>
-          <p:cNvSpPr txBox="1"/>
-          <p:nvPr/>
-        </p:nvSpPr>
-        <p:spPr>
-          <a:xfrm>
-            <a:off x="7419972" y="3233279"/>
-            <a:ext cx="2219325" cy="276999"/>
-          </a:xfrm>
-          <a:prstGeom prst="rect">
-            <a:avLst/>
-          </a:prstGeom>
-          <a:noFill/>
-        </p:spPr>
-        <p:txBody>
-          <a:bodyPr wrap="square" rtlCol="0">
-            <a:spAutoFit/>
-          </a:bodyPr>
-          <a:lstStyle/>
-          <a:p>
-            <a:r>
-              <a:rPr lang="en-US" sz="1200" dirty="0" err="1">
-                <a:solidFill>
-                  <a:schemeClr val="bg1"/>
-                </a:solidFill>
-              </a:rPr>
-              <a:t>Duda</a:t>
-            </a:r>
-            <a:r>
-              <a:rPr lang="en-US" sz="1200" dirty="0">
-                <a:solidFill>
-                  <a:schemeClr val="bg1"/>
-                </a:solidFill>
-              </a:rPr>
-              <a:t> : amazing dud</a:t>
-            </a:r>
-            <a:endParaRPr lang="en-IL" sz="1200" dirty="0">
-              <a:solidFill>
-                <a:schemeClr val="bg1"/>
-              </a:solidFill>
-            </a:endParaRPr>
-          </a:p>
-        </p:txBody>
-      </p:sp>
-      <p:sp>
-        <p:nvSpPr>
-          <p:cNvPr id="46" name="TextBox 45">
-            <a:extLst>
-              <a:ext uri="{FF2B5EF4-FFF2-40B4-BE49-F238E27FC236}">
-                <a16:creationId xmlns:a16="http://schemas.microsoft.com/office/drawing/2014/main" id="{7090A578-779F-4B04-A15E-673AC1151A7D}"/>
-              </a:ext>
-            </a:extLst>
-          </p:cNvPr>
-          <p:cNvSpPr txBox="1"/>
-          <p:nvPr/>
-        </p:nvSpPr>
-        <p:spPr>
-          <a:xfrm>
-            <a:off x="7419971" y="3576029"/>
-            <a:ext cx="2219325" cy="461665"/>
-          </a:xfrm>
-          <a:prstGeom prst="rect">
-            <a:avLst/>
-          </a:prstGeom>
-          <a:noFill/>
-        </p:spPr>
-        <p:txBody>
-          <a:bodyPr wrap="square" rtlCol="0">
-            <a:spAutoFit/>
-          </a:bodyPr>
-          <a:lstStyle/>
-          <a:p>
-            <a:r>
-              <a:rPr lang="en-US" sz="1200" dirty="0">
-                <a:solidFill>
-                  <a:schemeClr val="bg1"/>
-                </a:solidFill>
-              </a:rPr>
-              <a:t>Rachel : not so sure about his music</a:t>
-            </a:r>
-            <a:endParaRPr lang="en-IL" sz="1200" dirty="0">
-              <a:solidFill>
-                <a:schemeClr val="bg1"/>
-              </a:solidFill>
-            </a:endParaRPr>
-          </a:p>
-        </p:txBody>
-      </p:sp>
-      <p:sp>
-        <p:nvSpPr>
-          <p:cNvPr id="47" name="Speech Bubble: Rectangle 46">
-            <a:extLst>
-              <a:ext uri="{FF2B5EF4-FFF2-40B4-BE49-F238E27FC236}">
-                <a16:creationId xmlns:a16="http://schemas.microsoft.com/office/drawing/2014/main" id="{E2234046-820B-435F-9A13-5F6C7B503C0D}"/>
-              </a:ext>
-            </a:extLst>
-          </p:cNvPr>
-          <p:cNvSpPr/>
-          <p:nvPr/>
-        </p:nvSpPr>
-        <p:spPr>
-          <a:xfrm>
-            <a:off x="6396033" y="5837612"/>
-            <a:ext cx="2219325" cy="896054"/>
-          </a:xfrm>
-          <a:prstGeom prst="wedgeRectCallout">
-            <a:avLst>
-              <a:gd name="adj1" fmla="val -26410"/>
-              <a:gd name="adj2" fmla="val -171430"/>
-            </a:avLst>
-          </a:prstGeom>
-        </p:spPr>
-        <p:style>
-          <a:lnRef idx="2">
-            <a:schemeClr val="accent1">
-              <a:shade val="50000"/>
-            </a:schemeClr>
-          </a:lnRef>
-          <a:fillRef idx="1">
-            <a:schemeClr val="accent1"/>
-          </a:fillRef>
-          <a:effectRef idx="0">
-            <a:schemeClr val="accent1"/>
-          </a:effectRef>
-          <a:fontRef idx="minor">
-            <a:schemeClr val="lt1"/>
-          </a:fontRef>
-        </p:style>
-        <p:txBody>
-          <a:bodyPr rtlCol="0" anchor="ctr"/>
-          <a:lstStyle/>
-          <a:p>
-            <a:pPr algn="ctr"/>
-            <a:r>
-              <a:rPr lang="en-US" dirty="0"/>
-              <a:t>Mode song up / down</a:t>
-            </a:r>
-            <a:endParaRPr lang="en-IL" dirty="0"/>
-          </a:p>
-        </p:txBody>
-      </p:sp>
-      <p:sp>
-        <p:nvSpPr>
-          <p:cNvPr id="48" name="Speech Bubble: Rectangle 47">
-            <a:extLst>
-              <a:ext uri="{FF2B5EF4-FFF2-40B4-BE49-F238E27FC236}">
-                <a16:creationId xmlns:a16="http://schemas.microsoft.com/office/drawing/2014/main" id="{1F791E1C-8C1B-4AAC-ADBE-27E00BFA6927}"/>
-              </a:ext>
-            </a:extLst>
-          </p:cNvPr>
-          <p:cNvSpPr/>
-          <p:nvPr/>
-        </p:nvSpPr>
-        <p:spPr>
-          <a:xfrm>
-            <a:off x="214312" y="5837612"/>
-            <a:ext cx="2219325" cy="896054"/>
-          </a:xfrm>
-          <a:prstGeom prst="wedgeRectCallout">
-            <a:avLst>
-              <a:gd name="adj1" fmla="val 11787"/>
-              <a:gd name="adj2" fmla="val -103398"/>
-            </a:avLst>
-          </a:prstGeom>
-        </p:spPr>
-        <p:style>
-          <a:lnRef idx="2">
-            <a:schemeClr val="accent1">
-              <a:shade val="50000"/>
-            </a:schemeClr>
-          </a:lnRef>
-          <a:fillRef idx="1">
-            <a:schemeClr val="accent1"/>
-          </a:fillRef>
-          <a:effectRef idx="0">
-            <a:schemeClr val="accent1"/>
-          </a:effectRef>
-          <a:fontRef idx="minor">
-            <a:schemeClr val="lt1"/>
-          </a:fontRef>
-        </p:style>
-        <p:txBody>
-          <a:bodyPr rtlCol="0" anchor="ctr"/>
-          <a:lstStyle/>
-          <a:p>
-            <a:pPr algn="ctr"/>
-            <a:r>
-              <a:rPr lang="en-US" dirty="0"/>
-              <a:t>Add songs</a:t>
-            </a:r>
-            <a:endParaRPr lang="en-IL" dirty="0"/>
-          </a:p>
-        </p:txBody>
-      </p:sp>
-      <p:sp>
-        <p:nvSpPr>
-          <p:cNvPr id="49" name="Speech Bubble: Rectangle 48">
-            <a:extLst>
-              <a:ext uri="{FF2B5EF4-FFF2-40B4-BE49-F238E27FC236}">
-                <a16:creationId xmlns:a16="http://schemas.microsoft.com/office/drawing/2014/main" id="{62942E52-077A-4347-8B88-8E928C28F2E6}"/>
-              </a:ext>
-            </a:extLst>
-          </p:cNvPr>
-          <p:cNvSpPr/>
-          <p:nvPr/>
-        </p:nvSpPr>
-        <p:spPr>
-          <a:xfrm>
-            <a:off x="3036094" y="5837612"/>
-            <a:ext cx="2219325" cy="896054"/>
-          </a:xfrm>
-          <a:prstGeom prst="wedgeRectCallout">
-            <a:avLst>
-              <a:gd name="adj1" fmla="val 3203"/>
-              <a:gd name="adj2" fmla="val -110839"/>
-            </a:avLst>
-          </a:prstGeom>
-        </p:spPr>
-        <p:style>
-          <a:lnRef idx="2">
-            <a:schemeClr val="accent1">
-              <a:shade val="50000"/>
-            </a:schemeClr>
-          </a:lnRef>
-          <a:fillRef idx="1">
-            <a:schemeClr val="accent1"/>
-          </a:fillRef>
-          <a:effectRef idx="0">
-            <a:schemeClr val="accent1"/>
-          </a:effectRef>
-          <a:fontRef idx="minor">
-            <a:schemeClr val="lt1"/>
-          </a:fontRef>
-        </p:style>
-        <p:txBody>
-          <a:bodyPr rtlCol="0" anchor="ctr"/>
-          <a:lstStyle/>
-          <a:p>
-            <a:pPr algn="ctr"/>
-            <a:r>
-              <a:rPr lang="en-US" dirty="0"/>
-              <a:t>Artist + song name</a:t>
-            </a:r>
-            <a:endParaRPr lang="en-IL" dirty="0"/>
-          </a:p>
-        </p:txBody>
-      </p:sp>
-      <p:sp>
-        <p:nvSpPr>
-          <p:cNvPr id="50" name="Speech Bubble: Rectangle 49">
-            <a:extLst>
-              <a:ext uri="{FF2B5EF4-FFF2-40B4-BE49-F238E27FC236}">
-                <a16:creationId xmlns:a16="http://schemas.microsoft.com/office/drawing/2014/main" id="{2A18C4BD-C94E-455F-B311-E935566240A0}"/>
-              </a:ext>
-            </a:extLst>
-          </p:cNvPr>
-          <p:cNvSpPr/>
-          <p:nvPr/>
-        </p:nvSpPr>
-        <p:spPr>
-          <a:xfrm>
-            <a:off x="114299" y="1633051"/>
-            <a:ext cx="1092487" cy="1400173"/>
-          </a:xfrm>
-          <a:prstGeom prst="wedgeRectCallout">
-            <a:avLst>
-              <a:gd name="adj1" fmla="val 179852"/>
-              <a:gd name="adj2" fmla="val 25765"/>
-            </a:avLst>
-          </a:prstGeom>
-        </p:spPr>
-        <p:style>
-          <a:lnRef idx="2">
-            <a:schemeClr val="accent1">
-              <a:shade val="50000"/>
-            </a:schemeClr>
-          </a:lnRef>
-          <a:fillRef idx="1">
-            <a:schemeClr val="accent1"/>
-          </a:fillRef>
-          <a:effectRef idx="0">
-            <a:schemeClr val="accent1"/>
-          </a:effectRef>
-          <a:fontRef idx="minor">
-            <a:schemeClr val="lt1"/>
-          </a:fontRef>
-        </p:style>
-        <p:txBody>
-          <a:bodyPr rtlCol="0" anchor="ctr"/>
-          <a:lstStyle/>
-          <a:p>
-            <a:pPr algn="ctr"/>
-            <a:r>
-              <a:rPr lang="en-US" dirty="0"/>
-              <a:t>Now playing </a:t>
-            </a:r>
-            <a:endParaRPr lang="en-IL" dirty="0"/>
-          </a:p>
-        </p:txBody>
-      </p:sp>
-      <p:sp>
-        <p:nvSpPr>
-          <p:cNvPr id="15" name="Rectangle 14">
-            <a:extLst>
-              <a:ext uri="{FF2B5EF4-FFF2-40B4-BE49-F238E27FC236}">
-                <a16:creationId xmlns:a16="http://schemas.microsoft.com/office/drawing/2014/main" id="{2FB62738-F61A-42CD-9B85-98DC6C980D38}"/>
-              </a:ext>
-            </a:extLst>
-          </p:cNvPr>
-          <p:cNvSpPr/>
-          <p:nvPr/>
-        </p:nvSpPr>
-        <p:spPr>
-          <a:xfrm>
-            <a:off x="7953375" y="1438275"/>
-            <a:ext cx="866775" cy="276999"/>
-          </a:xfrm>
-          <a:prstGeom prst="rect">
-            <a:avLst/>
-          </a:prstGeom>
-          <a:solidFill>
-            <a:schemeClr val="tx1"/>
-          </a:solidFill>
-          <a:ln>
-            <a:noFill/>
-          </a:ln>
-        </p:spPr>
-        <p:style>
-          <a:lnRef idx="2">
-            <a:schemeClr val="accent1">
-              <a:shade val="50000"/>
-            </a:schemeClr>
-          </a:lnRef>
-          <a:fillRef idx="1">
-            <a:schemeClr val="accent1"/>
-          </a:fillRef>
-          <a:effectRef idx="0">
-            <a:schemeClr val="accent1"/>
-          </a:effectRef>
-          <a:fontRef idx="minor">
-            <a:schemeClr val="lt1"/>
-          </a:fontRef>
-        </p:style>
-        <p:txBody>
-          <a:bodyPr rtlCol="0" anchor="ctr"/>
-          <a:lstStyle/>
-          <a:p>
-            <a:pPr algn="ctr"/>
-            <a:r>
-              <a:rPr lang="en-US" sz="1400" dirty="0"/>
-              <a:t>Stations</a:t>
-            </a:r>
-            <a:endParaRPr lang="en-IL" sz="1400" dirty="0"/>
-          </a:p>
-        </p:txBody>
-      </p:sp>
-    </p:spTree>
-    <p:extLst>
-      <p:ext uri="{BB962C8B-B14F-4D97-AF65-F5344CB8AC3E}">
-        <p14:creationId xmlns:p14="http://schemas.microsoft.com/office/powerpoint/2010/main" val="3366528380"/>
-      </p:ext>
-    </p:extLst>
-  </p:cSld>
-  <p:clrMapOvr>
-    <a:masterClrMapping/>
-  </p:clrMapOvr>
-</p:sld>
-</file>
-
-<file path=ppt/slides/slide13.xml><?xml version="1.0" encoding="utf-8"?>
-<p:sld xmlns:a="http://schemas.openxmlformats.org/drawingml/2006/main" xmlns:r="http://schemas.openxmlformats.org/officeDocument/2006/relationships" xmlns:p="http://schemas.openxmlformats.org/presentationml/2006/main">
-  <p:cSld>
-    <p:spTree>
-      <p:nvGrpSpPr>
-        <p:cNvPr id="1" name=""/>
-        <p:cNvGrpSpPr/>
-        <p:nvPr/>
-      </p:nvGrpSpPr>
-      <p:grpSpPr>
-        <a:xfrm>
-          <a:off x="0" y="0"/>
-          <a:ext cx="0" cy="0"/>
-          <a:chOff x="0" y="0"/>
-          <a:chExt cx="0" cy="0"/>
-        </a:xfrm>
-      </p:grpSpPr>
-      <p:sp>
-        <p:nvSpPr>
-          <p:cNvPr id="5" name="TextBox 4">
-            <a:extLst>
-              <a:ext uri="{FF2B5EF4-FFF2-40B4-BE49-F238E27FC236}">
-                <a16:creationId xmlns:a16="http://schemas.microsoft.com/office/drawing/2014/main" id="{654AA4C7-1A2B-4498-BBA8-ECF8118D3984}"/>
-              </a:ext>
-            </a:extLst>
-          </p:cNvPr>
-          <p:cNvSpPr txBox="1"/>
-          <p:nvPr/>
-        </p:nvSpPr>
-        <p:spPr>
-          <a:xfrm>
-            <a:off x="638175" y="409575"/>
-            <a:ext cx="10791825" cy="830997"/>
-          </a:xfrm>
-          <a:prstGeom prst="rect">
-            <a:avLst/>
-          </a:prstGeom>
-          <a:noFill/>
-        </p:spPr>
-        <p:txBody>
-          <a:bodyPr wrap="square" rtlCol="0">
-            <a:spAutoFit/>
-          </a:bodyPr>
-          <a:lstStyle/>
-          <a:p>
-            <a:r>
-              <a:rPr lang="en-US" sz="4800" b="1" dirty="0"/>
-              <a:t>Station Page &gt; Add Song</a:t>
-            </a:r>
-            <a:endParaRPr lang="en-IL" sz="4800" b="1" dirty="0"/>
-          </a:p>
-        </p:txBody>
-      </p:sp>
-      <p:cxnSp>
-        <p:nvCxnSpPr>
-          <p:cNvPr id="8" name="Straight Connector 7">
-            <a:extLst>
-              <a:ext uri="{FF2B5EF4-FFF2-40B4-BE49-F238E27FC236}">
-                <a16:creationId xmlns:a16="http://schemas.microsoft.com/office/drawing/2014/main" id="{38E70AE2-3194-4F3F-996D-F0F607FEF874}"/>
-              </a:ext>
-            </a:extLst>
-          </p:cNvPr>
-          <p:cNvCxnSpPr/>
-          <p:nvPr/>
-        </p:nvCxnSpPr>
-        <p:spPr>
-          <a:xfrm>
-            <a:off x="638174" y="1228725"/>
-            <a:ext cx="10791825" cy="0"/>
-          </a:xfrm>
-          <a:prstGeom prst="line">
-            <a:avLst/>
-          </a:prstGeom>
-        </p:spPr>
-        <p:style>
-          <a:lnRef idx="1">
-            <a:schemeClr val="accent1"/>
-          </a:lnRef>
-          <a:fillRef idx="0">
-            <a:schemeClr val="accent1"/>
-          </a:fillRef>
-          <a:effectRef idx="0">
-            <a:schemeClr val="accent1"/>
-          </a:effectRef>
-          <a:fontRef idx="minor">
-            <a:schemeClr val="tx1"/>
-          </a:fontRef>
-        </p:style>
-      </p:cxnSp>
-      <p:sp>
-        <p:nvSpPr>
-          <p:cNvPr id="13" name="TextBox 12">
-            <a:extLst>
-              <a:ext uri="{FF2B5EF4-FFF2-40B4-BE49-F238E27FC236}">
-                <a16:creationId xmlns:a16="http://schemas.microsoft.com/office/drawing/2014/main" id="{362CE4F5-469C-4195-8E20-6BB0980C4FD1}"/>
-              </a:ext>
-            </a:extLst>
-          </p:cNvPr>
-          <p:cNvSpPr txBox="1"/>
-          <p:nvPr/>
-        </p:nvSpPr>
-        <p:spPr>
-          <a:xfrm>
-            <a:off x="7419973" y="2894725"/>
-            <a:ext cx="2219325" cy="276999"/>
-          </a:xfrm>
-          <a:prstGeom prst="rect">
-            <a:avLst/>
-          </a:prstGeom>
-          <a:noFill/>
-        </p:spPr>
-        <p:txBody>
-          <a:bodyPr wrap="square" rtlCol="0">
-            <a:spAutoFit/>
-          </a:bodyPr>
-          <a:lstStyle/>
-          <a:p>
-            <a:r>
-              <a:rPr lang="en-US" sz="1200" dirty="0">
-                <a:solidFill>
-                  <a:schemeClr val="bg1"/>
-                </a:solidFill>
-              </a:rPr>
-              <a:t>Dudu: amazing song</a:t>
-            </a:r>
-            <a:endParaRPr lang="en-IL" sz="1200" dirty="0">
-              <a:solidFill>
-                <a:schemeClr val="bg1"/>
-              </a:solidFill>
-            </a:endParaRPr>
-          </a:p>
-        </p:txBody>
-      </p:sp>
-      <p:sp>
-        <p:nvSpPr>
-          <p:cNvPr id="40" name="TextBox 39">
-            <a:extLst>
-              <a:ext uri="{FF2B5EF4-FFF2-40B4-BE49-F238E27FC236}">
-                <a16:creationId xmlns:a16="http://schemas.microsoft.com/office/drawing/2014/main" id="{1D8E962D-AE42-4D6B-B803-096D97766553}"/>
-              </a:ext>
-            </a:extLst>
-          </p:cNvPr>
-          <p:cNvSpPr txBox="1"/>
-          <p:nvPr/>
-        </p:nvSpPr>
-        <p:spPr>
-          <a:xfrm>
-            <a:off x="7419972" y="3233279"/>
-            <a:ext cx="2219325" cy="276999"/>
-          </a:xfrm>
-          <a:prstGeom prst="rect">
-            <a:avLst/>
-          </a:prstGeom>
-          <a:noFill/>
-        </p:spPr>
-        <p:txBody>
-          <a:bodyPr wrap="square" rtlCol="0">
-            <a:spAutoFit/>
-          </a:bodyPr>
-          <a:lstStyle/>
-          <a:p>
-            <a:r>
-              <a:rPr lang="en-US" sz="1200" dirty="0" err="1">
-                <a:solidFill>
-                  <a:schemeClr val="bg1"/>
-                </a:solidFill>
-              </a:rPr>
-              <a:t>Duda</a:t>
-            </a:r>
-            <a:r>
-              <a:rPr lang="en-US" sz="1200" dirty="0">
-                <a:solidFill>
-                  <a:schemeClr val="bg1"/>
-                </a:solidFill>
-              </a:rPr>
-              <a:t> : amazing dud</a:t>
-            </a:r>
-            <a:endParaRPr lang="en-IL" sz="1200" dirty="0">
-              <a:solidFill>
-                <a:schemeClr val="bg1"/>
-              </a:solidFill>
-            </a:endParaRPr>
-          </a:p>
-        </p:txBody>
-      </p:sp>
-      <p:sp>
-        <p:nvSpPr>
-          <p:cNvPr id="46" name="TextBox 45">
-            <a:extLst>
-              <a:ext uri="{FF2B5EF4-FFF2-40B4-BE49-F238E27FC236}">
-                <a16:creationId xmlns:a16="http://schemas.microsoft.com/office/drawing/2014/main" id="{7090A578-779F-4B04-A15E-673AC1151A7D}"/>
-              </a:ext>
-            </a:extLst>
-          </p:cNvPr>
-          <p:cNvSpPr txBox="1"/>
-          <p:nvPr/>
-        </p:nvSpPr>
-        <p:spPr>
-          <a:xfrm>
-            <a:off x="7419971" y="3576029"/>
-            <a:ext cx="2219325" cy="461665"/>
-          </a:xfrm>
-          <a:prstGeom prst="rect">
-            <a:avLst/>
-          </a:prstGeom>
-          <a:noFill/>
-        </p:spPr>
-        <p:txBody>
-          <a:bodyPr wrap="square" rtlCol="0">
-            <a:spAutoFit/>
-          </a:bodyPr>
-          <a:lstStyle/>
-          <a:p>
-            <a:r>
-              <a:rPr lang="en-US" sz="1200" dirty="0">
-                <a:solidFill>
-                  <a:schemeClr val="bg1"/>
-                </a:solidFill>
-              </a:rPr>
-              <a:t>Rachel : not so sure about his music</a:t>
-            </a:r>
-            <a:endParaRPr lang="en-IL" sz="1200" dirty="0">
-              <a:solidFill>
-                <a:schemeClr val="bg1"/>
-              </a:solidFill>
-            </a:endParaRPr>
-          </a:p>
-        </p:txBody>
-      </p:sp>
       <p:pic>
         <p:nvPicPr>
-          <p:cNvPr id="2" name="Picture 1">
+          <p:cNvPr id="7" name="Picture 6" descr="A screenshot of a cell phone&#10;&#10;Description automatically generated">
             <a:extLst>
               <a:ext uri="{FF2B5EF4-FFF2-40B4-BE49-F238E27FC236}">
-                <a16:creationId xmlns:a16="http://schemas.microsoft.com/office/drawing/2014/main" id="{7A8A7CF1-284D-4831-B214-2BD6C1762694}"/>
+                <a16:creationId xmlns:a16="http://schemas.microsoft.com/office/drawing/2014/main" id="{4FF0442E-6E8A-4B45-9936-FE0A8BC10697}"/>
               </a:ext>
             </a:extLst>
           </p:cNvPr>
@@ -4731,344 +3356,33 @@
           <p:nvPr/>
         </p:nvPicPr>
         <p:blipFill>
-          <a:blip r:embed="rId2"/>
+          <a:blip r:embed="rId3">
+            <a:extLst>
+              <a:ext uri="{28A0092B-C50C-407E-A947-70E740481C1C}">
+                <a14:useLocalDpi xmlns:a14="http://schemas.microsoft.com/office/drawing/2010/main" val="0"/>
+              </a:ext>
+            </a:extLst>
+          </a:blip>
           <a:stretch>
             <a:fillRect/>
           </a:stretch>
         </p:blipFill>
         <p:spPr>
           <a:xfrm>
-            <a:off x="1428749" y="1524000"/>
-            <a:ext cx="9021949" cy="4728509"/>
+            <a:off x="445750" y="1331896"/>
+            <a:ext cx="3565857" cy="4903054"/>
           </a:xfrm>
           <a:prstGeom prst="rect">
             <a:avLst/>
           </a:prstGeom>
         </p:spPr>
       </p:pic>
-      <p:sp>
-        <p:nvSpPr>
-          <p:cNvPr id="38" name="Speech Bubble: Rectangle 37">
-            <a:extLst>
-              <a:ext uri="{FF2B5EF4-FFF2-40B4-BE49-F238E27FC236}">
-                <a16:creationId xmlns:a16="http://schemas.microsoft.com/office/drawing/2014/main" id="{59CEEB0C-511A-4774-B920-8DE9B46288D4}"/>
-              </a:ext>
-            </a:extLst>
-          </p:cNvPr>
-          <p:cNvSpPr/>
-          <p:nvPr/>
-        </p:nvSpPr>
-        <p:spPr>
-          <a:xfrm>
-            <a:off x="10144125" y="2180014"/>
-            <a:ext cx="1390650" cy="1400173"/>
-          </a:xfrm>
-          <a:prstGeom prst="wedgeRectCallout">
-            <a:avLst>
-              <a:gd name="adj1" fmla="val -260559"/>
-              <a:gd name="adj2" fmla="val 75425"/>
-            </a:avLst>
-          </a:prstGeom>
-        </p:spPr>
-        <p:style>
-          <a:lnRef idx="2">
-            <a:schemeClr val="accent1">
-              <a:shade val="50000"/>
-            </a:schemeClr>
-          </a:lnRef>
-          <a:fillRef idx="1">
-            <a:schemeClr val="accent1"/>
-          </a:fillRef>
-          <a:effectRef idx="0">
-            <a:schemeClr val="accent1"/>
-          </a:effectRef>
-          <a:fontRef idx="minor">
-            <a:schemeClr val="lt1"/>
-          </a:fontRef>
-        </p:style>
-        <p:txBody>
-          <a:bodyPr rtlCol="0" anchor="ctr"/>
-          <a:lstStyle/>
-          <a:p>
-            <a:pPr algn="ctr"/>
-            <a:r>
-              <a:rPr lang="en-US" dirty="0"/>
-              <a:t>Close “add song”</a:t>
-            </a:r>
-            <a:endParaRPr lang="en-IL" dirty="0"/>
-          </a:p>
-        </p:txBody>
-      </p:sp>
-      <p:sp>
-        <p:nvSpPr>
-          <p:cNvPr id="14" name="Speech Bubble: Rectangle 13">
-            <a:extLst>
-              <a:ext uri="{FF2B5EF4-FFF2-40B4-BE49-F238E27FC236}">
-                <a16:creationId xmlns:a16="http://schemas.microsoft.com/office/drawing/2014/main" id="{30564FBE-27A5-4F5E-9A70-5D7036D06DDF}"/>
-              </a:ext>
-            </a:extLst>
-          </p:cNvPr>
-          <p:cNvSpPr/>
-          <p:nvPr/>
-        </p:nvSpPr>
-        <p:spPr>
-          <a:xfrm>
-            <a:off x="9060048" y="4321123"/>
-            <a:ext cx="1390650" cy="629790"/>
-          </a:xfrm>
-          <a:prstGeom prst="wedgeRectCallout">
-            <a:avLst>
-              <a:gd name="adj1" fmla="val -270148"/>
-              <a:gd name="adj2" fmla="val -100250"/>
-            </a:avLst>
-          </a:prstGeom>
-        </p:spPr>
-        <p:style>
-          <a:lnRef idx="2">
-            <a:schemeClr val="accent1">
-              <a:shade val="50000"/>
-            </a:schemeClr>
-          </a:lnRef>
-          <a:fillRef idx="1">
-            <a:schemeClr val="accent1"/>
-          </a:fillRef>
-          <a:effectRef idx="0">
-            <a:schemeClr val="accent1"/>
-          </a:effectRef>
-          <a:fontRef idx="minor">
-            <a:schemeClr val="lt1"/>
-          </a:fontRef>
-        </p:style>
-        <p:txBody>
-          <a:bodyPr rtlCol="0" anchor="ctr"/>
-          <a:lstStyle/>
-          <a:p>
-            <a:pPr algn="ctr"/>
-            <a:r>
-              <a:rPr lang="en-US" dirty="0"/>
-              <a:t>Search songs</a:t>
-            </a:r>
-            <a:endParaRPr lang="en-IL" dirty="0"/>
-          </a:p>
-        </p:txBody>
-      </p:sp>
-      <p:sp>
-        <p:nvSpPr>
-          <p:cNvPr id="15" name="Speech Bubble: Rectangle 14">
-            <a:extLst>
-              <a:ext uri="{FF2B5EF4-FFF2-40B4-BE49-F238E27FC236}">
-                <a16:creationId xmlns:a16="http://schemas.microsoft.com/office/drawing/2014/main" id="{38484D4A-58AB-4468-9EAF-6A114BF69753}"/>
-              </a:ext>
-            </a:extLst>
-          </p:cNvPr>
-          <p:cNvSpPr/>
-          <p:nvPr/>
-        </p:nvSpPr>
-        <p:spPr>
-          <a:xfrm>
-            <a:off x="10039349" y="5470522"/>
-            <a:ext cx="1390650" cy="629790"/>
-          </a:xfrm>
-          <a:prstGeom prst="wedgeRectCallout">
-            <a:avLst>
-              <a:gd name="adj1" fmla="val -245490"/>
-              <a:gd name="adj2" fmla="val -89663"/>
-            </a:avLst>
-          </a:prstGeom>
-        </p:spPr>
-        <p:style>
-          <a:lnRef idx="2">
-            <a:schemeClr val="accent1">
-              <a:shade val="50000"/>
-            </a:schemeClr>
-          </a:lnRef>
-          <a:fillRef idx="1">
-            <a:schemeClr val="accent1"/>
-          </a:fillRef>
-          <a:effectRef idx="0">
-            <a:schemeClr val="accent1"/>
-          </a:effectRef>
-          <a:fontRef idx="minor">
-            <a:schemeClr val="lt1"/>
-          </a:fontRef>
-        </p:style>
-        <p:txBody>
-          <a:bodyPr rtlCol="0" anchor="ctr"/>
-          <a:lstStyle/>
-          <a:p>
-            <a:pPr algn="ctr"/>
-            <a:r>
-              <a:rPr lang="en-US" dirty="0"/>
-              <a:t>Add to station</a:t>
-            </a:r>
-            <a:endParaRPr lang="en-IL" dirty="0"/>
-          </a:p>
-        </p:txBody>
-      </p:sp>
-      <p:sp>
-        <p:nvSpPr>
-          <p:cNvPr id="16" name="Rectangle 15">
-            <a:extLst>
-              <a:ext uri="{FF2B5EF4-FFF2-40B4-BE49-F238E27FC236}">
-                <a16:creationId xmlns:a16="http://schemas.microsoft.com/office/drawing/2014/main" id="{3E80C5F3-0133-4FAA-B2CC-4FE80C0441E2}"/>
-              </a:ext>
-            </a:extLst>
-          </p:cNvPr>
-          <p:cNvSpPr/>
-          <p:nvPr/>
-        </p:nvSpPr>
-        <p:spPr>
-          <a:xfrm>
-            <a:off x="8315325" y="1638300"/>
-            <a:ext cx="866775" cy="276999"/>
-          </a:xfrm>
-          <a:prstGeom prst="rect">
-            <a:avLst/>
-          </a:prstGeom>
-          <a:solidFill>
-            <a:schemeClr val="tx1"/>
-          </a:solidFill>
-          <a:ln>
-            <a:noFill/>
-          </a:ln>
-        </p:spPr>
-        <p:style>
-          <a:lnRef idx="2">
-            <a:schemeClr val="accent1">
-              <a:shade val="50000"/>
-            </a:schemeClr>
-          </a:lnRef>
-          <a:fillRef idx="1">
-            <a:schemeClr val="accent1"/>
-          </a:fillRef>
-          <a:effectRef idx="0">
-            <a:schemeClr val="accent1"/>
-          </a:effectRef>
-          <a:fontRef idx="minor">
-            <a:schemeClr val="lt1"/>
-          </a:fontRef>
-        </p:style>
-        <p:txBody>
-          <a:bodyPr rtlCol="0" anchor="ctr"/>
-          <a:lstStyle/>
-          <a:p>
-            <a:pPr algn="ctr"/>
-            <a:r>
-              <a:rPr lang="en-US" sz="1400" dirty="0"/>
-              <a:t>Stations</a:t>
-            </a:r>
-            <a:endParaRPr lang="en-IL" sz="1400" dirty="0"/>
-          </a:p>
-        </p:txBody>
-      </p:sp>
-    </p:spTree>
-    <p:extLst>
-      <p:ext uri="{BB962C8B-B14F-4D97-AF65-F5344CB8AC3E}">
-        <p14:creationId xmlns:p14="http://schemas.microsoft.com/office/powerpoint/2010/main" val="1387045151"/>
-      </p:ext>
-    </p:extLst>
-  </p:cSld>
-  <p:clrMapOvr>
-    <a:masterClrMapping/>
-  </p:clrMapOvr>
-</p:sld>
-</file>
-
-<file path=ppt/slides/slide14.xml><?xml version="1.0" encoding="utf-8"?>
-<p:sld xmlns:a="http://schemas.openxmlformats.org/drawingml/2006/main" xmlns:r="http://schemas.openxmlformats.org/officeDocument/2006/relationships" xmlns:p="http://schemas.openxmlformats.org/presentationml/2006/main">
-  <p:cSld>
-    <p:spTree>
-      <p:nvGrpSpPr>
-        <p:cNvPr id="1" name=""/>
-        <p:cNvGrpSpPr/>
-        <p:nvPr/>
-      </p:nvGrpSpPr>
-      <p:grpSpPr>
-        <a:xfrm>
-          <a:off x="0" y="0"/>
-          <a:ext cx="0" cy="0"/>
-          <a:chOff x="0" y="0"/>
-          <a:chExt cx="0" cy="0"/>
-        </a:xfrm>
-      </p:grpSpPr>
-      <p:sp>
-        <p:nvSpPr>
-          <p:cNvPr id="5" name="TextBox 4">
-            <a:extLst>
-              <a:ext uri="{FF2B5EF4-FFF2-40B4-BE49-F238E27FC236}">
-                <a16:creationId xmlns:a16="http://schemas.microsoft.com/office/drawing/2014/main" id="{654AA4C7-1A2B-4498-BBA8-ECF8118D3984}"/>
-              </a:ext>
-            </a:extLst>
-          </p:cNvPr>
-          <p:cNvSpPr txBox="1"/>
-          <p:nvPr/>
-        </p:nvSpPr>
-        <p:spPr>
-          <a:xfrm>
-            <a:off x="638175" y="409575"/>
-            <a:ext cx="10791825" cy="830997"/>
-          </a:xfrm>
-          <a:prstGeom prst="rect">
-            <a:avLst/>
-          </a:prstGeom>
-          <a:noFill/>
-        </p:spPr>
-        <p:txBody>
-          <a:bodyPr wrap="square" rtlCol="0">
-            <a:spAutoFit/>
-          </a:bodyPr>
-          <a:lstStyle/>
-          <a:p>
-            <a:r>
-              <a:rPr lang="en-US" sz="4800" b="1" dirty="0"/>
-              <a:t>Login Page</a:t>
-            </a:r>
-            <a:endParaRPr lang="en-IL" sz="4800" b="1" dirty="0"/>
-          </a:p>
-        </p:txBody>
-      </p:sp>
-      <p:cxnSp>
-        <p:nvCxnSpPr>
-          <p:cNvPr id="8" name="Straight Connector 7">
-            <a:extLst>
-              <a:ext uri="{FF2B5EF4-FFF2-40B4-BE49-F238E27FC236}">
-                <a16:creationId xmlns:a16="http://schemas.microsoft.com/office/drawing/2014/main" id="{38E70AE2-3194-4F3F-996D-F0F607FEF874}"/>
-              </a:ext>
-            </a:extLst>
-          </p:cNvPr>
-          <p:cNvCxnSpPr/>
-          <p:nvPr/>
-        </p:nvCxnSpPr>
-        <p:spPr>
-          <a:xfrm>
-            <a:off x="638174" y="1228725"/>
-            <a:ext cx="10791825" cy="0"/>
-          </a:xfrm>
-          <a:prstGeom prst="line">
-            <a:avLst/>
-          </a:prstGeom>
-        </p:spPr>
-        <p:style>
-          <a:lnRef idx="1">
-            <a:schemeClr val="accent1"/>
-          </a:lnRef>
-          <a:fillRef idx="0">
-            <a:schemeClr val="accent1"/>
-          </a:fillRef>
-          <a:effectRef idx="0">
-            <a:schemeClr val="accent1"/>
-          </a:effectRef>
-          <a:fontRef idx="minor">
-            <a:schemeClr val="tx1"/>
-          </a:fontRef>
-        </p:style>
-      </p:cxnSp>
       <p:pic>
         <p:nvPicPr>
-          <p:cNvPr id="2" name="Picture 1">
+          <p:cNvPr id="9" name="Picture 8" descr="A screenshot of a cell phone&#10;&#10;Description automatically generated">
             <a:extLst>
               <a:ext uri="{FF2B5EF4-FFF2-40B4-BE49-F238E27FC236}">
-                <a16:creationId xmlns:a16="http://schemas.microsoft.com/office/drawing/2014/main" id="{1782D09E-F454-4AE8-AC44-EFB7D9280444}"/>
+                <a16:creationId xmlns:a16="http://schemas.microsoft.com/office/drawing/2014/main" id="{ED8FCC83-C514-4C89-A165-F178687EAA9D}"/>
               </a:ext>
             </a:extLst>
           </p:cNvPr>
@@ -5078,15 +3392,21 @@
           <p:nvPr/>
         </p:nvPicPr>
         <p:blipFill>
-          <a:blip r:embed="rId2"/>
+          <a:blip r:embed="rId4">
+            <a:extLst>
+              <a:ext uri="{28A0092B-C50C-407E-A947-70E740481C1C}">
+                <a14:useLocalDpi xmlns:a14="http://schemas.microsoft.com/office/drawing/2010/main" val="0"/>
+              </a:ext>
+            </a:extLst>
+          </a:blip>
           <a:stretch>
             <a:fillRect/>
           </a:stretch>
         </p:blipFill>
         <p:spPr>
           <a:xfrm>
-            <a:off x="1323975" y="1752536"/>
-            <a:ext cx="9086850" cy="4695889"/>
+            <a:off x="8758990" y="1380215"/>
+            <a:ext cx="2987260" cy="4816563"/>
           </a:xfrm>
           <a:prstGeom prst="rect">
             <a:avLst/>
@@ -5095,1689 +3415,45 @@
       </p:pic>
       <p:sp>
         <p:nvSpPr>
-          <p:cNvPr id="15" name="Rectangle 14">
+          <p:cNvPr id="10" name="TextBox 9">
             <a:extLst>
               <a:ext uri="{FF2B5EF4-FFF2-40B4-BE49-F238E27FC236}">
-                <a16:creationId xmlns:a16="http://schemas.microsoft.com/office/drawing/2014/main" id="{6A81DAEE-BAA1-429F-B6CC-C2B1CBF6DBC4}"/>
+                <a16:creationId xmlns:a16="http://schemas.microsoft.com/office/drawing/2014/main" id="{D56571AE-4F7B-4E90-A4CE-EE264546E81B}"/>
               </a:ext>
             </a:extLst>
           </p:cNvPr>
-          <p:cNvSpPr/>
+          <p:cNvSpPr txBox="1"/>
           <p:nvPr/>
         </p:nvSpPr>
         <p:spPr>
           <a:xfrm>
-            <a:off x="7896225" y="1952626"/>
-            <a:ext cx="866775" cy="276999"/>
+            <a:off x="700087" y="183072"/>
+            <a:ext cx="10791825" cy="830997"/>
           </a:xfrm>
           <a:prstGeom prst="rect">
             <a:avLst/>
           </a:prstGeom>
-          <a:solidFill>
-            <a:schemeClr val="tx1"/>
-          </a:solidFill>
-          <a:ln>
-            <a:noFill/>
-          </a:ln>
-        </p:spPr>
-        <p:style>
-          <a:lnRef idx="2">
-            <a:schemeClr val="accent1">
-              <a:shade val="50000"/>
-            </a:schemeClr>
-          </a:lnRef>
-          <a:fillRef idx="1">
-            <a:schemeClr val="accent1"/>
-          </a:fillRef>
-          <a:effectRef idx="0">
-            <a:schemeClr val="accent1"/>
-          </a:effectRef>
-          <a:fontRef idx="minor">
-            <a:schemeClr val="lt1"/>
-          </a:fontRef>
-        </p:style>
-        <p:txBody>
-          <a:bodyPr rtlCol="0" anchor="ctr"/>
+          <a:noFill/>
+        </p:spPr>
+        <p:txBody>
+          <a:bodyPr wrap="square" rtlCol="0">
+            <a:spAutoFit/>
+          </a:bodyPr>
           <a:lstStyle/>
           <a:p>
             <a:pPr algn="ctr"/>
             <a:r>
-              <a:rPr lang="en-US" sz="1400" dirty="0"/>
-              <a:t>Stations</a:t>
-            </a:r>
-            <a:endParaRPr lang="en-IL" sz="1400" dirty="0"/>
+              <a:rPr lang="en-US" sz="4800" b="1" dirty="0"/>
+              <a:t>Mobile view</a:t>
+            </a:r>
+            <a:endParaRPr lang="en-IL" sz="4800" b="1" dirty="0"/>
           </a:p>
         </p:txBody>
       </p:sp>
     </p:spTree>
     <p:extLst>
       <p:ext uri="{BB962C8B-B14F-4D97-AF65-F5344CB8AC3E}">
-        <p14:creationId xmlns:p14="http://schemas.microsoft.com/office/powerpoint/2010/main" val="2018855312"/>
-      </p:ext>
-    </p:extLst>
-  </p:cSld>
-  <p:clrMapOvr>
-    <a:masterClrMapping/>
-  </p:clrMapOvr>
-</p:sld>
-</file>
-
-<file path=ppt/slides/slide15.xml><?xml version="1.0" encoding="utf-8"?>
-<p:sld xmlns:a="http://schemas.openxmlformats.org/drawingml/2006/main" xmlns:r="http://schemas.openxmlformats.org/officeDocument/2006/relationships" xmlns:p="http://schemas.openxmlformats.org/presentationml/2006/main">
-  <p:cSld>
-    <p:spTree>
-      <p:nvGrpSpPr>
-        <p:cNvPr id="1" name=""/>
-        <p:cNvGrpSpPr/>
-        <p:nvPr/>
-      </p:nvGrpSpPr>
-      <p:grpSpPr>
-        <a:xfrm>
-          <a:off x="0" y="0"/>
-          <a:ext cx="0" cy="0"/>
-          <a:chOff x="0" y="0"/>
-          <a:chExt cx="0" cy="0"/>
-        </a:xfrm>
-      </p:grpSpPr>
-      <p:sp>
-        <p:nvSpPr>
-          <p:cNvPr id="5" name="TextBox 4">
-            <a:extLst>
-              <a:ext uri="{FF2B5EF4-FFF2-40B4-BE49-F238E27FC236}">
-                <a16:creationId xmlns:a16="http://schemas.microsoft.com/office/drawing/2014/main" id="{654AA4C7-1A2B-4498-BBA8-ECF8118D3984}"/>
-              </a:ext>
-            </a:extLst>
-          </p:cNvPr>
-          <p:cNvSpPr txBox="1"/>
-          <p:nvPr/>
-        </p:nvSpPr>
-        <p:spPr>
-          <a:xfrm>
-            <a:off x="638175" y="409575"/>
-            <a:ext cx="10791825" cy="830997"/>
-          </a:xfrm>
-          <a:prstGeom prst="rect">
-            <a:avLst/>
-          </a:prstGeom>
-          <a:noFill/>
-        </p:spPr>
-        <p:txBody>
-          <a:bodyPr wrap="square" rtlCol="0">
-            <a:spAutoFit/>
-          </a:bodyPr>
-          <a:lstStyle/>
-          <a:p>
-            <a:r>
-              <a:rPr lang="en-US" sz="4800" b="1" dirty="0"/>
-              <a:t>Main pages - mobile view</a:t>
-            </a:r>
-            <a:endParaRPr lang="en-IL" sz="4800" b="1" dirty="0"/>
-          </a:p>
-        </p:txBody>
-      </p:sp>
-      <p:cxnSp>
-        <p:nvCxnSpPr>
-          <p:cNvPr id="8" name="Straight Connector 7">
-            <a:extLst>
-              <a:ext uri="{FF2B5EF4-FFF2-40B4-BE49-F238E27FC236}">
-                <a16:creationId xmlns:a16="http://schemas.microsoft.com/office/drawing/2014/main" id="{38E70AE2-3194-4F3F-996D-F0F607FEF874}"/>
-              </a:ext>
-            </a:extLst>
-          </p:cNvPr>
-          <p:cNvCxnSpPr/>
-          <p:nvPr/>
-        </p:nvCxnSpPr>
-        <p:spPr>
-          <a:xfrm>
-            <a:off x="638174" y="1228725"/>
-            <a:ext cx="10791825" cy="0"/>
-          </a:xfrm>
-          <a:prstGeom prst="line">
-            <a:avLst/>
-          </a:prstGeom>
-        </p:spPr>
-        <p:style>
-          <a:lnRef idx="1">
-            <a:schemeClr val="accent1"/>
-          </a:lnRef>
-          <a:fillRef idx="0">
-            <a:schemeClr val="accent1"/>
-          </a:fillRef>
-          <a:effectRef idx="0">
-            <a:schemeClr val="accent1"/>
-          </a:effectRef>
-          <a:fontRef idx="minor">
-            <a:schemeClr val="tx1"/>
-          </a:fontRef>
-        </p:style>
-      </p:cxnSp>
-      <p:pic>
-        <p:nvPicPr>
-          <p:cNvPr id="3" name="Picture 2">
-            <a:extLst>
-              <a:ext uri="{FF2B5EF4-FFF2-40B4-BE49-F238E27FC236}">
-                <a16:creationId xmlns:a16="http://schemas.microsoft.com/office/drawing/2014/main" id="{FDCBF41F-9A8F-42DB-B0B3-62BCB99B31E5}"/>
-              </a:ext>
-            </a:extLst>
-          </p:cNvPr>
-          <p:cNvPicPr>
-            <a:picLocks noChangeAspect="1"/>
-          </p:cNvPicPr>
-          <p:nvPr/>
-        </p:nvPicPr>
-        <p:blipFill>
-          <a:blip r:embed="rId2"/>
-          <a:stretch>
-            <a:fillRect/>
-          </a:stretch>
-        </p:blipFill>
-        <p:spPr>
-          <a:xfrm>
-            <a:off x="5847291" y="1994467"/>
-            <a:ext cx="2394479" cy="3963275"/>
-          </a:xfrm>
-          <a:prstGeom prst="rect">
-            <a:avLst/>
-          </a:prstGeom>
-        </p:spPr>
-      </p:pic>
-      <p:pic>
-        <p:nvPicPr>
-          <p:cNvPr id="4" name="Picture 3">
-            <a:extLst>
-              <a:ext uri="{FF2B5EF4-FFF2-40B4-BE49-F238E27FC236}">
-                <a16:creationId xmlns:a16="http://schemas.microsoft.com/office/drawing/2014/main" id="{A7668F8C-8942-407D-8727-1D9111D300BE}"/>
-              </a:ext>
-            </a:extLst>
-          </p:cNvPr>
-          <p:cNvPicPr>
-            <a:picLocks noChangeAspect="1"/>
-          </p:cNvPicPr>
-          <p:nvPr/>
-        </p:nvPicPr>
-        <p:blipFill>
-          <a:blip r:embed="rId3"/>
-          <a:stretch>
-            <a:fillRect/>
-          </a:stretch>
-        </p:blipFill>
-        <p:spPr>
-          <a:xfrm>
-            <a:off x="8704099" y="1994467"/>
-            <a:ext cx="2345185" cy="4162424"/>
-          </a:xfrm>
-          <a:prstGeom prst="rect">
-            <a:avLst/>
-          </a:prstGeom>
-        </p:spPr>
-      </p:pic>
-      <p:pic>
-        <p:nvPicPr>
-          <p:cNvPr id="6" name="Picture 5">
-            <a:extLst>
-              <a:ext uri="{FF2B5EF4-FFF2-40B4-BE49-F238E27FC236}">
-                <a16:creationId xmlns:a16="http://schemas.microsoft.com/office/drawing/2014/main" id="{63626247-9239-4A11-A062-C7BBB5420DE2}"/>
-              </a:ext>
-            </a:extLst>
-          </p:cNvPr>
-          <p:cNvPicPr>
-            <a:picLocks noChangeAspect="1"/>
-          </p:cNvPicPr>
-          <p:nvPr/>
-        </p:nvPicPr>
-        <p:blipFill>
-          <a:blip r:embed="rId4"/>
-          <a:stretch>
-            <a:fillRect/>
-          </a:stretch>
-        </p:blipFill>
-        <p:spPr>
-          <a:xfrm>
-            <a:off x="392575" y="2013517"/>
-            <a:ext cx="2215077" cy="3771900"/>
-          </a:xfrm>
-          <a:prstGeom prst="rect">
-            <a:avLst/>
-          </a:prstGeom>
-        </p:spPr>
-      </p:pic>
-      <p:pic>
-        <p:nvPicPr>
-          <p:cNvPr id="7" name="Picture 6">
-            <a:extLst>
-              <a:ext uri="{FF2B5EF4-FFF2-40B4-BE49-F238E27FC236}">
-                <a16:creationId xmlns:a16="http://schemas.microsoft.com/office/drawing/2014/main" id="{1B1620D2-E26B-41EE-8FB3-BA269B325A08}"/>
-              </a:ext>
-            </a:extLst>
-          </p:cNvPr>
-          <p:cNvPicPr>
-            <a:picLocks noChangeAspect="1"/>
-          </p:cNvPicPr>
-          <p:nvPr/>
-        </p:nvPicPr>
-        <p:blipFill>
-          <a:blip r:embed="rId5"/>
-          <a:stretch>
-            <a:fillRect/>
-          </a:stretch>
-        </p:blipFill>
-        <p:spPr>
-          <a:xfrm>
-            <a:off x="2960542" y="1994467"/>
-            <a:ext cx="2378528" cy="4162424"/>
-          </a:xfrm>
-          <a:prstGeom prst="rect">
-            <a:avLst/>
-          </a:prstGeom>
-        </p:spPr>
-      </p:pic>
-    </p:spTree>
-    <p:extLst>
-      <p:ext uri="{BB962C8B-B14F-4D97-AF65-F5344CB8AC3E}">
-        <p14:creationId xmlns:p14="http://schemas.microsoft.com/office/powerpoint/2010/main" val="3558781280"/>
-      </p:ext>
-    </p:extLst>
-  </p:cSld>
-  <p:clrMapOvr>
-    <a:masterClrMapping/>
-  </p:clrMapOvr>
-</p:sld>
-</file>
-
-<file path=ppt/slides/slide16.xml><?xml version="1.0" encoding="utf-8"?>
-<p:sld xmlns:a="http://schemas.openxmlformats.org/drawingml/2006/main" xmlns:r="http://schemas.openxmlformats.org/officeDocument/2006/relationships" xmlns:p="http://schemas.openxmlformats.org/presentationml/2006/main">
-  <p:cSld>
-    <p:spTree>
-      <p:nvGrpSpPr>
-        <p:cNvPr id="1" name=""/>
-        <p:cNvGrpSpPr/>
-        <p:nvPr/>
-      </p:nvGrpSpPr>
-      <p:grpSpPr>
-        <a:xfrm>
-          <a:off x="0" y="0"/>
-          <a:ext cx="0" cy="0"/>
-          <a:chOff x="0" y="0"/>
-          <a:chExt cx="0" cy="0"/>
-        </a:xfrm>
-      </p:grpSpPr>
-      <p:sp>
-        <p:nvSpPr>
-          <p:cNvPr id="5" name="TextBox 4">
-            <a:extLst>
-              <a:ext uri="{FF2B5EF4-FFF2-40B4-BE49-F238E27FC236}">
-                <a16:creationId xmlns:a16="http://schemas.microsoft.com/office/drawing/2014/main" id="{654AA4C7-1A2B-4498-BBA8-ECF8118D3984}"/>
-              </a:ext>
-            </a:extLst>
-          </p:cNvPr>
-          <p:cNvSpPr txBox="1"/>
-          <p:nvPr/>
-        </p:nvSpPr>
-        <p:spPr>
-          <a:xfrm>
-            <a:off x="638175" y="409575"/>
-            <a:ext cx="10791825" cy="830997"/>
-          </a:xfrm>
-          <a:prstGeom prst="rect">
-            <a:avLst/>
-          </a:prstGeom>
-          <a:noFill/>
-        </p:spPr>
-        <p:txBody>
-          <a:bodyPr wrap="square" rtlCol="0">
-            <a:spAutoFit/>
-          </a:bodyPr>
-          <a:lstStyle/>
-          <a:p>
-            <a:r>
-              <a:rPr lang="en-US" sz="4800" b="1" dirty="0"/>
-              <a:t>Socket Protocol</a:t>
-            </a:r>
-            <a:endParaRPr lang="en-IL" sz="4800" b="1" dirty="0"/>
-          </a:p>
-        </p:txBody>
-      </p:sp>
-      <p:cxnSp>
-        <p:nvCxnSpPr>
-          <p:cNvPr id="8" name="Straight Connector 7">
-            <a:extLst>
-              <a:ext uri="{FF2B5EF4-FFF2-40B4-BE49-F238E27FC236}">
-                <a16:creationId xmlns:a16="http://schemas.microsoft.com/office/drawing/2014/main" id="{38E70AE2-3194-4F3F-996D-F0F607FEF874}"/>
-              </a:ext>
-            </a:extLst>
-          </p:cNvPr>
-          <p:cNvCxnSpPr/>
-          <p:nvPr/>
-        </p:nvCxnSpPr>
-        <p:spPr>
-          <a:xfrm>
-            <a:off x="638174" y="1228725"/>
-            <a:ext cx="10791825" cy="0"/>
-          </a:xfrm>
-          <a:prstGeom prst="line">
-            <a:avLst/>
-          </a:prstGeom>
-        </p:spPr>
-        <p:style>
-          <a:lnRef idx="1">
-            <a:schemeClr val="accent1"/>
-          </a:lnRef>
-          <a:fillRef idx="0">
-            <a:schemeClr val="accent1"/>
-          </a:fillRef>
-          <a:effectRef idx="0">
-            <a:schemeClr val="accent1"/>
-          </a:effectRef>
-          <a:fontRef idx="minor">
-            <a:schemeClr val="tx1"/>
-          </a:fontRef>
-        </p:style>
-      </p:cxnSp>
-      <p:sp>
-        <p:nvSpPr>
-          <p:cNvPr id="6" name="TextBox 5"/>
-          <p:cNvSpPr txBox="1"/>
-          <p:nvPr/>
-        </p:nvSpPr>
-        <p:spPr>
-          <a:xfrm>
-            <a:off x="638174" y="1586211"/>
-            <a:ext cx="7781926" cy="3693319"/>
-          </a:xfrm>
-          <a:prstGeom prst="rect">
-            <a:avLst/>
-          </a:prstGeom>
-          <a:noFill/>
-        </p:spPr>
-        <p:txBody>
-          <a:bodyPr wrap="square" rtlCol="1">
-            <a:spAutoFit/>
-          </a:bodyPr>
-          <a:lstStyle/>
-          <a:p>
-            <a:r>
-              <a:rPr lang="en-US" b="1" dirty="0"/>
-              <a:t>on</a:t>
-            </a:r>
-          </a:p>
-          <a:p>
-            <a:r>
-              <a:rPr lang="en-US" dirty="0" err="1"/>
-              <a:t>stationJoined</a:t>
-            </a:r>
-            <a:r>
-              <a:rPr lang="en-US" dirty="0"/>
-              <a:t> (user)</a:t>
-            </a:r>
-          </a:p>
-          <a:p>
-            <a:r>
-              <a:rPr lang="en-US" dirty="0" err="1"/>
-              <a:t>stationLeft</a:t>
-            </a:r>
-            <a:r>
-              <a:rPr lang="en-US" dirty="0"/>
-              <a:t>(user)</a:t>
-            </a:r>
-          </a:p>
-          <a:p>
-            <a:r>
-              <a:rPr lang="en-US" dirty="0" err="1"/>
-              <a:t>playlistUpdated</a:t>
-            </a:r>
-            <a:r>
-              <a:rPr lang="en-US" dirty="0"/>
-              <a:t> (playlist – an array of songs)</a:t>
-            </a:r>
-          </a:p>
-          <a:p>
-            <a:r>
-              <a:rPr lang="en-US" dirty="0" err="1"/>
-              <a:t>activeSongChanged</a:t>
-            </a:r>
-            <a:r>
-              <a:rPr lang="en-US" dirty="0"/>
-              <a:t> (</a:t>
-            </a:r>
-            <a:r>
-              <a:rPr lang="en-US" dirty="0" err="1"/>
-              <a:t>songId</a:t>
-            </a:r>
-            <a:r>
-              <a:rPr lang="en-US" dirty="0"/>
-              <a:t>, time)</a:t>
-            </a:r>
-          </a:p>
-          <a:p>
-            <a:r>
-              <a:rPr lang="en-US" dirty="0" err="1"/>
-              <a:t>newChatMsg</a:t>
-            </a:r>
-            <a:r>
-              <a:rPr lang="en-US" dirty="0"/>
-              <a:t> (</a:t>
-            </a:r>
-            <a:r>
-              <a:rPr lang="en-US" dirty="0" err="1"/>
-              <a:t>msg</a:t>
-            </a:r>
-            <a:r>
-              <a:rPr lang="en-US" dirty="0"/>
-              <a:t>)</a:t>
-            </a:r>
-          </a:p>
-          <a:p>
-            <a:endParaRPr lang="en-US" b="1" dirty="0"/>
-          </a:p>
-          <a:p>
-            <a:r>
-              <a:rPr lang="en-US" b="1" dirty="0"/>
-              <a:t>emit</a:t>
-            </a:r>
-          </a:p>
-          <a:p>
-            <a:r>
-              <a:rPr lang="en-US" dirty="0" err="1"/>
-              <a:t>joinStation</a:t>
-            </a:r>
-            <a:r>
-              <a:rPr lang="en-US" dirty="0"/>
-              <a:t> (</a:t>
-            </a:r>
-            <a:r>
-              <a:rPr lang="en-US" dirty="0" err="1"/>
-              <a:t>stationId</a:t>
-            </a:r>
-            <a:r>
-              <a:rPr lang="en-US" dirty="0"/>
-              <a:t>)</a:t>
-            </a:r>
-          </a:p>
-          <a:p>
-            <a:r>
-              <a:rPr lang="en-US" dirty="0" err="1"/>
-              <a:t>leaveStation</a:t>
-            </a:r>
-            <a:r>
-              <a:rPr lang="en-US" dirty="0"/>
-              <a:t> (</a:t>
-            </a:r>
-            <a:r>
-              <a:rPr lang="en-US" dirty="0" err="1"/>
-              <a:t>stationId</a:t>
-            </a:r>
-            <a:r>
-              <a:rPr lang="en-US" dirty="0"/>
-              <a:t>)</a:t>
-            </a:r>
-          </a:p>
-          <a:p>
-            <a:r>
-              <a:rPr lang="en-US" dirty="0" err="1"/>
-              <a:t>updatePlaylist</a:t>
-            </a:r>
-            <a:r>
-              <a:rPr lang="en-US" dirty="0"/>
-              <a:t>(playlist)</a:t>
-            </a:r>
-          </a:p>
-          <a:p>
-            <a:r>
-              <a:rPr lang="en-US" dirty="0" err="1"/>
-              <a:t>changeActiveSong</a:t>
-            </a:r>
-            <a:r>
-              <a:rPr lang="en-US" dirty="0"/>
-              <a:t> (</a:t>
-            </a:r>
-            <a:r>
-              <a:rPr lang="en-US" dirty="0" err="1"/>
-              <a:t>songId</a:t>
-            </a:r>
-            <a:r>
-              <a:rPr lang="en-US" dirty="0"/>
-              <a:t>, time)</a:t>
-            </a:r>
-          </a:p>
-          <a:p>
-            <a:r>
-              <a:rPr lang="en-US" dirty="0" err="1"/>
-              <a:t>sendMsg</a:t>
-            </a:r>
-            <a:r>
-              <a:rPr lang="en-US" dirty="0"/>
-              <a:t> (</a:t>
-            </a:r>
-            <a:r>
-              <a:rPr lang="en-US" dirty="0" err="1"/>
-              <a:t>msg</a:t>
-            </a:r>
-            <a:r>
-              <a:rPr lang="en-US" dirty="0"/>
-              <a:t>)</a:t>
-            </a:r>
-          </a:p>
-        </p:txBody>
-      </p:sp>
-    </p:spTree>
-    <p:extLst>
-      <p:ext uri="{BB962C8B-B14F-4D97-AF65-F5344CB8AC3E}">
-        <p14:creationId xmlns:p14="http://schemas.microsoft.com/office/powerpoint/2010/main" val="3243484537"/>
-      </p:ext>
-    </p:extLst>
-  </p:cSld>
-  <p:clrMapOvr>
-    <a:masterClrMapping/>
-  </p:clrMapOvr>
-</p:sld>
-</file>
-
-<file path=ppt/slides/slide17.xml><?xml version="1.0" encoding="utf-8"?>
-<p:sld xmlns:a="http://schemas.openxmlformats.org/drawingml/2006/main" xmlns:r="http://schemas.openxmlformats.org/officeDocument/2006/relationships" xmlns:p="http://schemas.openxmlformats.org/presentationml/2006/main">
-  <p:cSld>
-    <p:spTree>
-      <p:nvGrpSpPr>
-        <p:cNvPr id="1" name=""/>
-        <p:cNvGrpSpPr/>
-        <p:nvPr/>
-      </p:nvGrpSpPr>
-      <p:grpSpPr>
-        <a:xfrm>
-          <a:off x="0" y="0"/>
-          <a:ext cx="0" cy="0"/>
-          <a:chOff x="0" y="0"/>
-          <a:chExt cx="0" cy="0"/>
-        </a:xfrm>
-      </p:grpSpPr>
-      <p:sp>
-        <p:nvSpPr>
-          <p:cNvPr id="5" name="TextBox 4">
-            <a:extLst>
-              <a:ext uri="{FF2B5EF4-FFF2-40B4-BE49-F238E27FC236}">
-                <a16:creationId xmlns:a16="http://schemas.microsoft.com/office/drawing/2014/main" id="{654AA4C7-1A2B-4498-BBA8-ECF8118D3984}"/>
-              </a:ext>
-            </a:extLst>
-          </p:cNvPr>
-          <p:cNvSpPr txBox="1"/>
-          <p:nvPr/>
-        </p:nvSpPr>
-        <p:spPr>
-          <a:xfrm>
-            <a:off x="711200" y="2460625"/>
-            <a:ext cx="10791825" cy="830997"/>
-          </a:xfrm>
-          <a:prstGeom prst="rect">
-            <a:avLst/>
-          </a:prstGeom>
-          <a:noFill/>
-        </p:spPr>
-        <p:txBody>
-          <a:bodyPr wrap="square" rtlCol="0">
-            <a:spAutoFit/>
-          </a:bodyPr>
-          <a:lstStyle/>
-          <a:p>
-            <a:pPr algn="ctr"/>
-            <a:r>
-              <a:rPr lang="en-US" sz="4800" b="1" dirty="0"/>
-              <a:t>Pages and Components</a:t>
-            </a:r>
-            <a:endParaRPr lang="en-IL" sz="4800" b="1" dirty="0"/>
-          </a:p>
-        </p:txBody>
-      </p:sp>
-    </p:spTree>
-    <p:extLst>
-      <p:ext uri="{BB962C8B-B14F-4D97-AF65-F5344CB8AC3E}">
-        <p14:creationId xmlns:p14="http://schemas.microsoft.com/office/powerpoint/2010/main" val="3452290392"/>
-      </p:ext>
-    </p:extLst>
-  </p:cSld>
-  <p:clrMapOvr>
-    <a:masterClrMapping/>
-  </p:clrMapOvr>
-</p:sld>
-</file>
-
-<file path=ppt/slides/slide18.xml><?xml version="1.0" encoding="utf-8"?>
-<p:sld xmlns:a="http://schemas.openxmlformats.org/drawingml/2006/main" xmlns:r="http://schemas.openxmlformats.org/officeDocument/2006/relationships" xmlns:p="http://schemas.openxmlformats.org/presentationml/2006/main">
-  <p:cSld>
-    <p:spTree>
-      <p:nvGrpSpPr>
-        <p:cNvPr id="1" name=""/>
-        <p:cNvGrpSpPr/>
-        <p:nvPr/>
-      </p:nvGrpSpPr>
-      <p:grpSpPr>
-        <a:xfrm>
-          <a:off x="0" y="0"/>
-          <a:ext cx="0" cy="0"/>
-          <a:chOff x="0" y="0"/>
-          <a:chExt cx="0" cy="0"/>
-        </a:xfrm>
-      </p:grpSpPr>
-      <p:sp>
-        <p:nvSpPr>
-          <p:cNvPr id="5" name="TextBox 4">
-            <a:extLst>
-              <a:ext uri="{FF2B5EF4-FFF2-40B4-BE49-F238E27FC236}">
-                <a16:creationId xmlns:a16="http://schemas.microsoft.com/office/drawing/2014/main" id="{654AA4C7-1A2B-4498-BBA8-ECF8118D3984}"/>
-              </a:ext>
-            </a:extLst>
-          </p:cNvPr>
-          <p:cNvSpPr txBox="1"/>
-          <p:nvPr/>
-        </p:nvSpPr>
-        <p:spPr>
-          <a:xfrm>
-            <a:off x="638175" y="409575"/>
-            <a:ext cx="10791825" cy="830997"/>
-          </a:xfrm>
-          <a:prstGeom prst="rect">
-            <a:avLst/>
-          </a:prstGeom>
-          <a:noFill/>
-        </p:spPr>
-        <p:txBody>
-          <a:bodyPr wrap="square" rtlCol="0">
-            <a:spAutoFit/>
-          </a:bodyPr>
-          <a:lstStyle/>
-          <a:p>
-            <a:r>
-              <a:rPr lang="en-US" sz="4800" b="1" dirty="0"/>
-              <a:t>Pages</a:t>
-            </a:r>
-            <a:endParaRPr lang="en-IL" sz="4800" b="1" dirty="0"/>
-          </a:p>
-        </p:txBody>
-      </p:sp>
-      <p:cxnSp>
-        <p:nvCxnSpPr>
-          <p:cNvPr id="8" name="Straight Connector 7">
-            <a:extLst>
-              <a:ext uri="{FF2B5EF4-FFF2-40B4-BE49-F238E27FC236}">
-                <a16:creationId xmlns:a16="http://schemas.microsoft.com/office/drawing/2014/main" id="{38E70AE2-3194-4F3F-996D-F0F607FEF874}"/>
-              </a:ext>
-            </a:extLst>
-          </p:cNvPr>
-          <p:cNvCxnSpPr/>
-          <p:nvPr/>
-        </p:nvCxnSpPr>
-        <p:spPr>
-          <a:xfrm>
-            <a:off x="638174" y="1228725"/>
-            <a:ext cx="10791825" cy="0"/>
-          </a:xfrm>
-          <a:prstGeom prst="line">
-            <a:avLst/>
-          </a:prstGeom>
-        </p:spPr>
-        <p:style>
-          <a:lnRef idx="1">
-            <a:schemeClr val="accent1"/>
-          </a:lnRef>
-          <a:fillRef idx="0">
-            <a:schemeClr val="accent1"/>
-          </a:fillRef>
-          <a:effectRef idx="0">
-            <a:schemeClr val="accent1"/>
-          </a:effectRef>
-          <a:fontRef idx="minor">
-            <a:schemeClr val="tx1"/>
-          </a:fontRef>
-        </p:style>
-      </p:cxnSp>
-      <p:graphicFrame>
-        <p:nvGraphicFramePr>
-          <p:cNvPr id="3" name="Table 2">
-            <a:extLst>
-              <a:ext uri="{FF2B5EF4-FFF2-40B4-BE49-F238E27FC236}">
-                <a16:creationId xmlns:a16="http://schemas.microsoft.com/office/drawing/2014/main" id="{F057F8E6-F72D-417D-AF64-6FA712A1856F}"/>
-              </a:ext>
-            </a:extLst>
-          </p:cNvPr>
-          <p:cNvGraphicFramePr>
-            <a:graphicFrameLocks noGrp="1"/>
-          </p:cNvGraphicFramePr>
-          <p:nvPr>
-            <p:extLst>
-              <p:ext uri="{D42A27DB-BD31-4B8C-83A1-F6EECF244321}">
-                <p14:modId xmlns:p14="http://schemas.microsoft.com/office/powerpoint/2010/main" val="2660373998"/>
-              </p:ext>
-            </p:extLst>
-          </p:nvPr>
-        </p:nvGraphicFramePr>
-        <p:xfrm>
-          <a:off x="638172" y="1795991"/>
-          <a:ext cx="11071227" cy="4226560"/>
-        </p:xfrm>
-        <a:graphic>
-          <a:graphicData uri="http://schemas.openxmlformats.org/drawingml/2006/table">
-            <a:tbl>
-              <a:tblPr firstRow="1" bandRow="1">
-                <a:tableStyleId>{5C22544A-7EE6-4342-B048-85BDC9FD1C3A}</a:tableStyleId>
-              </a:tblPr>
-              <a:tblGrid>
-                <a:gridCol w="2146498">
-                  <a:extLst>
-                    <a:ext uri="{9D8B030D-6E8A-4147-A177-3AD203B41FA5}">
-                      <a16:colId xmlns:a16="http://schemas.microsoft.com/office/drawing/2014/main" val="2629285889"/>
-                    </a:ext>
-                  </a:extLst>
-                </a:gridCol>
-                <a:gridCol w="7007030">
-                  <a:extLst>
-                    <a:ext uri="{9D8B030D-6E8A-4147-A177-3AD203B41FA5}">
-                      <a16:colId xmlns:a16="http://schemas.microsoft.com/office/drawing/2014/main" val="1905034006"/>
-                    </a:ext>
-                  </a:extLst>
-                </a:gridCol>
-                <a:gridCol w="1917699">
-                  <a:extLst>
-                    <a:ext uri="{9D8B030D-6E8A-4147-A177-3AD203B41FA5}">
-                      <a16:colId xmlns:a16="http://schemas.microsoft.com/office/drawing/2014/main" val="2241685329"/>
-                    </a:ext>
-                  </a:extLst>
-                </a:gridCol>
-              </a:tblGrid>
-              <a:tr h="370840">
-                <a:tc>
-                  <a:txBody>
-                    <a:bodyPr/>
-                    <a:lstStyle/>
-                    <a:p>
-                      <a:r>
-                        <a:rPr lang="en-US" dirty="0"/>
-                        <a:t>Page</a:t>
-                      </a:r>
-                      <a:endParaRPr lang="en-IL" dirty="0"/>
-                    </a:p>
-                  </a:txBody>
-                  <a:tcPr/>
-                </a:tc>
-                <a:tc>
-                  <a:txBody>
-                    <a:bodyPr/>
-                    <a:lstStyle/>
-                    <a:p>
-                      <a:r>
-                        <a:rPr lang="en-US" dirty="0"/>
-                        <a:t>Description</a:t>
-                      </a:r>
-                      <a:endParaRPr lang="en-IL" dirty="0"/>
-                    </a:p>
-                  </a:txBody>
-                  <a:tcPr/>
-                </a:tc>
-                <a:tc>
-                  <a:txBody>
-                    <a:bodyPr/>
-                    <a:lstStyle/>
-                    <a:p>
-                      <a:r>
-                        <a:rPr lang="en-US" dirty="0"/>
-                        <a:t>Routing</a:t>
-                      </a:r>
-                      <a:endParaRPr lang="en-IL" dirty="0"/>
-                    </a:p>
-                  </a:txBody>
-                  <a:tcPr/>
-                </a:tc>
-                <a:extLst>
-                  <a:ext uri="{0D108BD9-81ED-4DB2-BD59-A6C34878D82A}">
-                    <a16:rowId xmlns:a16="http://schemas.microsoft.com/office/drawing/2014/main" val="3992010310"/>
-                  </a:ext>
-                </a:extLst>
-              </a:tr>
-              <a:tr h="370840">
-                <a:tc>
-                  <a:txBody>
-                    <a:bodyPr/>
-                    <a:lstStyle/>
-                    <a:p>
-                      <a:r>
-                        <a:rPr lang="en-US" dirty="0"/>
-                        <a:t>Homepage</a:t>
-                      </a:r>
-                      <a:endParaRPr lang="en-IL" dirty="0"/>
-                    </a:p>
-                  </a:txBody>
-                  <a:tcPr/>
-                </a:tc>
-                <a:tc>
-                  <a:txBody>
-                    <a:bodyPr/>
-                    <a:lstStyle/>
-                    <a:p>
-                      <a:r>
-                        <a:rPr lang="en-US" dirty="0"/>
-                        <a:t>S</a:t>
-                      </a:r>
-                      <a:r>
-                        <a:rPr lang="en-US" baseline="0" dirty="0"/>
-                        <a:t>hows top rated stations and then stations per genre sorted by popularity</a:t>
-                      </a:r>
-                      <a:endParaRPr lang="en-IL" dirty="0"/>
-                    </a:p>
-                  </a:txBody>
-                  <a:tcPr/>
-                </a:tc>
-                <a:tc>
-                  <a:txBody>
-                    <a:bodyPr/>
-                    <a:lstStyle/>
-                    <a:p>
-                      <a:r>
-                        <a:rPr lang="en-US" dirty="0"/>
-                        <a:t>/</a:t>
-                      </a:r>
-                      <a:endParaRPr lang="en-IL" dirty="0"/>
-                    </a:p>
-                  </a:txBody>
-                  <a:tcPr/>
-                </a:tc>
-                <a:extLst>
-                  <a:ext uri="{0D108BD9-81ED-4DB2-BD59-A6C34878D82A}">
-                    <a16:rowId xmlns:a16="http://schemas.microsoft.com/office/drawing/2014/main" val="3609057055"/>
-                  </a:ext>
-                </a:extLst>
-              </a:tr>
-              <a:tr h="370840">
-                <a:tc>
-                  <a:txBody>
-                    <a:bodyPr/>
-                    <a:lstStyle/>
-                    <a:p>
-                      <a:r>
-                        <a:rPr lang="en-US" dirty="0"/>
-                        <a:t>Stations</a:t>
-                      </a:r>
-                      <a:endParaRPr lang="en-IL" dirty="0"/>
-                    </a:p>
-                  </a:txBody>
-                  <a:tcPr/>
-                </a:tc>
-                <a:tc>
-                  <a:txBody>
-                    <a:bodyPr/>
-                    <a:lstStyle/>
-                    <a:p>
-                      <a:r>
-                        <a:rPr lang="en-US" dirty="0"/>
-                        <a:t>This page has query string parameter and shows specific</a:t>
-                      </a:r>
-                      <a:r>
-                        <a:rPr lang="en-US" baseline="0" dirty="0"/>
-                        <a:t> stations, for example:</a:t>
-                      </a:r>
-                      <a:br>
-                        <a:rPr lang="en-US" baseline="0" dirty="0"/>
-                      </a:br>
-                      <a:r>
-                        <a:rPr lang="en-US" baseline="0" dirty="0"/>
-                        <a:t> /</a:t>
-                      </a:r>
-                      <a:r>
-                        <a:rPr lang="en-US" baseline="0" dirty="0" err="1"/>
-                        <a:t>stations?genre</a:t>
-                      </a:r>
-                      <a:r>
-                        <a:rPr lang="en-US" baseline="0" dirty="0"/>
-                        <a:t>=</a:t>
-                      </a:r>
-                      <a:r>
-                        <a:rPr lang="en-US" baseline="0" dirty="0" err="1"/>
-                        <a:t>Hiphop</a:t>
-                      </a:r>
-                      <a:endParaRPr lang="en-US" baseline="0" dirty="0"/>
-                    </a:p>
-                    <a:p>
-                      <a:r>
-                        <a:rPr lang="en-US" baseline="0" dirty="0"/>
-                        <a:t>Or:</a:t>
-                      </a:r>
-                    </a:p>
-                    <a:p>
-                      <a:pPr marL="0" marR="0" indent="0" algn="l" defTabSz="914400" rtl="0" eaLnBrk="1" fontAlgn="auto" latinLnBrk="0" hangingPunct="1">
-                        <a:lnSpc>
-                          <a:spcPct val="100000"/>
-                        </a:lnSpc>
-                        <a:spcBef>
-                          <a:spcPts val="0"/>
-                        </a:spcBef>
-                        <a:spcAft>
-                          <a:spcPts val="0"/>
-                        </a:spcAft>
-                        <a:buClrTx/>
-                        <a:buSzTx/>
-                        <a:buFontTx/>
-                        <a:buNone/>
-                        <a:tabLst/>
-                        <a:defRPr/>
-                      </a:pPr>
-                      <a:r>
-                        <a:rPr lang="en-US" baseline="0" dirty="0"/>
-                        <a:t> /</a:t>
-                      </a:r>
-                      <a:r>
-                        <a:rPr lang="en-US" baseline="0" dirty="0" err="1"/>
-                        <a:t>stations?q</a:t>
-                      </a:r>
-                      <a:r>
-                        <a:rPr lang="en-US" baseline="0" dirty="0"/>
-                        <a:t>=hip</a:t>
-                      </a:r>
-                      <a:endParaRPr lang="en-IL" dirty="0"/>
-                    </a:p>
-                  </a:txBody>
-                  <a:tcPr/>
-                </a:tc>
-                <a:tc>
-                  <a:txBody>
-                    <a:bodyPr/>
-                    <a:lstStyle/>
-                    <a:p>
-                      <a:r>
-                        <a:rPr lang="en-US" dirty="0"/>
-                        <a:t>/stations</a:t>
-                      </a:r>
-                      <a:endParaRPr lang="en-IL" dirty="0"/>
-                    </a:p>
-                  </a:txBody>
-                  <a:tcPr/>
-                </a:tc>
-                <a:extLst>
-                  <a:ext uri="{0D108BD9-81ED-4DB2-BD59-A6C34878D82A}">
-                    <a16:rowId xmlns:a16="http://schemas.microsoft.com/office/drawing/2014/main" val="10002"/>
-                  </a:ext>
-                </a:extLst>
-              </a:tr>
-              <a:tr h="370840">
-                <a:tc>
-                  <a:txBody>
-                    <a:bodyPr/>
-                    <a:lstStyle/>
-                    <a:p>
-                      <a:r>
-                        <a:rPr lang="en-US" dirty="0" err="1"/>
-                        <a:t>StationDetails</a:t>
-                      </a:r>
-                      <a:endParaRPr lang="en-IL" dirty="0"/>
-                    </a:p>
-                  </a:txBody>
-                  <a:tcPr/>
-                </a:tc>
-                <a:tc>
-                  <a:txBody>
-                    <a:bodyPr/>
-                    <a:lstStyle/>
-                    <a:p>
-                      <a:r>
-                        <a:rPr lang="en-US" dirty="0"/>
-                        <a:t>Shows</a:t>
-                      </a:r>
-                      <a:r>
-                        <a:rPr lang="en-US" baseline="0" dirty="0"/>
-                        <a:t> details about the station and the live playlist, this page uses the socket to keep all listeners on real time and to chat</a:t>
-                      </a:r>
-                      <a:endParaRPr lang="en-IL" dirty="0"/>
-                    </a:p>
-                  </a:txBody>
-                  <a:tcPr/>
-                </a:tc>
-                <a:tc>
-                  <a:txBody>
-                    <a:bodyPr/>
-                    <a:lstStyle/>
-                    <a:p>
-                      <a:r>
-                        <a:rPr lang="en-US" dirty="0"/>
-                        <a:t>/station/s101</a:t>
-                      </a:r>
-                      <a:endParaRPr lang="en-IL" dirty="0"/>
-                    </a:p>
-                  </a:txBody>
-                  <a:tcPr/>
-                </a:tc>
-                <a:extLst>
-                  <a:ext uri="{0D108BD9-81ED-4DB2-BD59-A6C34878D82A}">
-                    <a16:rowId xmlns:a16="http://schemas.microsoft.com/office/drawing/2014/main" val="3241726061"/>
-                  </a:ext>
-                </a:extLst>
-              </a:tr>
-              <a:tr h="370840">
-                <a:tc>
-                  <a:txBody>
-                    <a:bodyPr/>
-                    <a:lstStyle/>
-                    <a:p>
-                      <a:r>
-                        <a:rPr lang="en-US" dirty="0" err="1"/>
-                        <a:t>StationEdit</a:t>
-                      </a:r>
-                      <a:endParaRPr lang="en-IL" dirty="0"/>
-                    </a:p>
-                  </a:txBody>
-                  <a:tcPr/>
-                </a:tc>
-                <a:tc>
-                  <a:txBody>
-                    <a:bodyPr/>
-                    <a:lstStyle/>
-                    <a:p>
-                      <a:r>
-                        <a:rPr lang="en-US" dirty="0"/>
-                        <a:t>Allow</a:t>
-                      </a:r>
-                      <a:r>
-                        <a:rPr lang="en-US" baseline="0" dirty="0"/>
-                        <a:t> creating, updating (and deleting) a station including the playlist</a:t>
-                      </a:r>
-                      <a:endParaRPr lang="en-IL" dirty="0"/>
-                    </a:p>
-                  </a:txBody>
-                  <a:tcPr/>
-                </a:tc>
-                <a:tc>
-                  <a:txBody>
-                    <a:bodyPr/>
-                    <a:lstStyle/>
-                    <a:p>
-                      <a:r>
-                        <a:rPr lang="en-US" dirty="0"/>
-                        <a:t>/station/edit/:id?</a:t>
-                      </a:r>
-                      <a:endParaRPr lang="en-IL" dirty="0"/>
-                    </a:p>
-                  </a:txBody>
-                  <a:tcPr/>
-                </a:tc>
-                <a:extLst>
-                  <a:ext uri="{0D108BD9-81ED-4DB2-BD59-A6C34878D82A}">
-                    <a16:rowId xmlns:a16="http://schemas.microsoft.com/office/drawing/2014/main" val="10004"/>
-                  </a:ext>
-                </a:extLst>
-              </a:tr>
-              <a:tr h="370840">
-                <a:tc>
-                  <a:txBody>
-                    <a:bodyPr/>
-                    <a:lstStyle/>
-                    <a:p>
-                      <a:r>
-                        <a:rPr lang="en-US" dirty="0" err="1"/>
-                        <a:t>UserDetails</a:t>
-                      </a:r>
-                      <a:endParaRPr lang="en-IL" dirty="0"/>
-                    </a:p>
-                  </a:txBody>
-                  <a:tcPr/>
-                </a:tc>
-                <a:tc>
-                  <a:txBody>
-                    <a:bodyPr/>
-                    <a:lstStyle/>
-                    <a:p>
-                      <a:r>
-                        <a:rPr lang="en-US" dirty="0"/>
-                        <a:t>User profile including created and liked</a:t>
-                      </a:r>
-                      <a:r>
-                        <a:rPr lang="en-US" baseline="0" dirty="0"/>
-                        <a:t> stations</a:t>
-                      </a:r>
-                      <a:endParaRPr lang="en-IL" dirty="0"/>
-                    </a:p>
-                  </a:txBody>
-                  <a:tcPr/>
-                </a:tc>
-                <a:tc>
-                  <a:txBody>
-                    <a:bodyPr/>
-                    <a:lstStyle/>
-                    <a:p>
-                      <a:r>
-                        <a:rPr lang="en-US" dirty="0"/>
-                        <a:t>/user/u101</a:t>
-                      </a:r>
-                      <a:endParaRPr lang="en-IL" dirty="0"/>
-                    </a:p>
-                  </a:txBody>
-                  <a:tcPr/>
-                </a:tc>
-                <a:extLst>
-                  <a:ext uri="{0D108BD9-81ED-4DB2-BD59-A6C34878D82A}">
-                    <a16:rowId xmlns:a16="http://schemas.microsoft.com/office/drawing/2014/main" val="3893292650"/>
-                  </a:ext>
-                </a:extLst>
-              </a:tr>
-              <a:tr h="370840">
-                <a:tc>
-                  <a:txBody>
-                    <a:bodyPr/>
-                    <a:lstStyle/>
-                    <a:p>
-                      <a:r>
-                        <a:rPr lang="en-US" dirty="0" err="1"/>
-                        <a:t>LoginSignupPage</a:t>
-                      </a:r>
-                      <a:endParaRPr lang="en-IL" dirty="0"/>
-                    </a:p>
-                  </a:txBody>
-                  <a:tcPr/>
-                </a:tc>
-                <a:tc>
-                  <a:txBody>
-                    <a:bodyPr/>
-                    <a:lstStyle/>
-                    <a:p>
-                      <a:r>
-                        <a:rPr lang="en-US" dirty="0"/>
-                        <a:t>Login / Signup</a:t>
-                      </a:r>
-                      <a:endParaRPr lang="en-IL" dirty="0"/>
-                    </a:p>
-                  </a:txBody>
-                  <a:tcPr/>
-                </a:tc>
-                <a:tc>
-                  <a:txBody>
-                    <a:bodyPr/>
-                    <a:lstStyle/>
-                    <a:p>
-                      <a:r>
-                        <a:rPr lang="en-US" dirty="0"/>
-                        <a:t>/signup</a:t>
-                      </a:r>
-                      <a:endParaRPr lang="en-IL" dirty="0"/>
-                    </a:p>
-                  </a:txBody>
-                  <a:tcPr/>
-                </a:tc>
-                <a:extLst>
-                  <a:ext uri="{0D108BD9-81ED-4DB2-BD59-A6C34878D82A}">
-                    <a16:rowId xmlns:a16="http://schemas.microsoft.com/office/drawing/2014/main" val="2890815631"/>
-                  </a:ext>
-                </a:extLst>
-              </a:tr>
-            </a:tbl>
-          </a:graphicData>
-        </a:graphic>
-      </p:graphicFrame>
-    </p:spTree>
-    <p:extLst>
-      <p:ext uri="{BB962C8B-B14F-4D97-AF65-F5344CB8AC3E}">
-        <p14:creationId xmlns:p14="http://schemas.microsoft.com/office/powerpoint/2010/main" val="2385550570"/>
-      </p:ext>
-    </p:extLst>
-  </p:cSld>
-  <p:clrMapOvr>
-    <a:masterClrMapping/>
-  </p:clrMapOvr>
-</p:sld>
-</file>
-
-<file path=ppt/slides/slide19.xml><?xml version="1.0" encoding="utf-8"?>
-<p:sld xmlns:a="http://schemas.openxmlformats.org/drawingml/2006/main" xmlns:r="http://schemas.openxmlformats.org/officeDocument/2006/relationships" xmlns:p="http://schemas.openxmlformats.org/presentationml/2006/main">
-  <p:cSld>
-    <p:spTree>
-      <p:nvGrpSpPr>
-        <p:cNvPr id="1" name=""/>
-        <p:cNvGrpSpPr/>
-        <p:nvPr/>
-      </p:nvGrpSpPr>
-      <p:grpSpPr>
-        <a:xfrm>
-          <a:off x="0" y="0"/>
-          <a:ext cx="0" cy="0"/>
-          <a:chOff x="0" y="0"/>
-          <a:chExt cx="0" cy="0"/>
-        </a:xfrm>
-      </p:grpSpPr>
-      <p:sp>
-        <p:nvSpPr>
-          <p:cNvPr id="5" name="TextBox 4">
-            <a:extLst>
-              <a:ext uri="{FF2B5EF4-FFF2-40B4-BE49-F238E27FC236}">
-                <a16:creationId xmlns:a16="http://schemas.microsoft.com/office/drawing/2014/main" id="{654AA4C7-1A2B-4498-BBA8-ECF8118D3984}"/>
-              </a:ext>
-            </a:extLst>
-          </p:cNvPr>
-          <p:cNvSpPr txBox="1"/>
-          <p:nvPr/>
-        </p:nvSpPr>
-        <p:spPr>
-          <a:xfrm>
-            <a:off x="638175" y="409575"/>
-            <a:ext cx="10791825" cy="830997"/>
-          </a:xfrm>
-          <a:prstGeom prst="rect">
-            <a:avLst/>
-          </a:prstGeom>
-          <a:noFill/>
-        </p:spPr>
-        <p:txBody>
-          <a:bodyPr wrap="square" rtlCol="0">
-            <a:spAutoFit/>
-          </a:bodyPr>
-          <a:lstStyle/>
-          <a:p>
-            <a:r>
-              <a:rPr lang="en-US" sz="4800" b="1" dirty="0"/>
-              <a:t>Components </a:t>
-            </a:r>
-            <a:endParaRPr lang="en-IL" sz="4800" b="1" dirty="0"/>
-          </a:p>
-        </p:txBody>
-      </p:sp>
-      <p:cxnSp>
-        <p:nvCxnSpPr>
-          <p:cNvPr id="8" name="Straight Connector 7">
-            <a:extLst>
-              <a:ext uri="{FF2B5EF4-FFF2-40B4-BE49-F238E27FC236}">
-                <a16:creationId xmlns:a16="http://schemas.microsoft.com/office/drawing/2014/main" id="{38E70AE2-3194-4F3F-996D-F0F607FEF874}"/>
-              </a:ext>
-            </a:extLst>
-          </p:cNvPr>
-          <p:cNvCxnSpPr/>
-          <p:nvPr/>
-        </p:nvCxnSpPr>
-        <p:spPr>
-          <a:xfrm>
-            <a:off x="638174" y="1228725"/>
-            <a:ext cx="10791825" cy="0"/>
-          </a:xfrm>
-          <a:prstGeom prst="line">
-            <a:avLst/>
-          </a:prstGeom>
-        </p:spPr>
-        <p:style>
-          <a:lnRef idx="1">
-            <a:schemeClr val="accent1"/>
-          </a:lnRef>
-          <a:fillRef idx="0">
-            <a:schemeClr val="accent1"/>
-          </a:fillRef>
-          <a:effectRef idx="0">
-            <a:schemeClr val="accent1"/>
-          </a:effectRef>
-          <a:fontRef idx="minor">
-            <a:schemeClr val="tx1"/>
-          </a:fontRef>
-        </p:style>
-      </p:cxnSp>
-      <p:graphicFrame>
-        <p:nvGraphicFramePr>
-          <p:cNvPr id="3" name="Table 2">
-            <a:extLst>
-              <a:ext uri="{FF2B5EF4-FFF2-40B4-BE49-F238E27FC236}">
-                <a16:creationId xmlns:a16="http://schemas.microsoft.com/office/drawing/2014/main" id="{F057F8E6-F72D-417D-AF64-6FA712A1856F}"/>
-              </a:ext>
-            </a:extLst>
-          </p:cNvPr>
-          <p:cNvGraphicFramePr>
-            <a:graphicFrameLocks noGrp="1"/>
-          </p:cNvGraphicFramePr>
-          <p:nvPr>
-            <p:extLst>
-              <p:ext uri="{D42A27DB-BD31-4B8C-83A1-F6EECF244321}">
-                <p14:modId xmlns:p14="http://schemas.microsoft.com/office/powerpoint/2010/main" val="380816144"/>
-              </p:ext>
-            </p:extLst>
-          </p:nvPr>
-        </p:nvGraphicFramePr>
-        <p:xfrm>
-          <a:off x="638172" y="1795991"/>
-          <a:ext cx="10855328" cy="1854200"/>
-        </p:xfrm>
-        <a:graphic>
-          <a:graphicData uri="http://schemas.openxmlformats.org/drawingml/2006/table">
-            <a:tbl>
-              <a:tblPr firstRow="1" bandRow="1">
-                <a:tableStyleId>{5C22544A-7EE6-4342-B048-85BDC9FD1C3A}</a:tableStyleId>
-              </a:tblPr>
-              <a:tblGrid>
-                <a:gridCol w="1826440">
-                  <a:extLst>
-                    <a:ext uri="{9D8B030D-6E8A-4147-A177-3AD203B41FA5}">
-                      <a16:colId xmlns:a16="http://schemas.microsoft.com/office/drawing/2014/main" val="2629285889"/>
-                    </a:ext>
-                  </a:extLst>
-                </a:gridCol>
-                <a:gridCol w="1826440">
-                  <a:extLst>
-                    <a:ext uri="{9D8B030D-6E8A-4147-A177-3AD203B41FA5}">
-                      <a16:colId xmlns:a16="http://schemas.microsoft.com/office/drawing/2014/main" val="20001"/>
-                    </a:ext>
-                  </a:extLst>
-                </a:gridCol>
-                <a:gridCol w="1826440">
-                  <a:extLst>
-                    <a:ext uri="{9D8B030D-6E8A-4147-A177-3AD203B41FA5}">
-                      <a16:colId xmlns:a16="http://schemas.microsoft.com/office/drawing/2014/main" val="20002"/>
-                    </a:ext>
-                  </a:extLst>
-                </a:gridCol>
-                <a:gridCol w="5376008">
-                  <a:extLst>
-                    <a:ext uri="{9D8B030D-6E8A-4147-A177-3AD203B41FA5}">
-                      <a16:colId xmlns:a16="http://schemas.microsoft.com/office/drawing/2014/main" val="1905034006"/>
-                    </a:ext>
-                  </a:extLst>
-                </a:gridCol>
-              </a:tblGrid>
-              <a:tr h="370840">
-                <a:tc>
-                  <a:txBody>
-                    <a:bodyPr/>
-                    <a:lstStyle/>
-                    <a:p>
-                      <a:r>
-                        <a:rPr lang="en-US" dirty="0"/>
-                        <a:t>Component</a:t>
-                      </a:r>
-                      <a:endParaRPr lang="en-IL" dirty="0"/>
-                    </a:p>
-                  </a:txBody>
-                  <a:tcPr/>
-                </a:tc>
-                <a:tc>
-                  <a:txBody>
-                    <a:bodyPr/>
-                    <a:lstStyle/>
-                    <a:p>
-                      <a:r>
-                        <a:rPr lang="en-US" dirty="0"/>
-                        <a:t>Props</a:t>
-                      </a:r>
-                      <a:endParaRPr lang="en-IL" dirty="0"/>
-                    </a:p>
-                  </a:txBody>
-                  <a:tcPr/>
-                </a:tc>
-                <a:tc>
-                  <a:txBody>
-                    <a:bodyPr/>
-                    <a:lstStyle/>
-                    <a:p>
-                      <a:r>
-                        <a:rPr lang="en-US" dirty="0"/>
-                        <a:t>Emits</a:t>
-                      </a:r>
-                      <a:endParaRPr lang="en-IL" dirty="0"/>
-                    </a:p>
-                  </a:txBody>
-                  <a:tcPr/>
-                </a:tc>
-                <a:tc>
-                  <a:txBody>
-                    <a:bodyPr/>
-                    <a:lstStyle/>
-                    <a:p>
-                      <a:r>
-                        <a:rPr lang="en-US" dirty="0"/>
-                        <a:t>Description</a:t>
-                      </a:r>
-                      <a:endParaRPr lang="en-IL" dirty="0"/>
-                    </a:p>
-                  </a:txBody>
-                  <a:tcPr/>
-                </a:tc>
-                <a:extLst>
-                  <a:ext uri="{0D108BD9-81ED-4DB2-BD59-A6C34878D82A}">
-                    <a16:rowId xmlns:a16="http://schemas.microsoft.com/office/drawing/2014/main" val="3992010310"/>
-                  </a:ext>
-                </a:extLst>
-              </a:tr>
-              <a:tr h="370840">
-                <a:tc>
-                  <a:txBody>
-                    <a:bodyPr/>
-                    <a:lstStyle/>
-                    <a:p>
-                      <a:r>
-                        <a:rPr lang="en-US" dirty="0" err="1"/>
-                        <a:t>stationPreview</a:t>
-                      </a:r>
-                      <a:endParaRPr lang="en-IL" dirty="0"/>
-                    </a:p>
-                  </a:txBody>
-                  <a:tcPr/>
-                </a:tc>
-                <a:tc>
-                  <a:txBody>
-                    <a:bodyPr/>
-                    <a:lstStyle/>
-                    <a:p>
-                      <a:r>
-                        <a:rPr lang="en-US" dirty="0"/>
-                        <a:t>Station</a:t>
-                      </a:r>
-                      <a:endParaRPr lang="en-IL" dirty="0"/>
-                    </a:p>
-                  </a:txBody>
-                  <a:tcPr/>
-                </a:tc>
-                <a:tc>
-                  <a:txBody>
-                    <a:bodyPr/>
-                    <a:lstStyle/>
-                    <a:p>
-                      <a:r>
-                        <a:rPr lang="en-US" dirty="0"/>
-                        <a:t>liked</a:t>
-                      </a:r>
-                      <a:endParaRPr lang="en-IL" dirty="0"/>
-                    </a:p>
-                  </a:txBody>
-                  <a:tcPr/>
-                </a:tc>
-                <a:tc>
-                  <a:txBody>
-                    <a:bodyPr/>
-                    <a:lstStyle/>
-                    <a:p>
-                      <a:r>
-                        <a:rPr lang="en-US" dirty="0"/>
-                        <a:t>Preview of the station with a link to station page</a:t>
-                      </a:r>
-                      <a:endParaRPr lang="en-IL" dirty="0"/>
-                    </a:p>
-                  </a:txBody>
-                  <a:tcPr/>
-                </a:tc>
-                <a:extLst>
-                  <a:ext uri="{0D108BD9-81ED-4DB2-BD59-A6C34878D82A}">
-                    <a16:rowId xmlns:a16="http://schemas.microsoft.com/office/drawing/2014/main" val="3609057055"/>
-                  </a:ext>
-                </a:extLst>
-              </a:tr>
-              <a:tr h="370840">
-                <a:tc>
-                  <a:txBody>
-                    <a:bodyPr/>
-                    <a:lstStyle/>
-                    <a:p>
-                      <a:r>
-                        <a:rPr lang="en-US" dirty="0" err="1"/>
-                        <a:t>stationList</a:t>
-                      </a:r>
-                      <a:endParaRPr lang="en-IL" dirty="0"/>
-                    </a:p>
-                  </a:txBody>
-                  <a:tcPr/>
-                </a:tc>
-                <a:tc>
-                  <a:txBody>
-                    <a:bodyPr/>
-                    <a:lstStyle/>
-                    <a:p>
-                      <a:r>
-                        <a:rPr lang="en-US" dirty="0"/>
-                        <a:t>Stations</a:t>
-                      </a:r>
-                      <a:endParaRPr lang="en-IL" dirty="0"/>
-                    </a:p>
-                  </a:txBody>
-                  <a:tcPr/>
-                </a:tc>
-                <a:tc>
-                  <a:txBody>
-                    <a:bodyPr/>
-                    <a:lstStyle/>
-                    <a:p>
-                      <a:r>
-                        <a:rPr lang="en-US" dirty="0"/>
-                        <a:t>Liked</a:t>
-                      </a:r>
-                      <a:endParaRPr lang="en-IL" dirty="0"/>
-                    </a:p>
-                  </a:txBody>
-                  <a:tcPr/>
-                </a:tc>
-                <a:tc>
-                  <a:txBody>
-                    <a:bodyPr/>
-                    <a:lstStyle/>
-                    <a:p>
-                      <a:r>
-                        <a:rPr lang="en-US" dirty="0"/>
-                        <a:t>List of stations</a:t>
-                      </a:r>
-                      <a:endParaRPr lang="en-IL" dirty="0"/>
-                    </a:p>
-                  </a:txBody>
-                  <a:tcPr/>
-                </a:tc>
-                <a:extLst>
-                  <a:ext uri="{0D108BD9-81ED-4DB2-BD59-A6C34878D82A}">
-                    <a16:rowId xmlns:a16="http://schemas.microsoft.com/office/drawing/2014/main" val="3241726061"/>
-                  </a:ext>
-                </a:extLst>
-              </a:tr>
-              <a:tr h="370840">
-                <a:tc>
-                  <a:txBody>
-                    <a:bodyPr/>
-                    <a:lstStyle/>
-                    <a:p>
-                      <a:r>
-                        <a:rPr lang="en-US" dirty="0" err="1"/>
-                        <a:t>songSearch</a:t>
-                      </a:r>
-                      <a:endParaRPr lang="en-IL" dirty="0"/>
-                    </a:p>
-                  </a:txBody>
-                  <a:tcPr/>
-                </a:tc>
-                <a:tc>
-                  <a:txBody>
-                    <a:bodyPr/>
-                    <a:lstStyle/>
-                    <a:p>
-                      <a:endParaRPr lang="en-IL" dirty="0"/>
-                    </a:p>
-                  </a:txBody>
-                  <a:tcPr/>
-                </a:tc>
-                <a:tc>
-                  <a:txBody>
-                    <a:bodyPr/>
-                    <a:lstStyle/>
-                    <a:p>
-                      <a:r>
-                        <a:rPr lang="en-US" dirty="0"/>
-                        <a:t>Song</a:t>
-                      </a:r>
-                      <a:endParaRPr lang="en-IL" dirty="0"/>
-                    </a:p>
-                  </a:txBody>
-                  <a:tcPr/>
-                </a:tc>
-                <a:tc>
-                  <a:txBody>
-                    <a:bodyPr/>
-                    <a:lstStyle/>
-                    <a:p>
-                      <a:r>
-                        <a:rPr lang="en-US" dirty="0"/>
-                        <a:t>Allow the user to find a song and emit to parent</a:t>
-                      </a:r>
-                      <a:endParaRPr lang="en-IL" dirty="0"/>
-                    </a:p>
-                  </a:txBody>
-                  <a:tcPr/>
-                </a:tc>
-                <a:extLst>
-                  <a:ext uri="{0D108BD9-81ED-4DB2-BD59-A6C34878D82A}">
-                    <a16:rowId xmlns:a16="http://schemas.microsoft.com/office/drawing/2014/main" val="3893292650"/>
-                  </a:ext>
-                </a:extLst>
-              </a:tr>
-              <a:tr h="370840">
-                <a:tc>
-                  <a:txBody>
-                    <a:bodyPr/>
-                    <a:lstStyle/>
-                    <a:p>
-                      <a:r>
-                        <a:rPr lang="en-US" dirty="0" err="1"/>
-                        <a:t>chatApp</a:t>
-                      </a:r>
-                      <a:endParaRPr lang="en-IL" dirty="0"/>
-                    </a:p>
-                  </a:txBody>
-                  <a:tcPr/>
-                </a:tc>
-                <a:tc>
-                  <a:txBody>
-                    <a:bodyPr/>
-                    <a:lstStyle/>
-                    <a:p>
-                      <a:endParaRPr lang="en-IL" dirty="0"/>
-                    </a:p>
-                  </a:txBody>
-                  <a:tcPr/>
-                </a:tc>
-                <a:tc>
-                  <a:txBody>
-                    <a:bodyPr/>
-                    <a:lstStyle/>
-                    <a:p>
-                      <a:endParaRPr lang="en-IL" dirty="0"/>
-                    </a:p>
-                  </a:txBody>
-                  <a:tcPr/>
-                </a:tc>
-                <a:tc>
-                  <a:txBody>
-                    <a:bodyPr/>
-                    <a:lstStyle/>
-                    <a:p>
-                      <a:r>
-                        <a:rPr lang="en-US" dirty="0"/>
-                        <a:t>Allow users to chat</a:t>
-                      </a:r>
-                      <a:endParaRPr lang="en-IL" dirty="0"/>
-                    </a:p>
-                  </a:txBody>
-                  <a:tcPr/>
-                </a:tc>
-                <a:extLst>
-                  <a:ext uri="{0D108BD9-81ED-4DB2-BD59-A6C34878D82A}">
-                    <a16:rowId xmlns:a16="http://schemas.microsoft.com/office/drawing/2014/main" val="264475979"/>
-                  </a:ext>
-                </a:extLst>
-              </a:tr>
-            </a:tbl>
-          </a:graphicData>
-        </a:graphic>
-      </p:graphicFrame>
-    </p:spTree>
-    <p:extLst>
-      <p:ext uri="{BB962C8B-B14F-4D97-AF65-F5344CB8AC3E}">
-        <p14:creationId xmlns:p14="http://schemas.microsoft.com/office/powerpoint/2010/main" val="808234893"/>
+        <p14:creationId xmlns:p14="http://schemas.microsoft.com/office/powerpoint/2010/main" val="65545195"/>
       </p:ext>
     </p:extLst>
   </p:cSld>
@@ -7001,360 +3677,6 @@
     <p:extLst>
       <p:ext uri="{BB962C8B-B14F-4D97-AF65-F5344CB8AC3E}">
         <p14:creationId xmlns:p14="http://schemas.microsoft.com/office/powerpoint/2010/main" val="3577773621"/>
-      </p:ext>
-    </p:extLst>
-  </p:cSld>
-  <p:clrMapOvr>
-    <a:masterClrMapping/>
-  </p:clrMapOvr>
-</p:sld>
-</file>
-
-<file path=ppt/slides/slide20.xml><?xml version="1.0" encoding="utf-8"?>
-<p:sld xmlns:a="http://schemas.openxmlformats.org/drawingml/2006/main" xmlns:r="http://schemas.openxmlformats.org/officeDocument/2006/relationships" xmlns:p="http://schemas.openxmlformats.org/presentationml/2006/main">
-  <p:cSld>
-    <p:spTree>
-      <p:nvGrpSpPr>
-        <p:cNvPr id="1" name=""/>
-        <p:cNvGrpSpPr/>
-        <p:nvPr/>
-      </p:nvGrpSpPr>
-      <p:grpSpPr>
-        <a:xfrm>
-          <a:off x="0" y="0"/>
-          <a:ext cx="0" cy="0"/>
-          <a:chOff x="0" y="0"/>
-          <a:chExt cx="0" cy="0"/>
-        </a:xfrm>
-      </p:grpSpPr>
-      <p:sp>
-        <p:nvSpPr>
-          <p:cNvPr id="5" name="TextBox 4">
-            <a:extLst>
-              <a:ext uri="{FF2B5EF4-FFF2-40B4-BE49-F238E27FC236}">
-                <a16:creationId xmlns:a16="http://schemas.microsoft.com/office/drawing/2014/main" id="{654AA4C7-1A2B-4498-BBA8-ECF8118D3984}"/>
-              </a:ext>
-            </a:extLst>
-          </p:cNvPr>
-          <p:cNvSpPr txBox="1"/>
-          <p:nvPr/>
-        </p:nvSpPr>
-        <p:spPr>
-          <a:xfrm>
-            <a:off x="638175" y="117475"/>
-            <a:ext cx="10791825" cy="830997"/>
-          </a:xfrm>
-          <a:prstGeom prst="rect">
-            <a:avLst/>
-          </a:prstGeom>
-          <a:noFill/>
-        </p:spPr>
-        <p:txBody>
-          <a:bodyPr wrap="square" rtlCol="0">
-            <a:spAutoFit/>
-          </a:bodyPr>
-          <a:lstStyle/>
-          <a:p>
-            <a:r>
-              <a:rPr lang="en-US" sz="4800" b="1" dirty="0"/>
-              <a:t>Used Techs and APIs</a:t>
-            </a:r>
-            <a:endParaRPr lang="en-IL" sz="4800" b="1" dirty="0"/>
-          </a:p>
-        </p:txBody>
-      </p:sp>
-      <p:sp>
-        <p:nvSpPr>
-          <p:cNvPr id="6" name="TextBox 5">
-            <a:extLst>
-              <a:ext uri="{FF2B5EF4-FFF2-40B4-BE49-F238E27FC236}">
-                <a16:creationId xmlns:a16="http://schemas.microsoft.com/office/drawing/2014/main" id="{2FF4F8D9-CA72-454A-8770-2FF95CFA5CB1}"/>
-              </a:ext>
-            </a:extLst>
-          </p:cNvPr>
-          <p:cNvSpPr txBox="1"/>
-          <p:nvPr/>
-        </p:nvSpPr>
-        <p:spPr>
-          <a:xfrm>
-            <a:off x="523873" y="1168400"/>
-            <a:ext cx="10791825" cy="5632311"/>
-          </a:xfrm>
-          <a:prstGeom prst="rect">
-            <a:avLst/>
-          </a:prstGeom>
-          <a:noFill/>
-        </p:spPr>
-        <p:txBody>
-          <a:bodyPr wrap="square" rtlCol="0">
-            <a:spAutoFit/>
-          </a:bodyPr>
-          <a:lstStyle/>
-          <a:p>
-            <a:r>
-              <a:rPr lang="en-US" b="1" dirty="0"/>
-              <a:t>Ajax and REST API</a:t>
-            </a:r>
-          </a:p>
-          <a:p>
-            <a:r>
-              <a:rPr lang="en-US" dirty="0"/>
-              <a:t>CRUDL for stations with </a:t>
-            </a:r>
-            <a:r>
-              <a:rPr lang="en-US" dirty="0" err="1"/>
-              <a:t>axios</a:t>
-            </a:r>
-            <a:r>
-              <a:rPr lang="en-US" dirty="0"/>
-              <a:t> and Node.js</a:t>
-            </a:r>
-          </a:p>
-          <a:p>
-            <a:endParaRPr lang="en-US" dirty="0"/>
-          </a:p>
-          <a:p>
-            <a:r>
-              <a:rPr lang="en-US" b="1" dirty="0"/>
-              <a:t>Authentication</a:t>
-            </a:r>
-          </a:p>
-          <a:p>
-            <a:r>
-              <a:rPr lang="en-US" dirty="0"/>
-              <a:t>User/password and server session</a:t>
-            </a:r>
-          </a:p>
-          <a:p>
-            <a:endParaRPr lang="en-US" dirty="0"/>
-          </a:p>
-          <a:p>
-            <a:r>
-              <a:rPr lang="en-US" b="1" dirty="0"/>
-              <a:t>Storage </a:t>
-            </a:r>
-            <a:endParaRPr lang="en-US" b="1" dirty="0">
-              <a:solidFill>
-                <a:srgbClr val="FF0000"/>
-              </a:solidFill>
-            </a:endParaRPr>
-          </a:p>
-          <a:p>
-            <a:r>
-              <a:rPr lang="en-US" dirty="0" err="1"/>
-              <a:t>Cloudinary</a:t>
-            </a:r>
-            <a:r>
-              <a:rPr lang="en-US" dirty="0"/>
-              <a:t> to store users profile and station images</a:t>
-            </a:r>
-          </a:p>
-          <a:p>
-            <a:endParaRPr lang="en-US" b="1" dirty="0"/>
-          </a:p>
-          <a:p>
-            <a:r>
-              <a:rPr lang="en-US" b="1" dirty="0"/>
-              <a:t>Database</a:t>
-            </a:r>
-            <a:endParaRPr lang="en-US" b="1" dirty="0">
-              <a:solidFill>
-                <a:srgbClr val="FF0000"/>
-              </a:solidFill>
-            </a:endParaRPr>
-          </a:p>
-          <a:p>
-            <a:r>
-              <a:rPr lang="en-US" dirty="0" err="1"/>
-              <a:t>Mongodb</a:t>
-            </a:r>
-            <a:r>
-              <a:rPr lang="en-US" dirty="0"/>
-              <a:t> on Atlas cloud databases</a:t>
-            </a:r>
-          </a:p>
-          <a:p>
-            <a:endParaRPr lang="en-US" b="1" dirty="0"/>
-          </a:p>
-          <a:p>
-            <a:r>
-              <a:rPr lang="en-US" b="1" dirty="0"/>
-              <a:t>Web Sockets</a:t>
-            </a:r>
-            <a:endParaRPr lang="en-US" b="1" dirty="0">
-              <a:solidFill>
-                <a:srgbClr val="FF0000"/>
-              </a:solidFill>
-            </a:endParaRPr>
-          </a:p>
-          <a:p>
-            <a:r>
-              <a:rPr lang="en-US" dirty="0"/>
-              <a:t>Multi room with a Socket per station</a:t>
-            </a:r>
-          </a:p>
-          <a:p>
-            <a:endParaRPr lang="en-US" b="1" dirty="0"/>
-          </a:p>
-          <a:p>
-            <a:r>
-              <a:rPr lang="en-US" b="1" dirty="0" err="1"/>
-              <a:t>Youtube</a:t>
-            </a:r>
-            <a:r>
-              <a:rPr lang="en-US" b="1" dirty="0"/>
-              <a:t> API</a:t>
-            </a:r>
-            <a:endParaRPr lang="en-US" b="1" dirty="0">
-              <a:solidFill>
-                <a:srgbClr val="FF0000"/>
-              </a:solidFill>
-            </a:endParaRPr>
-          </a:p>
-          <a:p>
-            <a:r>
-              <a:rPr lang="en-US" dirty="0"/>
-              <a:t>Add and play songs from </a:t>
-            </a:r>
-            <a:r>
-              <a:rPr lang="en-US" dirty="0" err="1"/>
-              <a:t>Youtube</a:t>
-            </a:r>
-            <a:r>
-              <a:rPr lang="en-US" dirty="0"/>
-              <a:t> based on user search</a:t>
-            </a:r>
-            <a:endParaRPr lang="en-US" b="1" dirty="0"/>
-          </a:p>
-          <a:p>
-            <a:endParaRPr lang="en-US" b="1" dirty="0"/>
-          </a:p>
-          <a:p>
-            <a:r>
-              <a:rPr lang="en-US" b="1" dirty="0"/>
-              <a:t>Share</a:t>
-            </a:r>
-            <a:endParaRPr lang="en-US" b="1" dirty="0">
-              <a:solidFill>
-                <a:srgbClr val="FF0000"/>
-              </a:solidFill>
-            </a:endParaRPr>
-          </a:p>
-          <a:p>
-            <a:r>
-              <a:rPr lang="en-US" dirty="0"/>
-              <a:t>Share to Facebook (if time permits)</a:t>
-            </a:r>
-          </a:p>
-        </p:txBody>
-      </p:sp>
-      <p:cxnSp>
-        <p:nvCxnSpPr>
-          <p:cNvPr id="8" name="Straight Connector 7">
-            <a:extLst>
-              <a:ext uri="{FF2B5EF4-FFF2-40B4-BE49-F238E27FC236}">
-                <a16:creationId xmlns:a16="http://schemas.microsoft.com/office/drawing/2014/main" id="{38E70AE2-3194-4F3F-996D-F0F607FEF874}"/>
-              </a:ext>
-            </a:extLst>
-          </p:cNvPr>
-          <p:cNvCxnSpPr/>
-          <p:nvPr/>
-        </p:nvCxnSpPr>
-        <p:spPr>
-          <a:xfrm>
-            <a:off x="638174" y="885825"/>
-            <a:ext cx="10791825" cy="0"/>
-          </a:xfrm>
-          <a:prstGeom prst="line">
-            <a:avLst/>
-          </a:prstGeom>
-        </p:spPr>
-        <p:style>
-          <a:lnRef idx="1">
-            <a:schemeClr val="accent1"/>
-          </a:lnRef>
-          <a:fillRef idx="0">
-            <a:schemeClr val="accent1"/>
-          </a:fillRef>
-          <a:effectRef idx="0">
-            <a:schemeClr val="accent1"/>
-          </a:effectRef>
-          <a:fontRef idx="minor">
-            <a:schemeClr val="tx1"/>
-          </a:fontRef>
-        </p:style>
-      </p:cxnSp>
-    </p:spTree>
-    <p:extLst>
-      <p:ext uri="{BB962C8B-B14F-4D97-AF65-F5344CB8AC3E}">
-        <p14:creationId xmlns:p14="http://schemas.microsoft.com/office/powerpoint/2010/main" val="1535992387"/>
-      </p:ext>
-    </p:extLst>
-  </p:cSld>
-  <p:clrMapOvr>
-    <a:masterClrMapping/>
-  </p:clrMapOvr>
-</p:sld>
-</file>
-
-<file path=ppt/slides/slide21.xml><?xml version="1.0" encoding="utf-8"?>
-<p:sld xmlns:a="http://schemas.openxmlformats.org/drawingml/2006/main" xmlns:r="http://schemas.openxmlformats.org/officeDocument/2006/relationships" xmlns:p="http://schemas.openxmlformats.org/presentationml/2006/main">
-  <p:cSld>
-    <p:spTree>
-      <p:nvGrpSpPr>
-        <p:cNvPr id="1" name=""/>
-        <p:cNvGrpSpPr/>
-        <p:nvPr/>
-      </p:nvGrpSpPr>
-      <p:grpSpPr>
-        <a:xfrm>
-          <a:off x="0" y="0"/>
-          <a:ext cx="0" cy="0"/>
-          <a:chOff x="0" y="0"/>
-          <a:chExt cx="0" cy="0"/>
-        </a:xfrm>
-      </p:grpSpPr>
-      <p:sp>
-        <p:nvSpPr>
-          <p:cNvPr id="5" name="TextBox 4">
-            <a:extLst>
-              <a:ext uri="{FF2B5EF4-FFF2-40B4-BE49-F238E27FC236}">
-                <a16:creationId xmlns:a16="http://schemas.microsoft.com/office/drawing/2014/main" id="{654AA4C7-1A2B-4498-BBA8-ECF8118D3984}"/>
-              </a:ext>
-            </a:extLst>
-          </p:cNvPr>
-          <p:cNvSpPr txBox="1"/>
-          <p:nvPr/>
-        </p:nvSpPr>
-        <p:spPr>
-          <a:xfrm>
-            <a:off x="711200" y="2460625"/>
-            <a:ext cx="10791825" cy="830997"/>
-          </a:xfrm>
-          <a:prstGeom prst="rect">
-            <a:avLst/>
-          </a:prstGeom>
-          <a:noFill/>
-        </p:spPr>
-        <p:txBody>
-          <a:bodyPr wrap="square" rtlCol="0">
-            <a:spAutoFit/>
-          </a:bodyPr>
-          <a:lstStyle/>
-          <a:p>
-            <a:pPr algn="ctr"/>
-            <a:r>
-              <a:rPr lang="en-US" sz="4800" b="1" dirty="0"/>
-              <a:t>Thanks</a:t>
-            </a:r>
-            <a:endParaRPr lang="en-IL" sz="4800" b="1" dirty="0"/>
-          </a:p>
-        </p:txBody>
-      </p:sp>
-    </p:spTree>
-    <p:extLst>
-      <p:ext uri="{BB962C8B-B14F-4D97-AF65-F5344CB8AC3E}">
-        <p14:creationId xmlns:p14="http://schemas.microsoft.com/office/powerpoint/2010/main" val="1595439946"/>
       </p:ext>
     </p:extLst>
   </p:cSld>
@@ -8814,6 +5136,14 @@
 <file path=ppt/slides/slide6.xml><?xml version="1.0" encoding="utf-8"?>
 <p:sld xmlns:a="http://schemas.openxmlformats.org/drawingml/2006/main" xmlns:r="http://schemas.openxmlformats.org/officeDocument/2006/relationships" xmlns:p="http://schemas.openxmlformats.org/presentationml/2006/main">
   <p:cSld>
+    <p:bg>
+      <p:bgPr>
+        <a:solidFill>
+          <a:schemeClr val="bg1"/>
+        </a:solidFill>
+        <a:effectLst/>
+      </p:bgPr>
+    </p:bg>
     <p:spTree>
       <p:nvGrpSpPr>
         <p:cNvPr id="1" name=""/>
@@ -8830,6 +5160,136 @@
       </p:grpSpPr>
       <p:sp>
         <p:nvSpPr>
+          <p:cNvPr id="10" name="Rectangle 9">
+            <a:extLst>
+              <a:ext uri="{FF2B5EF4-FFF2-40B4-BE49-F238E27FC236}">
+                <a16:creationId xmlns:a16="http://schemas.microsoft.com/office/drawing/2014/main" id="{23962611-DFD5-4092-AAFD-559E3DFCE2C9}"/>
+              </a:ext>
+              <a:ext uri="{C183D7F6-B498-43B3-948B-1728B52AA6E4}">
+                <adec:decorative xmlns:adec="http://schemas.microsoft.com/office/drawing/2017/decorative" val="1"/>
+              </a:ext>
+            </a:extLst>
+          </p:cNvPr>
+          <p:cNvSpPr>
+            <a:spLocks noGrp="1" noRot="1" noChangeAspect="1" noMove="1" noResize="1" noEditPoints="1" noAdjustHandles="1" noChangeArrowheads="1" noChangeShapeType="1" noTextEdit="1"/>
+          </p:cNvSpPr>
+          <p:nvPr>
+            <p:extLst>
+              <p:ext uri="{386F3935-93C4-4BCD-93E2-E3B085C9AB24}">
+                <p16:designElem xmlns:p16="http://schemas.microsoft.com/office/powerpoint/2015/main" val="1"/>
+              </p:ext>
+            </p:extLst>
+          </p:nvPr>
+        </p:nvSpPr>
+        <p:spPr>
+          <a:xfrm>
+            <a:off x="475488" y="0"/>
+            <a:ext cx="10910292" cy="6858000"/>
+          </a:xfrm>
+          <a:prstGeom prst="rect">
+            <a:avLst/>
+          </a:prstGeom>
+          <a:gradFill>
+            <a:gsLst>
+              <a:gs pos="0">
+                <a:schemeClr val="accent1">
+                  <a:lumMod val="90000"/>
+                </a:schemeClr>
+              </a:gs>
+              <a:gs pos="25000">
+                <a:schemeClr val="accent1">
+                  <a:lumMod val="90000"/>
+                </a:schemeClr>
+              </a:gs>
+              <a:gs pos="94000">
+                <a:schemeClr val="bg2">
+                  <a:lumMod val="25000"/>
+                </a:schemeClr>
+              </a:gs>
+              <a:gs pos="100000">
+                <a:schemeClr val="bg2">
+                  <a:lumMod val="25000"/>
+                </a:schemeClr>
+              </a:gs>
+            </a:gsLst>
+            <a:lin ang="4200000" scaled="0"/>
+          </a:gradFill>
+          <a:ln>
+            <a:noFill/>
+          </a:ln>
+        </p:spPr>
+        <p:style>
+          <a:lnRef idx="2">
+            <a:schemeClr val="accent1">
+              <a:shade val="50000"/>
+            </a:schemeClr>
+          </a:lnRef>
+          <a:fillRef idx="1">
+            <a:schemeClr val="accent1"/>
+          </a:fillRef>
+          <a:effectRef idx="0">
+            <a:schemeClr val="accent1"/>
+          </a:effectRef>
+          <a:fontRef idx="minor">
+            <a:schemeClr val="lt1"/>
+          </a:fontRef>
+        </p:style>
+        <p:txBody>
+          <a:bodyPr rtlCol="0" anchor="ctr"/>
+          <a:lstStyle/>
+          <a:p>
+            <a:pPr algn="ctr"/>
+            <a:endParaRPr lang="en-US"/>
+          </a:p>
+        </p:txBody>
+      </p:sp>
+      <p:pic>
+        <p:nvPicPr>
+          <p:cNvPr id="12" name="Picture 11">
+            <a:extLst>
+              <a:ext uri="{FF2B5EF4-FFF2-40B4-BE49-F238E27FC236}">
+                <a16:creationId xmlns:a16="http://schemas.microsoft.com/office/drawing/2014/main" id="{2270F1FA-0425-408F-9861-80BF5AFB276D}"/>
+              </a:ext>
+              <a:ext uri="{C183D7F6-B498-43B3-948B-1728B52AA6E4}">
+                <adec:decorative xmlns:adec="http://schemas.microsoft.com/office/drawing/2017/decorative" val="1"/>
+              </a:ext>
+            </a:extLst>
+          </p:cNvPr>
+          <p:cNvPicPr>
+            <a:picLocks noGrp="1" noRot="1" noChangeAspect="1" noMove="1" noResize="1" noEditPoints="1" noAdjustHandles="1" noChangeArrowheads="1" noChangeShapeType="1" noCrop="1"/>
+          </p:cNvPicPr>
+          <p:nvPr>
+            <p:extLst>
+              <p:ext uri="{386F3935-93C4-4BCD-93E2-E3B085C9AB24}">
+                <p16:designElem xmlns:p16="http://schemas.microsoft.com/office/powerpoint/2015/main" val="1"/>
+              </p:ext>
+            </p:extLst>
+          </p:nvPr>
+        </p:nvPicPr>
+        <p:blipFill>
+          <a:blip r:embed="rId2">
+            <a:extLst>
+              <a:ext uri="{28A0092B-C50C-407E-A947-70E740481C1C}">
+                <a14:useLocalDpi xmlns:a14="http://schemas.microsoft.com/office/drawing/2010/main" val="0"/>
+              </a:ext>
+            </a:extLst>
+          </a:blip>
+          <a:stretch>
+            <a:fillRect/>
+          </a:stretch>
+        </p:blipFill>
+        <p:spPr>
+          <a:xfrm>
+            <a:off x="0" y="0"/>
+            <a:ext cx="12192000" cy="6858000"/>
+          </a:xfrm>
+          <a:prstGeom prst="rect">
+            <a:avLst/>
+          </a:prstGeom>
+        </p:spPr>
+      </p:pic>
+      <p:sp>
+        <p:nvSpPr>
           <p:cNvPr id="5" name="TextBox 4">
             <a:extLst>
               <a:ext uri="{FF2B5EF4-FFF2-40B4-BE49-F238E27FC236}">
@@ -8842,26 +5302,41 @@
         </p:nvSpPr>
         <p:spPr>
           <a:xfrm>
-            <a:off x="700087" y="2790825"/>
-            <a:ext cx="10791825" cy="830997"/>
+            <a:off x="3045368" y="2043663"/>
+            <a:ext cx="6105194" cy="2031055"/>
           </a:xfrm>
           <a:prstGeom prst="rect">
             <a:avLst/>
           </a:prstGeom>
-          <a:noFill/>
-        </p:spPr>
-        <p:txBody>
-          <a:bodyPr wrap="square" rtlCol="0">
-            <a:spAutoFit/>
+        </p:spPr>
+        <p:txBody>
+          <a:bodyPr vert="horz" lIns="91440" tIns="45720" rIns="91440" bIns="45720" rtlCol="0" anchor="b">
+            <a:normAutofit/>
           </a:bodyPr>
           <a:lstStyle/>
           <a:p>
-            <a:pPr algn="ctr"/>
-            <a:r>
-              <a:rPr lang="en-US" sz="4800" b="1" dirty="0"/>
+            <a:pPr algn="ctr" defTabSz="914400">
+              <a:lnSpc>
+                <a:spcPct val="90000"/>
+              </a:lnSpc>
+              <a:spcBef>
+                <a:spcPct val="0"/>
+              </a:spcBef>
+              <a:spcAft>
+                <a:spcPts val="600"/>
+              </a:spcAft>
+            </a:pPr>
+            <a:r>
+              <a:rPr lang="en-US" sz="6000" b="1" kern="1200">
+                <a:solidFill>
+                  <a:srgbClr val="FFFFFF"/>
+                </a:solidFill>
+                <a:latin typeface="+mj-lt"/>
+                <a:ea typeface="+mj-ea"/>
+                <a:cs typeface="+mj-cs"/>
+              </a:rPr>
               <a:t>Main Pages UX</a:t>
             </a:r>
-            <a:endParaRPr lang="en-IL" sz="4800" b="1" dirty="0"/>
           </a:p>
         </p:txBody>
       </p:sp>
@@ -9141,15 +5616,7 @@
             <a:pPr algn="ctr"/>
             <a:r>
               <a:rPr lang="en-US" sz="4800" b="1" dirty="0"/>
-              <a:t>Service </a:t>
-            </a:r>
-            <a:r>
-              <a:rPr lang="en-US" sz="4800" b="1"/>
-              <a:t>(product) </a:t>
-            </a:r>
-            <a:r>
-              <a:rPr lang="en-US" sz="4800" b="1" dirty="0"/>
-              <a:t>page</a:t>
+              <a:t>Service (product) page</a:t>
             </a:r>
             <a:endParaRPr lang="en-IL" sz="4800" b="1" dirty="0"/>
           </a:p>
@@ -9183,83 +5650,14 @@
         </p:blipFill>
         <p:spPr>
           <a:xfrm>
-            <a:off x="3933925" y="1711743"/>
-            <a:ext cx="4082872" cy="4578992"/>
+            <a:off x="3824867" y="1585519"/>
+            <a:ext cx="4228563" cy="4814273"/>
           </a:xfrm>
           <a:prstGeom prst="rect">
             <a:avLst/>
           </a:prstGeom>
         </p:spPr>
       </p:pic>
-      <p:sp>
-        <p:nvSpPr>
-          <p:cNvPr id="7" name="Speech Bubble: Rectangle 6">
-            <a:extLst>
-              <a:ext uri="{FF2B5EF4-FFF2-40B4-BE49-F238E27FC236}">
-                <a16:creationId xmlns:a16="http://schemas.microsoft.com/office/drawing/2014/main" id="{A2ED4DFB-11A8-4097-A8E8-F09B2C7B9C83}"/>
-              </a:ext>
-            </a:extLst>
-          </p:cNvPr>
-          <p:cNvSpPr/>
-          <p:nvPr/>
-        </p:nvSpPr>
-        <p:spPr>
-          <a:xfrm>
-            <a:off x="8335525" y="2765501"/>
-            <a:ext cx="2292992" cy="600512"/>
-          </a:xfrm>
-          <a:prstGeom prst="wedgeRectCallout">
-            <a:avLst>
-              <a:gd name="adj1" fmla="val -78552"/>
-              <a:gd name="adj2" fmla="val 167949"/>
-            </a:avLst>
-          </a:prstGeom>
-          <a:solidFill>
-            <a:schemeClr val="bg1"/>
-          </a:solidFill>
-          <a:ln>
-            <a:solidFill>
-              <a:schemeClr val="tx1"/>
-            </a:solidFill>
-          </a:ln>
-        </p:spPr>
-        <p:style>
-          <a:lnRef idx="2">
-            <a:schemeClr val="accent1">
-              <a:shade val="50000"/>
-            </a:schemeClr>
-          </a:lnRef>
-          <a:fillRef idx="1">
-            <a:schemeClr val="accent1"/>
-          </a:fillRef>
-          <a:effectRef idx="0">
-            <a:schemeClr val="accent1"/>
-          </a:effectRef>
-          <a:fontRef idx="minor">
-            <a:schemeClr val="lt1"/>
-          </a:fontRef>
-        </p:style>
-        <p:txBody>
-          <a:bodyPr rtlCol="0" anchor="ctr"/>
-          <a:lstStyle/>
-          <a:p>
-            <a:pPr algn="ctr"/>
-            <a:r>
-              <a:rPr lang="en-US" dirty="0">
-                <a:solidFill>
-                  <a:schemeClr val="tx1"/>
-                </a:solidFill>
-              </a:rPr>
-              <a:t>Top fold</a:t>
-            </a:r>
-            <a:endParaRPr lang="en-IL" dirty="0">
-              <a:solidFill>
-                <a:schemeClr val="tx1"/>
-              </a:solidFill>
-            </a:endParaRPr>
-          </a:p>
-        </p:txBody>
-      </p:sp>
     </p:spTree>
     <p:extLst>
       <p:ext uri="{BB962C8B-B14F-4D97-AF65-F5344CB8AC3E}">
@@ -9292,54 +5690,77 @@
       </p:grpSpPr>
       <p:sp>
         <p:nvSpPr>
-          <p:cNvPr id="2" name="Title 1">
+          <p:cNvPr id="6" name="TextBox 5">
             <a:extLst>
               <a:ext uri="{FF2B5EF4-FFF2-40B4-BE49-F238E27FC236}">
-                <a16:creationId xmlns:a16="http://schemas.microsoft.com/office/drawing/2014/main" id="{019CEC73-DF68-4BAA-8FFD-92999D60DA69}"/>
+                <a16:creationId xmlns:a16="http://schemas.microsoft.com/office/drawing/2014/main" id="{2944E135-BBD5-433E-9245-F6C3C661DB91}"/>
               </a:ext>
             </a:extLst>
           </p:cNvPr>
-          <p:cNvSpPr>
-            <a:spLocks noGrp="1"/>
-          </p:cNvSpPr>
-          <p:nvPr>
-            <p:ph type="title"/>
-          </p:nvPr>
-        </p:nvSpPr>
-        <p:spPr/>
-        <p:txBody>
-          <a:bodyPr/>
-          <a:lstStyle/>
-          <a:p>
-            <a:endParaRPr lang="LID4096"/>
-          </a:p>
-        </p:txBody>
-      </p:sp>
-      <p:sp>
-        <p:nvSpPr>
-          <p:cNvPr id="3" name="Content Placeholder 2">
+          <p:cNvSpPr txBox="1"/>
+          <p:nvPr/>
+        </p:nvSpPr>
+        <p:spPr>
+          <a:xfrm>
+            <a:off x="700087" y="183072"/>
+            <a:ext cx="10791825" cy="830997"/>
+          </a:xfrm>
+          <a:prstGeom prst="rect">
+            <a:avLst/>
+          </a:prstGeom>
+          <a:noFill/>
+        </p:spPr>
+        <p:txBody>
+          <a:bodyPr wrap="square" rtlCol="0">
+            <a:spAutoFit/>
+          </a:bodyPr>
+          <a:lstStyle/>
+          <a:p>
+            <a:pPr algn="ctr"/>
+            <a:r>
+              <a:rPr lang="en-US" sz="4800" b="1" dirty="0"/>
+              <a:t>Seller profile</a:t>
+            </a:r>
+            <a:endParaRPr lang="en-IL" sz="4800" b="1" dirty="0"/>
+          </a:p>
+        </p:txBody>
+      </p:sp>
+      <p:pic>
+        <p:nvPicPr>
+          <p:cNvPr id="8" name="Picture 7" descr="A screenshot of a cell phone&#10;&#10;Description automatically generated">
             <a:extLst>
               <a:ext uri="{FF2B5EF4-FFF2-40B4-BE49-F238E27FC236}">
-                <a16:creationId xmlns:a16="http://schemas.microsoft.com/office/drawing/2014/main" id="{3B39FD7E-CF4C-436F-8323-A50D2225C62C}"/>
+                <a16:creationId xmlns:a16="http://schemas.microsoft.com/office/drawing/2014/main" id="{CFE443FC-3A79-47AD-97F5-91B82F2DCACF}"/>
               </a:ext>
             </a:extLst>
           </p:cNvPr>
-          <p:cNvSpPr>
-            <a:spLocks noGrp="1"/>
-          </p:cNvSpPr>
-          <p:nvPr>
-            <p:ph idx="1"/>
-          </p:nvPr>
-        </p:nvSpPr>
-        <p:spPr/>
-        <p:txBody>
-          <a:bodyPr/>
-          <a:lstStyle/>
-          <a:p>
-            <a:endParaRPr lang="LID4096"/>
-          </a:p>
-        </p:txBody>
-      </p:sp>
+          <p:cNvPicPr>
+            <a:picLocks noChangeAspect="1"/>
+          </p:cNvPicPr>
+          <p:nvPr/>
+        </p:nvPicPr>
+        <p:blipFill>
+          <a:blip r:embed="rId2">
+            <a:extLst>
+              <a:ext uri="{28A0092B-C50C-407E-A947-70E740481C1C}">
+                <a14:useLocalDpi xmlns:a14="http://schemas.microsoft.com/office/drawing/2010/main" val="0"/>
+              </a:ext>
+            </a:extLst>
+          </a:blip>
+          <a:stretch>
+            <a:fillRect/>
+          </a:stretch>
+        </p:blipFill>
+        <p:spPr>
+          <a:xfrm>
+            <a:off x="1750768" y="1726331"/>
+            <a:ext cx="8690463" cy="4501214"/>
+          </a:xfrm>
+          <a:prstGeom prst="rect">
+            <a:avLst/>
+          </a:prstGeom>
+        </p:spPr>
+      </p:pic>
     </p:spTree>
     <p:extLst>
       <p:ext uri="{BB962C8B-B14F-4D97-AF65-F5344CB8AC3E}">

--- a/Product Definition Document Sample - Vybing - v1.5.pptx
+++ b/Product Definition Document Sample - Vybing - v1.5.pptx
@@ -2,28 +2,37 @@
 <file path=ppt/presentation.xml><?xml version="1.0" encoding="utf-8"?>
 <p:presentation xmlns:a="http://schemas.openxmlformats.org/drawingml/2006/main" xmlns:r="http://schemas.openxmlformats.org/officeDocument/2006/relationships" xmlns:p="http://schemas.openxmlformats.org/presentationml/2006/main" saveSubsetFonts="1">
   <p:sldMasterIdLst>
-    <p:sldMasterId id="2147483660" r:id="rId1"/>
+    <p:sldMasterId id="2147483648" r:id="rId1"/>
   </p:sldMasterIdLst>
   <p:sldIdLst>
-    <p:sldId id="258" r:id="rId2"/>
-    <p:sldId id="256" r:id="rId3"/>
-    <p:sldId id="257" r:id="rId4"/>
-    <p:sldId id="287" r:id="rId5"/>
-    <p:sldId id="288" r:id="rId6"/>
+    <p:sldId id="256" r:id="rId2"/>
+    <p:sldId id="257" r:id="rId3"/>
+    <p:sldId id="263" r:id="rId4"/>
+    <p:sldId id="259" r:id="rId5"/>
+    <p:sldId id="260" r:id="rId6"/>
     <p:sldId id="283" r:id="rId7"/>
-    <p:sldId id="289" r:id="rId8"/>
-    <p:sldId id="290" r:id="rId9"/>
-    <p:sldId id="291" r:id="rId10"/>
-    <p:sldId id="292" r:id="rId11"/>
-    <p:sldId id="293" r:id="rId12"/>
+    <p:sldId id="285" r:id="rId8"/>
+    <p:sldId id="286" r:id="rId9"/>
+    <p:sldId id="262" r:id="rId10"/>
+    <p:sldId id="287" r:id="rId11"/>
+    <p:sldId id="288" r:id="rId12"/>
+    <p:sldId id="284" r:id="rId13"/>
+    <p:sldId id="291" r:id="rId14"/>
+    <p:sldId id="292" r:id="rId15"/>
+    <p:sldId id="293" r:id="rId16"/>
+    <p:sldId id="294" r:id="rId17"/>
+    <p:sldId id="295" r:id="rId18"/>
+    <p:sldId id="296" r:id="rId19"/>
+    <p:sldId id="290" r:id="rId20"/>
+    <p:sldId id="289" r:id="rId21"/>
   </p:sldIdLst>
   <p:sldSz cx="12192000" cy="6858000"/>
   <p:notesSz cx="6858000" cy="9144000"/>
   <p:defaultTextStyle>
     <a:defPPr>
-      <a:defRPr lang="en-US"/>
+      <a:defRPr lang="LID4096"/>
     </a:defPPr>
-    <a:lvl1pPr marL="0" algn="l" defTabSz="457200" rtl="0" eaLnBrk="1" latinLnBrk="0" hangingPunct="1">
+    <a:lvl1pPr marL="0" algn="l" defTabSz="914400" rtl="0" eaLnBrk="1" latinLnBrk="0" hangingPunct="1">
       <a:defRPr sz="1800" kern="1200">
         <a:solidFill>
           <a:schemeClr val="tx1"/>
@@ -33,7 +42,7 @@
         <a:cs typeface="+mn-cs"/>
       </a:defRPr>
     </a:lvl1pPr>
-    <a:lvl2pPr marL="457200" algn="l" defTabSz="457200" rtl="0" eaLnBrk="1" latinLnBrk="0" hangingPunct="1">
+    <a:lvl2pPr marL="457200" algn="l" defTabSz="914400" rtl="0" eaLnBrk="1" latinLnBrk="0" hangingPunct="1">
       <a:defRPr sz="1800" kern="1200">
         <a:solidFill>
           <a:schemeClr val="tx1"/>
@@ -43,7 +52,7 @@
         <a:cs typeface="+mn-cs"/>
       </a:defRPr>
     </a:lvl2pPr>
-    <a:lvl3pPr marL="914400" algn="l" defTabSz="457200" rtl="0" eaLnBrk="1" latinLnBrk="0" hangingPunct="1">
+    <a:lvl3pPr marL="914400" algn="l" defTabSz="914400" rtl="0" eaLnBrk="1" latinLnBrk="0" hangingPunct="1">
       <a:defRPr sz="1800" kern="1200">
         <a:solidFill>
           <a:schemeClr val="tx1"/>
@@ -53,7 +62,7 @@
         <a:cs typeface="+mn-cs"/>
       </a:defRPr>
     </a:lvl3pPr>
-    <a:lvl4pPr marL="1371600" algn="l" defTabSz="457200" rtl="0" eaLnBrk="1" latinLnBrk="0" hangingPunct="1">
+    <a:lvl4pPr marL="1371600" algn="l" defTabSz="914400" rtl="0" eaLnBrk="1" latinLnBrk="0" hangingPunct="1">
       <a:defRPr sz="1800" kern="1200">
         <a:solidFill>
           <a:schemeClr val="tx1"/>
@@ -63,7 +72,7 @@
         <a:cs typeface="+mn-cs"/>
       </a:defRPr>
     </a:lvl4pPr>
-    <a:lvl5pPr marL="1828800" algn="l" defTabSz="457200" rtl="0" eaLnBrk="1" latinLnBrk="0" hangingPunct="1">
+    <a:lvl5pPr marL="1828800" algn="l" defTabSz="914400" rtl="0" eaLnBrk="1" latinLnBrk="0" hangingPunct="1">
       <a:defRPr sz="1800" kern="1200">
         <a:solidFill>
           <a:schemeClr val="tx1"/>
@@ -73,7 +82,7 @@
         <a:cs typeface="+mn-cs"/>
       </a:defRPr>
     </a:lvl5pPr>
-    <a:lvl6pPr marL="2286000" algn="l" defTabSz="457200" rtl="0" eaLnBrk="1" latinLnBrk="0" hangingPunct="1">
+    <a:lvl6pPr marL="2286000" algn="l" defTabSz="914400" rtl="0" eaLnBrk="1" latinLnBrk="0" hangingPunct="1">
       <a:defRPr sz="1800" kern="1200">
         <a:solidFill>
           <a:schemeClr val="tx1"/>
@@ -83,7 +92,7 @@
         <a:cs typeface="+mn-cs"/>
       </a:defRPr>
     </a:lvl6pPr>
-    <a:lvl7pPr marL="2743200" algn="l" defTabSz="457200" rtl="0" eaLnBrk="1" latinLnBrk="0" hangingPunct="1">
+    <a:lvl7pPr marL="2743200" algn="l" defTabSz="914400" rtl="0" eaLnBrk="1" latinLnBrk="0" hangingPunct="1">
       <a:defRPr sz="1800" kern="1200">
         <a:solidFill>
           <a:schemeClr val="tx1"/>
@@ -93,7 +102,7 @@
         <a:cs typeface="+mn-cs"/>
       </a:defRPr>
     </a:lvl7pPr>
-    <a:lvl8pPr marL="3200400" algn="l" defTabSz="457200" rtl="0" eaLnBrk="1" latinLnBrk="0" hangingPunct="1">
+    <a:lvl8pPr marL="3200400" algn="l" defTabSz="914400" rtl="0" eaLnBrk="1" latinLnBrk="0" hangingPunct="1">
       <a:defRPr sz="1800" kern="1200">
         <a:solidFill>
           <a:schemeClr val="tx1"/>
@@ -103,7 +112,7 @@
         <a:cs typeface="+mn-cs"/>
       </a:defRPr>
     </a:lvl8pPr>
-    <a:lvl9pPr marL="3657600" algn="l" defTabSz="457200" rtl="0" eaLnBrk="1" latinLnBrk="0" hangingPunct="1">
+    <a:lvl9pPr marL="3657600" algn="l" defTabSz="914400" rtl="0" eaLnBrk="1" latinLnBrk="0" hangingPunct="1">
       <a:defRPr sz="1800" kern="1200">
         <a:solidFill>
           <a:schemeClr val="tx1"/>
@@ -141,7 +150,13 @@
       </p:grpSpPr>
       <p:sp>
         <p:nvSpPr>
-          <p:cNvPr id="2" name="Title 1"/>
+          <p:cNvPr id="2" name="Title 1">
+            <a:extLst>
+              <a:ext uri="{FF2B5EF4-FFF2-40B4-BE49-F238E27FC236}">
+                <a16:creationId xmlns:a16="http://schemas.microsoft.com/office/drawing/2014/main" id="{8743EAC2-3D55-4E6D-92CD-309A07710162}"/>
+              </a:ext>
+            </a:extLst>
+          </p:cNvPr>
           <p:cNvSpPr>
             <a:spLocks noGrp="1"/>
           </p:cNvSpPr>
@@ -167,13 +182,19 @@
               <a:rPr lang="en-US"/>
               <a:t>Click to edit Master title style</a:t>
             </a:r>
-            <a:endParaRPr lang="en-US" dirty="0"/>
-          </a:p>
-        </p:txBody>
-      </p:sp>
-      <p:sp>
-        <p:nvSpPr>
-          <p:cNvPr id="3" name="Subtitle 2"/>
+            <a:endParaRPr lang="LID4096"/>
+          </a:p>
+        </p:txBody>
+      </p:sp>
+      <p:sp>
+        <p:nvSpPr>
+          <p:cNvPr id="3" name="Subtitle 2">
+            <a:extLst>
+              <a:ext uri="{FF2B5EF4-FFF2-40B4-BE49-F238E27FC236}">
+                <a16:creationId xmlns:a16="http://schemas.microsoft.com/office/drawing/2014/main" id="{1CA7D92E-4AE1-477A-98E8-EDCC79A24958}"/>
+              </a:ext>
+            </a:extLst>
+          </p:cNvPr>
           <p:cNvSpPr>
             <a:spLocks noGrp="1"/>
           </p:cNvSpPr>
@@ -232,13 +253,19 @@
               <a:rPr lang="en-US"/>
               <a:t>Click to edit Master subtitle style</a:t>
             </a:r>
-            <a:endParaRPr lang="en-US" dirty="0"/>
-          </a:p>
-        </p:txBody>
-      </p:sp>
-      <p:sp>
-        <p:nvSpPr>
-          <p:cNvPr id="4" name="Date Placeholder 3"/>
+            <a:endParaRPr lang="LID4096"/>
+          </a:p>
+        </p:txBody>
+      </p:sp>
+      <p:sp>
+        <p:nvSpPr>
+          <p:cNvPr id="4" name="Date Placeholder 3">
+            <a:extLst>
+              <a:ext uri="{FF2B5EF4-FFF2-40B4-BE49-F238E27FC236}">
+                <a16:creationId xmlns:a16="http://schemas.microsoft.com/office/drawing/2014/main" id="{8C704749-EA21-48D6-A9DA-B6B349EF99F8}"/>
+              </a:ext>
+            </a:extLst>
+          </p:cNvPr>
           <p:cNvSpPr>
             <a:spLocks noGrp="1"/>
           </p:cNvSpPr>
@@ -251,17 +278,23 @@
           <a:bodyPr/>
           <a:lstStyle/>
           <a:p>
-            <a:fld id="{7C9B4D39-4953-4FB5-9AB7-4DBC478C0B9F}" type="datetimeFigureOut">
-              <a:rPr lang="en-IL" smtClean="0"/>
+            <a:fld id="{4B7DD4BD-98AB-4514-9C83-F780CBEC7266}" type="datetimeFigureOut">
+              <a:rPr lang="LID4096" smtClean="0"/>
               <a:t>03/18/2020</a:t>
             </a:fld>
-            <a:endParaRPr lang="en-IL"/>
-          </a:p>
-        </p:txBody>
-      </p:sp>
-      <p:sp>
-        <p:nvSpPr>
-          <p:cNvPr id="5" name="Footer Placeholder 4"/>
+            <a:endParaRPr lang="LID4096"/>
+          </a:p>
+        </p:txBody>
+      </p:sp>
+      <p:sp>
+        <p:nvSpPr>
+          <p:cNvPr id="5" name="Footer Placeholder 4">
+            <a:extLst>
+              <a:ext uri="{FF2B5EF4-FFF2-40B4-BE49-F238E27FC236}">
+                <a16:creationId xmlns:a16="http://schemas.microsoft.com/office/drawing/2014/main" id="{6B8C8968-F35E-41AF-8BBD-F4A67759D1BA}"/>
+              </a:ext>
+            </a:extLst>
+          </p:cNvPr>
           <p:cNvSpPr>
             <a:spLocks noGrp="1"/>
           </p:cNvSpPr>
@@ -274,13 +307,19 @@
           <a:bodyPr/>
           <a:lstStyle/>
           <a:p>
-            <a:endParaRPr lang="en-IL"/>
-          </a:p>
-        </p:txBody>
-      </p:sp>
-      <p:sp>
-        <p:nvSpPr>
-          <p:cNvPr id="6" name="Slide Number Placeholder 5"/>
+            <a:endParaRPr lang="LID4096"/>
+          </a:p>
+        </p:txBody>
+      </p:sp>
+      <p:sp>
+        <p:nvSpPr>
+          <p:cNvPr id="6" name="Slide Number Placeholder 5">
+            <a:extLst>
+              <a:ext uri="{FF2B5EF4-FFF2-40B4-BE49-F238E27FC236}">
+                <a16:creationId xmlns:a16="http://schemas.microsoft.com/office/drawing/2014/main" id="{166BD477-ADA0-4AEA-A468-06B36199F667}"/>
+              </a:ext>
+            </a:extLst>
+          </p:cNvPr>
           <p:cNvSpPr>
             <a:spLocks noGrp="1"/>
           </p:cNvSpPr>
@@ -293,18 +332,18 @@
           <a:bodyPr/>
           <a:lstStyle/>
           <a:p>
-            <a:fld id="{4B1B6C60-C0F9-41A2-AB5D-67AD6D063D2D}" type="slidenum">
-              <a:rPr lang="en-IL" smtClean="0"/>
+            <a:fld id="{6B5F0888-FD81-4DBC-9CEE-C4047654711F}" type="slidenum">
+              <a:rPr lang="LID4096" smtClean="0"/>
               <a:t>‹#›</a:t>
             </a:fld>
-            <a:endParaRPr lang="en-IL"/>
+            <a:endParaRPr lang="LID4096"/>
           </a:p>
         </p:txBody>
       </p:sp>
     </p:spTree>
     <p:extLst>
       <p:ext uri="{BB962C8B-B14F-4D97-AF65-F5344CB8AC3E}">
-        <p14:creationId xmlns:p14="http://schemas.microsoft.com/office/powerpoint/2010/main" val="3052991683"/>
+        <p14:creationId xmlns:p14="http://schemas.microsoft.com/office/powerpoint/2010/main" val="2849749875"/>
       </p:ext>
     </p:extLst>
   </p:cSld>
@@ -333,7 +372,13 @@
       </p:grpSpPr>
       <p:sp>
         <p:nvSpPr>
-          <p:cNvPr id="2" name="Title 1"/>
+          <p:cNvPr id="2" name="Title 1">
+            <a:extLst>
+              <a:ext uri="{FF2B5EF4-FFF2-40B4-BE49-F238E27FC236}">
+                <a16:creationId xmlns:a16="http://schemas.microsoft.com/office/drawing/2014/main" id="{348F794B-65A5-4019-BD54-7A4E88961223}"/>
+              </a:ext>
+            </a:extLst>
+          </p:cNvPr>
           <p:cNvSpPr>
             <a:spLocks noGrp="1"/>
           </p:cNvSpPr>
@@ -350,13 +395,19 @@
               <a:rPr lang="en-US"/>
               <a:t>Click to edit Master title style</a:t>
             </a:r>
-            <a:endParaRPr lang="en-US" dirty="0"/>
-          </a:p>
-        </p:txBody>
-      </p:sp>
-      <p:sp>
-        <p:nvSpPr>
-          <p:cNvPr id="3" name="Vertical Text Placeholder 2"/>
+            <a:endParaRPr lang="LID4096"/>
+          </a:p>
+        </p:txBody>
+      </p:sp>
+      <p:sp>
+        <p:nvSpPr>
+          <p:cNvPr id="3" name="Vertical Text Placeholder 2">
+            <a:extLst>
+              <a:ext uri="{FF2B5EF4-FFF2-40B4-BE49-F238E27FC236}">
+                <a16:creationId xmlns:a16="http://schemas.microsoft.com/office/drawing/2014/main" id="{441A8D68-4A59-4394-ACD4-AE4F44A374DE}"/>
+              </a:ext>
+            </a:extLst>
+          </p:cNvPr>
           <p:cNvSpPr>
             <a:spLocks noGrp="1"/>
           </p:cNvSpPr>
@@ -402,13 +453,19 @@
               <a:rPr lang="en-US"/>
               <a:t>Fifth level</a:t>
             </a:r>
-            <a:endParaRPr lang="en-US" dirty="0"/>
-          </a:p>
-        </p:txBody>
-      </p:sp>
-      <p:sp>
-        <p:nvSpPr>
-          <p:cNvPr id="4" name="Date Placeholder 3"/>
+            <a:endParaRPr lang="LID4096"/>
+          </a:p>
+        </p:txBody>
+      </p:sp>
+      <p:sp>
+        <p:nvSpPr>
+          <p:cNvPr id="4" name="Date Placeholder 3">
+            <a:extLst>
+              <a:ext uri="{FF2B5EF4-FFF2-40B4-BE49-F238E27FC236}">
+                <a16:creationId xmlns:a16="http://schemas.microsoft.com/office/drawing/2014/main" id="{8163E3C9-DCA7-4251-990F-E014B9BA04F5}"/>
+              </a:ext>
+            </a:extLst>
+          </p:cNvPr>
           <p:cNvSpPr>
             <a:spLocks noGrp="1"/>
           </p:cNvSpPr>
@@ -421,17 +478,23 @@
           <a:bodyPr/>
           <a:lstStyle/>
           <a:p>
-            <a:fld id="{7C9B4D39-4953-4FB5-9AB7-4DBC478C0B9F}" type="datetimeFigureOut">
-              <a:rPr lang="en-IL" smtClean="0"/>
+            <a:fld id="{4B7DD4BD-98AB-4514-9C83-F780CBEC7266}" type="datetimeFigureOut">
+              <a:rPr lang="LID4096" smtClean="0"/>
               <a:t>03/18/2020</a:t>
             </a:fld>
-            <a:endParaRPr lang="en-IL"/>
-          </a:p>
-        </p:txBody>
-      </p:sp>
-      <p:sp>
-        <p:nvSpPr>
-          <p:cNvPr id="5" name="Footer Placeholder 4"/>
+            <a:endParaRPr lang="LID4096"/>
+          </a:p>
+        </p:txBody>
+      </p:sp>
+      <p:sp>
+        <p:nvSpPr>
+          <p:cNvPr id="5" name="Footer Placeholder 4">
+            <a:extLst>
+              <a:ext uri="{FF2B5EF4-FFF2-40B4-BE49-F238E27FC236}">
+                <a16:creationId xmlns:a16="http://schemas.microsoft.com/office/drawing/2014/main" id="{99F04FBC-68C0-44D7-8CA6-CE7C1730386B}"/>
+              </a:ext>
+            </a:extLst>
+          </p:cNvPr>
           <p:cNvSpPr>
             <a:spLocks noGrp="1"/>
           </p:cNvSpPr>
@@ -444,13 +507,19 @@
           <a:bodyPr/>
           <a:lstStyle/>
           <a:p>
-            <a:endParaRPr lang="en-IL"/>
-          </a:p>
-        </p:txBody>
-      </p:sp>
-      <p:sp>
-        <p:nvSpPr>
-          <p:cNvPr id="6" name="Slide Number Placeholder 5"/>
+            <a:endParaRPr lang="LID4096"/>
+          </a:p>
+        </p:txBody>
+      </p:sp>
+      <p:sp>
+        <p:nvSpPr>
+          <p:cNvPr id="6" name="Slide Number Placeholder 5">
+            <a:extLst>
+              <a:ext uri="{FF2B5EF4-FFF2-40B4-BE49-F238E27FC236}">
+                <a16:creationId xmlns:a16="http://schemas.microsoft.com/office/drawing/2014/main" id="{271B126B-C4A4-4636-8E2B-025910E272FF}"/>
+              </a:ext>
+            </a:extLst>
+          </p:cNvPr>
           <p:cNvSpPr>
             <a:spLocks noGrp="1"/>
           </p:cNvSpPr>
@@ -463,18 +532,18 @@
           <a:bodyPr/>
           <a:lstStyle/>
           <a:p>
-            <a:fld id="{4B1B6C60-C0F9-41A2-AB5D-67AD6D063D2D}" type="slidenum">
-              <a:rPr lang="en-IL" smtClean="0"/>
+            <a:fld id="{6B5F0888-FD81-4DBC-9CEE-C4047654711F}" type="slidenum">
+              <a:rPr lang="LID4096" smtClean="0"/>
               <a:t>‹#›</a:t>
             </a:fld>
-            <a:endParaRPr lang="en-IL"/>
+            <a:endParaRPr lang="LID4096"/>
           </a:p>
         </p:txBody>
       </p:sp>
     </p:spTree>
     <p:extLst>
       <p:ext uri="{BB962C8B-B14F-4D97-AF65-F5344CB8AC3E}">
-        <p14:creationId xmlns:p14="http://schemas.microsoft.com/office/powerpoint/2010/main" val="1460581003"/>
+        <p14:creationId xmlns:p14="http://schemas.microsoft.com/office/powerpoint/2010/main" val="46181523"/>
       </p:ext>
     </p:extLst>
   </p:cSld>
@@ -503,7 +572,13 @@
       </p:grpSpPr>
       <p:sp>
         <p:nvSpPr>
-          <p:cNvPr id="2" name="Vertical Title 1"/>
+          <p:cNvPr id="2" name="Vertical Title 1">
+            <a:extLst>
+              <a:ext uri="{FF2B5EF4-FFF2-40B4-BE49-F238E27FC236}">
+                <a16:creationId xmlns:a16="http://schemas.microsoft.com/office/drawing/2014/main" id="{0B9EC486-E6E9-4B58-87E9-83B2096E1CA4}"/>
+              </a:ext>
+            </a:extLst>
+          </p:cNvPr>
           <p:cNvSpPr>
             <a:spLocks noGrp="1"/>
           </p:cNvSpPr>
@@ -525,13 +600,19 @@
               <a:rPr lang="en-US"/>
               <a:t>Click to edit Master title style</a:t>
             </a:r>
-            <a:endParaRPr lang="en-US" dirty="0"/>
-          </a:p>
-        </p:txBody>
-      </p:sp>
-      <p:sp>
-        <p:nvSpPr>
-          <p:cNvPr id="3" name="Vertical Text Placeholder 2"/>
+            <a:endParaRPr lang="LID4096"/>
+          </a:p>
+        </p:txBody>
+      </p:sp>
+      <p:sp>
+        <p:nvSpPr>
+          <p:cNvPr id="3" name="Vertical Text Placeholder 2">
+            <a:extLst>
+              <a:ext uri="{FF2B5EF4-FFF2-40B4-BE49-F238E27FC236}">
+                <a16:creationId xmlns:a16="http://schemas.microsoft.com/office/drawing/2014/main" id="{5E0C7A4D-48AA-4682-895B-9803E26480BB}"/>
+              </a:ext>
+            </a:extLst>
+          </p:cNvPr>
           <p:cNvSpPr>
             <a:spLocks noGrp="1"/>
           </p:cNvSpPr>
@@ -582,13 +663,19 @@
               <a:rPr lang="en-US"/>
               <a:t>Fifth level</a:t>
             </a:r>
-            <a:endParaRPr lang="en-US" dirty="0"/>
-          </a:p>
-        </p:txBody>
-      </p:sp>
-      <p:sp>
-        <p:nvSpPr>
-          <p:cNvPr id="4" name="Date Placeholder 3"/>
+            <a:endParaRPr lang="LID4096"/>
+          </a:p>
+        </p:txBody>
+      </p:sp>
+      <p:sp>
+        <p:nvSpPr>
+          <p:cNvPr id="4" name="Date Placeholder 3">
+            <a:extLst>
+              <a:ext uri="{FF2B5EF4-FFF2-40B4-BE49-F238E27FC236}">
+                <a16:creationId xmlns:a16="http://schemas.microsoft.com/office/drawing/2014/main" id="{50F7A951-340F-4499-91A9-04CA12662255}"/>
+              </a:ext>
+            </a:extLst>
+          </p:cNvPr>
           <p:cNvSpPr>
             <a:spLocks noGrp="1"/>
           </p:cNvSpPr>
@@ -601,17 +688,23 @@
           <a:bodyPr/>
           <a:lstStyle/>
           <a:p>
-            <a:fld id="{7C9B4D39-4953-4FB5-9AB7-4DBC478C0B9F}" type="datetimeFigureOut">
-              <a:rPr lang="en-IL" smtClean="0"/>
+            <a:fld id="{4B7DD4BD-98AB-4514-9C83-F780CBEC7266}" type="datetimeFigureOut">
+              <a:rPr lang="LID4096" smtClean="0"/>
               <a:t>03/18/2020</a:t>
             </a:fld>
-            <a:endParaRPr lang="en-IL"/>
-          </a:p>
-        </p:txBody>
-      </p:sp>
-      <p:sp>
-        <p:nvSpPr>
-          <p:cNvPr id="5" name="Footer Placeholder 4"/>
+            <a:endParaRPr lang="LID4096"/>
+          </a:p>
+        </p:txBody>
+      </p:sp>
+      <p:sp>
+        <p:nvSpPr>
+          <p:cNvPr id="5" name="Footer Placeholder 4">
+            <a:extLst>
+              <a:ext uri="{FF2B5EF4-FFF2-40B4-BE49-F238E27FC236}">
+                <a16:creationId xmlns:a16="http://schemas.microsoft.com/office/drawing/2014/main" id="{C26FFAFD-696D-4D36-9421-5A48B5913E0E}"/>
+              </a:ext>
+            </a:extLst>
+          </p:cNvPr>
           <p:cNvSpPr>
             <a:spLocks noGrp="1"/>
           </p:cNvSpPr>
@@ -624,13 +717,19 @@
           <a:bodyPr/>
           <a:lstStyle/>
           <a:p>
-            <a:endParaRPr lang="en-IL"/>
-          </a:p>
-        </p:txBody>
-      </p:sp>
-      <p:sp>
-        <p:nvSpPr>
-          <p:cNvPr id="6" name="Slide Number Placeholder 5"/>
+            <a:endParaRPr lang="LID4096"/>
+          </a:p>
+        </p:txBody>
+      </p:sp>
+      <p:sp>
+        <p:nvSpPr>
+          <p:cNvPr id="6" name="Slide Number Placeholder 5">
+            <a:extLst>
+              <a:ext uri="{FF2B5EF4-FFF2-40B4-BE49-F238E27FC236}">
+                <a16:creationId xmlns:a16="http://schemas.microsoft.com/office/drawing/2014/main" id="{2DE6D35D-117B-4ED0-9C7F-518A984800D7}"/>
+              </a:ext>
+            </a:extLst>
+          </p:cNvPr>
           <p:cNvSpPr>
             <a:spLocks noGrp="1"/>
           </p:cNvSpPr>
@@ -643,18 +742,18 @@
           <a:bodyPr/>
           <a:lstStyle/>
           <a:p>
-            <a:fld id="{4B1B6C60-C0F9-41A2-AB5D-67AD6D063D2D}" type="slidenum">
-              <a:rPr lang="en-IL" smtClean="0"/>
+            <a:fld id="{6B5F0888-FD81-4DBC-9CEE-C4047654711F}" type="slidenum">
+              <a:rPr lang="LID4096" smtClean="0"/>
               <a:t>‹#›</a:t>
             </a:fld>
-            <a:endParaRPr lang="en-IL"/>
+            <a:endParaRPr lang="LID4096"/>
           </a:p>
         </p:txBody>
       </p:sp>
     </p:spTree>
     <p:extLst>
       <p:ext uri="{BB962C8B-B14F-4D97-AF65-F5344CB8AC3E}">
-        <p14:creationId xmlns:p14="http://schemas.microsoft.com/office/powerpoint/2010/main" val="1700776437"/>
+        <p14:creationId xmlns:p14="http://schemas.microsoft.com/office/powerpoint/2010/main" val="3750677881"/>
       </p:ext>
     </p:extLst>
   </p:cSld>
@@ -683,7 +782,13 @@
       </p:grpSpPr>
       <p:sp>
         <p:nvSpPr>
-          <p:cNvPr id="2" name="Title 1"/>
+          <p:cNvPr id="2" name="Title 1">
+            <a:extLst>
+              <a:ext uri="{FF2B5EF4-FFF2-40B4-BE49-F238E27FC236}">
+                <a16:creationId xmlns:a16="http://schemas.microsoft.com/office/drawing/2014/main" id="{DB995F30-3221-40DC-96EF-312A3D24209D}"/>
+              </a:ext>
+            </a:extLst>
+          </p:cNvPr>
           <p:cNvSpPr>
             <a:spLocks noGrp="1"/>
           </p:cNvSpPr>
@@ -700,13 +805,19 @@
               <a:rPr lang="en-US"/>
               <a:t>Click to edit Master title style</a:t>
             </a:r>
-            <a:endParaRPr lang="en-US" dirty="0"/>
-          </a:p>
-        </p:txBody>
-      </p:sp>
-      <p:sp>
-        <p:nvSpPr>
-          <p:cNvPr id="3" name="Content Placeholder 2"/>
+            <a:endParaRPr lang="LID4096"/>
+          </a:p>
+        </p:txBody>
+      </p:sp>
+      <p:sp>
+        <p:nvSpPr>
+          <p:cNvPr id="3" name="Content Placeholder 2">
+            <a:extLst>
+              <a:ext uri="{FF2B5EF4-FFF2-40B4-BE49-F238E27FC236}">
+                <a16:creationId xmlns:a16="http://schemas.microsoft.com/office/drawing/2014/main" id="{4B87F384-C10B-4977-815E-CEF56B2DFFEA}"/>
+              </a:ext>
+            </a:extLst>
+          </p:cNvPr>
           <p:cNvSpPr>
             <a:spLocks noGrp="1"/>
           </p:cNvSpPr>
@@ -752,13 +863,19 @@
               <a:rPr lang="en-US"/>
               <a:t>Fifth level</a:t>
             </a:r>
-            <a:endParaRPr lang="en-US" dirty="0"/>
-          </a:p>
-        </p:txBody>
-      </p:sp>
-      <p:sp>
-        <p:nvSpPr>
-          <p:cNvPr id="4" name="Date Placeholder 3"/>
+            <a:endParaRPr lang="LID4096"/>
+          </a:p>
+        </p:txBody>
+      </p:sp>
+      <p:sp>
+        <p:nvSpPr>
+          <p:cNvPr id="4" name="Date Placeholder 3">
+            <a:extLst>
+              <a:ext uri="{FF2B5EF4-FFF2-40B4-BE49-F238E27FC236}">
+                <a16:creationId xmlns:a16="http://schemas.microsoft.com/office/drawing/2014/main" id="{0B01D1AA-6915-4D5F-A1F2-BFF3366814C7}"/>
+              </a:ext>
+            </a:extLst>
+          </p:cNvPr>
           <p:cNvSpPr>
             <a:spLocks noGrp="1"/>
           </p:cNvSpPr>
@@ -771,17 +888,23 @@
           <a:bodyPr/>
           <a:lstStyle/>
           <a:p>
-            <a:fld id="{7C9B4D39-4953-4FB5-9AB7-4DBC478C0B9F}" type="datetimeFigureOut">
-              <a:rPr lang="en-IL" smtClean="0"/>
+            <a:fld id="{4B7DD4BD-98AB-4514-9C83-F780CBEC7266}" type="datetimeFigureOut">
+              <a:rPr lang="LID4096" smtClean="0"/>
               <a:t>03/18/2020</a:t>
             </a:fld>
-            <a:endParaRPr lang="en-IL"/>
-          </a:p>
-        </p:txBody>
-      </p:sp>
-      <p:sp>
-        <p:nvSpPr>
-          <p:cNvPr id="5" name="Footer Placeholder 4"/>
+            <a:endParaRPr lang="LID4096"/>
+          </a:p>
+        </p:txBody>
+      </p:sp>
+      <p:sp>
+        <p:nvSpPr>
+          <p:cNvPr id="5" name="Footer Placeholder 4">
+            <a:extLst>
+              <a:ext uri="{FF2B5EF4-FFF2-40B4-BE49-F238E27FC236}">
+                <a16:creationId xmlns:a16="http://schemas.microsoft.com/office/drawing/2014/main" id="{54A192BA-ECEF-43AA-8A13-051F6E0C9BFE}"/>
+              </a:ext>
+            </a:extLst>
+          </p:cNvPr>
           <p:cNvSpPr>
             <a:spLocks noGrp="1"/>
           </p:cNvSpPr>
@@ -794,13 +917,19 @@
           <a:bodyPr/>
           <a:lstStyle/>
           <a:p>
-            <a:endParaRPr lang="en-IL"/>
-          </a:p>
-        </p:txBody>
-      </p:sp>
-      <p:sp>
-        <p:nvSpPr>
-          <p:cNvPr id="6" name="Slide Number Placeholder 5"/>
+            <a:endParaRPr lang="LID4096"/>
+          </a:p>
+        </p:txBody>
+      </p:sp>
+      <p:sp>
+        <p:nvSpPr>
+          <p:cNvPr id="6" name="Slide Number Placeholder 5">
+            <a:extLst>
+              <a:ext uri="{FF2B5EF4-FFF2-40B4-BE49-F238E27FC236}">
+                <a16:creationId xmlns:a16="http://schemas.microsoft.com/office/drawing/2014/main" id="{E47B2B3D-1443-4DFD-981F-045CFCBD39D8}"/>
+              </a:ext>
+            </a:extLst>
+          </p:cNvPr>
           <p:cNvSpPr>
             <a:spLocks noGrp="1"/>
           </p:cNvSpPr>
@@ -813,18 +942,18 @@
           <a:bodyPr/>
           <a:lstStyle/>
           <a:p>
-            <a:fld id="{4B1B6C60-C0F9-41A2-AB5D-67AD6D063D2D}" type="slidenum">
-              <a:rPr lang="en-IL" smtClean="0"/>
+            <a:fld id="{6B5F0888-FD81-4DBC-9CEE-C4047654711F}" type="slidenum">
+              <a:rPr lang="LID4096" smtClean="0"/>
               <a:t>‹#›</a:t>
             </a:fld>
-            <a:endParaRPr lang="en-IL"/>
+            <a:endParaRPr lang="LID4096"/>
           </a:p>
         </p:txBody>
       </p:sp>
     </p:spTree>
     <p:extLst>
       <p:ext uri="{BB962C8B-B14F-4D97-AF65-F5344CB8AC3E}">
-        <p14:creationId xmlns:p14="http://schemas.microsoft.com/office/powerpoint/2010/main" val="881066506"/>
+        <p14:creationId xmlns:p14="http://schemas.microsoft.com/office/powerpoint/2010/main" val="4053432401"/>
       </p:ext>
     </p:extLst>
   </p:cSld>
@@ -853,7 +982,13 @@
       </p:grpSpPr>
       <p:sp>
         <p:nvSpPr>
-          <p:cNvPr id="2" name="Title 1"/>
+          <p:cNvPr id="2" name="Title 1">
+            <a:extLst>
+              <a:ext uri="{FF2B5EF4-FFF2-40B4-BE49-F238E27FC236}">
+                <a16:creationId xmlns:a16="http://schemas.microsoft.com/office/drawing/2014/main" id="{CA678586-B362-40C5-AFBA-F536597DC305}"/>
+              </a:ext>
+            </a:extLst>
+          </p:cNvPr>
           <p:cNvSpPr>
             <a:spLocks noGrp="1"/>
           </p:cNvSpPr>
@@ -879,13 +1014,19 @@
               <a:rPr lang="en-US"/>
               <a:t>Click to edit Master title style</a:t>
             </a:r>
-            <a:endParaRPr lang="en-US" dirty="0"/>
-          </a:p>
-        </p:txBody>
-      </p:sp>
-      <p:sp>
-        <p:nvSpPr>
-          <p:cNvPr id="3" name="Text Placeholder 2"/>
+            <a:endParaRPr lang="LID4096"/>
+          </a:p>
+        </p:txBody>
+      </p:sp>
+      <p:sp>
+        <p:nvSpPr>
+          <p:cNvPr id="3" name="Text Placeholder 2">
+            <a:extLst>
+              <a:ext uri="{FF2B5EF4-FFF2-40B4-BE49-F238E27FC236}">
+                <a16:creationId xmlns:a16="http://schemas.microsoft.com/office/drawing/2014/main" id="{3910DEEC-187A-41DA-ABA9-6B59C938F8BF}"/>
+              </a:ext>
+            </a:extLst>
+          </p:cNvPr>
           <p:cNvSpPr>
             <a:spLocks noGrp="1"/>
           </p:cNvSpPr>
@@ -1004,7 +1145,13 @@
       </p:sp>
       <p:sp>
         <p:nvSpPr>
-          <p:cNvPr id="4" name="Date Placeholder 3"/>
+          <p:cNvPr id="4" name="Date Placeholder 3">
+            <a:extLst>
+              <a:ext uri="{FF2B5EF4-FFF2-40B4-BE49-F238E27FC236}">
+                <a16:creationId xmlns:a16="http://schemas.microsoft.com/office/drawing/2014/main" id="{EB22D8D8-5FAE-4558-BD95-F8AF0CF51817}"/>
+              </a:ext>
+            </a:extLst>
+          </p:cNvPr>
           <p:cNvSpPr>
             <a:spLocks noGrp="1"/>
           </p:cNvSpPr>
@@ -1017,17 +1164,23 @@
           <a:bodyPr/>
           <a:lstStyle/>
           <a:p>
-            <a:fld id="{7C9B4D39-4953-4FB5-9AB7-4DBC478C0B9F}" type="datetimeFigureOut">
-              <a:rPr lang="en-IL" smtClean="0"/>
+            <a:fld id="{4B7DD4BD-98AB-4514-9C83-F780CBEC7266}" type="datetimeFigureOut">
+              <a:rPr lang="LID4096" smtClean="0"/>
               <a:t>03/18/2020</a:t>
             </a:fld>
-            <a:endParaRPr lang="en-IL"/>
-          </a:p>
-        </p:txBody>
-      </p:sp>
-      <p:sp>
-        <p:nvSpPr>
-          <p:cNvPr id="5" name="Footer Placeholder 4"/>
+            <a:endParaRPr lang="LID4096"/>
+          </a:p>
+        </p:txBody>
+      </p:sp>
+      <p:sp>
+        <p:nvSpPr>
+          <p:cNvPr id="5" name="Footer Placeholder 4">
+            <a:extLst>
+              <a:ext uri="{FF2B5EF4-FFF2-40B4-BE49-F238E27FC236}">
+                <a16:creationId xmlns:a16="http://schemas.microsoft.com/office/drawing/2014/main" id="{E254679A-9DB3-4A30-99D2-522C7501D3F7}"/>
+              </a:ext>
+            </a:extLst>
+          </p:cNvPr>
           <p:cNvSpPr>
             <a:spLocks noGrp="1"/>
           </p:cNvSpPr>
@@ -1040,13 +1193,19 @@
           <a:bodyPr/>
           <a:lstStyle/>
           <a:p>
-            <a:endParaRPr lang="en-IL"/>
-          </a:p>
-        </p:txBody>
-      </p:sp>
-      <p:sp>
-        <p:nvSpPr>
-          <p:cNvPr id="6" name="Slide Number Placeholder 5"/>
+            <a:endParaRPr lang="LID4096"/>
+          </a:p>
+        </p:txBody>
+      </p:sp>
+      <p:sp>
+        <p:nvSpPr>
+          <p:cNvPr id="6" name="Slide Number Placeholder 5">
+            <a:extLst>
+              <a:ext uri="{FF2B5EF4-FFF2-40B4-BE49-F238E27FC236}">
+                <a16:creationId xmlns:a16="http://schemas.microsoft.com/office/drawing/2014/main" id="{1BB23671-AFF5-47A1-8F3D-88F366E53116}"/>
+              </a:ext>
+            </a:extLst>
+          </p:cNvPr>
           <p:cNvSpPr>
             <a:spLocks noGrp="1"/>
           </p:cNvSpPr>
@@ -1059,18 +1218,18 @@
           <a:bodyPr/>
           <a:lstStyle/>
           <a:p>
-            <a:fld id="{4B1B6C60-C0F9-41A2-AB5D-67AD6D063D2D}" type="slidenum">
-              <a:rPr lang="en-IL" smtClean="0"/>
+            <a:fld id="{6B5F0888-FD81-4DBC-9CEE-C4047654711F}" type="slidenum">
+              <a:rPr lang="LID4096" smtClean="0"/>
               <a:t>‹#›</a:t>
             </a:fld>
-            <a:endParaRPr lang="en-IL"/>
+            <a:endParaRPr lang="LID4096"/>
           </a:p>
         </p:txBody>
       </p:sp>
     </p:spTree>
     <p:extLst>
       <p:ext uri="{BB962C8B-B14F-4D97-AF65-F5344CB8AC3E}">
-        <p14:creationId xmlns:p14="http://schemas.microsoft.com/office/powerpoint/2010/main" val="2597482966"/>
+        <p14:creationId xmlns:p14="http://schemas.microsoft.com/office/powerpoint/2010/main" val="2094235784"/>
       </p:ext>
     </p:extLst>
   </p:cSld>
@@ -1099,7 +1258,13 @@
       </p:grpSpPr>
       <p:sp>
         <p:nvSpPr>
-          <p:cNvPr id="2" name="Title 1"/>
+          <p:cNvPr id="2" name="Title 1">
+            <a:extLst>
+              <a:ext uri="{FF2B5EF4-FFF2-40B4-BE49-F238E27FC236}">
+                <a16:creationId xmlns:a16="http://schemas.microsoft.com/office/drawing/2014/main" id="{B923157C-2B4E-4ED3-9B42-D103E84E7E9D}"/>
+              </a:ext>
+            </a:extLst>
+          </p:cNvPr>
           <p:cNvSpPr>
             <a:spLocks noGrp="1"/>
           </p:cNvSpPr>
@@ -1116,13 +1281,19 @@
               <a:rPr lang="en-US"/>
               <a:t>Click to edit Master title style</a:t>
             </a:r>
-            <a:endParaRPr lang="en-US" dirty="0"/>
-          </a:p>
-        </p:txBody>
-      </p:sp>
-      <p:sp>
-        <p:nvSpPr>
-          <p:cNvPr id="3" name="Content Placeholder 2"/>
+            <a:endParaRPr lang="LID4096"/>
+          </a:p>
+        </p:txBody>
+      </p:sp>
+      <p:sp>
+        <p:nvSpPr>
+          <p:cNvPr id="3" name="Content Placeholder 2">
+            <a:extLst>
+              <a:ext uri="{FF2B5EF4-FFF2-40B4-BE49-F238E27FC236}">
+                <a16:creationId xmlns:a16="http://schemas.microsoft.com/office/drawing/2014/main" id="{93D5C8CD-D867-4191-A4C1-C0E6867B1535}"/>
+              </a:ext>
+            </a:extLst>
+          </p:cNvPr>
           <p:cNvSpPr>
             <a:spLocks noGrp="1"/>
           </p:cNvSpPr>
@@ -1173,13 +1344,19 @@
               <a:rPr lang="en-US"/>
               <a:t>Fifth level</a:t>
             </a:r>
-            <a:endParaRPr lang="en-US" dirty="0"/>
-          </a:p>
-        </p:txBody>
-      </p:sp>
-      <p:sp>
-        <p:nvSpPr>
-          <p:cNvPr id="4" name="Content Placeholder 3"/>
+            <a:endParaRPr lang="LID4096"/>
+          </a:p>
+        </p:txBody>
+      </p:sp>
+      <p:sp>
+        <p:nvSpPr>
+          <p:cNvPr id="4" name="Content Placeholder 3">
+            <a:extLst>
+              <a:ext uri="{FF2B5EF4-FFF2-40B4-BE49-F238E27FC236}">
+                <a16:creationId xmlns:a16="http://schemas.microsoft.com/office/drawing/2014/main" id="{6C1F0ED7-18CD-4E9D-A145-6C80725C4F9C}"/>
+              </a:ext>
+            </a:extLst>
+          </p:cNvPr>
           <p:cNvSpPr>
             <a:spLocks noGrp="1"/>
           </p:cNvSpPr>
@@ -1230,13 +1407,19 @@
               <a:rPr lang="en-US"/>
               <a:t>Fifth level</a:t>
             </a:r>
-            <a:endParaRPr lang="en-US" dirty="0"/>
-          </a:p>
-        </p:txBody>
-      </p:sp>
-      <p:sp>
-        <p:nvSpPr>
-          <p:cNvPr id="5" name="Date Placeholder 4"/>
+            <a:endParaRPr lang="LID4096"/>
+          </a:p>
+        </p:txBody>
+      </p:sp>
+      <p:sp>
+        <p:nvSpPr>
+          <p:cNvPr id="5" name="Date Placeholder 4">
+            <a:extLst>
+              <a:ext uri="{FF2B5EF4-FFF2-40B4-BE49-F238E27FC236}">
+                <a16:creationId xmlns:a16="http://schemas.microsoft.com/office/drawing/2014/main" id="{3B70C853-3DFC-495B-9245-35CC972E76ED}"/>
+              </a:ext>
+            </a:extLst>
+          </p:cNvPr>
           <p:cNvSpPr>
             <a:spLocks noGrp="1"/>
           </p:cNvSpPr>
@@ -1249,17 +1432,23 @@
           <a:bodyPr/>
           <a:lstStyle/>
           <a:p>
-            <a:fld id="{7C9B4D39-4953-4FB5-9AB7-4DBC478C0B9F}" type="datetimeFigureOut">
-              <a:rPr lang="en-IL" smtClean="0"/>
+            <a:fld id="{4B7DD4BD-98AB-4514-9C83-F780CBEC7266}" type="datetimeFigureOut">
+              <a:rPr lang="LID4096" smtClean="0"/>
               <a:t>03/18/2020</a:t>
             </a:fld>
-            <a:endParaRPr lang="en-IL"/>
-          </a:p>
-        </p:txBody>
-      </p:sp>
-      <p:sp>
-        <p:nvSpPr>
-          <p:cNvPr id="6" name="Footer Placeholder 5"/>
+            <a:endParaRPr lang="LID4096"/>
+          </a:p>
+        </p:txBody>
+      </p:sp>
+      <p:sp>
+        <p:nvSpPr>
+          <p:cNvPr id="6" name="Footer Placeholder 5">
+            <a:extLst>
+              <a:ext uri="{FF2B5EF4-FFF2-40B4-BE49-F238E27FC236}">
+                <a16:creationId xmlns:a16="http://schemas.microsoft.com/office/drawing/2014/main" id="{8BDE06F3-FB2B-4105-BCA5-627171B9631E}"/>
+              </a:ext>
+            </a:extLst>
+          </p:cNvPr>
           <p:cNvSpPr>
             <a:spLocks noGrp="1"/>
           </p:cNvSpPr>
@@ -1272,13 +1461,19 @@
           <a:bodyPr/>
           <a:lstStyle/>
           <a:p>
-            <a:endParaRPr lang="en-IL"/>
-          </a:p>
-        </p:txBody>
-      </p:sp>
-      <p:sp>
-        <p:nvSpPr>
-          <p:cNvPr id="7" name="Slide Number Placeholder 6"/>
+            <a:endParaRPr lang="LID4096"/>
+          </a:p>
+        </p:txBody>
+      </p:sp>
+      <p:sp>
+        <p:nvSpPr>
+          <p:cNvPr id="7" name="Slide Number Placeholder 6">
+            <a:extLst>
+              <a:ext uri="{FF2B5EF4-FFF2-40B4-BE49-F238E27FC236}">
+                <a16:creationId xmlns:a16="http://schemas.microsoft.com/office/drawing/2014/main" id="{E04F42C5-D8A9-4E37-B271-2D852D8A92DC}"/>
+              </a:ext>
+            </a:extLst>
+          </p:cNvPr>
           <p:cNvSpPr>
             <a:spLocks noGrp="1"/>
           </p:cNvSpPr>
@@ -1291,18 +1486,18 @@
           <a:bodyPr/>
           <a:lstStyle/>
           <a:p>
-            <a:fld id="{4B1B6C60-C0F9-41A2-AB5D-67AD6D063D2D}" type="slidenum">
-              <a:rPr lang="en-IL" smtClean="0"/>
+            <a:fld id="{6B5F0888-FD81-4DBC-9CEE-C4047654711F}" type="slidenum">
+              <a:rPr lang="LID4096" smtClean="0"/>
               <a:t>‹#›</a:t>
             </a:fld>
-            <a:endParaRPr lang="en-IL"/>
+            <a:endParaRPr lang="LID4096"/>
           </a:p>
         </p:txBody>
       </p:sp>
     </p:spTree>
     <p:extLst>
       <p:ext uri="{BB962C8B-B14F-4D97-AF65-F5344CB8AC3E}">
-        <p14:creationId xmlns:p14="http://schemas.microsoft.com/office/powerpoint/2010/main" val="3957636227"/>
+        <p14:creationId xmlns:p14="http://schemas.microsoft.com/office/powerpoint/2010/main" val="3554741486"/>
       </p:ext>
     </p:extLst>
   </p:cSld>
@@ -1331,7 +1526,13 @@
       </p:grpSpPr>
       <p:sp>
         <p:nvSpPr>
-          <p:cNvPr id="2" name="Title 1"/>
+          <p:cNvPr id="2" name="Title 1">
+            <a:extLst>
+              <a:ext uri="{FF2B5EF4-FFF2-40B4-BE49-F238E27FC236}">
+                <a16:creationId xmlns:a16="http://schemas.microsoft.com/office/drawing/2014/main" id="{E4B97B11-F0C6-46B1-AD2E-38FE71718AE0}"/>
+              </a:ext>
+            </a:extLst>
+          </p:cNvPr>
           <p:cNvSpPr>
             <a:spLocks noGrp="1"/>
           </p:cNvSpPr>
@@ -1353,13 +1554,19 @@
               <a:rPr lang="en-US"/>
               <a:t>Click to edit Master title style</a:t>
             </a:r>
-            <a:endParaRPr lang="en-US" dirty="0"/>
-          </a:p>
-        </p:txBody>
-      </p:sp>
-      <p:sp>
-        <p:nvSpPr>
-          <p:cNvPr id="3" name="Text Placeholder 2"/>
+            <a:endParaRPr lang="LID4096"/>
+          </a:p>
+        </p:txBody>
+      </p:sp>
+      <p:sp>
+        <p:nvSpPr>
+          <p:cNvPr id="3" name="Text Placeholder 2">
+            <a:extLst>
+              <a:ext uri="{FF2B5EF4-FFF2-40B4-BE49-F238E27FC236}">
+                <a16:creationId xmlns:a16="http://schemas.microsoft.com/office/drawing/2014/main" id="{FA924FFE-581B-4B47-A12D-A866CC77262C}"/>
+              </a:ext>
+            </a:extLst>
+          </p:cNvPr>
           <p:cNvSpPr>
             <a:spLocks noGrp="1"/>
           </p:cNvSpPr>
@@ -1424,7 +1631,13 @@
       </p:sp>
       <p:sp>
         <p:nvSpPr>
-          <p:cNvPr id="4" name="Content Placeholder 3"/>
+          <p:cNvPr id="4" name="Content Placeholder 3">
+            <a:extLst>
+              <a:ext uri="{FF2B5EF4-FFF2-40B4-BE49-F238E27FC236}">
+                <a16:creationId xmlns:a16="http://schemas.microsoft.com/office/drawing/2014/main" id="{DA56E827-315D-42BA-8699-A69D6D12C2D3}"/>
+              </a:ext>
+            </a:extLst>
+          </p:cNvPr>
           <p:cNvSpPr>
             <a:spLocks noGrp="1"/>
           </p:cNvSpPr>
@@ -1475,13 +1688,19 @@
               <a:rPr lang="en-US"/>
               <a:t>Fifth level</a:t>
             </a:r>
-            <a:endParaRPr lang="en-US" dirty="0"/>
-          </a:p>
-        </p:txBody>
-      </p:sp>
-      <p:sp>
-        <p:nvSpPr>
-          <p:cNvPr id="5" name="Text Placeholder 4"/>
+            <a:endParaRPr lang="LID4096"/>
+          </a:p>
+        </p:txBody>
+      </p:sp>
+      <p:sp>
+        <p:nvSpPr>
+          <p:cNvPr id="5" name="Text Placeholder 4">
+            <a:extLst>
+              <a:ext uri="{FF2B5EF4-FFF2-40B4-BE49-F238E27FC236}">
+                <a16:creationId xmlns:a16="http://schemas.microsoft.com/office/drawing/2014/main" id="{42C00D9F-F354-4535-981D-793200F8254B}"/>
+              </a:ext>
+            </a:extLst>
+          </p:cNvPr>
           <p:cNvSpPr>
             <a:spLocks noGrp="1"/>
           </p:cNvSpPr>
@@ -1546,7 +1765,13 @@
       </p:sp>
       <p:sp>
         <p:nvSpPr>
-          <p:cNvPr id="6" name="Content Placeholder 5"/>
+          <p:cNvPr id="6" name="Content Placeholder 5">
+            <a:extLst>
+              <a:ext uri="{FF2B5EF4-FFF2-40B4-BE49-F238E27FC236}">
+                <a16:creationId xmlns:a16="http://schemas.microsoft.com/office/drawing/2014/main" id="{183BD831-CBB4-4738-9AF3-77C63DB236AC}"/>
+              </a:ext>
+            </a:extLst>
+          </p:cNvPr>
           <p:cNvSpPr>
             <a:spLocks noGrp="1"/>
           </p:cNvSpPr>
@@ -1597,13 +1822,19 @@
               <a:rPr lang="en-US"/>
               <a:t>Fifth level</a:t>
             </a:r>
-            <a:endParaRPr lang="en-US" dirty="0"/>
-          </a:p>
-        </p:txBody>
-      </p:sp>
-      <p:sp>
-        <p:nvSpPr>
-          <p:cNvPr id="7" name="Date Placeholder 6"/>
+            <a:endParaRPr lang="LID4096"/>
+          </a:p>
+        </p:txBody>
+      </p:sp>
+      <p:sp>
+        <p:nvSpPr>
+          <p:cNvPr id="7" name="Date Placeholder 6">
+            <a:extLst>
+              <a:ext uri="{FF2B5EF4-FFF2-40B4-BE49-F238E27FC236}">
+                <a16:creationId xmlns:a16="http://schemas.microsoft.com/office/drawing/2014/main" id="{A609818C-908B-4F84-968D-FC378456DE6B}"/>
+              </a:ext>
+            </a:extLst>
+          </p:cNvPr>
           <p:cNvSpPr>
             <a:spLocks noGrp="1"/>
           </p:cNvSpPr>
@@ -1616,17 +1847,23 @@
           <a:bodyPr/>
           <a:lstStyle/>
           <a:p>
-            <a:fld id="{7C9B4D39-4953-4FB5-9AB7-4DBC478C0B9F}" type="datetimeFigureOut">
-              <a:rPr lang="en-IL" smtClean="0"/>
+            <a:fld id="{4B7DD4BD-98AB-4514-9C83-F780CBEC7266}" type="datetimeFigureOut">
+              <a:rPr lang="LID4096" smtClean="0"/>
               <a:t>03/18/2020</a:t>
             </a:fld>
-            <a:endParaRPr lang="en-IL"/>
-          </a:p>
-        </p:txBody>
-      </p:sp>
-      <p:sp>
-        <p:nvSpPr>
-          <p:cNvPr id="8" name="Footer Placeholder 7"/>
+            <a:endParaRPr lang="LID4096"/>
+          </a:p>
+        </p:txBody>
+      </p:sp>
+      <p:sp>
+        <p:nvSpPr>
+          <p:cNvPr id="8" name="Footer Placeholder 7">
+            <a:extLst>
+              <a:ext uri="{FF2B5EF4-FFF2-40B4-BE49-F238E27FC236}">
+                <a16:creationId xmlns:a16="http://schemas.microsoft.com/office/drawing/2014/main" id="{E39096F4-95A2-4FD8-8E31-D4A847E7D6AA}"/>
+              </a:ext>
+            </a:extLst>
+          </p:cNvPr>
           <p:cNvSpPr>
             <a:spLocks noGrp="1"/>
           </p:cNvSpPr>
@@ -1639,13 +1876,19 @@
           <a:bodyPr/>
           <a:lstStyle/>
           <a:p>
-            <a:endParaRPr lang="en-IL"/>
-          </a:p>
-        </p:txBody>
-      </p:sp>
-      <p:sp>
-        <p:nvSpPr>
-          <p:cNvPr id="9" name="Slide Number Placeholder 8"/>
+            <a:endParaRPr lang="LID4096"/>
+          </a:p>
+        </p:txBody>
+      </p:sp>
+      <p:sp>
+        <p:nvSpPr>
+          <p:cNvPr id="9" name="Slide Number Placeholder 8">
+            <a:extLst>
+              <a:ext uri="{FF2B5EF4-FFF2-40B4-BE49-F238E27FC236}">
+                <a16:creationId xmlns:a16="http://schemas.microsoft.com/office/drawing/2014/main" id="{36A08AA0-B858-4853-AA1E-63F74E7CF73F}"/>
+              </a:ext>
+            </a:extLst>
+          </p:cNvPr>
           <p:cNvSpPr>
             <a:spLocks noGrp="1"/>
           </p:cNvSpPr>
@@ -1658,18 +1901,18 @@
           <a:bodyPr/>
           <a:lstStyle/>
           <a:p>
-            <a:fld id="{4B1B6C60-C0F9-41A2-AB5D-67AD6D063D2D}" type="slidenum">
-              <a:rPr lang="en-IL" smtClean="0"/>
+            <a:fld id="{6B5F0888-FD81-4DBC-9CEE-C4047654711F}" type="slidenum">
+              <a:rPr lang="LID4096" smtClean="0"/>
               <a:t>‹#›</a:t>
             </a:fld>
-            <a:endParaRPr lang="en-IL"/>
+            <a:endParaRPr lang="LID4096"/>
           </a:p>
         </p:txBody>
       </p:sp>
     </p:spTree>
     <p:extLst>
       <p:ext uri="{BB962C8B-B14F-4D97-AF65-F5344CB8AC3E}">
-        <p14:creationId xmlns:p14="http://schemas.microsoft.com/office/powerpoint/2010/main" val="3290544703"/>
+        <p14:creationId xmlns:p14="http://schemas.microsoft.com/office/powerpoint/2010/main" val="1687210007"/>
       </p:ext>
     </p:extLst>
   </p:cSld>
@@ -1698,7 +1941,13 @@
       </p:grpSpPr>
       <p:sp>
         <p:nvSpPr>
-          <p:cNvPr id="2" name="Title 1"/>
+          <p:cNvPr id="2" name="Title 1">
+            <a:extLst>
+              <a:ext uri="{FF2B5EF4-FFF2-40B4-BE49-F238E27FC236}">
+                <a16:creationId xmlns:a16="http://schemas.microsoft.com/office/drawing/2014/main" id="{32B67EC1-4D11-47AD-A6EE-A46C7DBFF773}"/>
+              </a:ext>
+            </a:extLst>
+          </p:cNvPr>
           <p:cNvSpPr>
             <a:spLocks noGrp="1"/>
           </p:cNvSpPr>
@@ -1715,13 +1964,19 @@
               <a:rPr lang="en-US"/>
               <a:t>Click to edit Master title style</a:t>
             </a:r>
-            <a:endParaRPr lang="en-US" dirty="0"/>
-          </a:p>
-        </p:txBody>
-      </p:sp>
-      <p:sp>
-        <p:nvSpPr>
-          <p:cNvPr id="3" name="Date Placeholder 2"/>
+            <a:endParaRPr lang="LID4096"/>
+          </a:p>
+        </p:txBody>
+      </p:sp>
+      <p:sp>
+        <p:nvSpPr>
+          <p:cNvPr id="3" name="Date Placeholder 2">
+            <a:extLst>
+              <a:ext uri="{FF2B5EF4-FFF2-40B4-BE49-F238E27FC236}">
+                <a16:creationId xmlns:a16="http://schemas.microsoft.com/office/drawing/2014/main" id="{C29FC8C0-D54C-4779-B001-EDD1E1AF7DC3}"/>
+              </a:ext>
+            </a:extLst>
+          </p:cNvPr>
           <p:cNvSpPr>
             <a:spLocks noGrp="1"/>
           </p:cNvSpPr>
@@ -1734,17 +1989,23 @@
           <a:bodyPr/>
           <a:lstStyle/>
           <a:p>
-            <a:fld id="{7C9B4D39-4953-4FB5-9AB7-4DBC478C0B9F}" type="datetimeFigureOut">
-              <a:rPr lang="en-IL" smtClean="0"/>
+            <a:fld id="{4B7DD4BD-98AB-4514-9C83-F780CBEC7266}" type="datetimeFigureOut">
+              <a:rPr lang="LID4096" smtClean="0"/>
               <a:t>03/18/2020</a:t>
             </a:fld>
-            <a:endParaRPr lang="en-IL"/>
-          </a:p>
-        </p:txBody>
-      </p:sp>
-      <p:sp>
-        <p:nvSpPr>
-          <p:cNvPr id="4" name="Footer Placeholder 3"/>
+            <a:endParaRPr lang="LID4096"/>
+          </a:p>
+        </p:txBody>
+      </p:sp>
+      <p:sp>
+        <p:nvSpPr>
+          <p:cNvPr id="4" name="Footer Placeholder 3">
+            <a:extLst>
+              <a:ext uri="{FF2B5EF4-FFF2-40B4-BE49-F238E27FC236}">
+                <a16:creationId xmlns:a16="http://schemas.microsoft.com/office/drawing/2014/main" id="{8CAB412B-AC54-4D00-8F97-CB28CAB2AFC5}"/>
+              </a:ext>
+            </a:extLst>
+          </p:cNvPr>
           <p:cNvSpPr>
             <a:spLocks noGrp="1"/>
           </p:cNvSpPr>
@@ -1757,13 +2018,19 @@
           <a:bodyPr/>
           <a:lstStyle/>
           <a:p>
-            <a:endParaRPr lang="en-IL"/>
-          </a:p>
-        </p:txBody>
-      </p:sp>
-      <p:sp>
-        <p:nvSpPr>
-          <p:cNvPr id="5" name="Slide Number Placeholder 4"/>
+            <a:endParaRPr lang="LID4096"/>
+          </a:p>
+        </p:txBody>
+      </p:sp>
+      <p:sp>
+        <p:nvSpPr>
+          <p:cNvPr id="5" name="Slide Number Placeholder 4">
+            <a:extLst>
+              <a:ext uri="{FF2B5EF4-FFF2-40B4-BE49-F238E27FC236}">
+                <a16:creationId xmlns:a16="http://schemas.microsoft.com/office/drawing/2014/main" id="{5EC6DC7D-EAC2-4F8A-92DF-B2AE1FEF4B27}"/>
+              </a:ext>
+            </a:extLst>
+          </p:cNvPr>
           <p:cNvSpPr>
             <a:spLocks noGrp="1"/>
           </p:cNvSpPr>
@@ -1776,18 +2043,18 @@
           <a:bodyPr/>
           <a:lstStyle/>
           <a:p>
-            <a:fld id="{4B1B6C60-C0F9-41A2-AB5D-67AD6D063D2D}" type="slidenum">
-              <a:rPr lang="en-IL" smtClean="0"/>
+            <a:fld id="{6B5F0888-FD81-4DBC-9CEE-C4047654711F}" type="slidenum">
+              <a:rPr lang="LID4096" smtClean="0"/>
               <a:t>‹#›</a:t>
             </a:fld>
-            <a:endParaRPr lang="en-IL"/>
+            <a:endParaRPr lang="LID4096"/>
           </a:p>
         </p:txBody>
       </p:sp>
     </p:spTree>
     <p:extLst>
       <p:ext uri="{BB962C8B-B14F-4D97-AF65-F5344CB8AC3E}">
-        <p14:creationId xmlns:p14="http://schemas.microsoft.com/office/powerpoint/2010/main" val="3938620369"/>
+        <p14:creationId xmlns:p14="http://schemas.microsoft.com/office/powerpoint/2010/main" val="2708120301"/>
       </p:ext>
     </p:extLst>
   </p:cSld>
@@ -1816,7 +2083,13 @@
       </p:grpSpPr>
       <p:sp>
         <p:nvSpPr>
-          <p:cNvPr id="2" name="Date Placeholder 1"/>
+          <p:cNvPr id="2" name="Date Placeholder 1">
+            <a:extLst>
+              <a:ext uri="{FF2B5EF4-FFF2-40B4-BE49-F238E27FC236}">
+                <a16:creationId xmlns:a16="http://schemas.microsoft.com/office/drawing/2014/main" id="{B42E4863-8203-46AB-B3BD-B025D7ADC018}"/>
+              </a:ext>
+            </a:extLst>
+          </p:cNvPr>
           <p:cNvSpPr>
             <a:spLocks noGrp="1"/>
           </p:cNvSpPr>
@@ -1829,17 +2102,23 @@
           <a:bodyPr/>
           <a:lstStyle/>
           <a:p>
-            <a:fld id="{7C9B4D39-4953-4FB5-9AB7-4DBC478C0B9F}" type="datetimeFigureOut">
-              <a:rPr lang="en-IL" smtClean="0"/>
+            <a:fld id="{4B7DD4BD-98AB-4514-9C83-F780CBEC7266}" type="datetimeFigureOut">
+              <a:rPr lang="LID4096" smtClean="0"/>
               <a:t>03/18/2020</a:t>
             </a:fld>
-            <a:endParaRPr lang="en-IL"/>
-          </a:p>
-        </p:txBody>
-      </p:sp>
-      <p:sp>
-        <p:nvSpPr>
-          <p:cNvPr id="3" name="Footer Placeholder 2"/>
+            <a:endParaRPr lang="LID4096"/>
+          </a:p>
+        </p:txBody>
+      </p:sp>
+      <p:sp>
+        <p:nvSpPr>
+          <p:cNvPr id="3" name="Footer Placeholder 2">
+            <a:extLst>
+              <a:ext uri="{FF2B5EF4-FFF2-40B4-BE49-F238E27FC236}">
+                <a16:creationId xmlns:a16="http://schemas.microsoft.com/office/drawing/2014/main" id="{32B75E3C-4C61-4CF5-9235-A9C786B4AFEA}"/>
+              </a:ext>
+            </a:extLst>
+          </p:cNvPr>
           <p:cNvSpPr>
             <a:spLocks noGrp="1"/>
           </p:cNvSpPr>
@@ -1852,13 +2131,19 @@
           <a:bodyPr/>
           <a:lstStyle/>
           <a:p>
-            <a:endParaRPr lang="en-IL"/>
-          </a:p>
-        </p:txBody>
-      </p:sp>
-      <p:sp>
-        <p:nvSpPr>
-          <p:cNvPr id="4" name="Slide Number Placeholder 3"/>
+            <a:endParaRPr lang="LID4096"/>
+          </a:p>
+        </p:txBody>
+      </p:sp>
+      <p:sp>
+        <p:nvSpPr>
+          <p:cNvPr id="4" name="Slide Number Placeholder 3">
+            <a:extLst>
+              <a:ext uri="{FF2B5EF4-FFF2-40B4-BE49-F238E27FC236}">
+                <a16:creationId xmlns:a16="http://schemas.microsoft.com/office/drawing/2014/main" id="{D3D54F38-75B3-45EB-9EF5-AD728A2E7BFB}"/>
+              </a:ext>
+            </a:extLst>
+          </p:cNvPr>
           <p:cNvSpPr>
             <a:spLocks noGrp="1"/>
           </p:cNvSpPr>
@@ -1871,18 +2156,18 @@
           <a:bodyPr/>
           <a:lstStyle/>
           <a:p>
-            <a:fld id="{4B1B6C60-C0F9-41A2-AB5D-67AD6D063D2D}" type="slidenum">
-              <a:rPr lang="en-IL" smtClean="0"/>
+            <a:fld id="{6B5F0888-FD81-4DBC-9CEE-C4047654711F}" type="slidenum">
+              <a:rPr lang="LID4096" smtClean="0"/>
               <a:t>‹#›</a:t>
             </a:fld>
-            <a:endParaRPr lang="en-IL"/>
+            <a:endParaRPr lang="LID4096"/>
           </a:p>
         </p:txBody>
       </p:sp>
     </p:spTree>
     <p:extLst>
       <p:ext uri="{BB962C8B-B14F-4D97-AF65-F5344CB8AC3E}">
-        <p14:creationId xmlns:p14="http://schemas.microsoft.com/office/powerpoint/2010/main" val="1423071135"/>
+        <p14:creationId xmlns:p14="http://schemas.microsoft.com/office/powerpoint/2010/main" val="1606094470"/>
       </p:ext>
     </p:extLst>
   </p:cSld>
@@ -1911,7 +2196,13 @@
       </p:grpSpPr>
       <p:sp>
         <p:nvSpPr>
-          <p:cNvPr id="2" name="Title 1"/>
+          <p:cNvPr id="2" name="Title 1">
+            <a:extLst>
+              <a:ext uri="{FF2B5EF4-FFF2-40B4-BE49-F238E27FC236}">
+                <a16:creationId xmlns:a16="http://schemas.microsoft.com/office/drawing/2014/main" id="{15C32484-4218-446B-9792-60AA7CBFEC9A}"/>
+              </a:ext>
+            </a:extLst>
+          </p:cNvPr>
           <p:cNvSpPr>
             <a:spLocks noGrp="1"/>
           </p:cNvSpPr>
@@ -1937,13 +2228,19 @@
               <a:rPr lang="en-US"/>
               <a:t>Click to edit Master title style</a:t>
             </a:r>
-            <a:endParaRPr lang="en-US" dirty="0"/>
-          </a:p>
-        </p:txBody>
-      </p:sp>
-      <p:sp>
-        <p:nvSpPr>
-          <p:cNvPr id="3" name="Content Placeholder 2"/>
+            <a:endParaRPr lang="LID4096"/>
+          </a:p>
+        </p:txBody>
+      </p:sp>
+      <p:sp>
+        <p:nvSpPr>
+          <p:cNvPr id="3" name="Content Placeholder 2">
+            <a:extLst>
+              <a:ext uri="{FF2B5EF4-FFF2-40B4-BE49-F238E27FC236}">
+                <a16:creationId xmlns:a16="http://schemas.microsoft.com/office/drawing/2014/main" id="{796BF3F4-D98E-4E79-8447-1D2FF42C15FB}"/>
+              </a:ext>
+            </a:extLst>
+          </p:cNvPr>
           <p:cNvSpPr>
             <a:spLocks noGrp="1"/>
           </p:cNvSpPr>
@@ -2022,13 +2319,19 @@
               <a:rPr lang="en-US"/>
               <a:t>Fifth level</a:t>
             </a:r>
-            <a:endParaRPr lang="en-US" dirty="0"/>
-          </a:p>
-        </p:txBody>
-      </p:sp>
-      <p:sp>
-        <p:nvSpPr>
-          <p:cNvPr id="4" name="Text Placeholder 3"/>
+            <a:endParaRPr lang="LID4096"/>
+          </a:p>
+        </p:txBody>
+      </p:sp>
+      <p:sp>
+        <p:nvSpPr>
+          <p:cNvPr id="4" name="Text Placeholder 3">
+            <a:extLst>
+              <a:ext uri="{FF2B5EF4-FFF2-40B4-BE49-F238E27FC236}">
+                <a16:creationId xmlns:a16="http://schemas.microsoft.com/office/drawing/2014/main" id="{303440A6-6E95-4567-AECB-AB32142C605F}"/>
+              </a:ext>
+            </a:extLst>
+          </p:cNvPr>
           <p:cNvSpPr>
             <a:spLocks noGrp="1"/>
           </p:cNvSpPr>
@@ -2093,7 +2396,13 @@
       </p:sp>
       <p:sp>
         <p:nvSpPr>
-          <p:cNvPr id="5" name="Date Placeholder 4"/>
+          <p:cNvPr id="5" name="Date Placeholder 4">
+            <a:extLst>
+              <a:ext uri="{FF2B5EF4-FFF2-40B4-BE49-F238E27FC236}">
+                <a16:creationId xmlns:a16="http://schemas.microsoft.com/office/drawing/2014/main" id="{7139BD51-A02B-4C35-9410-DC60D3CF5D8A}"/>
+              </a:ext>
+            </a:extLst>
+          </p:cNvPr>
           <p:cNvSpPr>
             <a:spLocks noGrp="1"/>
           </p:cNvSpPr>
@@ -2106,17 +2415,23 @@
           <a:bodyPr/>
           <a:lstStyle/>
           <a:p>
-            <a:fld id="{7C9B4D39-4953-4FB5-9AB7-4DBC478C0B9F}" type="datetimeFigureOut">
-              <a:rPr lang="en-IL" smtClean="0"/>
+            <a:fld id="{4B7DD4BD-98AB-4514-9C83-F780CBEC7266}" type="datetimeFigureOut">
+              <a:rPr lang="LID4096" smtClean="0"/>
               <a:t>03/18/2020</a:t>
             </a:fld>
-            <a:endParaRPr lang="en-IL"/>
-          </a:p>
-        </p:txBody>
-      </p:sp>
-      <p:sp>
-        <p:nvSpPr>
-          <p:cNvPr id="6" name="Footer Placeholder 5"/>
+            <a:endParaRPr lang="LID4096"/>
+          </a:p>
+        </p:txBody>
+      </p:sp>
+      <p:sp>
+        <p:nvSpPr>
+          <p:cNvPr id="6" name="Footer Placeholder 5">
+            <a:extLst>
+              <a:ext uri="{FF2B5EF4-FFF2-40B4-BE49-F238E27FC236}">
+                <a16:creationId xmlns:a16="http://schemas.microsoft.com/office/drawing/2014/main" id="{52CB8353-4E70-4E16-AA58-6BA73576BCD4}"/>
+              </a:ext>
+            </a:extLst>
+          </p:cNvPr>
           <p:cNvSpPr>
             <a:spLocks noGrp="1"/>
           </p:cNvSpPr>
@@ -2129,13 +2444,19 @@
           <a:bodyPr/>
           <a:lstStyle/>
           <a:p>
-            <a:endParaRPr lang="en-IL"/>
-          </a:p>
-        </p:txBody>
-      </p:sp>
-      <p:sp>
-        <p:nvSpPr>
-          <p:cNvPr id="7" name="Slide Number Placeholder 6"/>
+            <a:endParaRPr lang="LID4096"/>
+          </a:p>
+        </p:txBody>
+      </p:sp>
+      <p:sp>
+        <p:nvSpPr>
+          <p:cNvPr id="7" name="Slide Number Placeholder 6">
+            <a:extLst>
+              <a:ext uri="{FF2B5EF4-FFF2-40B4-BE49-F238E27FC236}">
+                <a16:creationId xmlns:a16="http://schemas.microsoft.com/office/drawing/2014/main" id="{40815011-0D12-487B-A925-6C03170F66AA}"/>
+              </a:ext>
+            </a:extLst>
+          </p:cNvPr>
           <p:cNvSpPr>
             <a:spLocks noGrp="1"/>
           </p:cNvSpPr>
@@ -2148,18 +2469,18 @@
           <a:bodyPr/>
           <a:lstStyle/>
           <a:p>
-            <a:fld id="{4B1B6C60-C0F9-41A2-AB5D-67AD6D063D2D}" type="slidenum">
-              <a:rPr lang="en-IL" smtClean="0"/>
+            <a:fld id="{6B5F0888-FD81-4DBC-9CEE-C4047654711F}" type="slidenum">
+              <a:rPr lang="LID4096" smtClean="0"/>
               <a:t>‹#›</a:t>
             </a:fld>
-            <a:endParaRPr lang="en-IL"/>
+            <a:endParaRPr lang="LID4096"/>
           </a:p>
         </p:txBody>
       </p:sp>
     </p:spTree>
     <p:extLst>
       <p:ext uri="{BB962C8B-B14F-4D97-AF65-F5344CB8AC3E}">
-        <p14:creationId xmlns:p14="http://schemas.microsoft.com/office/powerpoint/2010/main" val="3403648233"/>
+        <p14:creationId xmlns:p14="http://schemas.microsoft.com/office/powerpoint/2010/main" val="2928742315"/>
       </p:ext>
     </p:extLst>
   </p:cSld>
@@ -2188,7 +2509,13 @@
       </p:grpSpPr>
       <p:sp>
         <p:nvSpPr>
-          <p:cNvPr id="2" name="Title 1"/>
+          <p:cNvPr id="2" name="Title 1">
+            <a:extLst>
+              <a:ext uri="{FF2B5EF4-FFF2-40B4-BE49-F238E27FC236}">
+                <a16:creationId xmlns:a16="http://schemas.microsoft.com/office/drawing/2014/main" id="{F9F99C50-A7D2-42B2-A92A-19F1F52FD9D2}"/>
+              </a:ext>
+            </a:extLst>
+          </p:cNvPr>
           <p:cNvSpPr>
             <a:spLocks noGrp="1"/>
           </p:cNvSpPr>
@@ -2214,15 +2541,21 @@
               <a:rPr lang="en-US"/>
               <a:t>Click to edit Master title style</a:t>
             </a:r>
-            <a:endParaRPr lang="en-US" dirty="0"/>
-          </a:p>
-        </p:txBody>
-      </p:sp>
-      <p:sp>
-        <p:nvSpPr>
-          <p:cNvPr id="3" name="Picture Placeholder 2"/>
+            <a:endParaRPr lang="LID4096"/>
+          </a:p>
+        </p:txBody>
+      </p:sp>
+      <p:sp>
+        <p:nvSpPr>
+          <p:cNvPr id="3" name="Picture Placeholder 2">
+            <a:extLst>
+              <a:ext uri="{FF2B5EF4-FFF2-40B4-BE49-F238E27FC236}">
+                <a16:creationId xmlns:a16="http://schemas.microsoft.com/office/drawing/2014/main" id="{5A7B3EFE-F00C-4AC8-914D-23E1CAD8CEE4}"/>
+              </a:ext>
+            </a:extLst>
+          </p:cNvPr>
           <p:cNvSpPr>
-            <a:spLocks noGrp="1" noChangeAspect="1"/>
+            <a:spLocks noGrp="1"/>
           </p:cNvSpPr>
           <p:nvPr>
             <p:ph type="pic" idx="1"/>
@@ -2235,7 +2568,7 @@
           </a:xfrm>
         </p:spPr>
         <p:txBody>
-          <a:bodyPr anchor="t"/>
+          <a:bodyPr/>
           <a:lstStyle>
             <a:lvl1pPr marL="0" indent="0">
               <a:buNone/>
@@ -2275,17 +2608,19 @@
             </a:lvl9pPr>
           </a:lstStyle>
           <a:p>
-            <a:r>
-              <a:rPr lang="en-US"/>
-              <a:t>Click icon to add picture</a:t>
-            </a:r>
-            <a:endParaRPr lang="en-US" dirty="0"/>
-          </a:p>
-        </p:txBody>
-      </p:sp>
-      <p:sp>
-        <p:nvSpPr>
-          <p:cNvPr id="4" name="Text Placeholder 3"/>
+            <a:endParaRPr lang="LID4096"/>
+          </a:p>
+        </p:txBody>
+      </p:sp>
+      <p:sp>
+        <p:nvSpPr>
+          <p:cNvPr id="4" name="Text Placeholder 3">
+            <a:extLst>
+              <a:ext uri="{FF2B5EF4-FFF2-40B4-BE49-F238E27FC236}">
+                <a16:creationId xmlns:a16="http://schemas.microsoft.com/office/drawing/2014/main" id="{CCFD34D3-FC8C-431F-8DCC-FB208E81C226}"/>
+              </a:ext>
+            </a:extLst>
+          </p:cNvPr>
           <p:cNvSpPr>
             <a:spLocks noGrp="1"/>
           </p:cNvSpPr>
@@ -2350,7 +2685,13 @@
       </p:sp>
       <p:sp>
         <p:nvSpPr>
-          <p:cNvPr id="5" name="Date Placeholder 4"/>
+          <p:cNvPr id="5" name="Date Placeholder 4">
+            <a:extLst>
+              <a:ext uri="{FF2B5EF4-FFF2-40B4-BE49-F238E27FC236}">
+                <a16:creationId xmlns:a16="http://schemas.microsoft.com/office/drawing/2014/main" id="{8CF13018-122A-46C5-AE1E-D7BC4504B53F}"/>
+              </a:ext>
+            </a:extLst>
+          </p:cNvPr>
           <p:cNvSpPr>
             <a:spLocks noGrp="1"/>
           </p:cNvSpPr>
@@ -2363,17 +2704,23 @@
           <a:bodyPr/>
           <a:lstStyle/>
           <a:p>
-            <a:fld id="{7C9B4D39-4953-4FB5-9AB7-4DBC478C0B9F}" type="datetimeFigureOut">
-              <a:rPr lang="en-IL" smtClean="0"/>
+            <a:fld id="{4B7DD4BD-98AB-4514-9C83-F780CBEC7266}" type="datetimeFigureOut">
+              <a:rPr lang="LID4096" smtClean="0"/>
               <a:t>03/18/2020</a:t>
             </a:fld>
-            <a:endParaRPr lang="en-IL"/>
-          </a:p>
-        </p:txBody>
-      </p:sp>
-      <p:sp>
-        <p:nvSpPr>
-          <p:cNvPr id="6" name="Footer Placeholder 5"/>
+            <a:endParaRPr lang="LID4096"/>
+          </a:p>
+        </p:txBody>
+      </p:sp>
+      <p:sp>
+        <p:nvSpPr>
+          <p:cNvPr id="6" name="Footer Placeholder 5">
+            <a:extLst>
+              <a:ext uri="{FF2B5EF4-FFF2-40B4-BE49-F238E27FC236}">
+                <a16:creationId xmlns:a16="http://schemas.microsoft.com/office/drawing/2014/main" id="{93B96CC7-7450-4F49-8DF6-59998A77C37A}"/>
+              </a:ext>
+            </a:extLst>
+          </p:cNvPr>
           <p:cNvSpPr>
             <a:spLocks noGrp="1"/>
           </p:cNvSpPr>
@@ -2386,13 +2733,19 @@
           <a:bodyPr/>
           <a:lstStyle/>
           <a:p>
-            <a:endParaRPr lang="en-IL"/>
-          </a:p>
-        </p:txBody>
-      </p:sp>
-      <p:sp>
-        <p:nvSpPr>
-          <p:cNvPr id="7" name="Slide Number Placeholder 6"/>
+            <a:endParaRPr lang="LID4096"/>
+          </a:p>
+        </p:txBody>
+      </p:sp>
+      <p:sp>
+        <p:nvSpPr>
+          <p:cNvPr id="7" name="Slide Number Placeholder 6">
+            <a:extLst>
+              <a:ext uri="{FF2B5EF4-FFF2-40B4-BE49-F238E27FC236}">
+                <a16:creationId xmlns:a16="http://schemas.microsoft.com/office/drawing/2014/main" id="{97D6C677-F348-4B02-A891-9288EE7CCD06}"/>
+              </a:ext>
+            </a:extLst>
+          </p:cNvPr>
           <p:cNvSpPr>
             <a:spLocks noGrp="1"/>
           </p:cNvSpPr>
@@ -2405,18 +2758,18 @@
           <a:bodyPr/>
           <a:lstStyle/>
           <a:p>
-            <a:fld id="{4B1B6C60-C0F9-41A2-AB5D-67AD6D063D2D}" type="slidenum">
-              <a:rPr lang="en-IL" smtClean="0"/>
+            <a:fld id="{6B5F0888-FD81-4DBC-9CEE-C4047654711F}" type="slidenum">
+              <a:rPr lang="LID4096" smtClean="0"/>
               <a:t>‹#›</a:t>
             </a:fld>
-            <a:endParaRPr lang="en-IL"/>
+            <a:endParaRPr lang="LID4096"/>
           </a:p>
         </p:txBody>
       </p:sp>
     </p:spTree>
     <p:extLst>
       <p:ext uri="{BB962C8B-B14F-4D97-AF65-F5344CB8AC3E}">
-        <p14:creationId xmlns:p14="http://schemas.microsoft.com/office/powerpoint/2010/main" val="370890250"/>
+        <p14:creationId xmlns:p14="http://schemas.microsoft.com/office/powerpoint/2010/main" val="1876395983"/>
       </p:ext>
     </p:extLst>
   </p:cSld>
@@ -2450,7 +2803,13 @@
       </p:grpSpPr>
       <p:sp>
         <p:nvSpPr>
-          <p:cNvPr id="2" name="Title Placeholder 1"/>
+          <p:cNvPr id="2" name="Title Placeholder 1">
+            <a:extLst>
+              <a:ext uri="{FF2B5EF4-FFF2-40B4-BE49-F238E27FC236}">
+                <a16:creationId xmlns:a16="http://schemas.microsoft.com/office/drawing/2014/main" id="{EE67DE67-6430-4BA2-8A42-97513B4372BF}"/>
+              </a:ext>
+            </a:extLst>
+          </p:cNvPr>
           <p:cNvSpPr>
             <a:spLocks noGrp="1"/>
           </p:cNvSpPr>
@@ -2477,13 +2836,19 @@
               <a:rPr lang="en-US"/>
               <a:t>Click to edit Master title style</a:t>
             </a:r>
-            <a:endParaRPr lang="en-US" dirty="0"/>
-          </a:p>
-        </p:txBody>
-      </p:sp>
-      <p:sp>
-        <p:nvSpPr>
-          <p:cNvPr id="3" name="Text Placeholder 2"/>
+            <a:endParaRPr lang="LID4096"/>
+          </a:p>
+        </p:txBody>
+      </p:sp>
+      <p:sp>
+        <p:nvSpPr>
+          <p:cNvPr id="3" name="Text Placeholder 2">
+            <a:extLst>
+              <a:ext uri="{FF2B5EF4-FFF2-40B4-BE49-F238E27FC236}">
+                <a16:creationId xmlns:a16="http://schemas.microsoft.com/office/drawing/2014/main" id="{A775464D-1B0E-454C-A045-B09639811B6F}"/>
+              </a:ext>
+            </a:extLst>
+          </p:cNvPr>
           <p:cNvSpPr>
             <a:spLocks noGrp="1"/>
           </p:cNvSpPr>
@@ -2539,13 +2904,19 @@
               <a:rPr lang="en-US"/>
               <a:t>Fifth level</a:t>
             </a:r>
-            <a:endParaRPr lang="en-US" dirty="0"/>
-          </a:p>
-        </p:txBody>
-      </p:sp>
-      <p:sp>
-        <p:nvSpPr>
-          <p:cNvPr id="4" name="Date Placeholder 3"/>
+            <a:endParaRPr lang="LID4096"/>
+          </a:p>
+        </p:txBody>
+      </p:sp>
+      <p:sp>
+        <p:nvSpPr>
+          <p:cNvPr id="4" name="Date Placeholder 3">
+            <a:extLst>
+              <a:ext uri="{FF2B5EF4-FFF2-40B4-BE49-F238E27FC236}">
+                <a16:creationId xmlns:a16="http://schemas.microsoft.com/office/drawing/2014/main" id="{0D92BBCD-BCCD-4DAA-A708-87EC690DC1B6}"/>
+              </a:ext>
+            </a:extLst>
+          </p:cNvPr>
           <p:cNvSpPr>
             <a:spLocks noGrp="1"/>
           </p:cNvSpPr>
@@ -2576,17 +2947,23 @@
             </a:lvl1pPr>
           </a:lstStyle>
           <a:p>
-            <a:fld id="{7C9B4D39-4953-4FB5-9AB7-4DBC478C0B9F}" type="datetimeFigureOut">
-              <a:rPr lang="en-IL" smtClean="0"/>
+            <a:fld id="{4B7DD4BD-98AB-4514-9C83-F780CBEC7266}" type="datetimeFigureOut">
+              <a:rPr lang="LID4096" smtClean="0"/>
               <a:t>03/18/2020</a:t>
             </a:fld>
-            <a:endParaRPr lang="en-IL"/>
-          </a:p>
-        </p:txBody>
-      </p:sp>
-      <p:sp>
-        <p:nvSpPr>
-          <p:cNvPr id="5" name="Footer Placeholder 4"/>
+            <a:endParaRPr lang="LID4096"/>
+          </a:p>
+        </p:txBody>
+      </p:sp>
+      <p:sp>
+        <p:nvSpPr>
+          <p:cNvPr id="5" name="Footer Placeholder 4">
+            <a:extLst>
+              <a:ext uri="{FF2B5EF4-FFF2-40B4-BE49-F238E27FC236}">
+                <a16:creationId xmlns:a16="http://schemas.microsoft.com/office/drawing/2014/main" id="{AC0888AD-FA2A-4450-B57B-9C1CFCCDD327}"/>
+              </a:ext>
+            </a:extLst>
+          </p:cNvPr>
           <p:cNvSpPr>
             <a:spLocks noGrp="1"/>
           </p:cNvSpPr>
@@ -2617,13 +2994,19 @@
             </a:lvl1pPr>
           </a:lstStyle>
           <a:p>
-            <a:endParaRPr lang="en-IL"/>
-          </a:p>
-        </p:txBody>
-      </p:sp>
-      <p:sp>
-        <p:nvSpPr>
-          <p:cNvPr id="6" name="Slide Number Placeholder 5"/>
+            <a:endParaRPr lang="LID4096"/>
+          </a:p>
+        </p:txBody>
+      </p:sp>
+      <p:sp>
+        <p:nvSpPr>
+          <p:cNvPr id="6" name="Slide Number Placeholder 5">
+            <a:extLst>
+              <a:ext uri="{FF2B5EF4-FFF2-40B4-BE49-F238E27FC236}">
+                <a16:creationId xmlns:a16="http://schemas.microsoft.com/office/drawing/2014/main" id="{B33B6242-C7C2-46AF-8641-E773D35E3D40}"/>
+              </a:ext>
+            </a:extLst>
+          </p:cNvPr>
           <p:cNvSpPr>
             <a:spLocks noGrp="1"/>
           </p:cNvSpPr>
@@ -2654,34 +3037,34 @@
             </a:lvl1pPr>
           </a:lstStyle>
           <a:p>
-            <a:fld id="{4B1B6C60-C0F9-41A2-AB5D-67AD6D063D2D}" type="slidenum">
-              <a:rPr lang="en-IL" smtClean="0"/>
+            <a:fld id="{6B5F0888-FD81-4DBC-9CEE-C4047654711F}" type="slidenum">
+              <a:rPr lang="LID4096" smtClean="0"/>
               <a:t>‹#›</a:t>
             </a:fld>
-            <a:endParaRPr lang="en-IL"/>
+            <a:endParaRPr lang="LID4096"/>
           </a:p>
         </p:txBody>
       </p:sp>
     </p:spTree>
     <p:extLst>
       <p:ext uri="{BB962C8B-B14F-4D97-AF65-F5344CB8AC3E}">
-        <p14:creationId xmlns:p14="http://schemas.microsoft.com/office/powerpoint/2010/main" val="1078546925"/>
+        <p14:creationId xmlns:p14="http://schemas.microsoft.com/office/powerpoint/2010/main" val="2584491828"/>
       </p:ext>
     </p:extLst>
   </p:cSld>
   <p:clrMap bg1="lt1" tx1="dk1" bg2="lt2" tx2="dk2" accent1="accent1" accent2="accent2" accent3="accent3" accent4="accent4" accent5="accent5" accent6="accent6" hlink="hlink" folHlink="folHlink"/>
   <p:sldLayoutIdLst>
-    <p:sldLayoutId id="2147483661" r:id="rId1"/>
-    <p:sldLayoutId id="2147483662" r:id="rId2"/>
-    <p:sldLayoutId id="2147483663" r:id="rId3"/>
-    <p:sldLayoutId id="2147483664" r:id="rId4"/>
-    <p:sldLayoutId id="2147483665" r:id="rId5"/>
-    <p:sldLayoutId id="2147483666" r:id="rId6"/>
-    <p:sldLayoutId id="2147483667" r:id="rId7"/>
-    <p:sldLayoutId id="2147483668" r:id="rId8"/>
-    <p:sldLayoutId id="2147483669" r:id="rId9"/>
-    <p:sldLayoutId id="2147483670" r:id="rId10"/>
-    <p:sldLayoutId id="2147483671" r:id="rId11"/>
+    <p:sldLayoutId id="2147483649" r:id="rId1"/>
+    <p:sldLayoutId id="2147483650" r:id="rId2"/>
+    <p:sldLayoutId id="2147483651" r:id="rId3"/>
+    <p:sldLayoutId id="2147483652" r:id="rId4"/>
+    <p:sldLayoutId id="2147483653" r:id="rId5"/>
+    <p:sldLayoutId id="2147483654" r:id="rId6"/>
+    <p:sldLayoutId id="2147483655" r:id="rId7"/>
+    <p:sldLayoutId id="2147483656" r:id="rId8"/>
+    <p:sldLayoutId id="2147483657" r:id="rId9"/>
+    <p:sldLayoutId id="2147483658" r:id="rId10"/>
+    <p:sldLayoutId id="2147483659" r:id="rId11"/>
   </p:sldLayoutIdLst>
   <p:txStyles>
     <p:titleStyle>
@@ -2869,7 +3252,7 @@
     </p:bodyStyle>
     <p:otherStyle>
       <a:defPPr>
-        <a:defRPr lang="en-US"/>
+        <a:defRPr lang="LID4096"/>
       </a:defPPr>
       <a:lvl1pPr marL="0" algn="l" defTabSz="914400" rtl="0" eaLnBrk="1" latinLnBrk="0" hangingPunct="1">
         <a:defRPr sz="1800" kern="1200">
@@ -2985,10 +3368,10 @@
       </p:grpSpPr>
       <p:sp>
         <p:nvSpPr>
-          <p:cNvPr id="5" name="TextBox 4">
-            <a:extLst>
-              <a:ext uri="{FF2B5EF4-FFF2-40B4-BE49-F238E27FC236}">
-                <a16:creationId xmlns:a16="http://schemas.microsoft.com/office/drawing/2014/main" id="{654AA4C7-1A2B-4498-BBA8-ECF8118D3984}"/>
+          <p:cNvPr id="8" name="TextBox 7">
+            <a:extLst>
+              <a:ext uri="{FF2B5EF4-FFF2-40B4-BE49-F238E27FC236}">
+                <a16:creationId xmlns:a16="http://schemas.microsoft.com/office/drawing/2014/main" id="{D05A1503-08A7-43F7-96C7-8E2BC86CB9D2}"/>
               </a:ext>
             </a:extLst>
           </p:cNvPr>
@@ -3014,7 +3397,7 @@
             <a:pPr algn="ctr"/>
             <a:r>
               <a:rPr lang="en-US" sz="4800" b="1" dirty="0"/>
-              <a:t>Fiver &amp; 1/2</a:t>
+              <a:t>(TBD)</a:t>
             </a:r>
             <a:endParaRPr lang="en-IL" sz="4800" b="1" dirty="0"/>
           </a:p>
@@ -3022,10 +3405,10 @@
       </p:sp>
       <p:sp>
         <p:nvSpPr>
-          <p:cNvPr id="3" name="TextBox 2">
-            <a:extLst>
-              <a:ext uri="{FF2B5EF4-FFF2-40B4-BE49-F238E27FC236}">
-                <a16:creationId xmlns:a16="http://schemas.microsoft.com/office/drawing/2014/main" id="{654AA4C7-1A2B-4498-BBA8-ECF8118D3984}"/>
+          <p:cNvPr id="9" name="TextBox 8">
+            <a:extLst>
+              <a:ext uri="{FF2B5EF4-FFF2-40B4-BE49-F238E27FC236}">
+                <a16:creationId xmlns:a16="http://schemas.microsoft.com/office/drawing/2014/main" id="{31657415-E2ED-46E1-8F7C-C04DD974D3BD}"/>
               </a:ext>
             </a:extLst>
           </p:cNvPr>
@@ -3059,10 +3442,10 @@
       </p:sp>
       <p:sp>
         <p:nvSpPr>
-          <p:cNvPr id="4" name="TextBox 3">
-            <a:extLst>
-              <a:ext uri="{FF2B5EF4-FFF2-40B4-BE49-F238E27FC236}">
-                <a16:creationId xmlns:a16="http://schemas.microsoft.com/office/drawing/2014/main" id="{654AA4C7-1A2B-4498-BBA8-ECF8118D3984}"/>
+          <p:cNvPr id="10" name="TextBox 9">
+            <a:extLst>
+              <a:ext uri="{FF2B5EF4-FFF2-40B4-BE49-F238E27FC236}">
+                <a16:creationId xmlns:a16="http://schemas.microsoft.com/office/drawing/2014/main" id="{F26DA75B-DDF0-4023-B214-8C6627DF451D}"/>
               </a:ext>
             </a:extLst>
           </p:cNvPr>
@@ -3108,10 +3491,10 @@
       </p:sp>
       <p:sp>
         <p:nvSpPr>
-          <p:cNvPr id="6" name="Rectangle 8">
-            <a:extLst>
-              <a:ext uri="{FF2B5EF4-FFF2-40B4-BE49-F238E27FC236}">
-                <a16:creationId xmlns:a16="http://schemas.microsoft.com/office/drawing/2014/main" id="{31D4E0D3-D7D5-4F1F-A34F-C2FAA86C1B00}"/>
+          <p:cNvPr id="11" name="Rectangle 8">
+            <a:extLst>
+              <a:ext uri="{FF2B5EF4-FFF2-40B4-BE49-F238E27FC236}">
+                <a16:creationId xmlns:a16="http://schemas.microsoft.com/office/drawing/2014/main" id="{FCE580A4-18CB-4689-B9D7-26DC4B7A2209}"/>
               </a:ext>
             </a:extLst>
           </p:cNvPr>
@@ -3175,7 +3558,7 @@
     </p:spTree>
     <p:extLst>
       <p:ext uri="{BB962C8B-B14F-4D97-AF65-F5344CB8AC3E}">
-        <p14:creationId xmlns:p14="http://schemas.microsoft.com/office/powerpoint/2010/main" val="80653483"/>
+        <p14:creationId xmlns:p14="http://schemas.microsoft.com/office/powerpoint/2010/main" val="1345852713"/>
       </p:ext>
     </p:extLst>
   </p:cSld>
@@ -3204,10 +3587,10 @@
       </p:grpSpPr>
       <p:pic>
         <p:nvPicPr>
-          <p:cNvPr id="5" name="Picture 4" descr="A screenshot of a cell phone&#10;&#10;Description automatically generated">
-            <a:extLst>
-              <a:ext uri="{FF2B5EF4-FFF2-40B4-BE49-F238E27FC236}">
-                <a16:creationId xmlns:a16="http://schemas.microsoft.com/office/drawing/2014/main" id="{0AA1B4F0-0618-45FD-BFAE-63F16908117B}"/>
+          <p:cNvPr id="3" name="Picture 2" descr="A screenshot of a cell phone&#10;&#10;Description automatically generated">
+            <a:extLst>
+              <a:ext uri="{FF2B5EF4-FFF2-40B4-BE49-F238E27FC236}">
+                <a16:creationId xmlns:a16="http://schemas.microsoft.com/office/drawing/2014/main" id="{C9D0F67A-406C-462E-BFF7-E373211B45DA}"/>
               </a:ext>
             </a:extLst>
           </p:cNvPr>
@@ -3230,8 +3613,8 @@
         </p:blipFill>
         <p:spPr>
           <a:xfrm>
-            <a:off x="2611987" y="1677585"/>
-            <a:ext cx="6532014" cy="4421671"/>
+            <a:off x="2381250" y="1418874"/>
+            <a:ext cx="7429500" cy="5010150"/>
           </a:xfrm>
           <a:prstGeom prst="rect">
             <a:avLst/>
@@ -3240,10 +3623,10 @@
       </p:pic>
       <p:sp>
         <p:nvSpPr>
-          <p:cNvPr id="7" name="TextBox 6">
-            <a:extLst>
-              <a:ext uri="{FF2B5EF4-FFF2-40B4-BE49-F238E27FC236}">
-                <a16:creationId xmlns:a16="http://schemas.microsoft.com/office/drawing/2014/main" id="{079CB494-6686-4EBF-9740-9602FB108BFD}"/>
+          <p:cNvPr id="4" name="TextBox 3">
+            <a:extLst>
+              <a:ext uri="{FF2B5EF4-FFF2-40B4-BE49-F238E27FC236}">
+                <a16:creationId xmlns:a16="http://schemas.microsoft.com/office/drawing/2014/main" id="{9A268770-B0C1-4207-894D-927C9020C151}"/>
               </a:ext>
             </a:extLst>
           </p:cNvPr>
@@ -3252,8 +3635,8 @@
         </p:nvSpPr>
         <p:spPr>
           <a:xfrm>
-            <a:off x="700087" y="183072"/>
-            <a:ext cx="10791825" cy="830997"/>
+            <a:off x="3973794" y="589660"/>
+            <a:ext cx="4724178" cy="646331"/>
           </a:xfrm>
           <a:prstGeom prst="rect">
             <a:avLst/>
@@ -3261,24 +3644,23 @@
           <a:noFill/>
         </p:spPr>
         <p:txBody>
-          <a:bodyPr wrap="square" rtlCol="0">
+          <a:bodyPr wrap="none" rtlCol="0">
             <a:spAutoFit/>
           </a:bodyPr>
           <a:lstStyle/>
           <a:p>
-            <a:pPr algn="ctr"/>
-            <a:r>
-              <a:rPr lang="en-US" sz="4800" b="1" dirty="0"/>
-              <a:t>sign</a:t>
-            </a:r>
-            <a:endParaRPr lang="en-IL" sz="4800" b="1" dirty="0"/>
+            <a:r>
+              <a:rPr lang="en-US" sz="3600" dirty="0"/>
+              <a:t>submit deal details form</a:t>
+            </a:r>
+            <a:endParaRPr lang="LID4096" sz="3600" dirty="0"/>
           </a:p>
         </p:txBody>
       </p:sp>
     </p:spTree>
     <p:extLst>
       <p:ext uri="{BB962C8B-B14F-4D97-AF65-F5344CB8AC3E}">
-        <p14:creationId xmlns:p14="http://schemas.microsoft.com/office/powerpoint/2010/main" val="2689129219"/>
+        <p14:creationId xmlns:p14="http://schemas.microsoft.com/office/powerpoint/2010/main" val="5912195"/>
       </p:ext>
     </p:extLst>
   </p:cSld>
@@ -3307,10 +3689,10 @@
       </p:grpSpPr>
       <p:pic>
         <p:nvPicPr>
-          <p:cNvPr id="5" name="Picture 4" descr="A screenshot of a cell phone&#10;&#10;Description automatically generated">
-            <a:extLst>
-              <a:ext uri="{FF2B5EF4-FFF2-40B4-BE49-F238E27FC236}">
-                <a16:creationId xmlns:a16="http://schemas.microsoft.com/office/drawing/2014/main" id="{9B69D750-0FF9-4974-A597-82CB35106A70}"/>
+          <p:cNvPr id="3" name="Picture 2" descr="A screenshot of a cell phone&#10;&#10;Description automatically generated">
+            <a:extLst>
+              <a:ext uri="{FF2B5EF4-FFF2-40B4-BE49-F238E27FC236}">
+                <a16:creationId xmlns:a16="http://schemas.microsoft.com/office/drawing/2014/main" id="{9A9F65F4-2E24-4667-9EAA-A9DA8DDECA0A}"/>
               </a:ext>
             </a:extLst>
           </p:cNvPr>
@@ -3333,127 +3715,18 @@
         </p:blipFill>
         <p:spPr>
           <a:xfrm>
-            <a:off x="4886120" y="1380215"/>
-            <a:ext cx="2998357" cy="4806416"/>
+            <a:off x="2381250" y="855677"/>
+            <a:ext cx="7429500" cy="5029200"/>
           </a:xfrm>
           <a:prstGeom prst="rect">
             <a:avLst/>
           </a:prstGeom>
         </p:spPr>
       </p:pic>
-      <p:pic>
-        <p:nvPicPr>
-          <p:cNvPr id="7" name="Picture 6" descr="A screenshot of a cell phone&#10;&#10;Description automatically generated">
-            <a:extLst>
-              <a:ext uri="{FF2B5EF4-FFF2-40B4-BE49-F238E27FC236}">
-                <a16:creationId xmlns:a16="http://schemas.microsoft.com/office/drawing/2014/main" id="{4FF0442E-6E8A-4B45-9936-FE0A8BC10697}"/>
-              </a:ext>
-            </a:extLst>
-          </p:cNvPr>
-          <p:cNvPicPr>
-            <a:picLocks noChangeAspect="1"/>
-          </p:cNvPicPr>
-          <p:nvPr/>
-        </p:nvPicPr>
-        <p:blipFill>
-          <a:blip r:embed="rId3">
-            <a:extLst>
-              <a:ext uri="{28A0092B-C50C-407E-A947-70E740481C1C}">
-                <a14:useLocalDpi xmlns:a14="http://schemas.microsoft.com/office/drawing/2010/main" val="0"/>
-              </a:ext>
-            </a:extLst>
-          </a:blip>
-          <a:stretch>
-            <a:fillRect/>
-          </a:stretch>
-        </p:blipFill>
-        <p:spPr>
-          <a:xfrm>
-            <a:off x="445750" y="1331896"/>
-            <a:ext cx="3565857" cy="4903054"/>
-          </a:xfrm>
-          <a:prstGeom prst="rect">
-            <a:avLst/>
-          </a:prstGeom>
-        </p:spPr>
-      </p:pic>
-      <p:pic>
-        <p:nvPicPr>
-          <p:cNvPr id="9" name="Picture 8" descr="A screenshot of a cell phone&#10;&#10;Description automatically generated">
-            <a:extLst>
-              <a:ext uri="{FF2B5EF4-FFF2-40B4-BE49-F238E27FC236}">
-                <a16:creationId xmlns:a16="http://schemas.microsoft.com/office/drawing/2014/main" id="{ED8FCC83-C514-4C89-A165-F178687EAA9D}"/>
-              </a:ext>
-            </a:extLst>
-          </p:cNvPr>
-          <p:cNvPicPr>
-            <a:picLocks noChangeAspect="1"/>
-          </p:cNvPicPr>
-          <p:nvPr/>
-        </p:nvPicPr>
-        <p:blipFill>
-          <a:blip r:embed="rId4">
-            <a:extLst>
-              <a:ext uri="{28A0092B-C50C-407E-A947-70E740481C1C}">
-                <a14:useLocalDpi xmlns:a14="http://schemas.microsoft.com/office/drawing/2010/main" val="0"/>
-              </a:ext>
-            </a:extLst>
-          </a:blip>
-          <a:stretch>
-            <a:fillRect/>
-          </a:stretch>
-        </p:blipFill>
-        <p:spPr>
-          <a:xfrm>
-            <a:off x="8758990" y="1380215"/>
-            <a:ext cx="2987260" cy="4816563"/>
-          </a:xfrm>
-          <a:prstGeom prst="rect">
-            <a:avLst/>
-          </a:prstGeom>
-        </p:spPr>
-      </p:pic>
-      <p:sp>
-        <p:nvSpPr>
-          <p:cNvPr id="10" name="TextBox 9">
-            <a:extLst>
-              <a:ext uri="{FF2B5EF4-FFF2-40B4-BE49-F238E27FC236}">
-                <a16:creationId xmlns:a16="http://schemas.microsoft.com/office/drawing/2014/main" id="{D56571AE-4F7B-4E90-A4CE-EE264546E81B}"/>
-              </a:ext>
-            </a:extLst>
-          </p:cNvPr>
-          <p:cNvSpPr txBox="1"/>
-          <p:nvPr/>
-        </p:nvSpPr>
-        <p:spPr>
-          <a:xfrm>
-            <a:off x="700087" y="183072"/>
-            <a:ext cx="10791825" cy="830997"/>
-          </a:xfrm>
-          <a:prstGeom prst="rect">
-            <a:avLst/>
-          </a:prstGeom>
-          <a:noFill/>
-        </p:spPr>
-        <p:txBody>
-          <a:bodyPr wrap="square" rtlCol="0">
-            <a:spAutoFit/>
-          </a:bodyPr>
-          <a:lstStyle/>
-          <a:p>
-            <a:pPr algn="ctr"/>
-            <a:r>
-              <a:rPr lang="en-US" sz="4800" b="1" dirty="0"/>
-              <a:t>Mobile view</a:t>
-            </a:r>
-            <a:endParaRPr lang="en-IL" sz="4800" b="1" dirty="0"/>
-          </a:p>
-        </p:txBody>
-      </p:sp>
     </p:spTree>
     <p:extLst>
       <p:ext uri="{BB962C8B-B14F-4D97-AF65-F5344CB8AC3E}">
-        <p14:creationId xmlns:p14="http://schemas.microsoft.com/office/powerpoint/2010/main" val="65545195"/>
+        <p14:creationId xmlns:p14="http://schemas.microsoft.com/office/powerpoint/2010/main" val="609656634"/>
       </p:ext>
     </p:extLst>
   </p:cSld>
@@ -3463,831 +3736,7 @@
 </p:sld>
 </file>
 
-<file path=ppt/slides/slide2.xml><?xml version="1.0" encoding="utf-8"?>
-<p:sld xmlns:a="http://schemas.openxmlformats.org/drawingml/2006/main" xmlns:r="http://schemas.openxmlformats.org/officeDocument/2006/relationships" xmlns:p="http://schemas.openxmlformats.org/presentationml/2006/main">
-  <p:cSld>
-    <p:spTree>
-      <p:nvGrpSpPr>
-        <p:cNvPr id="1" name=""/>
-        <p:cNvGrpSpPr/>
-        <p:nvPr/>
-      </p:nvGrpSpPr>
-      <p:grpSpPr>
-        <a:xfrm>
-          <a:off x="0" y="0"/>
-          <a:ext cx="0" cy="0"/>
-          <a:chOff x="0" y="0"/>
-          <a:chExt cx="0" cy="0"/>
-        </a:xfrm>
-      </p:grpSpPr>
-      <p:sp>
-        <p:nvSpPr>
-          <p:cNvPr id="5" name="TextBox 4">
-            <a:extLst>
-              <a:ext uri="{FF2B5EF4-FFF2-40B4-BE49-F238E27FC236}">
-                <a16:creationId xmlns:a16="http://schemas.microsoft.com/office/drawing/2014/main" id="{654AA4C7-1A2B-4498-BBA8-ECF8118D3984}"/>
-              </a:ext>
-            </a:extLst>
-          </p:cNvPr>
-          <p:cNvSpPr txBox="1"/>
-          <p:nvPr/>
-        </p:nvSpPr>
-        <p:spPr>
-          <a:xfrm>
-            <a:off x="638175" y="409575"/>
-            <a:ext cx="10791825" cy="830997"/>
-          </a:xfrm>
-          <a:prstGeom prst="rect">
-            <a:avLst/>
-          </a:prstGeom>
-          <a:noFill/>
-        </p:spPr>
-        <p:txBody>
-          <a:bodyPr wrap="square" rtlCol="0">
-            <a:spAutoFit/>
-          </a:bodyPr>
-          <a:lstStyle/>
-          <a:p>
-            <a:r>
-              <a:rPr lang="en-US" sz="4800" b="1" dirty="0"/>
-              <a:t>Highlights</a:t>
-            </a:r>
-            <a:endParaRPr lang="en-IL" sz="4800" b="1" dirty="0"/>
-          </a:p>
-        </p:txBody>
-      </p:sp>
-      <p:sp>
-        <p:nvSpPr>
-          <p:cNvPr id="6" name="TextBox 5">
-            <a:extLst>
-              <a:ext uri="{FF2B5EF4-FFF2-40B4-BE49-F238E27FC236}">
-                <a16:creationId xmlns:a16="http://schemas.microsoft.com/office/drawing/2014/main" id="{2FF4F8D9-CA72-454A-8770-2FF95CFA5CB1}"/>
-              </a:ext>
-            </a:extLst>
-          </p:cNvPr>
-          <p:cNvSpPr txBox="1"/>
-          <p:nvPr/>
-        </p:nvSpPr>
-        <p:spPr>
-          <a:xfrm>
-            <a:off x="638174" y="1397000"/>
-            <a:ext cx="10791825" cy="4708981"/>
-          </a:xfrm>
-          <a:prstGeom prst="rect">
-            <a:avLst/>
-          </a:prstGeom>
-          <a:noFill/>
-        </p:spPr>
-        <p:txBody>
-          <a:bodyPr wrap="square" rtlCol="0">
-            <a:spAutoFit/>
-          </a:bodyPr>
-          <a:lstStyle/>
-          <a:p>
-            <a:r>
-              <a:rPr lang="en-US" sz="2000" b="1" dirty="0"/>
-              <a:t>Product Name: Fiverr - TBD</a:t>
-            </a:r>
-          </a:p>
-          <a:p>
-            <a:endParaRPr lang="en-US" sz="2000" dirty="0"/>
-          </a:p>
-          <a:p>
-            <a:r>
-              <a:rPr lang="en-US" sz="2000" b="1" dirty="0"/>
-              <a:t>Product Short Description:</a:t>
-            </a:r>
-            <a:endParaRPr lang="en-US" sz="2000" b="1" dirty="0">
-              <a:solidFill>
-                <a:srgbClr val="FF0000"/>
-              </a:solidFill>
-            </a:endParaRPr>
-          </a:p>
-          <a:p>
-            <a:r>
-              <a:rPr lang="en-US" sz="2000" dirty="0"/>
-              <a:t>Marketplace for web design and development service</a:t>
-            </a:r>
-          </a:p>
-          <a:p>
-            <a:endParaRPr lang="en-US" sz="2000" b="1" dirty="0"/>
-          </a:p>
-          <a:p>
-            <a:r>
-              <a:rPr lang="en-US" sz="2000" b="1" dirty="0"/>
-              <a:t>Users:</a:t>
-            </a:r>
-            <a:endParaRPr lang="en-US" sz="2000" b="1" dirty="0">
-              <a:solidFill>
-                <a:srgbClr val="FF0000"/>
-              </a:solidFill>
-            </a:endParaRPr>
-          </a:p>
-          <a:p>
-            <a:r>
-              <a:rPr lang="en-US" sz="2000" dirty="0"/>
-              <a:t>Guest users, Sellers, Buyers, Admin</a:t>
-            </a:r>
-          </a:p>
-          <a:p>
-            <a:endParaRPr lang="en-US" sz="2000" dirty="0"/>
-          </a:p>
-          <a:p>
-            <a:r>
-              <a:rPr lang="en-US" sz="2000" b="1" dirty="0"/>
-              <a:t>Key features:</a:t>
-            </a:r>
-            <a:endParaRPr lang="en-US" sz="2000" b="1" dirty="0">
-              <a:solidFill>
-                <a:srgbClr val="FF0000"/>
-              </a:solidFill>
-            </a:endParaRPr>
-          </a:p>
-          <a:p>
-            <a:r>
-              <a:rPr lang="en-US" sz="2000" dirty="0"/>
-              <a:t>Offer web design &amp; development services, purchase web services, chat between buyers and sellers,</a:t>
-            </a:r>
-          </a:p>
-          <a:p>
-            <a:r>
-              <a:rPr lang="en-US" sz="2000" dirty="0"/>
-              <a:t>Show sellers reviews &amp; description</a:t>
-            </a:r>
-          </a:p>
-          <a:p>
-            <a:endParaRPr lang="en-US" sz="2000" dirty="0"/>
-          </a:p>
-          <a:p>
-            <a:r>
-              <a:rPr lang="en-US" sz="2000" b="1" dirty="0"/>
-              <a:t>Guest mode:</a:t>
-            </a:r>
-            <a:endParaRPr lang="en-US" sz="2000" b="1" dirty="0">
-              <a:solidFill>
-                <a:srgbClr val="FF0000"/>
-              </a:solidFill>
-            </a:endParaRPr>
-          </a:p>
-          <a:p>
-            <a:r>
-              <a:rPr lang="en-US" sz="2000" dirty="0"/>
-              <a:t>Guest can browse all services offered in the marketplace and look at specific seller details, information &amp; reviews</a:t>
-            </a:r>
-          </a:p>
-        </p:txBody>
-      </p:sp>
-      <p:cxnSp>
-        <p:nvCxnSpPr>
-          <p:cNvPr id="8" name="Straight Connector 7">
-            <a:extLst>
-              <a:ext uri="{FF2B5EF4-FFF2-40B4-BE49-F238E27FC236}">
-                <a16:creationId xmlns:a16="http://schemas.microsoft.com/office/drawing/2014/main" id="{38E70AE2-3194-4F3F-996D-F0F607FEF874}"/>
-              </a:ext>
-            </a:extLst>
-          </p:cNvPr>
-          <p:cNvCxnSpPr/>
-          <p:nvPr/>
-        </p:nvCxnSpPr>
-        <p:spPr>
-          <a:xfrm>
-            <a:off x="638174" y="1228725"/>
-            <a:ext cx="10791825" cy="0"/>
-          </a:xfrm>
-          <a:prstGeom prst="line">
-            <a:avLst/>
-          </a:prstGeom>
-        </p:spPr>
-        <p:style>
-          <a:lnRef idx="1">
-            <a:schemeClr val="accent1"/>
-          </a:lnRef>
-          <a:fillRef idx="0">
-            <a:schemeClr val="accent1"/>
-          </a:fillRef>
-          <a:effectRef idx="0">
-            <a:schemeClr val="accent1"/>
-          </a:effectRef>
-          <a:fontRef idx="minor">
-            <a:schemeClr val="tx1"/>
-          </a:fontRef>
-        </p:style>
-      </p:cxnSp>
-    </p:spTree>
-    <p:extLst>
-      <p:ext uri="{BB962C8B-B14F-4D97-AF65-F5344CB8AC3E}">
-        <p14:creationId xmlns:p14="http://schemas.microsoft.com/office/powerpoint/2010/main" val="3577773621"/>
-      </p:ext>
-    </p:extLst>
-  </p:cSld>
-  <p:clrMapOvr>
-    <a:masterClrMapping/>
-  </p:clrMapOvr>
-</p:sld>
-</file>
-
-<file path=ppt/slides/slide3.xml><?xml version="1.0" encoding="utf-8"?>
-<p:sld xmlns:a="http://schemas.openxmlformats.org/drawingml/2006/main" xmlns:r="http://schemas.openxmlformats.org/officeDocument/2006/relationships" xmlns:p="http://schemas.openxmlformats.org/presentationml/2006/main">
-  <p:cSld>
-    <p:spTree>
-      <p:nvGrpSpPr>
-        <p:cNvPr id="1" name=""/>
-        <p:cNvGrpSpPr/>
-        <p:nvPr/>
-      </p:nvGrpSpPr>
-      <p:grpSpPr>
-        <a:xfrm>
-          <a:off x="0" y="0"/>
-          <a:ext cx="0" cy="0"/>
-          <a:chOff x="0" y="0"/>
-          <a:chExt cx="0" cy="0"/>
-        </a:xfrm>
-      </p:grpSpPr>
-      <p:sp>
-        <p:nvSpPr>
-          <p:cNvPr id="5" name="TextBox 4">
-            <a:extLst>
-              <a:ext uri="{FF2B5EF4-FFF2-40B4-BE49-F238E27FC236}">
-                <a16:creationId xmlns:a16="http://schemas.microsoft.com/office/drawing/2014/main" id="{654AA4C7-1A2B-4498-BBA8-ECF8118D3984}"/>
-              </a:ext>
-            </a:extLst>
-          </p:cNvPr>
-          <p:cNvSpPr txBox="1"/>
-          <p:nvPr/>
-        </p:nvSpPr>
-        <p:spPr>
-          <a:xfrm>
-            <a:off x="638175" y="409575"/>
-            <a:ext cx="10791825" cy="830997"/>
-          </a:xfrm>
-          <a:prstGeom prst="rect">
-            <a:avLst/>
-          </a:prstGeom>
-          <a:noFill/>
-        </p:spPr>
-        <p:txBody>
-          <a:bodyPr wrap="square" rtlCol="0">
-            <a:spAutoFit/>
-          </a:bodyPr>
-          <a:lstStyle/>
-          <a:p>
-            <a:r>
-              <a:rPr lang="en-US" sz="4800" b="1" dirty="0"/>
-              <a:t>Main Pages</a:t>
-            </a:r>
-            <a:endParaRPr lang="en-IL" sz="4800" b="1" dirty="0"/>
-          </a:p>
-        </p:txBody>
-      </p:sp>
-      <p:sp>
-        <p:nvSpPr>
-          <p:cNvPr id="6" name="TextBox 5">
-            <a:extLst>
-              <a:ext uri="{FF2B5EF4-FFF2-40B4-BE49-F238E27FC236}">
-                <a16:creationId xmlns:a16="http://schemas.microsoft.com/office/drawing/2014/main" id="{2FF4F8D9-CA72-454A-8770-2FF95CFA5CB1}"/>
-              </a:ext>
-            </a:extLst>
-          </p:cNvPr>
-          <p:cNvSpPr txBox="1"/>
-          <p:nvPr/>
-        </p:nvSpPr>
-        <p:spPr>
-          <a:xfrm>
-            <a:off x="1213569" y="1768894"/>
-            <a:ext cx="4241029" cy="1015663"/>
-          </a:xfrm>
-          <a:prstGeom prst="rect">
-            <a:avLst/>
-          </a:prstGeom>
-          <a:noFill/>
-        </p:spPr>
-        <p:txBody>
-          <a:bodyPr wrap="square" rtlCol="0">
-            <a:spAutoFit/>
-          </a:bodyPr>
-          <a:lstStyle/>
-          <a:p>
-            <a:r>
-              <a:rPr lang="en-US" sz="2000" b="1" dirty="0"/>
-              <a:t>Home page</a:t>
-            </a:r>
-            <a:endParaRPr lang="en-US" sz="2000" b="1" dirty="0">
-              <a:solidFill>
-                <a:srgbClr val="FF0000"/>
-              </a:solidFill>
-            </a:endParaRPr>
-          </a:p>
-          <a:p>
-            <a:r>
-              <a:rPr lang="en-US" sz="2000" dirty="0"/>
-              <a:t>View the categories of the professional services offered by sellers.</a:t>
-            </a:r>
-          </a:p>
-        </p:txBody>
-      </p:sp>
-      <p:cxnSp>
-        <p:nvCxnSpPr>
-          <p:cNvPr id="8" name="Straight Connector 7">
-            <a:extLst>
-              <a:ext uri="{FF2B5EF4-FFF2-40B4-BE49-F238E27FC236}">
-                <a16:creationId xmlns:a16="http://schemas.microsoft.com/office/drawing/2014/main" id="{38E70AE2-3194-4F3F-996D-F0F607FEF874}"/>
-              </a:ext>
-            </a:extLst>
-          </p:cNvPr>
-          <p:cNvCxnSpPr/>
-          <p:nvPr/>
-        </p:nvCxnSpPr>
-        <p:spPr>
-          <a:xfrm>
-            <a:off x="638174" y="1228725"/>
-            <a:ext cx="10791825" cy="0"/>
-          </a:xfrm>
-          <a:prstGeom prst="line">
-            <a:avLst/>
-          </a:prstGeom>
-        </p:spPr>
-        <p:style>
-          <a:lnRef idx="1">
-            <a:schemeClr val="accent1"/>
-          </a:lnRef>
-          <a:fillRef idx="0">
-            <a:schemeClr val="accent1"/>
-          </a:fillRef>
-          <a:effectRef idx="0">
-            <a:schemeClr val="accent1"/>
-          </a:effectRef>
-          <a:fontRef idx="minor">
-            <a:schemeClr val="tx1"/>
-          </a:fontRef>
-        </p:style>
-      </p:cxnSp>
-      <p:sp>
-        <p:nvSpPr>
-          <p:cNvPr id="7" name="Arrow: Left-Right 6">
-            <a:extLst>
-              <a:ext uri="{FF2B5EF4-FFF2-40B4-BE49-F238E27FC236}">
-                <a16:creationId xmlns:a16="http://schemas.microsoft.com/office/drawing/2014/main" id="{EF857419-7E74-4497-8491-A93F11B60EAC}"/>
-              </a:ext>
-            </a:extLst>
-          </p:cNvPr>
-          <p:cNvSpPr/>
-          <p:nvPr/>
-        </p:nvSpPr>
-        <p:spPr>
-          <a:xfrm rot="16048542">
-            <a:off x="10186985" y="4838699"/>
-            <a:ext cx="104775" cy="47625"/>
-          </a:xfrm>
-          <a:prstGeom prst="leftRightArrow">
-            <a:avLst/>
-          </a:prstGeom>
-          <a:solidFill>
-            <a:schemeClr val="bg1"/>
-          </a:solidFill>
-          <a:ln>
-            <a:noFill/>
-          </a:ln>
-        </p:spPr>
-        <p:style>
-          <a:lnRef idx="2">
-            <a:schemeClr val="accent1">
-              <a:shade val="50000"/>
-            </a:schemeClr>
-          </a:lnRef>
-          <a:fillRef idx="1">
-            <a:schemeClr val="accent1"/>
-          </a:fillRef>
-          <a:effectRef idx="0">
-            <a:schemeClr val="accent1"/>
-          </a:effectRef>
-          <a:fontRef idx="minor">
-            <a:schemeClr val="lt1"/>
-          </a:fontRef>
-        </p:style>
-        <p:txBody>
-          <a:bodyPr rtlCol="0" anchor="ctr"/>
-          <a:lstStyle/>
-          <a:p>
-            <a:pPr algn="ctr"/>
-            <a:endParaRPr lang="en-IL"/>
-          </a:p>
-        </p:txBody>
-      </p:sp>
-      <p:sp>
-        <p:nvSpPr>
-          <p:cNvPr id="34" name="Arrow: Left-Right 33">
-            <a:extLst>
-              <a:ext uri="{FF2B5EF4-FFF2-40B4-BE49-F238E27FC236}">
-                <a16:creationId xmlns:a16="http://schemas.microsoft.com/office/drawing/2014/main" id="{E1F5D652-AFC1-4454-A02E-C26806AFB890}"/>
-              </a:ext>
-            </a:extLst>
-          </p:cNvPr>
-          <p:cNvSpPr/>
-          <p:nvPr/>
-        </p:nvSpPr>
-        <p:spPr>
-          <a:xfrm rot="16048542">
-            <a:off x="10177460" y="5057774"/>
-            <a:ext cx="104775" cy="47625"/>
-          </a:xfrm>
-          <a:prstGeom prst="leftRightArrow">
-            <a:avLst/>
-          </a:prstGeom>
-          <a:solidFill>
-            <a:schemeClr val="bg1"/>
-          </a:solidFill>
-          <a:ln>
-            <a:noFill/>
-          </a:ln>
-        </p:spPr>
-        <p:style>
-          <a:lnRef idx="2">
-            <a:schemeClr val="accent1">
-              <a:shade val="50000"/>
-            </a:schemeClr>
-          </a:lnRef>
-          <a:fillRef idx="1">
-            <a:schemeClr val="accent1"/>
-          </a:fillRef>
-          <a:effectRef idx="0">
-            <a:schemeClr val="accent1"/>
-          </a:effectRef>
-          <a:fontRef idx="minor">
-            <a:schemeClr val="lt1"/>
-          </a:fontRef>
-        </p:style>
-        <p:txBody>
-          <a:bodyPr rtlCol="0" anchor="ctr"/>
-          <a:lstStyle/>
-          <a:p>
-            <a:pPr algn="ctr"/>
-            <a:endParaRPr lang="en-IL"/>
-          </a:p>
-        </p:txBody>
-      </p:sp>
-      <p:sp>
-        <p:nvSpPr>
-          <p:cNvPr id="36" name="Arrow: Left-Right 35">
-            <a:extLst>
-              <a:ext uri="{FF2B5EF4-FFF2-40B4-BE49-F238E27FC236}">
-                <a16:creationId xmlns:a16="http://schemas.microsoft.com/office/drawing/2014/main" id="{D9928A9E-2087-4B0F-BC2A-AC4FF6331066}"/>
-              </a:ext>
-            </a:extLst>
-          </p:cNvPr>
-          <p:cNvSpPr/>
-          <p:nvPr/>
-        </p:nvSpPr>
-        <p:spPr>
-          <a:xfrm rot="16048542">
-            <a:off x="10177460" y="5276849"/>
-            <a:ext cx="104775" cy="47625"/>
-          </a:xfrm>
-          <a:prstGeom prst="leftRightArrow">
-            <a:avLst/>
-          </a:prstGeom>
-          <a:solidFill>
-            <a:schemeClr val="bg1"/>
-          </a:solidFill>
-          <a:ln>
-            <a:noFill/>
-          </a:ln>
-        </p:spPr>
-        <p:style>
-          <a:lnRef idx="2">
-            <a:schemeClr val="accent1">
-              <a:shade val="50000"/>
-            </a:schemeClr>
-          </a:lnRef>
-          <a:fillRef idx="1">
-            <a:schemeClr val="accent1"/>
-          </a:fillRef>
-          <a:effectRef idx="0">
-            <a:schemeClr val="accent1"/>
-          </a:effectRef>
-          <a:fontRef idx="minor">
-            <a:schemeClr val="lt1"/>
-          </a:fontRef>
-        </p:style>
-        <p:txBody>
-          <a:bodyPr rtlCol="0" anchor="ctr"/>
-          <a:lstStyle/>
-          <a:p>
-            <a:pPr algn="ctr"/>
-            <a:endParaRPr lang="en-IL"/>
-          </a:p>
-        </p:txBody>
-      </p:sp>
-      <p:sp>
-        <p:nvSpPr>
-          <p:cNvPr id="38" name="Arrow: Left-Right 37">
-            <a:extLst>
-              <a:ext uri="{FF2B5EF4-FFF2-40B4-BE49-F238E27FC236}">
-                <a16:creationId xmlns:a16="http://schemas.microsoft.com/office/drawing/2014/main" id="{697424B1-DDE5-4956-B672-EC2257A889D7}"/>
-              </a:ext>
-            </a:extLst>
-          </p:cNvPr>
-          <p:cNvSpPr/>
-          <p:nvPr/>
-        </p:nvSpPr>
-        <p:spPr>
-          <a:xfrm rot="16048542">
-            <a:off x="10167935" y="5495924"/>
-            <a:ext cx="104775" cy="47625"/>
-          </a:xfrm>
-          <a:prstGeom prst="leftRightArrow">
-            <a:avLst/>
-          </a:prstGeom>
-          <a:solidFill>
-            <a:schemeClr val="bg1"/>
-          </a:solidFill>
-          <a:ln>
-            <a:noFill/>
-          </a:ln>
-        </p:spPr>
-        <p:style>
-          <a:lnRef idx="2">
-            <a:schemeClr val="accent1">
-              <a:shade val="50000"/>
-            </a:schemeClr>
-          </a:lnRef>
-          <a:fillRef idx="1">
-            <a:schemeClr val="accent1"/>
-          </a:fillRef>
-          <a:effectRef idx="0">
-            <a:schemeClr val="accent1"/>
-          </a:effectRef>
-          <a:fontRef idx="minor">
-            <a:schemeClr val="lt1"/>
-          </a:fontRef>
-        </p:style>
-        <p:txBody>
-          <a:bodyPr rtlCol="0" anchor="ctr"/>
-          <a:lstStyle/>
-          <a:p>
-            <a:pPr algn="ctr"/>
-            <a:endParaRPr lang="en-IL"/>
-          </a:p>
-        </p:txBody>
-      </p:sp>
-      <p:sp>
-        <p:nvSpPr>
-          <p:cNvPr id="40" name="Arrow: Left-Right 39">
-            <a:extLst>
-              <a:ext uri="{FF2B5EF4-FFF2-40B4-BE49-F238E27FC236}">
-                <a16:creationId xmlns:a16="http://schemas.microsoft.com/office/drawing/2014/main" id="{33EEB190-27E3-456D-85C8-7152DE6184B6}"/>
-              </a:ext>
-            </a:extLst>
-          </p:cNvPr>
-          <p:cNvSpPr/>
-          <p:nvPr/>
-        </p:nvSpPr>
-        <p:spPr>
-          <a:xfrm rot="16048542">
-            <a:off x="10158410" y="5714999"/>
-            <a:ext cx="104775" cy="47625"/>
-          </a:xfrm>
-          <a:prstGeom prst="leftRightArrow">
-            <a:avLst/>
-          </a:prstGeom>
-          <a:solidFill>
-            <a:schemeClr val="bg1"/>
-          </a:solidFill>
-          <a:ln>
-            <a:noFill/>
-          </a:ln>
-        </p:spPr>
-        <p:style>
-          <a:lnRef idx="2">
-            <a:schemeClr val="accent1">
-              <a:shade val="50000"/>
-            </a:schemeClr>
-          </a:lnRef>
-          <a:fillRef idx="1">
-            <a:schemeClr val="accent1"/>
-          </a:fillRef>
-          <a:effectRef idx="0">
-            <a:schemeClr val="accent1"/>
-          </a:effectRef>
-          <a:fontRef idx="minor">
-            <a:schemeClr val="lt1"/>
-          </a:fontRef>
-        </p:style>
-        <p:txBody>
-          <a:bodyPr rtlCol="0" anchor="ctr"/>
-          <a:lstStyle/>
-          <a:p>
-            <a:pPr algn="ctr"/>
-            <a:endParaRPr lang="en-IL"/>
-          </a:p>
-        </p:txBody>
-      </p:sp>
-      <p:pic>
-        <p:nvPicPr>
-          <p:cNvPr id="41" name="Picture 40" descr="A screenshot of a cell phone&#10;&#10;Description automatically generated">
-            <a:extLst>
-              <a:ext uri="{FF2B5EF4-FFF2-40B4-BE49-F238E27FC236}">
-                <a16:creationId xmlns:a16="http://schemas.microsoft.com/office/drawing/2014/main" id="{F4E84A8B-3936-4D7C-912F-FC723D24873F}"/>
-              </a:ext>
-            </a:extLst>
-          </p:cNvPr>
-          <p:cNvPicPr>
-            <a:picLocks noChangeAspect="1"/>
-          </p:cNvPicPr>
-          <p:nvPr/>
-        </p:nvPicPr>
-        <p:blipFill>
-          <a:blip r:embed="rId2">
-            <a:extLst>
-              <a:ext uri="{28A0092B-C50C-407E-A947-70E740481C1C}">
-                <a14:useLocalDpi xmlns:a14="http://schemas.microsoft.com/office/drawing/2010/main" val="0"/>
-              </a:ext>
-            </a:extLst>
-          </a:blip>
-          <a:stretch>
-            <a:fillRect/>
-          </a:stretch>
-        </p:blipFill>
-        <p:spPr>
-          <a:xfrm>
-            <a:off x="7370242" y="1507049"/>
-            <a:ext cx="1926600" cy="1610686"/>
-          </a:xfrm>
-          <a:prstGeom prst="rect">
-            <a:avLst/>
-          </a:prstGeom>
-        </p:spPr>
-      </p:pic>
-      <p:pic>
-        <p:nvPicPr>
-          <p:cNvPr id="10" name="Picture 9" descr="A screenshot of a cell phone&#10;&#10;Description automatically generated">
-            <a:extLst>
-              <a:ext uri="{FF2B5EF4-FFF2-40B4-BE49-F238E27FC236}">
-                <a16:creationId xmlns:a16="http://schemas.microsoft.com/office/drawing/2014/main" id="{D8354251-708D-4759-88F6-3E202B17C816}"/>
-              </a:ext>
-            </a:extLst>
-          </p:cNvPr>
-          <p:cNvPicPr>
-            <a:picLocks noChangeAspect="1"/>
-          </p:cNvPicPr>
-          <p:nvPr/>
-        </p:nvPicPr>
-        <p:blipFill>
-          <a:blip r:embed="rId3">
-            <a:extLst>
-              <a:ext uri="{28A0092B-C50C-407E-A947-70E740481C1C}">
-                <a14:useLocalDpi xmlns:a14="http://schemas.microsoft.com/office/drawing/2010/main" val="0"/>
-              </a:ext>
-            </a:extLst>
-          </a:blip>
-          <a:stretch>
-            <a:fillRect/>
-          </a:stretch>
-        </p:blipFill>
-        <p:spPr>
-          <a:xfrm>
-            <a:off x="7370241" y="3312879"/>
-            <a:ext cx="1926599" cy="1424914"/>
-          </a:xfrm>
-          <a:prstGeom prst="rect">
-            <a:avLst/>
-          </a:prstGeom>
-        </p:spPr>
-      </p:pic>
-      <p:pic>
-        <p:nvPicPr>
-          <p:cNvPr id="12" name="Picture 11" descr="A screenshot of a cell phone&#10;&#10;Description automatically generated">
-            <a:extLst>
-              <a:ext uri="{FF2B5EF4-FFF2-40B4-BE49-F238E27FC236}">
-                <a16:creationId xmlns:a16="http://schemas.microsoft.com/office/drawing/2014/main" id="{04C388FB-C3E4-4BE9-A798-3CBC5AC8F006}"/>
-              </a:ext>
-            </a:extLst>
-          </p:cNvPr>
-          <p:cNvPicPr>
-            <a:picLocks noChangeAspect="1"/>
-          </p:cNvPicPr>
-          <p:nvPr/>
-        </p:nvPicPr>
-        <p:blipFill>
-          <a:blip r:embed="rId4">
-            <a:extLst>
-              <a:ext uri="{28A0092B-C50C-407E-A947-70E740481C1C}">
-                <a14:useLocalDpi xmlns:a14="http://schemas.microsoft.com/office/drawing/2010/main" val="0"/>
-              </a:ext>
-            </a:extLst>
-          </a:blip>
-          <a:stretch>
-            <a:fillRect/>
-          </a:stretch>
-        </p:blipFill>
-        <p:spPr>
-          <a:xfrm>
-            <a:off x="7370241" y="4932937"/>
-            <a:ext cx="1926599" cy="1515488"/>
-          </a:xfrm>
-          <a:prstGeom prst="rect">
-            <a:avLst/>
-          </a:prstGeom>
-        </p:spPr>
-      </p:pic>
-      <p:sp>
-        <p:nvSpPr>
-          <p:cNvPr id="42" name="Rectangle 41">
-            <a:extLst>
-              <a:ext uri="{FF2B5EF4-FFF2-40B4-BE49-F238E27FC236}">
-                <a16:creationId xmlns:a16="http://schemas.microsoft.com/office/drawing/2014/main" id="{3FAFE0C6-B5A4-4C23-AB77-5010E245FB09}"/>
-              </a:ext>
-            </a:extLst>
-          </p:cNvPr>
-          <p:cNvSpPr/>
-          <p:nvPr/>
-        </p:nvSpPr>
-        <p:spPr>
-          <a:xfrm>
-            <a:off x="1213569" y="3702170"/>
-            <a:ext cx="6096000" cy="646331"/>
-          </a:xfrm>
-          <a:prstGeom prst="rect">
-            <a:avLst/>
-          </a:prstGeom>
-        </p:spPr>
-        <p:txBody>
-          <a:bodyPr>
-            <a:spAutoFit/>
-          </a:bodyPr>
-          <a:lstStyle/>
-          <a:p>
-            <a:r>
-              <a:rPr lang="en-US" b="1" dirty="0"/>
-              <a:t>Category list</a:t>
-            </a:r>
-            <a:endParaRPr lang="en-US" b="1" dirty="0">
-              <a:solidFill>
-                <a:srgbClr val="FF0000"/>
-              </a:solidFill>
-            </a:endParaRPr>
-          </a:p>
-          <a:p>
-            <a:r>
-              <a:rPr lang="en-US" dirty="0"/>
-              <a:t>View all services in a selected category.</a:t>
-            </a:r>
-          </a:p>
-        </p:txBody>
-      </p:sp>
-      <p:sp>
-        <p:nvSpPr>
-          <p:cNvPr id="44" name="Rectangle 43">
-            <a:extLst>
-              <a:ext uri="{FF2B5EF4-FFF2-40B4-BE49-F238E27FC236}">
-                <a16:creationId xmlns:a16="http://schemas.microsoft.com/office/drawing/2014/main" id="{17A9CFDF-EC3B-4928-90DF-A44619F74890}"/>
-              </a:ext>
-            </a:extLst>
-          </p:cNvPr>
-          <p:cNvSpPr/>
-          <p:nvPr/>
-        </p:nvSpPr>
-        <p:spPr>
-          <a:xfrm>
-            <a:off x="1213569" y="5247276"/>
-            <a:ext cx="6096000" cy="646331"/>
-          </a:xfrm>
-          <a:prstGeom prst="rect">
-            <a:avLst/>
-          </a:prstGeom>
-        </p:spPr>
-        <p:txBody>
-          <a:bodyPr>
-            <a:spAutoFit/>
-          </a:bodyPr>
-          <a:lstStyle/>
-          <a:p>
-            <a:r>
-              <a:rPr lang="en-US" b="1" dirty="0"/>
-              <a:t>Service page</a:t>
-            </a:r>
-          </a:p>
-          <a:p>
-            <a:r>
-              <a:rPr lang="en-US" dirty="0"/>
-              <a:t>View the details of a selected service (gig).</a:t>
-            </a:r>
-          </a:p>
-        </p:txBody>
-      </p:sp>
-    </p:spTree>
-    <p:extLst>
-      <p:ext uri="{BB962C8B-B14F-4D97-AF65-F5344CB8AC3E}">
-        <p14:creationId xmlns:p14="http://schemas.microsoft.com/office/powerpoint/2010/main" val="3974594506"/>
-      </p:ext>
-    </p:extLst>
-  </p:cSld>
-  <p:clrMapOvr>
-    <a:masterClrMapping/>
-  </p:clrMapOvr>
-</p:sld>
-</file>
-
-<file path=ppt/slides/slide4.xml><?xml version="1.0" encoding="utf-8"?>
+<file path=ppt/slides/slide12.xml><?xml version="1.0" encoding="utf-8"?>
 <p:sld xmlns:a="http://schemas.openxmlformats.org/drawingml/2006/main" xmlns:r="http://schemas.openxmlformats.org/officeDocument/2006/relationships" xmlns:p="http://schemas.openxmlformats.org/presentationml/2006/main">
   <p:cSld>
     <p:spTree>
@@ -4306,10 +3755,10 @@
       </p:grpSpPr>
       <p:pic>
         <p:nvPicPr>
-          <p:cNvPr id="5" name="Picture 4" descr="A screenshot of a cell phone&#10;&#10;Description automatically generated">
-            <a:extLst>
-              <a:ext uri="{FF2B5EF4-FFF2-40B4-BE49-F238E27FC236}">
-                <a16:creationId xmlns:a16="http://schemas.microsoft.com/office/drawing/2014/main" id="{BFE03827-588A-45BF-B1E9-39163C623496}"/>
+          <p:cNvPr id="4" name="Picture 3" descr="A screenshot of a cell phone&#10;&#10;Description automatically generated">
+            <a:extLst>
+              <a:ext uri="{FF2B5EF4-FFF2-40B4-BE49-F238E27FC236}">
+                <a16:creationId xmlns:a16="http://schemas.microsoft.com/office/drawing/2014/main" id="{618C7AA7-5284-41C5-806F-007221978570}"/>
               </a:ext>
             </a:extLst>
           </p:cNvPr>
@@ -4332,102 +3781,20 @@
         </p:blipFill>
         <p:spPr>
           <a:xfrm>
-            <a:off x="682163" y="2774659"/>
-            <a:ext cx="2678376" cy="3381918"/>
+            <a:off x="2515475" y="1442031"/>
+            <a:ext cx="7429500" cy="4762500"/>
           </a:xfrm>
           <a:prstGeom prst="rect">
             <a:avLst/>
           </a:prstGeom>
         </p:spPr>
       </p:pic>
-      <p:pic>
-        <p:nvPicPr>
-          <p:cNvPr id="7" name="Picture 6" descr="A screenshot of a cell phone&#10;&#10;Description automatically generated">
-            <a:extLst>
-              <a:ext uri="{FF2B5EF4-FFF2-40B4-BE49-F238E27FC236}">
-                <a16:creationId xmlns:a16="http://schemas.microsoft.com/office/drawing/2014/main" id="{77E6969B-AFC1-4833-A485-D7E140DCF59C}"/>
-              </a:ext>
-            </a:extLst>
-          </p:cNvPr>
-          <p:cNvPicPr>
-            <a:picLocks noChangeAspect="1"/>
-          </p:cNvPicPr>
-          <p:nvPr/>
-        </p:nvPicPr>
-        <p:blipFill>
-          <a:blip r:embed="rId3">
-            <a:extLst>
-              <a:ext uri="{28A0092B-C50C-407E-A947-70E740481C1C}">
-                <a14:useLocalDpi xmlns:a14="http://schemas.microsoft.com/office/drawing/2010/main" val="0"/>
-              </a:ext>
-            </a:extLst>
-          </a:blip>
-          <a:stretch>
-            <a:fillRect/>
-          </a:stretch>
-        </p:blipFill>
-        <p:spPr>
-          <a:xfrm>
-            <a:off x="4592515" y="2774659"/>
-            <a:ext cx="3122562" cy="3381918"/>
-          </a:xfrm>
-          <a:prstGeom prst="rect">
-            <a:avLst/>
-          </a:prstGeom>
-        </p:spPr>
-      </p:pic>
-      <p:sp>
-        <p:nvSpPr>
-          <p:cNvPr id="8" name="Arrow: Right 7">
-            <a:extLst>
-              <a:ext uri="{FF2B5EF4-FFF2-40B4-BE49-F238E27FC236}">
-                <a16:creationId xmlns:a16="http://schemas.microsoft.com/office/drawing/2014/main" id="{56AB2F5D-C29B-492E-9728-0E51C5D222F8}"/>
-              </a:ext>
-            </a:extLst>
-          </p:cNvPr>
-          <p:cNvSpPr/>
-          <p:nvPr/>
-        </p:nvSpPr>
-        <p:spPr>
-          <a:xfrm>
-            <a:off x="3076579" y="4146837"/>
-            <a:ext cx="1515935" cy="45719"/>
-          </a:xfrm>
-          <a:prstGeom prst="rightArrow">
-            <a:avLst/>
-          </a:prstGeom>
-        </p:spPr>
-        <p:style>
-          <a:lnRef idx="2">
-            <a:schemeClr val="accent1">
-              <a:shade val="50000"/>
-            </a:schemeClr>
-          </a:lnRef>
-          <a:fillRef idx="1">
-            <a:schemeClr val="accent1"/>
-          </a:fillRef>
-          <a:effectRef idx="0">
-            <a:schemeClr val="accent1"/>
-          </a:effectRef>
-          <a:fontRef idx="minor">
-            <a:schemeClr val="lt1"/>
-          </a:fontRef>
-        </p:style>
-        <p:txBody>
-          <a:bodyPr rtlCol="0" anchor="ctr"/>
-          <a:lstStyle/>
-          <a:p>
-            <a:pPr algn="ctr"/>
-            <a:endParaRPr lang="LID4096"/>
-          </a:p>
-        </p:txBody>
-      </p:sp>
-      <p:sp>
-        <p:nvSpPr>
-          <p:cNvPr id="9" name="TextBox 8">
-            <a:extLst>
-              <a:ext uri="{FF2B5EF4-FFF2-40B4-BE49-F238E27FC236}">
-                <a16:creationId xmlns:a16="http://schemas.microsoft.com/office/drawing/2014/main" id="{B8E2AC07-F796-4D8A-8231-0C346FCAE839}"/>
+      <p:sp>
+        <p:nvSpPr>
+          <p:cNvPr id="5" name="TextBox 4">
+            <a:extLst>
+              <a:ext uri="{FF2B5EF4-FFF2-40B4-BE49-F238E27FC236}">
+                <a16:creationId xmlns:a16="http://schemas.microsoft.com/office/drawing/2014/main" id="{44DEB319-2D1F-40B4-ABE3-FBBD2A09C22D}"/>
               </a:ext>
             </a:extLst>
           </p:cNvPr>
@@ -4436,8 +3803,8 @@
         </p:nvSpPr>
         <p:spPr>
           <a:xfrm>
-            <a:off x="2232097" y="1593894"/>
-            <a:ext cx="3738068" cy="646331"/>
+            <a:off x="4516518" y="427839"/>
+            <a:ext cx="3427413" cy="646331"/>
           </a:xfrm>
           <a:prstGeom prst="rect">
             <a:avLst/>
@@ -4445,285 +3812,23 @@
           <a:noFill/>
         </p:spPr>
         <p:txBody>
-          <a:bodyPr wrap="square" rtlCol="0">
-            <a:spAutoFit/>
-          </a:bodyPr>
-          <a:lstStyle/>
-          <a:p>
-            <a:r>
-              <a:rPr lang="en-US" sz="1200" dirty="0"/>
-              <a:t>Clicking a category item on the home screen – user is directed to the services page where the user can view services (product) offered in the selected category.</a:t>
-            </a:r>
-            <a:endParaRPr lang="en-IL" sz="1200" dirty="0"/>
-          </a:p>
-        </p:txBody>
-      </p:sp>
-      <p:sp>
-        <p:nvSpPr>
-          <p:cNvPr id="10" name="TextBox 9">
-            <a:extLst>
-              <a:ext uri="{FF2B5EF4-FFF2-40B4-BE49-F238E27FC236}">
-                <a16:creationId xmlns:a16="http://schemas.microsoft.com/office/drawing/2014/main" id="{FCA03A1C-F0EF-4948-9D3C-00FB0AC538DE}"/>
-              </a:ext>
-            </a:extLst>
-          </p:cNvPr>
-          <p:cNvSpPr txBox="1"/>
-          <p:nvPr/>
-        </p:nvSpPr>
-        <p:spPr>
-          <a:xfrm>
-            <a:off x="321308" y="264718"/>
-            <a:ext cx="10791825" cy="830997"/>
-          </a:xfrm>
-          <a:prstGeom prst="rect">
-            <a:avLst/>
-          </a:prstGeom>
-          <a:noFill/>
-        </p:spPr>
-        <p:txBody>
-          <a:bodyPr wrap="square" rtlCol="0">
-            <a:spAutoFit/>
-          </a:bodyPr>
-          <a:lstStyle/>
-          <a:p>
-            <a:r>
-              <a:rPr lang="en-US" sz="4800" b="1" dirty="0"/>
-              <a:t>Main Flows</a:t>
-            </a:r>
-            <a:endParaRPr lang="en-IL" sz="4800" b="1" dirty="0"/>
-          </a:p>
-        </p:txBody>
-      </p:sp>
-      <p:pic>
-        <p:nvPicPr>
-          <p:cNvPr id="12" name="Picture 11" descr="A screenshot of a cell phone&#10;&#10;Description automatically generated">
-            <a:extLst>
-              <a:ext uri="{FF2B5EF4-FFF2-40B4-BE49-F238E27FC236}">
-                <a16:creationId xmlns:a16="http://schemas.microsoft.com/office/drawing/2014/main" id="{80D07891-CA17-4E9B-BB08-C34CFC2EADF1}"/>
-              </a:ext>
-            </a:extLst>
-          </p:cNvPr>
-          <p:cNvPicPr>
-            <a:picLocks noChangeAspect="1"/>
-          </p:cNvPicPr>
-          <p:nvPr/>
-        </p:nvPicPr>
-        <p:blipFill>
-          <a:blip r:embed="rId4">
-            <a:extLst>
-              <a:ext uri="{28A0092B-C50C-407E-A947-70E740481C1C}">
-                <a14:useLocalDpi xmlns:a14="http://schemas.microsoft.com/office/drawing/2010/main" val="0"/>
-              </a:ext>
-            </a:extLst>
-          </a:blip>
-          <a:stretch>
-            <a:fillRect/>
-          </a:stretch>
-        </p:blipFill>
-        <p:spPr>
-          <a:xfrm>
-            <a:off x="8947053" y="2774659"/>
-            <a:ext cx="2401540" cy="3381918"/>
-          </a:xfrm>
-          <a:prstGeom prst="rect">
-            <a:avLst/>
-          </a:prstGeom>
-        </p:spPr>
-      </p:pic>
-      <p:sp>
-        <p:nvSpPr>
-          <p:cNvPr id="13" name="Arrow: Right 12">
-            <a:extLst>
-              <a:ext uri="{FF2B5EF4-FFF2-40B4-BE49-F238E27FC236}">
-                <a16:creationId xmlns:a16="http://schemas.microsoft.com/office/drawing/2014/main" id="{B0A8AF32-E07E-409E-A22C-517B17F70F23}"/>
-              </a:ext>
-            </a:extLst>
-          </p:cNvPr>
-          <p:cNvSpPr/>
-          <p:nvPr/>
-        </p:nvSpPr>
-        <p:spPr>
-          <a:xfrm>
-            <a:off x="7271637" y="4186107"/>
-            <a:ext cx="2090908" cy="64438"/>
-          </a:xfrm>
-          <a:prstGeom prst="rightArrow">
-            <a:avLst/>
-          </a:prstGeom>
-        </p:spPr>
-        <p:style>
-          <a:lnRef idx="2">
-            <a:schemeClr val="accent1">
-              <a:shade val="50000"/>
-            </a:schemeClr>
-          </a:lnRef>
-          <a:fillRef idx="1">
-            <a:schemeClr val="accent1"/>
-          </a:fillRef>
-          <a:effectRef idx="0">
-            <a:schemeClr val="accent1"/>
-          </a:effectRef>
-          <a:fontRef idx="minor">
-            <a:schemeClr val="lt1"/>
-          </a:fontRef>
-        </p:style>
-        <p:txBody>
-          <a:bodyPr rtlCol="0" anchor="ctr"/>
-          <a:lstStyle/>
-          <a:p>
-            <a:pPr algn="ctr"/>
-            <a:endParaRPr lang="LID4096"/>
-          </a:p>
-        </p:txBody>
-      </p:sp>
-      <p:sp>
-        <p:nvSpPr>
-          <p:cNvPr id="14" name="TextBox 13">
-            <a:extLst>
-              <a:ext uri="{FF2B5EF4-FFF2-40B4-BE49-F238E27FC236}">
-                <a16:creationId xmlns:a16="http://schemas.microsoft.com/office/drawing/2014/main" id="{11A2955C-E6AD-45C7-8A50-367CBBE7483A}"/>
-              </a:ext>
-            </a:extLst>
-          </p:cNvPr>
-          <p:cNvSpPr txBox="1"/>
-          <p:nvPr/>
-        </p:nvSpPr>
-        <p:spPr>
-          <a:xfrm>
-            <a:off x="7078259" y="1626494"/>
-            <a:ext cx="3738068" cy="461665"/>
-          </a:xfrm>
-          <a:prstGeom prst="rect">
-            <a:avLst/>
-          </a:prstGeom>
-          <a:noFill/>
-        </p:spPr>
-        <p:txBody>
-          <a:bodyPr wrap="square" rtlCol="0">
-            <a:spAutoFit/>
-          </a:bodyPr>
-          <a:lstStyle/>
-          <a:p>
-            <a:r>
-              <a:rPr lang="en-US" sz="1200" dirty="0"/>
-              <a:t>Clicking a service item on the category screen – user is directed to a single service (product) offered by a seller.</a:t>
-            </a:r>
-            <a:endParaRPr lang="en-IL" sz="1200" dirty="0"/>
-          </a:p>
-        </p:txBody>
-      </p:sp>
-      <p:sp>
-        <p:nvSpPr>
-          <p:cNvPr id="15" name="TextBox 14">
-            <a:extLst>
-              <a:ext uri="{FF2B5EF4-FFF2-40B4-BE49-F238E27FC236}">
-                <a16:creationId xmlns:a16="http://schemas.microsoft.com/office/drawing/2014/main" id="{A6A1DDA9-1E84-4A2A-89E1-CDB3D7F11D48}"/>
-              </a:ext>
-            </a:extLst>
-          </p:cNvPr>
-          <p:cNvSpPr txBox="1"/>
-          <p:nvPr/>
-        </p:nvSpPr>
-        <p:spPr>
-          <a:xfrm>
-            <a:off x="1501629" y="2369072"/>
-            <a:ext cx="1258358" cy="369332"/>
-          </a:xfrm>
-          <a:prstGeom prst="rect">
-            <a:avLst/>
-          </a:prstGeom>
-          <a:noFill/>
-        </p:spPr>
-        <p:txBody>
           <a:bodyPr wrap="none" rtlCol="0">
             <a:spAutoFit/>
           </a:bodyPr>
           <a:lstStyle/>
           <a:p>
             <a:r>
-              <a:rPr lang="en-US" dirty="0"/>
-              <a:t>Home page</a:t>
-            </a:r>
-            <a:endParaRPr lang="LID4096" dirty="0"/>
-          </a:p>
-        </p:txBody>
-      </p:sp>
-      <p:sp>
-        <p:nvSpPr>
-          <p:cNvPr id="16" name="TextBox 15">
-            <a:extLst>
-              <a:ext uri="{FF2B5EF4-FFF2-40B4-BE49-F238E27FC236}">
-                <a16:creationId xmlns:a16="http://schemas.microsoft.com/office/drawing/2014/main" id="{2E8F84E9-AE73-4040-A0C5-E64FE7E695A3}"/>
-              </a:ext>
-            </a:extLst>
-          </p:cNvPr>
-          <p:cNvSpPr txBox="1"/>
-          <p:nvPr/>
-        </p:nvSpPr>
-        <p:spPr>
-          <a:xfrm>
-            <a:off x="5466821" y="2375256"/>
-            <a:ext cx="1681742" cy="369332"/>
-          </a:xfrm>
-          <a:prstGeom prst="rect">
-            <a:avLst/>
-          </a:prstGeom>
-          <a:noFill/>
-        </p:spPr>
-        <p:txBody>
-          <a:bodyPr wrap="none" rtlCol="0">
-            <a:spAutoFit/>
-          </a:bodyPr>
-          <a:lstStyle/>
-          <a:p>
-            <a:r>
-              <a:rPr lang="en-US" dirty="0"/>
-              <a:t>Categories page</a:t>
-            </a:r>
-            <a:endParaRPr lang="LID4096" dirty="0"/>
-          </a:p>
-        </p:txBody>
-      </p:sp>
-      <p:sp>
-        <p:nvSpPr>
-          <p:cNvPr id="17" name="TextBox 16">
-            <a:extLst>
-              <a:ext uri="{FF2B5EF4-FFF2-40B4-BE49-F238E27FC236}">
-                <a16:creationId xmlns:a16="http://schemas.microsoft.com/office/drawing/2014/main" id="{4D1FE5F9-D70F-41BD-92F0-A4CE232ABB9E}"/>
-              </a:ext>
-            </a:extLst>
-          </p:cNvPr>
-          <p:cNvSpPr txBox="1"/>
-          <p:nvPr/>
-        </p:nvSpPr>
-        <p:spPr>
-          <a:xfrm>
-            <a:off x="8947053" y="2369072"/>
-            <a:ext cx="2298706" cy="369332"/>
-          </a:xfrm>
-          <a:prstGeom prst="rect">
-            <a:avLst/>
-          </a:prstGeom>
-          <a:noFill/>
-        </p:spPr>
-        <p:txBody>
-          <a:bodyPr wrap="none" rtlCol="0">
-            <a:spAutoFit/>
-          </a:bodyPr>
-          <a:lstStyle/>
-          <a:p>
-            <a:r>
-              <a:rPr lang="en-US" dirty="0"/>
-              <a:t>Service (product) page</a:t>
-            </a:r>
-            <a:endParaRPr lang="LID4096" dirty="0"/>
+              <a:rPr lang="en-US" sz="3600" dirty="0"/>
+              <a:t>Campaign Details</a:t>
+            </a:r>
+            <a:endParaRPr lang="LID4096" sz="3600" dirty="0"/>
           </a:p>
         </p:txBody>
       </p:sp>
     </p:spTree>
     <p:extLst>
       <p:ext uri="{BB962C8B-B14F-4D97-AF65-F5344CB8AC3E}">
-        <p14:creationId xmlns:p14="http://schemas.microsoft.com/office/powerpoint/2010/main" val="43152336"/>
+        <p14:creationId xmlns:p14="http://schemas.microsoft.com/office/powerpoint/2010/main" val="3333028897"/>
       </p:ext>
     </p:extLst>
   </p:cSld>
@@ -4733,7 +3838,7 @@
 </p:sld>
 </file>
 
-<file path=ppt/slides/slide5.xml><?xml version="1.0" encoding="utf-8"?>
+<file path=ppt/slides/slide13.xml><?xml version="1.0" encoding="utf-8"?>
 <p:sld xmlns:a="http://schemas.openxmlformats.org/drawingml/2006/main" xmlns:r="http://schemas.openxmlformats.org/officeDocument/2006/relationships" xmlns:p="http://schemas.openxmlformats.org/presentationml/2006/main">
   <p:cSld>
     <p:spTree>
@@ -4750,103 +3855,62 @@
           <a:chExt cx="0" cy="0"/>
         </a:xfrm>
       </p:grpSpPr>
-      <p:pic>
-        <p:nvPicPr>
-          <p:cNvPr id="6" name="Picture 5" descr="A screenshot of a cell phone&#10;&#10;Description automatically generated">
-            <a:extLst>
-              <a:ext uri="{FF2B5EF4-FFF2-40B4-BE49-F238E27FC236}">
-                <a16:creationId xmlns:a16="http://schemas.microsoft.com/office/drawing/2014/main" id="{EA8E3494-2DFC-4627-BF80-1C5C2054A8BE}"/>
-              </a:ext>
-            </a:extLst>
-          </p:cNvPr>
-          <p:cNvPicPr>
-            <a:picLocks noChangeAspect="1"/>
-          </p:cNvPicPr>
+      <p:sp>
+        <p:nvSpPr>
+          <p:cNvPr id="4" name="TextBox 3">
+            <a:extLst>
+              <a:ext uri="{FF2B5EF4-FFF2-40B4-BE49-F238E27FC236}">
+                <a16:creationId xmlns:a16="http://schemas.microsoft.com/office/drawing/2014/main" id="{ECCD89D4-B96F-4D57-99E1-85D53B52F356}"/>
+              </a:ext>
+            </a:extLst>
+          </p:cNvPr>
+          <p:cNvSpPr txBox="1"/>
           <p:nvPr/>
-        </p:nvPicPr>
-        <p:blipFill>
-          <a:blip r:embed="rId2">
-            <a:extLst>
-              <a:ext uri="{28A0092B-C50C-407E-A947-70E740481C1C}">
-                <a14:useLocalDpi xmlns:a14="http://schemas.microsoft.com/office/drawing/2010/main" val="0"/>
-              </a:ext>
-            </a:extLst>
-          </a:blip>
-          <a:stretch>
-            <a:fillRect/>
-          </a:stretch>
-        </p:blipFill>
+        </p:nvSpPr>
         <p:spPr>
           <a:xfrm>
-            <a:off x="552450" y="879095"/>
-            <a:ext cx="3114604" cy="4386075"/>
+            <a:off x="638175" y="409575"/>
+            <a:ext cx="10791825" cy="830997"/>
           </a:xfrm>
           <a:prstGeom prst="rect">
             <a:avLst/>
           </a:prstGeom>
-        </p:spPr>
-      </p:pic>
-      <p:pic>
-        <p:nvPicPr>
-          <p:cNvPr id="10" name="Picture 9" descr="A screenshot of a cell phone&#10;&#10;Description automatically generated">
-            <a:extLst>
-              <a:ext uri="{FF2B5EF4-FFF2-40B4-BE49-F238E27FC236}">
-                <a16:creationId xmlns:a16="http://schemas.microsoft.com/office/drawing/2014/main" id="{4B64A8B3-6516-48E2-9633-116A9E9FDD8B}"/>
-              </a:ext>
-            </a:extLst>
-          </p:cNvPr>
-          <p:cNvPicPr>
-            <a:picLocks noChangeAspect="1"/>
-          </p:cNvPicPr>
-          <p:nvPr/>
-        </p:nvPicPr>
-        <p:blipFill>
-          <a:blip r:embed="rId3">
-            <a:extLst>
-              <a:ext uri="{28A0092B-C50C-407E-A947-70E740481C1C}">
-                <a14:useLocalDpi xmlns:a14="http://schemas.microsoft.com/office/drawing/2010/main" val="0"/>
-              </a:ext>
-            </a:extLst>
-          </a:blip>
-          <a:stretch>
-            <a:fillRect/>
-          </a:stretch>
-        </p:blipFill>
-        <p:spPr>
-          <a:xfrm>
-            <a:off x="6615563" y="759032"/>
-            <a:ext cx="5266046" cy="3094714"/>
-          </a:xfrm>
-          <a:prstGeom prst="rect">
-            <a:avLst/>
-          </a:prstGeom>
-        </p:spPr>
-      </p:pic>
+          <a:noFill/>
+        </p:spPr>
+        <p:txBody>
+          <a:bodyPr wrap="square" rtlCol="0">
+            <a:spAutoFit/>
+          </a:bodyPr>
+          <a:lstStyle/>
+          <a:p>
+            <a:r>
+              <a:rPr lang="en-US" sz="4800" b="1" dirty="0"/>
+              <a:t>Special Functionality for Demo</a:t>
+            </a:r>
+            <a:endParaRPr lang="en-IL" sz="4800" b="1" dirty="0"/>
+          </a:p>
+        </p:txBody>
+      </p:sp>
       <p:cxnSp>
         <p:nvCxnSpPr>
-          <p:cNvPr id="12" name="Straight Arrow Connector 11">
-            <a:extLst>
-              <a:ext uri="{FF2B5EF4-FFF2-40B4-BE49-F238E27FC236}">
-                <a16:creationId xmlns:a16="http://schemas.microsoft.com/office/drawing/2014/main" id="{2D693D9C-7CBD-46B6-934E-4714C5D9C404}"/>
-              </a:ext>
-            </a:extLst>
-          </p:cNvPr>
-          <p:cNvCxnSpPr>
-            <a:cxnSpLocks/>
-          </p:cNvCxnSpPr>
+          <p:cNvPr id="5" name="Straight Connector 4">
+            <a:extLst>
+              <a:ext uri="{FF2B5EF4-FFF2-40B4-BE49-F238E27FC236}">
+                <a16:creationId xmlns:a16="http://schemas.microsoft.com/office/drawing/2014/main" id="{746AD933-D3BC-40F9-A0FC-DD990AD1CA8E}"/>
+              </a:ext>
+            </a:extLst>
+          </p:cNvPr>
+          <p:cNvCxnSpPr/>
           <p:nvPr/>
         </p:nvCxnSpPr>
         <p:spPr>
-          <a:xfrm flipV="1">
-            <a:off x="3119385" y="3139245"/>
-            <a:ext cx="3496178" cy="1"/>
-          </a:xfrm>
-          <a:prstGeom prst="straightConnector1">
+          <a:xfrm>
+            <a:off x="638174" y="1228725"/>
+            <a:ext cx="10791825" cy="0"/>
+          </a:xfrm>
+          <a:prstGeom prst="line">
             <a:avLst/>
           </a:prstGeom>
-          <a:ln w="38100">
-            <a:tailEnd type="triangle"/>
-          </a:ln>
         </p:spPr>
         <p:style>
           <a:lnRef idx="1">
@@ -4865,10 +3929,10 @@
       </p:cxnSp>
       <p:sp>
         <p:nvSpPr>
-          <p:cNvPr id="14" name="TextBox 13">
-            <a:extLst>
-              <a:ext uri="{FF2B5EF4-FFF2-40B4-BE49-F238E27FC236}">
-                <a16:creationId xmlns:a16="http://schemas.microsoft.com/office/drawing/2014/main" id="{EA4E827C-22FF-4CF6-98F8-581ABD3316FF}"/>
+          <p:cNvPr id="6" name="TextBox 5">
+            <a:extLst>
+              <a:ext uri="{FF2B5EF4-FFF2-40B4-BE49-F238E27FC236}">
+                <a16:creationId xmlns:a16="http://schemas.microsoft.com/office/drawing/2014/main" id="{A994E0EC-8240-401F-A27B-E217F931CD4F}"/>
               </a:ext>
             </a:extLst>
           </p:cNvPr>
@@ -4877,8 +3941,8 @@
         </p:nvSpPr>
         <p:spPr>
           <a:xfrm>
-            <a:off x="4305297" y="2702800"/>
-            <a:ext cx="1333849" cy="369332"/>
+            <a:off x="638174" y="1397000"/>
+            <a:ext cx="10791825" cy="707886"/>
           </a:xfrm>
           <a:prstGeom prst="rect">
             <a:avLst/>
@@ -4892,238 +3956,22 @@
           <a:lstStyle/>
           <a:p>
             <a:r>
-              <a:rPr lang="en-US" dirty="0"/>
-              <a:t>If signed in</a:t>
-            </a:r>
-            <a:endParaRPr lang="LID4096" dirty="0"/>
-          </a:p>
-        </p:txBody>
-      </p:sp>
-      <p:pic>
-        <p:nvPicPr>
-          <p:cNvPr id="17" name="Picture 16" descr="A screenshot of a cell phone&#10;&#10;Description automatically generated">
-            <a:extLst>
-              <a:ext uri="{FF2B5EF4-FFF2-40B4-BE49-F238E27FC236}">
-                <a16:creationId xmlns:a16="http://schemas.microsoft.com/office/drawing/2014/main" id="{67B5007F-4478-4B4F-8F57-1CBABAC1CD96}"/>
-              </a:ext>
-            </a:extLst>
-          </p:cNvPr>
-          <p:cNvPicPr>
-            <a:picLocks noChangeAspect="1"/>
-          </p:cNvPicPr>
-          <p:nvPr/>
-        </p:nvPicPr>
-        <p:blipFill>
-          <a:blip r:embed="rId4">
-            <a:extLst>
-              <a:ext uri="{28A0092B-C50C-407E-A947-70E740481C1C}">
-                <a14:useLocalDpi xmlns:a14="http://schemas.microsoft.com/office/drawing/2010/main" val="0"/>
-              </a:ext>
-            </a:extLst>
-          </a:blip>
-          <a:stretch>
-            <a:fillRect/>
-          </a:stretch>
-        </p:blipFill>
-        <p:spPr>
-          <a:xfrm>
-            <a:off x="6206631" y="4233325"/>
-            <a:ext cx="3445204" cy="2332138"/>
-          </a:xfrm>
-          <a:prstGeom prst="rect">
-            <a:avLst/>
-          </a:prstGeom>
-        </p:spPr>
-      </p:pic>
-      <p:sp>
-        <p:nvSpPr>
-          <p:cNvPr id="18" name="TextBox 17">
-            <a:extLst>
-              <a:ext uri="{FF2B5EF4-FFF2-40B4-BE49-F238E27FC236}">
-                <a16:creationId xmlns:a16="http://schemas.microsoft.com/office/drawing/2014/main" id="{F5851FD6-5427-4E32-8D96-2B266500F70E}"/>
-              </a:ext>
-            </a:extLst>
-          </p:cNvPr>
-          <p:cNvSpPr txBox="1"/>
-          <p:nvPr/>
-        </p:nvSpPr>
-        <p:spPr>
-          <a:xfrm>
-            <a:off x="455532" y="137080"/>
-            <a:ext cx="10791825" cy="553998"/>
-          </a:xfrm>
-          <a:prstGeom prst="rect">
-            <a:avLst/>
-          </a:prstGeom>
-          <a:noFill/>
-        </p:spPr>
-        <p:txBody>
-          <a:bodyPr wrap="square" rtlCol="0">
-            <a:spAutoFit/>
-          </a:bodyPr>
-          <a:lstStyle/>
-          <a:p>
-            <a:r>
-              <a:rPr lang="en-US" sz="3000" b="1" dirty="0"/>
-              <a:t>Main Flows</a:t>
-            </a:r>
-            <a:endParaRPr lang="en-IL" sz="3000" b="1" dirty="0"/>
-          </a:p>
-        </p:txBody>
-      </p:sp>
-      <p:cxnSp>
-        <p:nvCxnSpPr>
-          <p:cNvPr id="21" name="Straight Arrow Connector 20">
-            <a:extLst>
-              <a:ext uri="{FF2B5EF4-FFF2-40B4-BE49-F238E27FC236}">
-                <a16:creationId xmlns:a16="http://schemas.microsoft.com/office/drawing/2014/main" id="{E70FE727-BB40-4FFC-967B-11352D1C7042}"/>
-              </a:ext>
-            </a:extLst>
-          </p:cNvPr>
-          <p:cNvCxnSpPr>
-            <a:cxnSpLocks/>
-          </p:cNvCxnSpPr>
-          <p:nvPr/>
-        </p:nvCxnSpPr>
-        <p:spPr>
-          <a:xfrm>
-            <a:off x="4689446" y="3139244"/>
-            <a:ext cx="1517185" cy="1798336"/>
-          </a:xfrm>
-          <a:prstGeom prst="straightConnector1">
-            <a:avLst/>
-          </a:prstGeom>
-          <a:ln w="38100">
-            <a:tailEnd type="triangle"/>
-          </a:ln>
-        </p:spPr>
-        <p:style>
-          <a:lnRef idx="1">
-            <a:schemeClr val="accent1"/>
-          </a:lnRef>
-          <a:fillRef idx="0">
-            <a:schemeClr val="accent1"/>
-          </a:fillRef>
-          <a:effectRef idx="0">
-            <a:schemeClr val="accent1"/>
-          </a:effectRef>
-          <a:fontRef idx="minor">
-            <a:schemeClr val="tx1"/>
-          </a:fontRef>
-        </p:style>
-      </p:cxnSp>
-      <p:sp>
-        <p:nvSpPr>
-          <p:cNvPr id="24" name="TextBox 23">
-            <a:extLst>
-              <a:ext uri="{FF2B5EF4-FFF2-40B4-BE49-F238E27FC236}">
-                <a16:creationId xmlns:a16="http://schemas.microsoft.com/office/drawing/2014/main" id="{B6BD3CFC-52C4-4272-84A2-531AF595D94E}"/>
-              </a:ext>
-            </a:extLst>
-          </p:cNvPr>
-          <p:cNvSpPr txBox="1"/>
-          <p:nvPr/>
-        </p:nvSpPr>
-        <p:spPr>
-          <a:xfrm>
-            <a:off x="4872782" y="3853746"/>
-            <a:ext cx="1333849" cy="369332"/>
-          </a:xfrm>
-          <a:prstGeom prst="rect">
-            <a:avLst/>
-          </a:prstGeom>
-          <a:noFill/>
-        </p:spPr>
-        <p:txBody>
-          <a:bodyPr wrap="square" rtlCol="0">
-            <a:spAutoFit/>
-          </a:bodyPr>
-          <a:lstStyle/>
-          <a:p>
-            <a:r>
-              <a:rPr lang="en-US" dirty="0"/>
-              <a:t>else</a:t>
-            </a:r>
-            <a:endParaRPr lang="LID4096" dirty="0"/>
-          </a:p>
-        </p:txBody>
-      </p:sp>
-      <p:sp>
-        <p:nvSpPr>
-          <p:cNvPr id="25" name="TextBox 24">
-            <a:extLst>
-              <a:ext uri="{FF2B5EF4-FFF2-40B4-BE49-F238E27FC236}">
-                <a16:creationId xmlns:a16="http://schemas.microsoft.com/office/drawing/2014/main" id="{A9813BE7-DCDE-411F-AEF8-0FD2E9050CAC}"/>
-              </a:ext>
-            </a:extLst>
-          </p:cNvPr>
-          <p:cNvSpPr txBox="1"/>
-          <p:nvPr/>
-        </p:nvSpPr>
-        <p:spPr>
-          <a:xfrm>
-            <a:off x="4189581" y="1061751"/>
-            <a:ext cx="1565279" cy="1384995"/>
-          </a:xfrm>
-          <a:prstGeom prst="rect">
-            <a:avLst/>
-          </a:prstGeom>
-          <a:noFill/>
-        </p:spPr>
-        <p:txBody>
-          <a:bodyPr wrap="square" rtlCol="0">
-            <a:spAutoFit/>
-          </a:bodyPr>
-          <a:lstStyle/>
-          <a:p>
-            <a:r>
-              <a:rPr lang="en-US" sz="1400" dirty="0"/>
-              <a:t>The user clicks the “order service” button, if he is signed in, the app will redirect to the checkout page.</a:t>
-            </a:r>
-            <a:endParaRPr lang="LID4096" sz="1400" dirty="0"/>
-          </a:p>
-        </p:txBody>
-      </p:sp>
-      <p:sp>
-        <p:nvSpPr>
-          <p:cNvPr id="27" name="TextBox 26">
-            <a:extLst>
-              <a:ext uri="{FF2B5EF4-FFF2-40B4-BE49-F238E27FC236}">
-                <a16:creationId xmlns:a16="http://schemas.microsoft.com/office/drawing/2014/main" id="{176271AF-34F5-47E5-B739-0AA444DCA353}"/>
-              </a:ext>
-            </a:extLst>
-          </p:cNvPr>
-          <p:cNvSpPr txBox="1"/>
-          <p:nvPr/>
-        </p:nvSpPr>
-        <p:spPr>
-          <a:xfrm>
-            <a:off x="4201553" y="4498238"/>
-            <a:ext cx="1565279" cy="954107"/>
-          </a:xfrm>
-          <a:prstGeom prst="rect">
-            <a:avLst/>
-          </a:prstGeom>
-          <a:noFill/>
-        </p:spPr>
-        <p:txBody>
-          <a:bodyPr wrap="square" rtlCol="0">
-            <a:spAutoFit/>
-          </a:bodyPr>
-          <a:lstStyle/>
-          <a:p>
-            <a:r>
-              <a:rPr lang="en-US" sz="1400" dirty="0"/>
-              <a:t>If the user is not signed in, the app will redirect to the login/signup page.</a:t>
-            </a:r>
-            <a:endParaRPr lang="LID4096" sz="1400" dirty="0"/>
+              <a:rPr lang="en-US" sz="2000" dirty="0"/>
+              <a:t>Guest mode auto</a:t>
+            </a:r>
+          </a:p>
+          <a:p>
+            <a:r>
+              <a:rPr lang="en-US" sz="2000" dirty="0"/>
+              <a:t>  </a:t>
+            </a:r>
           </a:p>
         </p:txBody>
       </p:sp>
     </p:spTree>
     <p:extLst>
       <p:ext uri="{BB962C8B-B14F-4D97-AF65-F5344CB8AC3E}">
-        <p14:creationId xmlns:p14="http://schemas.microsoft.com/office/powerpoint/2010/main" val="3047090855"/>
+        <p14:creationId xmlns:p14="http://schemas.microsoft.com/office/powerpoint/2010/main" val="3652194991"/>
       </p:ext>
     </p:extLst>
   </p:cSld>
@@ -5133,7 +3981,7 @@
 </p:sld>
 </file>
 
-<file path=ppt/slides/slide6.xml><?xml version="1.0" encoding="utf-8"?>
+<file path=ppt/slides/slide14.xml><?xml version="1.0" encoding="utf-8"?>
 <p:sld xmlns:a="http://schemas.openxmlformats.org/drawingml/2006/main" xmlns:r="http://schemas.openxmlformats.org/officeDocument/2006/relationships" xmlns:p="http://schemas.openxmlformats.org/presentationml/2006/main">
   <p:cSld>
     <p:bg>
@@ -5160,7 +4008,1734 @@
       </p:grpSpPr>
       <p:sp>
         <p:nvSpPr>
-          <p:cNvPr id="10" name="Rectangle 9">
+          <p:cNvPr id="43" name="Freeform 5">
+            <a:extLst>
+              <a:ext uri="{FF2B5EF4-FFF2-40B4-BE49-F238E27FC236}">
+                <a16:creationId xmlns:a16="http://schemas.microsoft.com/office/drawing/2014/main" id="{07322A9E-F1EC-405E-8971-BA906EFFCCB8}"/>
+              </a:ext>
+              <a:ext uri="{C183D7F6-B498-43B3-948B-1728B52AA6E4}">
+                <adec:decorative xmlns:adec="http://schemas.microsoft.com/office/drawing/2017/decorative" val="1"/>
+              </a:ext>
+            </a:extLst>
+          </p:cNvPr>
+          <p:cNvSpPr>
+            <a:spLocks noGrp="1" noRot="1" noChangeAspect="1" noMove="1" noResize="1" noEditPoints="1" noAdjustHandles="1" noChangeArrowheads="1" noChangeShapeType="1" noTextEdit="1"/>
+          </p:cNvSpPr>
+          <p:nvPr>
+            <p:extLst>
+              <p:ext uri="{386F3935-93C4-4BCD-93E2-E3B085C9AB24}">
+                <p16:designElem xmlns:p16="http://schemas.microsoft.com/office/powerpoint/2015/main" val="1"/>
+              </p:ext>
+            </p:extLst>
+          </p:nvPr>
+        </p:nvSpPr>
+        <p:spPr bwMode="auto">
+          <a:xfrm>
+            <a:off x="-329674" y="1290909"/>
+            <a:ext cx="9702800" cy="5573512"/>
+          </a:xfrm>
+          <a:custGeom>
+            <a:avLst/>
+            <a:gdLst>
+              <a:gd name="T0" fmla="*/ 1752 w 2038"/>
+              <a:gd name="T1" fmla="*/ 1169 h 1169"/>
+              <a:gd name="T2" fmla="*/ 1487 w 2038"/>
+              <a:gd name="T3" fmla="*/ 334 h 1169"/>
+              <a:gd name="T4" fmla="*/ 860 w 2038"/>
+              <a:gd name="T5" fmla="*/ 22 h 1169"/>
+              <a:gd name="T6" fmla="*/ 199 w 2038"/>
+              <a:gd name="T7" fmla="*/ 318 h 1169"/>
+              <a:gd name="T8" fmla="*/ 399 w 2038"/>
+              <a:gd name="T9" fmla="*/ 1165 h 1169"/>
+            </a:gdLst>
+            <a:ahLst/>
+            <a:cxnLst>
+              <a:cxn ang="0">
+                <a:pos x="T0" y="T1"/>
+              </a:cxn>
+              <a:cxn ang="0">
+                <a:pos x="T2" y="T3"/>
+              </a:cxn>
+              <a:cxn ang="0">
+                <a:pos x="T4" y="T5"/>
+              </a:cxn>
+              <a:cxn ang="0">
+                <a:pos x="T6" y="T7"/>
+              </a:cxn>
+              <a:cxn ang="0">
+                <a:pos x="T8" y="T9"/>
+              </a:cxn>
+            </a:cxnLst>
+            <a:rect l="0" t="0" r="r" b="b"/>
+            <a:pathLst>
+              <a:path w="2038" h="1169">
+                <a:moveTo>
+                  <a:pt x="1752" y="1169"/>
+                </a:moveTo>
+                <a:cubicBezTo>
+                  <a:pt x="2038" y="928"/>
+                  <a:pt x="1673" y="513"/>
+                  <a:pt x="1487" y="334"/>
+                </a:cubicBezTo>
+                <a:cubicBezTo>
+                  <a:pt x="1316" y="170"/>
+                  <a:pt x="1099" y="43"/>
+                  <a:pt x="860" y="22"/>
+                </a:cubicBezTo>
+                <a:cubicBezTo>
+                  <a:pt x="621" y="0"/>
+                  <a:pt x="341" y="128"/>
+                  <a:pt x="199" y="318"/>
+                </a:cubicBezTo>
+                <a:cubicBezTo>
+                  <a:pt x="0" y="586"/>
+                  <a:pt x="184" y="965"/>
+                  <a:pt x="399" y="1165"/>
+                </a:cubicBezTo>
+              </a:path>
+            </a:pathLst>
+          </a:custGeom>
+          <a:noFill/>
+          <a:ln w="9525" cap="flat">
+            <a:solidFill>
+              <a:schemeClr val="tx1">
+                <a:alpha val="20000"/>
+              </a:schemeClr>
+            </a:solidFill>
+            <a:prstDash val="solid"/>
+            <a:miter lim="800000"/>
+            <a:headEnd/>
+            <a:tailEnd/>
+          </a:ln>
+          <a:extLst>
+            <a:ext uri="{909E8E84-426E-40DD-AFC4-6F175D3DCCD1}">
+              <a14:hiddenFill xmlns:a14="http://schemas.microsoft.com/office/drawing/2010/main">
+                <a:solidFill>
+                  <a:srgbClr val="FFFFFF"/>
+                </a:solidFill>
+              </a14:hiddenFill>
+            </a:ext>
+          </a:extLst>
+        </p:spPr>
+        <p:txBody>
+          <a:bodyPr vert="horz" wrap="square" lIns="91440" tIns="45720" rIns="91440" bIns="45720" numCol="1" anchor="t" anchorCtr="0" compatLnSpc="1">
+            <a:prstTxWarp prst="textNoShape">
+              <a:avLst/>
+            </a:prstTxWarp>
+          </a:bodyPr>
+          <a:lstStyle/>
+          <a:p>
+            <a:endParaRPr lang="en-US"/>
+          </a:p>
+        </p:txBody>
+      </p:sp>
+      <p:sp>
+        <p:nvSpPr>
+          <p:cNvPr id="45" name="Freeform 6">
+            <a:extLst>
+              <a:ext uri="{FF2B5EF4-FFF2-40B4-BE49-F238E27FC236}">
+                <a16:creationId xmlns:a16="http://schemas.microsoft.com/office/drawing/2014/main" id="{A5704422-1118-4FD1-95AD-29A064EB80D9}"/>
+              </a:ext>
+              <a:ext uri="{C183D7F6-B498-43B3-948B-1728B52AA6E4}">
+                <adec:decorative xmlns:adec="http://schemas.microsoft.com/office/drawing/2017/decorative" val="1"/>
+              </a:ext>
+            </a:extLst>
+          </p:cNvPr>
+          <p:cNvSpPr>
+            <a:spLocks noGrp="1" noRot="1" noChangeAspect="1" noMove="1" noResize="1" noEditPoints="1" noAdjustHandles="1" noChangeArrowheads="1" noChangeShapeType="1" noTextEdit="1"/>
+          </p:cNvSpPr>
+          <p:nvPr>
+            <p:extLst>
+              <p:ext uri="{386F3935-93C4-4BCD-93E2-E3B085C9AB24}">
+                <p16:designElem xmlns:p16="http://schemas.microsoft.com/office/powerpoint/2015/main" val="1"/>
+              </p:ext>
+            </p:extLst>
+          </p:nvPr>
+        </p:nvSpPr>
+        <p:spPr bwMode="auto">
+          <a:xfrm>
+            <a:off x="670451" y="2010741"/>
+            <a:ext cx="7373938" cy="4848892"/>
+          </a:xfrm>
+          <a:custGeom>
+            <a:avLst/>
+            <a:gdLst>
+              <a:gd name="T0" fmla="*/ 1025 w 1549"/>
+              <a:gd name="T1" fmla="*/ 1016 h 1017"/>
+              <a:gd name="T2" fmla="*/ 1443 w 1549"/>
+              <a:gd name="T3" fmla="*/ 592 h 1017"/>
+              <a:gd name="T4" fmla="*/ 782 w 1549"/>
+              <a:gd name="T5" fmla="*/ 53 h 1017"/>
+              <a:gd name="T6" fmla="*/ 150 w 1549"/>
+              <a:gd name="T7" fmla="*/ 329 h 1017"/>
+              <a:gd name="T8" fmla="*/ 477 w 1549"/>
+              <a:gd name="T9" fmla="*/ 1017 h 1017"/>
+            </a:gdLst>
+            <a:ahLst/>
+            <a:cxnLst>
+              <a:cxn ang="0">
+                <a:pos x="T0" y="T1"/>
+              </a:cxn>
+              <a:cxn ang="0">
+                <a:pos x="T2" y="T3"/>
+              </a:cxn>
+              <a:cxn ang="0">
+                <a:pos x="T4" y="T5"/>
+              </a:cxn>
+              <a:cxn ang="0">
+                <a:pos x="T6" y="T7"/>
+              </a:cxn>
+              <a:cxn ang="0">
+                <a:pos x="T8" y="T9"/>
+              </a:cxn>
+            </a:cxnLst>
+            <a:rect l="0" t="0" r="r" b="b"/>
+            <a:pathLst>
+              <a:path w="1549" h="1017">
+                <a:moveTo>
+                  <a:pt x="1025" y="1016"/>
+                </a:moveTo>
+                <a:cubicBezTo>
+                  <a:pt x="1223" y="971"/>
+                  <a:pt x="1549" y="857"/>
+                  <a:pt x="1443" y="592"/>
+                </a:cubicBezTo>
+                <a:cubicBezTo>
+                  <a:pt x="1344" y="344"/>
+                  <a:pt x="1041" y="111"/>
+                  <a:pt x="782" y="53"/>
+                </a:cubicBezTo>
+                <a:cubicBezTo>
+                  <a:pt x="545" y="0"/>
+                  <a:pt x="275" y="117"/>
+                  <a:pt x="150" y="329"/>
+                </a:cubicBezTo>
+                <a:cubicBezTo>
+                  <a:pt x="0" y="584"/>
+                  <a:pt x="243" y="911"/>
+                  <a:pt x="477" y="1017"/>
+                </a:cubicBezTo>
+              </a:path>
+            </a:pathLst>
+          </a:custGeom>
+          <a:noFill/>
+          <a:ln w="9525" cap="flat">
+            <a:solidFill>
+              <a:schemeClr val="tx1">
+                <a:alpha val="20000"/>
+              </a:schemeClr>
+            </a:solidFill>
+            <a:prstDash val="solid"/>
+            <a:miter lim="800000"/>
+            <a:headEnd/>
+            <a:tailEnd/>
+          </a:ln>
+          <a:extLst>
+            <a:ext uri="{909E8E84-426E-40DD-AFC4-6F175D3DCCD1}">
+              <a14:hiddenFill xmlns:a14="http://schemas.microsoft.com/office/drawing/2010/main">
+                <a:solidFill>
+                  <a:srgbClr val="FFFFFF"/>
+                </a:solidFill>
+              </a14:hiddenFill>
+            </a:ext>
+          </a:extLst>
+        </p:spPr>
+        <p:txBody>
+          <a:bodyPr vert="horz" wrap="square" lIns="91440" tIns="45720" rIns="91440" bIns="45720" numCol="1" anchor="t" anchorCtr="0" compatLnSpc="1">
+            <a:prstTxWarp prst="textNoShape">
+              <a:avLst/>
+            </a:prstTxWarp>
+          </a:bodyPr>
+          <a:lstStyle/>
+          <a:p>
+            <a:endParaRPr lang="en-US"/>
+          </a:p>
+        </p:txBody>
+      </p:sp>
+      <p:sp>
+        <p:nvSpPr>
+          <p:cNvPr id="47" name="Freeform 7">
+            <a:extLst>
+              <a:ext uri="{FF2B5EF4-FFF2-40B4-BE49-F238E27FC236}">
+                <a16:creationId xmlns:a16="http://schemas.microsoft.com/office/drawing/2014/main" id="{A88B2AAA-B805-498E-A9E6-98B885855498}"/>
+              </a:ext>
+              <a:ext uri="{C183D7F6-B498-43B3-948B-1728B52AA6E4}">
+                <adec:decorative xmlns:adec="http://schemas.microsoft.com/office/drawing/2017/decorative" val="1"/>
+              </a:ext>
+            </a:extLst>
+          </p:cNvPr>
+          <p:cNvSpPr>
+            <a:spLocks noGrp="1" noRot="1" noChangeAspect="1" noMove="1" noResize="1" noEditPoints="1" noAdjustHandles="1" noChangeArrowheads="1" noChangeShapeType="1" noTextEdit="1"/>
+          </p:cNvSpPr>
+          <p:nvPr>
+            <p:extLst>
+              <p:ext uri="{386F3935-93C4-4BCD-93E2-E3B085C9AB24}">
+                <p16:designElem xmlns:p16="http://schemas.microsoft.com/office/powerpoint/2015/main" val="1"/>
+              </p:ext>
+            </p:extLst>
+          </p:nvPr>
+        </p:nvSpPr>
+        <p:spPr bwMode="auto">
+          <a:xfrm>
+            <a:off x="251351" y="1780905"/>
+            <a:ext cx="8035925" cy="5083516"/>
+          </a:xfrm>
+          <a:custGeom>
+            <a:avLst/>
+            <a:gdLst>
+              <a:gd name="T0" fmla="*/ 1302 w 1688"/>
+              <a:gd name="T1" fmla="*/ 1066 h 1066"/>
+              <a:gd name="T2" fmla="*/ 1613 w 1688"/>
+              <a:gd name="T3" fmla="*/ 850 h 1066"/>
+              <a:gd name="T4" fmla="*/ 1517 w 1688"/>
+              <a:gd name="T5" fmla="*/ 471 h 1066"/>
+              <a:gd name="T6" fmla="*/ 798 w 1688"/>
+              <a:gd name="T7" fmla="*/ 28 h 1066"/>
+              <a:gd name="T8" fmla="*/ 181 w 1688"/>
+              <a:gd name="T9" fmla="*/ 333 h 1066"/>
+              <a:gd name="T10" fmla="*/ 420 w 1688"/>
+              <a:gd name="T11" fmla="*/ 1066 h 1066"/>
+            </a:gdLst>
+            <a:ahLst/>
+            <a:cxnLst>
+              <a:cxn ang="0">
+                <a:pos x="T0" y="T1"/>
+              </a:cxn>
+              <a:cxn ang="0">
+                <a:pos x="T2" y="T3"/>
+              </a:cxn>
+              <a:cxn ang="0">
+                <a:pos x="T4" y="T5"/>
+              </a:cxn>
+              <a:cxn ang="0">
+                <a:pos x="T6" y="T7"/>
+              </a:cxn>
+              <a:cxn ang="0">
+                <a:pos x="T8" y="T9"/>
+              </a:cxn>
+              <a:cxn ang="0">
+                <a:pos x="T10" y="T11"/>
+              </a:cxn>
+            </a:cxnLst>
+            <a:rect l="0" t="0" r="r" b="b"/>
+            <a:pathLst>
+              <a:path w="1688" h="1066">
+                <a:moveTo>
+                  <a:pt x="1302" y="1066"/>
+                </a:moveTo>
+                <a:cubicBezTo>
+                  <a:pt x="1416" y="1024"/>
+                  <a:pt x="1551" y="962"/>
+                  <a:pt x="1613" y="850"/>
+                </a:cubicBezTo>
+                <a:cubicBezTo>
+                  <a:pt x="1688" y="715"/>
+                  <a:pt x="1606" y="575"/>
+                  <a:pt x="1517" y="471"/>
+                </a:cubicBezTo>
+                <a:cubicBezTo>
+                  <a:pt x="1336" y="258"/>
+                  <a:pt x="1084" y="62"/>
+                  <a:pt x="798" y="28"/>
+                </a:cubicBezTo>
+                <a:cubicBezTo>
+                  <a:pt x="559" y="0"/>
+                  <a:pt x="317" y="138"/>
+                  <a:pt x="181" y="333"/>
+                </a:cubicBezTo>
+                <a:cubicBezTo>
+                  <a:pt x="0" y="592"/>
+                  <a:pt x="191" y="907"/>
+                  <a:pt x="420" y="1066"/>
+                </a:cubicBezTo>
+              </a:path>
+            </a:pathLst>
+          </a:custGeom>
+          <a:noFill/>
+          <a:ln w="9525" cap="flat">
+            <a:solidFill>
+              <a:schemeClr val="tx1">
+                <a:alpha val="20000"/>
+              </a:schemeClr>
+            </a:solidFill>
+            <a:prstDash val="dash"/>
+            <a:miter lim="800000"/>
+            <a:headEnd/>
+            <a:tailEnd/>
+          </a:ln>
+          <a:extLst>
+            <a:ext uri="{909E8E84-426E-40DD-AFC4-6F175D3DCCD1}">
+              <a14:hiddenFill xmlns:a14="http://schemas.microsoft.com/office/drawing/2010/main">
+                <a:solidFill>
+                  <a:srgbClr val="FFFFFF"/>
+                </a:solidFill>
+              </a14:hiddenFill>
+            </a:ext>
+          </a:extLst>
+        </p:spPr>
+        <p:txBody>
+          <a:bodyPr vert="horz" wrap="square" lIns="91440" tIns="45720" rIns="91440" bIns="45720" numCol="1" anchor="t" anchorCtr="0" compatLnSpc="1">
+            <a:prstTxWarp prst="textNoShape">
+              <a:avLst/>
+            </a:prstTxWarp>
+          </a:bodyPr>
+          <a:lstStyle/>
+          <a:p>
+            <a:endParaRPr lang="en-US"/>
+          </a:p>
+        </p:txBody>
+      </p:sp>
+      <p:sp>
+        <p:nvSpPr>
+          <p:cNvPr id="49" name="Freeform 8">
+            <a:extLst>
+              <a:ext uri="{FF2B5EF4-FFF2-40B4-BE49-F238E27FC236}">
+                <a16:creationId xmlns:a16="http://schemas.microsoft.com/office/drawing/2014/main" id="{9B8051E0-19D7-43E1-BFD9-E6DBFEB3A3F1}"/>
+              </a:ext>
+              <a:ext uri="{C183D7F6-B498-43B3-948B-1728B52AA6E4}">
+                <adec:decorative xmlns:adec="http://schemas.microsoft.com/office/drawing/2017/decorative" val="1"/>
+              </a:ext>
+            </a:extLst>
+          </p:cNvPr>
+          <p:cNvSpPr>
+            <a:spLocks noGrp="1" noRot="1" noChangeAspect="1" noMove="1" noResize="1" noEditPoints="1" noAdjustHandles="1" noChangeArrowheads="1" noChangeShapeType="1" noTextEdit="1"/>
+          </p:cNvSpPr>
+          <p:nvPr>
+            <p:extLst>
+              <p:ext uri="{386F3935-93C4-4BCD-93E2-E3B085C9AB24}">
+                <p16:designElem xmlns:p16="http://schemas.microsoft.com/office/powerpoint/2015/main" val="1"/>
+              </p:ext>
+            </p:extLst>
+          </p:nvPr>
+        </p:nvSpPr>
+        <p:spPr bwMode="auto">
+          <a:xfrm>
+            <a:off x="-1061" y="542347"/>
+            <a:ext cx="10334625" cy="6322075"/>
+          </a:xfrm>
+          <a:custGeom>
+            <a:avLst/>
+            <a:gdLst>
+              <a:gd name="T0" fmla="*/ 1873 w 2171"/>
+              <a:gd name="T1" fmla="*/ 1326 h 1326"/>
+              <a:gd name="T2" fmla="*/ 1609 w 2171"/>
+              <a:gd name="T3" fmla="*/ 473 h 1326"/>
+              <a:gd name="T4" fmla="*/ 880 w 2171"/>
+              <a:gd name="T5" fmla="*/ 63 h 1326"/>
+              <a:gd name="T6" fmla="*/ 0 w 2171"/>
+              <a:gd name="T7" fmla="*/ 423 h 1326"/>
+            </a:gdLst>
+            <a:ahLst/>
+            <a:cxnLst>
+              <a:cxn ang="0">
+                <a:pos x="T0" y="T1"/>
+              </a:cxn>
+              <a:cxn ang="0">
+                <a:pos x="T2" y="T3"/>
+              </a:cxn>
+              <a:cxn ang="0">
+                <a:pos x="T4" y="T5"/>
+              </a:cxn>
+              <a:cxn ang="0">
+                <a:pos x="T6" y="T7"/>
+              </a:cxn>
+            </a:cxnLst>
+            <a:rect l="0" t="0" r="r" b="b"/>
+            <a:pathLst>
+              <a:path w="2171" h="1326">
+                <a:moveTo>
+                  <a:pt x="1873" y="1326"/>
+                </a:moveTo>
+                <a:cubicBezTo>
+                  <a:pt x="2171" y="1045"/>
+                  <a:pt x="1825" y="678"/>
+                  <a:pt x="1609" y="473"/>
+                </a:cubicBezTo>
+                <a:cubicBezTo>
+                  <a:pt x="1406" y="281"/>
+                  <a:pt x="1159" y="116"/>
+                  <a:pt x="880" y="63"/>
+                </a:cubicBezTo>
+                <a:cubicBezTo>
+                  <a:pt x="545" y="0"/>
+                  <a:pt x="214" y="161"/>
+                  <a:pt x="0" y="423"/>
+                </a:cubicBezTo>
+              </a:path>
+            </a:pathLst>
+          </a:custGeom>
+          <a:noFill/>
+          <a:ln w="9525" cap="flat">
+            <a:solidFill>
+              <a:schemeClr val="tx1">
+                <a:alpha val="20000"/>
+              </a:schemeClr>
+            </a:solidFill>
+            <a:prstDash val="solid"/>
+            <a:miter lim="800000"/>
+            <a:headEnd/>
+            <a:tailEnd/>
+          </a:ln>
+          <a:extLst>
+            <a:ext uri="{909E8E84-426E-40DD-AFC4-6F175D3DCCD1}">
+              <a14:hiddenFill xmlns:a14="http://schemas.microsoft.com/office/drawing/2010/main">
+                <a:solidFill>
+                  <a:srgbClr val="FFFFFF"/>
+                </a:solidFill>
+              </a14:hiddenFill>
+            </a:ext>
+          </a:extLst>
+        </p:spPr>
+        <p:txBody>
+          <a:bodyPr vert="horz" wrap="square" lIns="91440" tIns="45720" rIns="91440" bIns="45720" numCol="1" anchor="t" anchorCtr="0" compatLnSpc="1">
+            <a:prstTxWarp prst="textNoShape">
+              <a:avLst/>
+            </a:prstTxWarp>
+          </a:bodyPr>
+          <a:lstStyle/>
+          <a:p>
+            <a:endParaRPr lang="en-US"/>
+          </a:p>
+        </p:txBody>
+      </p:sp>
+      <p:sp>
+        <p:nvSpPr>
+          <p:cNvPr id="51" name="Freeform 9">
+            <a:extLst>
+              <a:ext uri="{FF2B5EF4-FFF2-40B4-BE49-F238E27FC236}">
+                <a16:creationId xmlns:a16="http://schemas.microsoft.com/office/drawing/2014/main" id="{4EDB2B02-86A2-46F5-A4BE-B7D9B10411D6}"/>
+              </a:ext>
+              <a:ext uri="{C183D7F6-B498-43B3-948B-1728B52AA6E4}">
+                <adec:decorative xmlns:adec="http://schemas.microsoft.com/office/drawing/2017/decorative" val="1"/>
+              </a:ext>
+            </a:extLst>
+          </p:cNvPr>
+          <p:cNvSpPr>
+            <a:spLocks noGrp="1" noRot="1" noChangeAspect="1" noMove="1" noResize="1" noEditPoints="1" noAdjustHandles="1" noChangeArrowheads="1" noChangeShapeType="1" noTextEdit="1"/>
+          </p:cNvSpPr>
+          <p:nvPr>
+            <p:extLst>
+              <p:ext uri="{386F3935-93C4-4BCD-93E2-E3B085C9AB24}">
+                <p16:designElem xmlns:p16="http://schemas.microsoft.com/office/powerpoint/2015/main" val="1"/>
+              </p:ext>
+            </p:extLst>
+          </p:nvPr>
+        </p:nvSpPr>
+        <p:spPr bwMode="auto">
+          <a:xfrm>
+            <a:off x="3701" y="6178751"/>
+            <a:ext cx="504825" cy="681527"/>
+          </a:xfrm>
+          <a:custGeom>
+            <a:avLst/>
+            <a:gdLst>
+              <a:gd name="T0" fmla="*/ 0 w 106"/>
+              <a:gd name="T1" fmla="*/ 0 h 143"/>
+              <a:gd name="T2" fmla="*/ 106 w 106"/>
+              <a:gd name="T3" fmla="*/ 143 h 143"/>
+            </a:gdLst>
+            <a:ahLst/>
+            <a:cxnLst>
+              <a:cxn ang="0">
+                <a:pos x="T0" y="T1"/>
+              </a:cxn>
+              <a:cxn ang="0">
+                <a:pos x="T2" y="T3"/>
+              </a:cxn>
+            </a:cxnLst>
+            <a:rect l="0" t="0" r="r" b="b"/>
+            <a:pathLst>
+              <a:path w="106" h="143">
+                <a:moveTo>
+                  <a:pt x="0" y="0"/>
+                </a:moveTo>
+                <a:cubicBezTo>
+                  <a:pt x="35" y="54"/>
+                  <a:pt x="70" y="101"/>
+                  <a:pt x="106" y="143"/>
+                </a:cubicBezTo>
+              </a:path>
+            </a:pathLst>
+          </a:custGeom>
+          <a:noFill/>
+          <a:ln w="4763" cap="flat">
+            <a:solidFill>
+              <a:schemeClr val="tx1">
+                <a:alpha val="20000"/>
+              </a:schemeClr>
+            </a:solidFill>
+            <a:prstDash val="solid"/>
+            <a:miter lim="800000"/>
+            <a:headEnd/>
+            <a:tailEnd/>
+          </a:ln>
+          <a:extLst>
+            <a:ext uri="{909E8E84-426E-40DD-AFC4-6F175D3DCCD1}">
+              <a14:hiddenFill xmlns:a14="http://schemas.microsoft.com/office/drawing/2010/main">
+                <a:solidFill>
+                  <a:srgbClr val="FFFFFF"/>
+                </a:solidFill>
+              </a14:hiddenFill>
+            </a:ext>
+          </a:extLst>
+        </p:spPr>
+        <p:txBody>
+          <a:bodyPr vert="horz" wrap="square" lIns="91440" tIns="45720" rIns="91440" bIns="45720" numCol="1" anchor="t" anchorCtr="0" compatLnSpc="1">
+            <a:prstTxWarp prst="textNoShape">
+              <a:avLst/>
+            </a:prstTxWarp>
+          </a:bodyPr>
+          <a:lstStyle/>
+          <a:p>
+            <a:endParaRPr lang="en-US"/>
+          </a:p>
+        </p:txBody>
+      </p:sp>
+      <p:sp>
+        <p:nvSpPr>
+          <p:cNvPr id="53" name="Freeform 10">
+            <a:extLst>
+              <a:ext uri="{FF2B5EF4-FFF2-40B4-BE49-F238E27FC236}">
+                <a16:creationId xmlns:a16="http://schemas.microsoft.com/office/drawing/2014/main" id="{43954639-FB5D-41F4-9560-6F6DFE778425}"/>
+              </a:ext>
+              <a:ext uri="{C183D7F6-B498-43B3-948B-1728B52AA6E4}">
+                <adec:decorative xmlns:adec="http://schemas.microsoft.com/office/drawing/2017/decorative" val="1"/>
+              </a:ext>
+            </a:extLst>
+          </p:cNvPr>
+          <p:cNvSpPr>
+            <a:spLocks noGrp="1" noRot="1" noChangeAspect="1" noMove="1" noResize="1" noEditPoints="1" noAdjustHandles="1" noChangeArrowheads="1" noChangeShapeType="1" noTextEdit="1"/>
+          </p:cNvSpPr>
+          <p:nvPr>
+            <p:extLst>
+              <p:ext uri="{386F3935-93C4-4BCD-93E2-E3B085C9AB24}">
+                <p16:designElem xmlns:p16="http://schemas.microsoft.com/office/powerpoint/2015/main" val="1"/>
+              </p:ext>
+            </p:extLst>
+          </p:nvPr>
+        </p:nvSpPr>
+        <p:spPr bwMode="auto">
+          <a:xfrm>
+            <a:off x="-1061" y="-59376"/>
+            <a:ext cx="11091863" cy="6923796"/>
+          </a:xfrm>
+          <a:custGeom>
+            <a:avLst/>
+            <a:gdLst>
+              <a:gd name="T0" fmla="*/ 2046 w 2330"/>
+              <a:gd name="T1" fmla="*/ 1452 h 1452"/>
+              <a:gd name="T2" fmla="*/ 1813 w 2330"/>
+              <a:gd name="T3" fmla="*/ 601 h 1452"/>
+              <a:gd name="T4" fmla="*/ 956 w 2330"/>
+              <a:gd name="T5" fmla="*/ 97 h 1452"/>
+              <a:gd name="T6" fmla="*/ 0 w 2330"/>
+              <a:gd name="T7" fmla="*/ 366 h 1452"/>
+            </a:gdLst>
+            <a:ahLst/>
+            <a:cxnLst>
+              <a:cxn ang="0">
+                <a:pos x="T0" y="T1"/>
+              </a:cxn>
+              <a:cxn ang="0">
+                <a:pos x="T2" y="T3"/>
+              </a:cxn>
+              <a:cxn ang="0">
+                <a:pos x="T4" y="T5"/>
+              </a:cxn>
+              <a:cxn ang="0">
+                <a:pos x="T6" y="T7"/>
+              </a:cxn>
+            </a:cxnLst>
+            <a:rect l="0" t="0" r="r" b="b"/>
+            <a:pathLst>
+              <a:path w="2330" h="1452">
+                <a:moveTo>
+                  <a:pt x="2046" y="1452"/>
+                </a:moveTo>
+                <a:cubicBezTo>
+                  <a:pt x="2330" y="1153"/>
+                  <a:pt x="2049" y="821"/>
+                  <a:pt x="1813" y="601"/>
+                </a:cubicBezTo>
+                <a:cubicBezTo>
+                  <a:pt x="1569" y="375"/>
+                  <a:pt x="1282" y="179"/>
+                  <a:pt x="956" y="97"/>
+                </a:cubicBezTo>
+                <a:cubicBezTo>
+                  <a:pt x="572" y="0"/>
+                  <a:pt x="292" y="101"/>
+                  <a:pt x="0" y="366"/>
+                </a:cubicBezTo>
+              </a:path>
+            </a:pathLst>
+          </a:custGeom>
+          <a:noFill/>
+          <a:ln w="9525" cap="flat">
+            <a:solidFill>
+              <a:schemeClr val="tx1">
+                <a:alpha val="20000"/>
+              </a:schemeClr>
+            </a:solidFill>
+            <a:prstDash val="solid"/>
+            <a:miter lim="800000"/>
+            <a:headEnd/>
+            <a:tailEnd/>
+          </a:ln>
+          <a:extLst>
+            <a:ext uri="{909E8E84-426E-40DD-AFC4-6F175D3DCCD1}">
+              <a14:hiddenFill xmlns:a14="http://schemas.microsoft.com/office/drawing/2010/main">
+                <a:solidFill>
+                  <a:srgbClr val="FFFFFF"/>
+                </a:solidFill>
+              </a14:hiddenFill>
+            </a:ext>
+          </a:extLst>
+        </p:spPr>
+        <p:txBody>
+          <a:bodyPr vert="horz" wrap="square" lIns="91440" tIns="45720" rIns="91440" bIns="45720" numCol="1" anchor="t" anchorCtr="0" compatLnSpc="1">
+            <a:prstTxWarp prst="textNoShape">
+              <a:avLst/>
+            </a:prstTxWarp>
+          </a:bodyPr>
+          <a:lstStyle/>
+          <a:p>
+            <a:endParaRPr lang="en-US"/>
+          </a:p>
+        </p:txBody>
+      </p:sp>
+      <p:sp>
+        <p:nvSpPr>
+          <p:cNvPr id="55" name="Freeform 12">
+            <a:extLst>
+              <a:ext uri="{FF2B5EF4-FFF2-40B4-BE49-F238E27FC236}">
+                <a16:creationId xmlns:a16="http://schemas.microsoft.com/office/drawing/2014/main" id="{E898931C-0323-41FA-A036-20F818B1FF81}"/>
+              </a:ext>
+              <a:ext uri="{C183D7F6-B498-43B3-948B-1728B52AA6E4}">
+                <adec:decorative xmlns:adec="http://schemas.microsoft.com/office/drawing/2017/decorative" val="1"/>
+              </a:ext>
+            </a:extLst>
+          </p:cNvPr>
+          <p:cNvSpPr>
+            <a:spLocks noGrp="1" noRot="1" noChangeAspect="1" noMove="1" noResize="1" noEditPoints="1" noAdjustHandles="1" noChangeArrowheads="1" noChangeShapeType="1" noTextEdit="1"/>
+          </p:cNvSpPr>
+          <p:nvPr>
+            <p:extLst>
+              <p:ext uri="{386F3935-93C4-4BCD-93E2-E3B085C9AB24}">
+                <p16:designElem xmlns:p16="http://schemas.microsoft.com/office/powerpoint/2015/main" val="1"/>
+              </p:ext>
+            </p:extLst>
+          </p:nvPr>
+        </p:nvSpPr>
+        <p:spPr bwMode="auto">
+          <a:xfrm>
+            <a:off x="-1061" y="-1916"/>
+            <a:ext cx="1057275" cy="614491"/>
+          </a:xfrm>
+          <a:custGeom>
+            <a:avLst/>
+            <a:gdLst>
+              <a:gd name="T0" fmla="*/ 222 w 222"/>
+              <a:gd name="T1" fmla="*/ 0 h 129"/>
+              <a:gd name="T2" fmla="*/ 0 w 222"/>
+              <a:gd name="T3" fmla="*/ 129 h 129"/>
+            </a:gdLst>
+            <a:ahLst/>
+            <a:cxnLst>
+              <a:cxn ang="0">
+                <a:pos x="T0" y="T1"/>
+              </a:cxn>
+              <a:cxn ang="0">
+                <a:pos x="T2" y="T3"/>
+              </a:cxn>
+            </a:cxnLst>
+            <a:rect l="0" t="0" r="r" b="b"/>
+            <a:pathLst>
+              <a:path w="222" h="129">
+                <a:moveTo>
+                  <a:pt x="222" y="0"/>
+                </a:moveTo>
+                <a:cubicBezTo>
+                  <a:pt x="152" y="35"/>
+                  <a:pt x="76" y="78"/>
+                  <a:pt x="0" y="129"/>
+                </a:cubicBezTo>
+              </a:path>
+            </a:pathLst>
+          </a:custGeom>
+          <a:noFill/>
+          <a:ln w="9525" cap="flat">
+            <a:solidFill>
+              <a:schemeClr val="tx1">
+                <a:alpha val="20000"/>
+              </a:schemeClr>
+            </a:solidFill>
+            <a:prstDash val="solid"/>
+            <a:miter lim="800000"/>
+            <a:headEnd/>
+            <a:tailEnd/>
+          </a:ln>
+          <a:extLst>
+            <a:ext uri="{909E8E84-426E-40DD-AFC4-6F175D3DCCD1}">
+              <a14:hiddenFill xmlns:a14="http://schemas.microsoft.com/office/drawing/2010/main">
+                <a:solidFill>
+                  <a:srgbClr val="FFFFFF"/>
+                </a:solidFill>
+              </a14:hiddenFill>
+            </a:ext>
+          </a:extLst>
+        </p:spPr>
+        <p:txBody>
+          <a:bodyPr vert="horz" wrap="square" lIns="91440" tIns="45720" rIns="91440" bIns="45720" numCol="1" anchor="t" anchorCtr="0" compatLnSpc="1">
+            <a:prstTxWarp prst="textNoShape">
+              <a:avLst/>
+            </a:prstTxWarp>
+          </a:bodyPr>
+          <a:lstStyle/>
+          <a:p>
+            <a:endParaRPr lang="en-US"/>
+          </a:p>
+        </p:txBody>
+      </p:sp>
+      <p:sp>
+        <p:nvSpPr>
+          <p:cNvPr id="57" name="Freeform 14">
+            <a:extLst>
+              <a:ext uri="{FF2B5EF4-FFF2-40B4-BE49-F238E27FC236}">
+                <a16:creationId xmlns:a16="http://schemas.microsoft.com/office/drawing/2014/main" id="{89AFE9DD-0792-4B98-B4EB-97ACA17E6AA8}"/>
+              </a:ext>
+              <a:ext uri="{C183D7F6-B498-43B3-948B-1728B52AA6E4}">
+                <adec:decorative xmlns:adec="http://schemas.microsoft.com/office/drawing/2017/decorative" val="1"/>
+              </a:ext>
+            </a:extLst>
+          </p:cNvPr>
+          <p:cNvSpPr>
+            <a:spLocks noGrp="1" noRot="1" noChangeAspect="1" noMove="1" noResize="1" noEditPoints="1" noAdjustHandles="1" noChangeArrowheads="1" noChangeShapeType="1" noTextEdit="1"/>
+          </p:cNvSpPr>
+          <p:nvPr>
+            <p:extLst>
+              <p:ext uri="{386F3935-93C4-4BCD-93E2-E3B085C9AB24}">
+                <p16:designElem xmlns:p16="http://schemas.microsoft.com/office/powerpoint/2015/main" val="1"/>
+              </p:ext>
+            </p:extLst>
+          </p:nvPr>
+        </p:nvSpPr>
+        <p:spPr bwMode="auto">
+          <a:xfrm>
+            <a:off x="3701" y="-6705"/>
+            <a:ext cx="595313" cy="352734"/>
+          </a:xfrm>
+          <a:custGeom>
+            <a:avLst/>
+            <a:gdLst>
+              <a:gd name="T0" fmla="*/ 125 w 125"/>
+              <a:gd name="T1" fmla="*/ 0 h 74"/>
+              <a:gd name="T2" fmla="*/ 0 w 125"/>
+              <a:gd name="T3" fmla="*/ 74 h 74"/>
+            </a:gdLst>
+            <a:ahLst/>
+            <a:cxnLst>
+              <a:cxn ang="0">
+                <a:pos x="T0" y="T1"/>
+              </a:cxn>
+              <a:cxn ang="0">
+                <a:pos x="T2" y="T3"/>
+              </a:cxn>
+            </a:cxnLst>
+            <a:rect l="0" t="0" r="r" b="b"/>
+            <a:pathLst>
+              <a:path w="125" h="74">
+                <a:moveTo>
+                  <a:pt x="125" y="0"/>
+                </a:moveTo>
+                <a:cubicBezTo>
+                  <a:pt x="85" y="22"/>
+                  <a:pt x="43" y="47"/>
+                  <a:pt x="0" y="74"/>
+                </a:cubicBezTo>
+              </a:path>
+            </a:pathLst>
+          </a:custGeom>
+          <a:noFill/>
+          <a:ln w="9525" cap="flat">
+            <a:solidFill>
+              <a:schemeClr val="tx1">
+                <a:alpha val="20000"/>
+              </a:schemeClr>
+            </a:solidFill>
+            <a:prstDash val="dash"/>
+            <a:miter lim="800000"/>
+            <a:headEnd/>
+            <a:tailEnd/>
+          </a:ln>
+          <a:extLst>
+            <a:ext uri="{909E8E84-426E-40DD-AFC4-6F175D3DCCD1}">
+              <a14:hiddenFill xmlns:a14="http://schemas.microsoft.com/office/drawing/2010/main">
+                <a:solidFill>
+                  <a:srgbClr val="FFFFFF"/>
+                </a:solidFill>
+              </a14:hiddenFill>
+            </a:ext>
+          </a:extLst>
+        </p:spPr>
+        <p:txBody>
+          <a:bodyPr vert="horz" wrap="square" lIns="91440" tIns="45720" rIns="91440" bIns="45720" numCol="1" anchor="t" anchorCtr="0" compatLnSpc="1">
+            <a:prstTxWarp prst="textNoShape">
+              <a:avLst/>
+            </a:prstTxWarp>
+          </a:bodyPr>
+          <a:lstStyle/>
+          <a:p>
+            <a:endParaRPr lang="en-US"/>
+          </a:p>
+        </p:txBody>
+      </p:sp>
+      <p:sp>
+        <p:nvSpPr>
+          <p:cNvPr id="59" name="Freeform 16">
+            <a:extLst>
+              <a:ext uri="{FF2B5EF4-FFF2-40B4-BE49-F238E27FC236}">
+                <a16:creationId xmlns:a16="http://schemas.microsoft.com/office/drawing/2014/main" id="{3981F5C4-9AE1-404E-AF44-A4E6DB374F9D}"/>
+              </a:ext>
+              <a:ext uri="{C183D7F6-B498-43B3-948B-1728B52AA6E4}">
+                <adec:decorative xmlns:adec="http://schemas.microsoft.com/office/drawing/2017/decorative" val="1"/>
+              </a:ext>
+            </a:extLst>
+          </p:cNvPr>
+          <p:cNvSpPr>
+            <a:spLocks noGrp="1" noRot="1" noChangeAspect="1" noMove="1" noResize="1" noEditPoints="1" noAdjustHandles="1" noChangeArrowheads="1" noChangeShapeType="1" noTextEdit="1"/>
+          </p:cNvSpPr>
+          <p:nvPr>
+            <p:extLst>
+              <p:ext uri="{386F3935-93C4-4BCD-93E2-E3B085C9AB24}">
+                <p16:designElem xmlns:p16="http://schemas.microsoft.com/office/powerpoint/2015/main" val="1"/>
+              </p:ext>
+            </p:extLst>
+          </p:nvPr>
+        </p:nvSpPr>
+        <p:spPr bwMode="auto">
+          <a:xfrm>
+            <a:off x="-1061" y="-1916"/>
+            <a:ext cx="357188" cy="213875"/>
+          </a:xfrm>
+          <a:custGeom>
+            <a:avLst/>
+            <a:gdLst>
+              <a:gd name="T0" fmla="*/ 75 w 75"/>
+              <a:gd name="T1" fmla="*/ 0 h 45"/>
+              <a:gd name="T2" fmla="*/ 0 w 75"/>
+              <a:gd name="T3" fmla="*/ 45 h 45"/>
+            </a:gdLst>
+            <a:ahLst/>
+            <a:cxnLst>
+              <a:cxn ang="0">
+                <a:pos x="T0" y="T1"/>
+              </a:cxn>
+              <a:cxn ang="0">
+                <a:pos x="T2" y="T3"/>
+              </a:cxn>
+            </a:cxnLst>
+            <a:rect l="0" t="0" r="r" b="b"/>
+            <a:pathLst>
+              <a:path w="75" h="45">
+                <a:moveTo>
+                  <a:pt x="75" y="0"/>
+                </a:moveTo>
+                <a:cubicBezTo>
+                  <a:pt x="50" y="14"/>
+                  <a:pt x="25" y="29"/>
+                  <a:pt x="0" y="45"/>
+                </a:cubicBezTo>
+              </a:path>
+            </a:pathLst>
+          </a:custGeom>
+          <a:noFill/>
+          <a:ln w="12700" cap="flat">
+            <a:solidFill>
+              <a:schemeClr val="tx1">
+                <a:alpha val="20000"/>
+              </a:schemeClr>
+            </a:solidFill>
+            <a:prstDash val="dashDot"/>
+            <a:miter lim="800000"/>
+            <a:headEnd/>
+            <a:tailEnd/>
+          </a:ln>
+          <a:extLst>
+            <a:ext uri="{909E8E84-426E-40DD-AFC4-6F175D3DCCD1}">
+              <a14:hiddenFill xmlns:a14="http://schemas.microsoft.com/office/drawing/2010/main">
+                <a:solidFill>
+                  <a:srgbClr val="FFFFFF"/>
+                </a:solidFill>
+              </a14:hiddenFill>
+            </a:ext>
+          </a:extLst>
+        </p:spPr>
+        <p:txBody>
+          <a:bodyPr vert="horz" wrap="square" lIns="91440" tIns="45720" rIns="91440" bIns="45720" numCol="1" anchor="t" anchorCtr="0" compatLnSpc="1">
+            <a:prstTxWarp prst="textNoShape">
+              <a:avLst/>
+            </a:prstTxWarp>
+          </a:bodyPr>
+          <a:lstStyle/>
+          <a:p>
+            <a:endParaRPr lang="en-US"/>
+          </a:p>
+        </p:txBody>
+      </p:sp>
+      <p:sp>
+        <p:nvSpPr>
+          <p:cNvPr id="61" name="Freeform 11">
+            <a:extLst>
+              <a:ext uri="{FF2B5EF4-FFF2-40B4-BE49-F238E27FC236}">
+                <a16:creationId xmlns:a16="http://schemas.microsoft.com/office/drawing/2014/main" id="{763C1781-8726-4FAC-8C45-FF40376BE409}"/>
+              </a:ext>
+              <a:ext uri="{C183D7F6-B498-43B3-948B-1728B52AA6E4}">
+                <adec:decorative xmlns:adec="http://schemas.microsoft.com/office/drawing/2017/decorative" val="1"/>
+              </a:ext>
+            </a:extLst>
+          </p:cNvPr>
+          <p:cNvSpPr>
+            <a:spLocks noGrp="1" noRot="1" noChangeAspect="1" noMove="1" noResize="1" noEditPoints="1" noAdjustHandles="1" noChangeArrowheads="1" noChangeShapeType="1" noTextEdit="1"/>
+          </p:cNvSpPr>
+          <p:nvPr>
+            <p:extLst>
+              <p:ext uri="{386F3935-93C4-4BCD-93E2-E3B085C9AB24}">
+                <p16:designElem xmlns:p16="http://schemas.microsoft.com/office/powerpoint/2015/main" val="1"/>
+              </p:ext>
+            </p:extLst>
+          </p:nvPr>
+        </p:nvSpPr>
+        <p:spPr bwMode="auto">
+          <a:xfrm>
+            <a:off x="5426601" y="-1916"/>
+            <a:ext cx="5788025" cy="6847184"/>
+          </a:xfrm>
+          <a:custGeom>
+            <a:avLst/>
+            <a:gdLst>
+              <a:gd name="T0" fmla="*/ 1094 w 1216"/>
+              <a:gd name="T1" fmla="*/ 1436 h 1436"/>
+              <a:gd name="T2" fmla="*/ 709 w 1216"/>
+              <a:gd name="T3" fmla="*/ 551 h 1436"/>
+              <a:gd name="T4" fmla="*/ 0 w 1216"/>
+              <a:gd name="T5" fmla="*/ 0 h 1436"/>
+            </a:gdLst>
+            <a:ahLst/>
+            <a:cxnLst>
+              <a:cxn ang="0">
+                <a:pos x="T0" y="T1"/>
+              </a:cxn>
+              <a:cxn ang="0">
+                <a:pos x="T2" y="T3"/>
+              </a:cxn>
+              <a:cxn ang="0">
+                <a:pos x="T4" y="T5"/>
+              </a:cxn>
+            </a:cxnLst>
+            <a:rect l="0" t="0" r="r" b="b"/>
+            <a:pathLst>
+              <a:path w="1216" h="1436">
+                <a:moveTo>
+                  <a:pt x="1094" y="1436"/>
+                </a:moveTo>
+                <a:cubicBezTo>
+                  <a:pt x="1216" y="1114"/>
+                  <a:pt x="904" y="770"/>
+                  <a:pt x="709" y="551"/>
+                </a:cubicBezTo>
+                <a:cubicBezTo>
+                  <a:pt x="509" y="327"/>
+                  <a:pt x="274" y="127"/>
+                  <a:pt x="0" y="0"/>
+                </a:cubicBezTo>
+              </a:path>
+            </a:pathLst>
+          </a:custGeom>
+          <a:noFill/>
+          <a:ln w="9525" cap="flat">
+            <a:solidFill>
+              <a:schemeClr val="tx1">
+                <a:alpha val="20000"/>
+              </a:schemeClr>
+            </a:solidFill>
+            <a:prstDash val="solid"/>
+            <a:miter lim="800000"/>
+            <a:headEnd/>
+            <a:tailEnd/>
+          </a:ln>
+          <a:extLst>
+            <a:ext uri="{909E8E84-426E-40DD-AFC4-6F175D3DCCD1}">
+              <a14:hiddenFill xmlns:a14="http://schemas.microsoft.com/office/drawing/2010/main">
+                <a:solidFill>
+                  <a:srgbClr val="FFFFFF"/>
+                </a:solidFill>
+              </a14:hiddenFill>
+            </a:ext>
+          </a:extLst>
+        </p:spPr>
+        <p:txBody>
+          <a:bodyPr vert="horz" wrap="square" lIns="91440" tIns="45720" rIns="91440" bIns="45720" numCol="1" anchor="t" anchorCtr="0" compatLnSpc="1">
+            <a:prstTxWarp prst="textNoShape">
+              <a:avLst/>
+            </a:prstTxWarp>
+          </a:bodyPr>
+          <a:lstStyle/>
+          <a:p>
+            <a:endParaRPr lang="en-US"/>
+          </a:p>
+        </p:txBody>
+      </p:sp>
+      <p:sp>
+        <p:nvSpPr>
+          <p:cNvPr id="63" name="Freeform 21">
+            <a:extLst>
+              <a:ext uri="{FF2B5EF4-FFF2-40B4-BE49-F238E27FC236}">
+                <a16:creationId xmlns:a16="http://schemas.microsoft.com/office/drawing/2014/main" id="{301491B5-56C7-43DC-A3D9-861EECCA056A}"/>
+              </a:ext>
+              <a:ext uri="{C183D7F6-B498-43B3-948B-1728B52AA6E4}">
+                <adec:decorative xmlns:adec="http://schemas.microsoft.com/office/drawing/2017/decorative" val="1"/>
+              </a:ext>
+            </a:extLst>
+          </p:cNvPr>
+          <p:cNvSpPr>
+            <a:spLocks noGrp="1" noRot="1" noChangeAspect="1" noMove="1" noResize="1" noEditPoints="1" noAdjustHandles="1" noChangeArrowheads="1" noChangeShapeType="1" noTextEdit="1"/>
+          </p:cNvSpPr>
+          <p:nvPr>
+            <p:extLst>
+              <p:ext uri="{386F3935-93C4-4BCD-93E2-E3B085C9AB24}">
+                <p16:designElem xmlns:p16="http://schemas.microsoft.com/office/powerpoint/2015/main" val="1"/>
+              </p:ext>
+            </p:extLst>
+          </p:nvPr>
+        </p:nvSpPr>
+        <p:spPr bwMode="auto">
+          <a:xfrm>
+            <a:off x="9235014" y="2872"/>
+            <a:ext cx="2951163" cy="2555325"/>
+          </a:xfrm>
+          <a:custGeom>
+            <a:avLst/>
+            <a:gdLst>
+              <a:gd name="T0" fmla="*/ 620 w 620"/>
+              <a:gd name="T1" fmla="*/ 536 h 536"/>
+              <a:gd name="T2" fmla="*/ 0 w 620"/>
+              <a:gd name="T3" fmla="*/ 0 h 536"/>
+            </a:gdLst>
+            <a:ahLst/>
+            <a:cxnLst>
+              <a:cxn ang="0">
+                <a:pos x="T0" y="T1"/>
+              </a:cxn>
+              <a:cxn ang="0">
+                <a:pos x="T2" y="T3"/>
+              </a:cxn>
+            </a:cxnLst>
+            <a:rect l="0" t="0" r="r" b="b"/>
+            <a:pathLst>
+              <a:path w="620" h="536">
+                <a:moveTo>
+                  <a:pt x="620" y="536"/>
+                </a:moveTo>
+                <a:cubicBezTo>
+                  <a:pt x="404" y="314"/>
+                  <a:pt x="196" y="138"/>
+                  <a:pt x="0" y="0"/>
+                </a:cubicBezTo>
+              </a:path>
+            </a:pathLst>
+          </a:custGeom>
+          <a:noFill/>
+          <a:ln w="9525" cap="flat">
+            <a:solidFill>
+              <a:schemeClr val="tx1">
+                <a:alpha val="20000"/>
+              </a:schemeClr>
+            </a:solidFill>
+            <a:prstDash val="solid"/>
+            <a:miter lim="800000"/>
+            <a:headEnd/>
+            <a:tailEnd/>
+          </a:ln>
+          <a:extLst>
+            <a:ext uri="{909E8E84-426E-40DD-AFC4-6F175D3DCCD1}">
+              <a14:hiddenFill xmlns:a14="http://schemas.microsoft.com/office/drawing/2010/main">
+                <a:solidFill>
+                  <a:srgbClr val="FFFFFF"/>
+                </a:solidFill>
+              </a14:hiddenFill>
+            </a:ext>
+          </a:extLst>
+        </p:spPr>
+        <p:txBody>
+          <a:bodyPr vert="horz" wrap="square" lIns="91440" tIns="45720" rIns="91440" bIns="45720" numCol="1" anchor="t" anchorCtr="0" compatLnSpc="1">
+            <a:prstTxWarp prst="textNoShape">
+              <a:avLst/>
+            </a:prstTxWarp>
+          </a:bodyPr>
+          <a:lstStyle/>
+          <a:p>
+            <a:endParaRPr lang="en-US"/>
+          </a:p>
+        </p:txBody>
+      </p:sp>
+      <p:sp>
+        <p:nvSpPr>
+          <p:cNvPr id="38" name="TextBox 37">
+            <a:extLst>
+              <a:ext uri="{FF2B5EF4-FFF2-40B4-BE49-F238E27FC236}">
+                <a16:creationId xmlns:a16="http://schemas.microsoft.com/office/drawing/2014/main" id="{90E76894-B202-4535-B390-7F255989044E}"/>
+              </a:ext>
+            </a:extLst>
+          </p:cNvPr>
+          <p:cNvSpPr txBox="1"/>
+          <p:nvPr/>
+        </p:nvSpPr>
+        <p:spPr>
+          <a:xfrm>
+            <a:off x="8842248" y="1481328"/>
+            <a:ext cx="2926080" cy="2468880"/>
+          </a:xfrm>
+          <a:prstGeom prst="rect">
+            <a:avLst/>
+          </a:prstGeom>
+        </p:spPr>
+        <p:txBody>
+          <a:bodyPr vert="horz" lIns="91440" tIns="45720" rIns="91440" bIns="45720" rtlCol="0" anchor="b">
+            <a:normAutofit/>
+          </a:bodyPr>
+          <a:lstStyle/>
+          <a:p>
+            <a:pPr>
+              <a:lnSpc>
+                <a:spcPct val="90000"/>
+              </a:lnSpc>
+              <a:spcBef>
+                <a:spcPct val="0"/>
+              </a:spcBef>
+              <a:spcAft>
+                <a:spcPts val="600"/>
+              </a:spcAft>
+            </a:pPr>
+            <a:r>
+              <a:rPr lang="en-US" sz="4000" b="1">
+                <a:latin typeface="+mj-lt"/>
+                <a:ea typeface="+mj-ea"/>
+                <a:cs typeface="+mj-cs"/>
+              </a:rPr>
+              <a:t>Technical Design</a:t>
+            </a:r>
+          </a:p>
+        </p:txBody>
+      </p:sp>
+      <p:sp>
+        <p:nvSpPr>
+          <p:cNvPr id="65" name="Freeform 22">
+            <a:extLst>
+              <a:ext uri="{FF2B5EF4-FFF2-40B4-BE49-F238E27FC236}">
+                <a16:creationId xmlns:a16="http://schemas.microsoft.com/office/drawing/2014/main" id="{237E2353-22DF-46E0-A200-FB30F8F394E2}"/>
+              </a:ext>
+              <a:ext uri="{C183D7F6-B498-43B3-948B-1728B52AA6E4}">
+                <adec:decorative xmlns:adec="http://schemas.microsoft.com/office/drawing/2017/decorative" val="1"/>
+              </a:ext>
+            </a:extLst>
+          </p:cNvPr>
+          <p:cNvSpPr>
+            <a:spLocks noGrp="1" noRot="1" noChangeAspect="1" noMove="1" noResize="1" noEditPoints="1" noAdjustHandles="1" noChangeArrowheads="1" noChangeShapeType="1" noTextEdit="1"/>
+          </p:cNvSpPr>
+          <p:nvPr>
+            <p:extLst>
+              <p:ext uri="{386F3935-93C4-4BCD-93E2-E3B085C9AB24}">
+                <p16:designElem xmlns:p16="http://schemas.microsoft.com/office/powerpoint/2015/main" val="1"/>
+              </p:ext>
+            </p:extLst>
+          </p:nvPr>
+        </p:nvSpPr>
+        <p:spPr bwMode="auto">
+          <a:xfrm>
+            <a:off x="10020826" y="-1916"/>
+            <a:ext cx="2165350" cy="1358265"/>
+          </a:xfrm>
+          <a:custGeom>
+            <a:avLst/>
+            <a:gdLst>
+              <a:gd name="T0" fmla="*/ 0 w 455"/>
+              <a:gd name="T1" fmla="*/ 0 h 285"/>
+              <a:gd name="T2" fmla="*/ 455 w 455"/>
+              <a:gd name="T3" fmla="*/ 285 h 285"/>
+            </a:gdLst>
+            <a:ahLst/>
+            <a:cxnLst>
+              <a:cxn ang="0">
+                <a:pos x="T0" y="T1"/>
+              </a:cxn>
+              <a:cxn ang="0">
+                <a:pos x="T2" y="T3"/>
+              </a:cxn>
+            </a:cxnLst>
+            <a:rect l="0" t="0" r="r" b="b"/>
+            <a:pathLst>
+              <a:path w="455" h="285">
+                <a:moveTo>
+                  <a:pt x="0" y="0"/>
+                </a:moveTo>
+                <a:cubicBezTo>
+                  <a:pt x="153" y="85"/>
+                  <a:pt x="308" y="180"/>
+                  <a:pt x="455" y="285"/>
+                </a:cubicBezTo>
+              </a:path>
+            </a:pathLst>
+          </a:custGeom>
+          <a:noFill/>
+          <a:ln w="9525" cap="flat">
+            <a:solidFill>
+              <a:schemeClr val="tx1">
+                <a:alpha val="20000"/>
+              </a:schemeClr>
+            </a:solidFill>
+            <a:prstDash val="dash"/>
+            <a:miter lim="800000"/>
+            <a:headEnd/>
+            <a:tailEnd/>
+          </a:ln>
+          <a:extLst>
+            <a:ext uri="{909E8E84-426E-40DD-AFC4-6F175D3DCCD1}">
+              <a14:hiddenFill xmlns:a14="http://schemas.microsoft.com/office/drawing/2010/main">
+                <a:solidFill>
+                  <a:srgbClr val="FFFFFF"/>
+                </a:solidFill>
+              </a14:hiddenFill>
+            </a:ext>
+          </a:extLst>
+        </p:spPr>
+        <p:txBody>
+          <a:bodyPr vert="horz" wrap="square" lIns="91440" tIns="45720" rIns="91440" bIns="45720" numCol="1" anchor="t" anchorCtr="0" compatLnSpc="1">
+            <a:prstTxWarp prst="textNoShape">
+              <a:avLst/>
+            </a:prstTxWarp>
+          </a:bodyPr>
+          <a:lstStyle/>
+          <a:p>
+            <a:endParaRPr lang="en-US"/>
+          </a:p>
+        </p:txBody>
+      </p:sp>
+      <p:sp>
+        <p:nvSpPr>
+          <p:cNvPr id="67" name="Freeform 23">
+            <a:extLst>
+              <a:ext uri="{FF2B5EF4-FFF2-40B4-BE49-F238E27FC236}">
+                <a16:creationId xmlns:a16="http://schemas.microsoft.com/office/drawing/2014/main" id="{DD6138DB-057B-45F7-A5F4-E7BFDA20D02C}"/>
+              </a:ext>
+              <a:ext uri="{C183D7F6-B498-43B3-948B-1728B52AA6E4}">
+                <adec:decorative xmlns:adec="http://schemas.microsoft.com/office/drawing/2017/decorative" val="1"/>
+              </a:ext>
+            </a:extLst>
+          </p:cNvPr>
+          <p:cNvSpPr>
+            <a:spLocks noGrp="1" noRot="1" noChangeAspect="1" noMove="1" noResize="1" noEditPoints="1" noAdjustHandles="1" noChangeArrowheads="1" noChangeShapeType="1" noTextEdit="1"/>
+          </p:cNvSpPr>
+          <p:nvPr>
+            <p:extLst>
+              <p:ext uri="{386F3935-93C4-4BCD-93E2-E3B085C9AB24}">
+                <p16:designElem xmlns:p16="http://schemas.microsoft.com/office/powerpoint/2015/main" val="1"/>
+              </p:ext>
+            </p:extLst>
+          </p:nvPr>
+        </p:nvSpPr>
+        <p:spPr bwMode="auto">
+          <a:xfrm>
+            <a:off x="11290826" y="-1916"/>
+            <a:ext cx="895350" cy="534687"/>
+          </a:xfrm>
+          <a:custGeom>
+            <a:avLst/>
+            <a:gdLst>
+              <a:gd name="T0" fmla="*/ 0 w 188"/>
+              <a:gd name="T1" fmla="*/ 0 h 112"/>
+              <a:gd name="T2" fmla="*/ 188 w 188"/>
+              <a:gd name="T3" fmla="*/ 112 h 112"/>
+            </a:gdLst>
+            <a:ahLst/>
+            <a:cxnLst>
+              <a:cxn ang="0">
+                <a:pos x="T0" y="T1"/>
+              </a:cxn>
+              <a:cxn ang="0">
+                <a:pos x="T2" y="T3"/>
+              </a:cxn>
+            </a:cxnLst>
+            <a:rect l="0" t="0" r="r" b="b"/>
+            <a:pathLst>
+              <a:path w="188" h="112">
+                <a:moveTo>
+                  <a:pt x="0" y="0"/>
+                </a:moveTo>
+                <a:cubicBezTo>
+                  <a:pt x="63" y="36"/>
+                  <a:pt x="126" y="73"/>
+                  <a:pt x="188" y="112"/>
+                </a:cubicBezTo>
+              </a:path>
+            </a:pathLst>
+          </a:custGeom>
+          <a:noFill/>
+          <a:ln w="9525" cap="flat">
+            <a:solidFill>
+              <a:schemeClr val="tx1">
+                <a:alpha val="20000"/>
+              </a:schemeClr>
+            </a:solidFill>
+            <a:prstDash val="solid"/>
+            <a:miter lim="800000"/>
+            <a:headEnd/>
+            <a:tailEnd/>
+          </a:ln>
+          <a:extLst>
+            <a:ext uri="{909E8E84-426E-40DD-AFC4-6F175D3DCCD1}">
+              <a14:hiddenFill xmlns:a14="http://schemas.microsoft.com/office/drawing/2010/main">
+                <a:solidFill>
+                  <a:srgbClr val="FFFFFF"/>
+                </a:solidFill>
+              </a14:hiddenFill>
+            </a:ext>
+          </a:extLst>
+        </p:spPr>
+        <p:txBody>
+          <a:bodyPr vert="horz" wrap="square" lIns="91440" tIns="45720" rIns="91440" bIns="45720" numCol="1" anchor="t" anchorCtr="0" compatLnSpc="1">
+            <a:prstTxWarp prst="textNoShape">
+              <a:avLst/>
+            </a:prstTxWarp>
+          </a:bodyPr>
+          <a:lstStyle/>
+          <a:p>
+            <a:endParaRPr lang="en-US"/>
+          </a:p>
+        </p:txBody>
+      </p:sp>
+      <p:sp>
+        <p:nvSpPr>
+          <p:cNvPr id="69" name="Freeform: Shape 68">
+            <a:extLst>
+              <a:ext uri="{FF2B5EF4-FFF2-40B4-BE49-F238E27FC236}">
+                <a16:creationId xmlns:a16="http://schemas.microsoft.com/office/drawing/2014/main" id="{79A54AB1-B64F-4843-BFAB-81CB74E66B65}"/>
+              </a:ext>
+              <a:ext uri="{C183D7F6-B498-43B3-948B-1728B52AA6E4}">
+                <adec:decorative xmlns:adec="http://schemas.microsoft.com/office/drawing/2017/decorative" val="1"/>
+              </a:ext>
+            </a:extLst>
+          </p:cNvPr>
+          <p:cNvSpPr>
+            <a:spLocks noGrp="1" noRot="1" noChangeAspect="1" noMove="1" noResize="1" noEditPoints="1" noAdjustHandles="1" noChangeArrowheads="1" noChangeShapeType="1" noTextEdit="1"/>
+          </p:cNvSpPr>
+          <p:nvPr>
+            <p:extLst>
+              <p:ext uri="{386F3935-93C4-4BCD-93E2-E3B085C9AB24}">
+                <p16:designElem xmlns:p16="http://schemas.microsoft.com/office/powerpoint/2015/main" val="1"/>
+              </p:ext>
+            </p:extLst>
+          </p:nvPr>
+        </p:nvSpPr>
+        <p:spPr>
+          <a:xfrm rot="20931529">
+            <a:off x="752078" y="2218040"/>
+            <a:ext cx="4418757" cy="4259609"/>
+          </a:xfrm>
+          <a:custGeom>
+            <a:avLst/>
+            <a:gdLst>
+              <a:gd name="connsiteX0" fmla="*/ 404107 w 4507111"/>
+              <a:gd name="connsiteY0" fmla="*/ 0 h 4344781"/>
+              <a:gd name="connsiteX1" fmla="*/ 371857 w 4507111"/>
+              <a:gd name="connsiteY1" fmla="*/ 117359 h 4344781"/>
+              <a:gd name="connsiteX2" fmla="*/ 307833 w 4507111"/>
+              <a:gd name="connsiteY2" fmla="*/ 632970 h 4344781"/>
+              <a:gd name="connsiteX3" fmla="*/ 3569418 w 4507111"/>
+              <a:gd name="connsiteY3" fmla="*/ 4141149 h 4344781"/>
+              <a:gd name="connsiteX4" fmla="*/ 4440861 w 4507111"/>
+              <a:gd name="connsiteY4" fmla="*/ 4332480 h 4344781"/>
+              <a:gd name="connsiteX5" fmla="*/ 4507111 w 4507111"/>
+              <a:gd name="connsiteY5" fmla="*/ 4341752 h 4344781"/>
+              <a:gd name="connsiteX6" fmla="*/ 4296045 w 4507111"/>
+              <a:gd name="connsiteY6" fmla="*/ 4344781 h 4344781"/>
+              <a:gd name="connsiteX7" fmla="*/ 3749565 w 4507111"/>
+              <a:gd name="connsiteY7" fmla="*/ 4321853 h 4344781"/>
+              <a:gd name="connsiteX8" fmla="*/ 36764 w 4507111"/>
+              <a:gd name="connsiteY8" fmla="*/ 1629794 h 4344781"/>
+              <a:gd name="connsiteX9" fmla="*/ 300069 w 4507111"/>
+              <a:gd name="connsiteY9" fmla="*/ 144750 h 4344781"/>
+            </a:gdLst>
+            <a:ahLst/>
+            <a:cxnLst>
+              <a:cxn ang="0">
+                <a:pos x="connsiteX0" y="connsiteY0"/>
+              </a:cxn>
+              <a:cxn ang="0">
+                <a:pos x="connsiteX1" y="connsiteY1"/>
+              </a:cxn>
+              <a:cxn ang="0">
+                <a:pos x="connsiteX2" y="connsiteY2"/>
+              </a:cxn>
+              <a:cxn ang="0">
+                <a:pos x="connsiteX3" y="connsiteY3"/>
+              </a:cxn>
+              <a:cxn ang="0">
+                <a:pos x="connsiteX4" y="connsiteY4"/>
+              </a:cxn>
+              <a:cxn ang="0">
+                <a:pos x="connsiteX5" y="connsiteY5"/>
+              </a:cxn>
+              <a:cxn ang="0">
+                <a:pos x="connsiteX6" y="connsiteY6"/>
+              </a:cxn>
+              <a:cxn ang="0">
+                <a:pos x="connsiteX7" y="connsiteY7"/>
+              </a:cxn>
+              <a:cxn ang="0">
+                <a:pos x="connsiteX8" y="connsiteY8"/>
+              </a:cxn>
+              <a:cxn ang="0">
+                <a:pos x="connsiteX9" y="connsiteY9"/>
+              </a:cxn>
+            </a:cxnLst>
+            <a:rect l="l" t="t" r="r" b="b"/>
+            <a:pathLst>
+              <a:path w="4507111" h="4344781">
+                <a:moveTo>
+                  <a:pt x="404107" y="0"/>
+                </a:moveTo>
+                <a:lnTo>
+                  <a:pt x="371857" y="117359"/>
+                </a:lnTo>
+                <a:cubicBezTo>
+                  <a:pt x="333827" y="278567"/>
+                  <a:pt x="311875" y="450459"/>
+                  <a:pt x="307833" y="632970"/>
+                </a:cubicBezTo>
+                <a:cubicBezTo>
+                  <a:pt x="264711" y="2579752"/>
+                  <a:pt x="2253987" y="3769243"/>
+                  <a:pt x="3569418" y="4141149"/>
+                </a:cubicBezTo>
+                <a:cubicBezTo>
+                  <a:pt x="3816061" y="4210881"/>
+                  <a:pt x="4114807" y="4279754"/>
+                  <a:pt x="4440861" y="4332480"/>
+                </a:cubicBezTo>
+                <a:lnTo>
+                  <a:pt x="4507111" y="4341752"/>
+                </a:lnTo>
+                <a:lnTo>
+                  <a:pt x="4296045" y="4344781"/>
+                </a:lnTo>
+                <a:cubicBezTo>
+                  <a:pt x="4097363" y="4343711"/>
+                  <a:pt x="3912623" y="4335104"/>
+                  <a:pt x="3749565" y="4321853"/>
+                </a:cubicBezTo>
+                <a:cubicBezTo>
+                  <a:pt x="2445102" y="4215850"/>
+                  <a:pt x="356405" y="3466499"/>
+                  <a:pt x="36764" y="1629794"/>
+                </a:cubicBezTo>
+                <a:cubicBezTo>
+                  <a:pt x="-63123" y="1055823"/>
+                  <a:pt x="45741" y="555869"/>
+                  <a:pt x="300069" y="144750"/>
+                </a:cubicBezTo>
+                <a:close/>
+              </a:path>
+            </a:pathLst>
+          </a:custGeom>
+          <a:solidFill>
+            <a:schemeClr val="tx1">
+              <a:alpha val="70000"/>
+            </a:schemeClr>
+          </a:solidFill>
+          <a:ln>
+            <a:noFill/>
+          </a:ln>
+        </p:spPr>
+        <p:style>
+          <a:lnRef idx="2">
+            <a:schemeClr val="accent1">
+              <a:shade val="50000"/>
+            </a:schemeClr>
+          </a:lnRef>
+          <a:fillRef idx="1">
+            <a:schemeClr val="accent1"/>
+          </a:fillRef>
+          <a:effectRef idx="0">
+            <a:schemeClr val="accent1"/>
+          </a:effectRef>
+          <a:fontRef idx="minor">
+            <a:schemeClr val="lt1"/>
+          </a:fontRef>
+        </p:style>
+        <p:txBody>
+          <a:bodyPr wrap="square" rtlCol="0" anchor="ctr">
+            <a:noAutofit/>
+          </a:bodyPr>
+          <a:lstStyle/>
+          <a:p>
+            <a:pPr marL="0" marR="0" lvl="0" indent="0" algn="ctr" defTabSz="457200" rtl="0" eaLnBrk="1" fontAlgn="auto" latinLnBrk="0" hangingPunct="1">
+              <a:lnSpc>
+                <a:spcPct val="100000"/>
+              </a:lnSpc>
+              <a:spcBef>
+                <a:spcPts val="0"/>
+              </a:spcBef>
+              <a:spcAft>
+                <a:spcPts val="0"/>
+              </a:spcAft>
+              <a:buClrTx/>
+              <a:buSzTx/>
+              <a:buFontTx/>
+              <a:buNone/>
+              <a:tabLst/>
+              <a:defRPr/>
+            </a:pPr>
+            <a:endParaRPr kumimoji="0" lang="en-US" sz="1800" b="0" i="0" u="none" strike="noStrike" kern="1200" cap="none" spc="0" normalizeH="0" baseline="0" noProof="0">
+              <a:ln>
+                <a:noFill/>
+              </a:ln>
+              <a:solidFill>
+                <a:prstClr val="white"/>
+              </a:solidFill>
+              <a:effectLst/>
+              <a:uLnTx/>
+              <a:uFillTx/>
+              <a:latin typeface="Rockwell" panose="02060603020205020403"/>
+              <a:ea typeface="+mn-ea"/>
+              <a:cs typeface="+mn-cs"/>
+            </a:endParaRPr>
+          </a:p>
+        </p:txBody>
+      </p:sp>
+      <p:pic>
+        <p:nvPicPr>
+          <p:cNvPr id="37" name="Picture 2" descr="Image result for Technical Design png">
+            <a:extLst>
+              <a:ext uri="{FF2B5EF4-FFF2-40B4-BE49-F238E27FC236}">
+                <a16:creationId xmlns:a16="http://schemas.microsoft.com/office/drawing/2014/main" id="{5D4A4FB2-2E0F-46C4-9015-DAF2223B4592}"/>
+              </a:ext>
+            </a:extLst>
+          </p:cNvPr>
+          <p:cNvPicPr>
+            <a:picLocks noChangeAspect="1" noChangeArrowheads="1"/>
+          </p:cNvPicPr>
+          <p:nvPr/>
+        </p:nvPicPr>
+        <p:blipFill rotWithShape="1">
+          <a:blip r:embed="rId2">
+            <a:extLst>
+              <a:ext uri="{28A0092B-C50C-407E-A947-70E740481C1C}">
+                <a14:useLocalDpi xmlns:a14="http://schemas.microsoft.com/office/drawing/2010/main" val="0"/>
+              </a:ext>
+            </a:extLst>
+          </a:blip>
+          <a:srcRect t="5334" r="1" b="8351"/>
+          <a:stretch/>
+        </p:blipFill>
+        <p:spPr bwMode="auto">
+          <a:xfrm>
+            <a:off x="921910" y="465243"/>
+            <a:ext cx="7761924" cy="5343065"/>
+          </a:xfrm>
+          <a:custGeom>
+            <a:avLst/>
+            <a:gdLst/>
+            <a:ahLst/>
+            <a:cxnLst/>
+            <a:rect l="l" t="t" r="r" b="b"/>
+            <a:pathLst>
+              <a:path w="7761924" h="5343065">
+                <a:moveTo>
+                  <a:pt x="3025687" y="76"/>
+                </a:moveTo>
+                <a:cubicBezTo>
+                  <a:pt x="3140786" y="756"/>
+                  <a:pt x="3256631" y="6055"/>
+                  <a:pt x="3372722" y="16088"/>
+                </a:cubicBezTo>
+                <a:cubicBezTo>
+                  <a:pt x="5230178" y="176616"/>
+                  <a:pt x="7761924" y="1424594"/>
+                  <a:pt x="7761924" y="3316816"/>
+                </a:cubicBezTo>
+                <a:cubicBezTo>
+                  <a:pt x="7646022" y="5237647"/>
+                  <a:pt x="4988715" y="5423921"/>
+                  <a:pt x="3701109" y="5320611"/>
+                </a:cubicBezTo>
+                <a:cubicBezTo>
+                  <a:pt x="2413504" y="5217301"/>
+                  <a:pt x="351800" y="4486992"/>
+                  <a:pt x="36290" y="2696959"/>
+                </a:cubicBezTo>
+                <a:cubicBezTo>
+                  <a:pt x="-259500" y="1018804"/>
+                  <a:pt x="1299198" y="-10133"/>
+                  <a:pt x="3025687" y="76"/>
+                </a:cubicBezTo>
+                <a:close/>
+              </a:path>
+            </a:pathLst>
+          </a:custGeom>
+          <a:noFill/>
+          <a:extLst>
+            <a:ext uri="{909E8E84-426E-40DD-AFC4-6F175D3DCCD1}">
+              <a14:hiddenFill xmlns:a14="http://schemas.microsoft.com/office/drawing/2010/main">
+                <a:solidFill>
+                  <a:srgbClr val="FFFFFF"/>
+                </a:solidFill>
+              </a14:hiddenFill>
+            </a:ext>
+          </a:extLst>
+        </p:spPr>
+      </p:pic>
+    </p:spTree>
+    <p:extLst>
+      <p:ext uri="{BB962C8B-B14F-4D97-AF65-F5344CB8AC3E}">
+        <p14:creationId xmlns:p14="http://schemas.microsoft.com/office/powerpoint/2010/main" val="814099600"/>
+      </p:ext>
+    </p:extLst>
+  </p:cSld>
+  <p:clrMapOvr>
+    <a:masterClrMapping/>
+  </p:clrMapOvr>
+</p:sld>
+</file>
+
+<file path=ppt/slides/slide15.xml><?xml version="1.0" encoding="utf-8"?>
+<p:sld xmlns:a="http://schemas.openxmlformats.org/drawingml/2006/main" xmlns:r="http://schemas.openxmlformats.org/officeDocument/2006/relationships" xmlns:p="http://schemas.openxmlformats.org/presentationml/2006/main">
+  <p:cSld>
+    <p:bg>
+      <p:bgPr>
+        <a:solidFill>
+          <a:schemeClr val="bg1"/>
+        </a:solidFill>
+        <a:effectLst/>
+      </p:bgPr>
+    </p:bg>
+    <p:spTree>
+      <p:nvGrpSpPr>
+        <p:cNvPr id="1" name=""/>
+        <p:cNvGrpSpPr/>
+        <p:nvPr/>
+      </p:nvGrpSpPr>
+      <p:grpSpPr>
+        <a:xfrm>
+          <a:off x="0" y="0"/>
+          <a:ext cx="0" cy="0"/>
+          <a:chOff x="0" y="0"/>
+          <a:chExt cx="0" cy="0"/>
+        </a:xfrm>
+      </p:grpSpPr>
+      <p:sp>
+        <p:nvSpPr>
+          <p:cNvPr id="7" name="Rectangle 6">
             <a:extLst>
               <a:ext uri="{FF2B5EF4-FFF2-40B4-BE49-F238E27FC236}">
                 <a16:creationId xmlns:a16="http://schemas.microsoft.com/office/drawing/2014/main" id="{23962611-DFD5-4092-AAFD-559E3DFCE2C9}"/>
@@ -5245,7 +5820,7 @@
       </p:sp>
       <p:pic>
         <p:nvPicPr>
-          <p:cNvPr id="12" name="Picture 11">
+          <p:cNvPr id="9" name="Picture 8">
             <a:extLst>
               <a:ext uri="{FF2B5EF4-FFF2-40B4-BE49-F238E27FC236}">
                 <a16:creationId xmlns:a16="http://schemas.microsoft.com/office/drawing/2014/main" id="{2270F1FA-0425-408F-9861-80BF5AFB276D}"/>
@@ -5290,6 +5865,1602 @@
       </p:pic>
       <p:sp>
         <p:nvSpPr>
+          <p:cNvPr id="2" name="TextBox 1">
+            <a:extLst>
+              <a:ext uri="{FF2B5EF4-FFF2-40B4-BE49-F238E27FC236}">
+                <a16:creationId xmlns:a16="http://schemas.microsoft.com/office/drawing/2014/main" id="{0275BB70-0EDF-4063-AECB-72EB4BF869E2}"/>
+              </a:ext>
+            </a:extLst>
+          </p:cNvPr>
+          <p:cNvSpPr txBox="1"/>
+          <p:nvPr/>
+        </p:nvSpPr>
+        <p:spPr>
+          <a:xfrm>
+            <a:off x="3045368" y="2043663"/>
+            <a:ext cx="6105194" cy="2031055"/>
+          </a:xfrm>
+          <a:prstGeom prst="rect">
+            <a:avLst/>
+          </a:prstGeom>
+        </p:spPr>
+        <p:txBody>
+          <a:bodyPr vert="horz" lIns="91440" tIns="45720" rIns="91440" bIns="45720" rtlCol="0" anchor="b">
+            <a:normAutofit/>
+          </a:bodyPr>
+          <a:lstStyle/>
+          <a:p>
+            <a:pPr algn="ctr">
+              <a:lnSpc>
+                <a:spcPct val="90000"/>
+              </a:lnSpc>
+              <a:spcBef>
+                <a:spcPct val="0"/>
+              </a:spcBef>
+              <a:spcAft>
+                <a:spcPts val="600"/>
+              </a:spcAft>
+            </a:pPr>
+            <a:r>
+              <a:rPr lang="en-US" sz="6000" b="1" kern="1200" dirty="0">
+                <a:solidFill>
+                  <a:srgbClr val="FFFFFF"/>
+                </a:solidFill>
+                <a:latin typeface="+mj-lt"/>
+                <a:ea typeface="+mj-ea"/>
+                <a:cs typeface="+mj-cs"/>
+              </a:rPr>
+              <a:t>Data Model</a:t>
+            </a:r>
+          </a:p>
+        </p:txBody>
+      </p:sp>
+    </p:spTree>
+    <p:extLst>
+      <p:ext uri="{BB962C8B-B14F-4D97-AF65-F5344CB8AC3E}">
+        <p14:creationId xmlns:p14="http://schemas.microsoft.com/office/powerpoint/2010/main" val="2643390994"/>
+      </p:ext>
+    </p:extLst>
+  </p:cSld>
+  <p:clrMapOvr>
+    <a:masterClrMapping/>
+  </p:clrMapOvr>
+</p:sld>
+</file>
+
+<file path=ppt/slides/slide16.xml><?xml version="1.0" encoding="utf-8"?>
+<p:sld xmlns:a="http://schemas.openxmlformats.org/drawingml/2006/main" xmlns:r="http://schemas.openxmlformats.org/officeDocument/2006/relationships" xmlns:p="http://schemas.openxmlformats.org/presentationml/2006/main">
+  <p:cSld>
+    <p:spTree>
+      <p:nvGrpSpPr>
+        <p:cNvPr id="1" name=""/>
+        <p:cNvGrpSpPr/>
+        <p:nvPr/>
+      </p:nvGrpSpPr>
+      <p:grpSpPr>
+        <a:xfrm>
+          <a:off x="0" y="0"/>
+          <a:ext cx="0" cy="0"/>
+          <a:chOff x="0" y="0"/>
+          <a:chExt cx="0" cy="0"/>
+        </a:xfrm>
+      </p:grpSpPr>
+      <p:sp>
+        <p:nvSpPr>
+          <p:cNvPr id="3" name="TextBox 2">
+            <a:extLst>
+              <a:ext uri="{FF2B5EF4-FFF2-40B4-BE49-F238E27FC236}">
+                <a16:creationId xmlns:a16="http://schemas.microsoft.com/office/drawing/2014/main" id="{4E89039E-7E36-4C94-9CF7-6570058A9231}"/>
+              </a:ext>
+            </a:extLst>
+          </p:cNvPr>
+          <p:cNvSpPr txBox="1"/>
+          <p:nvPr/>
+        </p:nvSpPr>
+        <p:spPr>
+          <a:xfrm>
+            <a:off x="711200" y="2460625"/>
+            <a:ext cx="10791825" cy="830997"/>
+          </a:xfrm>
+          <a:prstGeom prst="rect">
+            <a:avLst/>
+          </a:prstGeom>
+          <a:noFill/>
+        </p:spPr>
+        <p:txBody>
+          <a:bodyPr wrap="square" rtlCol="0">
+            <a:spAutoFit/>
+          </a:bodyPr>
+          <a:lstStyle/>
+          <a:p>
+            <a:pPr algn="ctr"/>
+            <a:r>
+              <a:rPr lang="en-US" sz="4800" dirty="0"/>
+              <a:t>Pages and Components</a:t>
+            </a:r>
+            <a:endParaRPr lang="en-IL" sz="4800" dirty="0"/>
+          </a:p>
+        </p:txBody>
+      </p:sp>
+    </p:spTree>
+    <p:extLst>
+      <p:ext uri="{BB962C8B-B14F-4D97-AF65-F5344CB8AC3E}">
+        <p14:creationId xmlns:p14="http://schemas.microsoft.com/office/powerpoint/2010/main" val="942829184"/>
+      </p:ext>
+    </p:extLst>
+  </p:cSld>
+  <p:clrMapOvr>
+    <a:masterClrMapping/>
+  </p:clrMapOvr>
+</p:sld>
+</file>
+
+<file path=ppt/slides/slide17.xml><?xml version="1.0" encoding="utf-8"?>
+<p:sld xmlns:a="http://schemas.openxmlformats.org/drawingml/2006/main" xmlns:r="http://schemas.openxmlformats.org/officeDocument/2006/relationships" xmlns:p="http://schemas.openxmlformats.org/presentationml/2006/main">
+  <p:cSld>
+    <p:spTree>
+      <p:nvGrpSpPr>
+        <p:cNvPr id="1" name=""/>
+        <p:cNvGrpSpPr/>
+        <p:nvPr/>
+      </p:nvGrpSpPr>
+      <p:grpSpPr>
+        <a:xfrm>
+          <a:off x="0" y="0"/>
+          <a:ext cx="0" cy="0"/>
+          <a:chOff x="0" y="0"/>
+          <a:chExt cx="0" cy="0"/>
+        </a:xfrm>
+      </p:grpSpPr>
+      <p:sp>
+        <p:nvSpPr>
+          <p:cNvPr id="2" name="TextBox 1">
+            <a:extLst>
+              <a:ext uri="{FF2B5EF4-FFF2-40B4-BE49-F238E27FC236}">
+                <a16:creationId xmlns:a16="http://schemas.microsoft.com/office/drawing/2014/main" id="{F862B99F-C784-4BCE-9799-883D06C40419}"/>
+              </a:ext>
+            </a:extLst>
+          </p:cNvPr>
+          <p:cNvSpPr txBox="1"/>
+          <p:nvPr/>
+        </p:nvSpPr>
+        <p:spPr>
+          <a:xfrm>
+            <a:off x="711200" y="2460625"/>
+            <a:ext cx="10791825" cy="830997"/>
+          </a:xfrm>
+          <a:prstGeom prst="rect">
+            <a:avLst/>
+          </a:prstGeom>
+          <a:noFill/>
+        </p:spPr>
+        <p:txBody>
+          <a:bodyPr wrap="square" rtlCol="0">
+            <a:spAutoFit/>
+          </a:bodyPr>
+          <a:lstStyle/>
+          <a:p>
+            <a:pPr algn="ctr"/>
+            <a:r>
+              <a:rPr lang="en-US" sz="4800" dirty="0"/>
+              <a:t>Store</a:t>
+            </a:r>
+            <a:endParaRPr lang="en-IL" sz="4800" dirty="0"/>
+          </a:p>
+        </p:txBody>
+      </p:sp>
+    </p:spTree>
+    <p:extLst>
+      <p:ext uri="{BB962C8B-B14F-4D97-AF65-F5344CB8AC3E}">
+        <p14:creationId xmlns:p14="http://schemas.microsoft.com/office/powerpoint/2010/main" val="3293208531"/>
+      </p:ext>
+    </p:extLst>
+  </p:cSld>
+  <p:clrMapOvr>
+    <a:masterClrMapping/>
+  </p:clrMapOvr>
+</p:sld>
+</file>
+
+<file path=ppt/slides/slide18.xml><?xml version="1.0" encoding="utf-8"?>
+<p:sld xmlns:a="http://schemas.openxmlformats.org/drawingml/2006/main" xmlns:r="http://schemas.openxmlformats.org/officeDocument/2006/relationships" xmlns:p="http://schemas.openxmlformats.org/presentationml/2006/main">
+  <p:cSld>
+    <p:spTree>
+      <p:nvGrpSpPr>
+        <p:cNvPr id="1" name=""/>
+        <p:cNvGrpSpPr/>
+        <p:nvPr/>
+      </p:nvGrpSpPr>
+      <p:grpSpPr>
+        <a:xfrm>
+          <a:off x="0" y="0"/>
+          <a:ext cx="0" cy="0"/>
+          <a:chOff x="0" y="0"/>
+          <a:chExt cx="0" cy="0"/>
+        </a:xfrm>
+      </p:grpSpPr>
+      <p:sp>
+        <p:nvSpPr>
+          <p:cNvPr id="4" name="TextBox 3">
+            <a:extLst>
+              <a:ext uri="{FF2B5EF4-FFF2-40B4-BE49-F238E27FC236}">
+                <a16:creationId xmlns:a16="http://schemas.microsoft.com/office/drawing/2014/main" id="{E613D765-57D8-4561-A804-83842E42258B}"/>
+              </a:ext>
+            </a:extLst>
+          </p:cNvPr>
+          <p:cNvSpPr txBox="1"/>
+          <p:nvPr/>
+        </p:nvSpPr>
+        <p:spPr>
+          <a:xfrm>
+            <a:off x="4739780" y="2598003"/>
+            <a:ext cx="2021002" cy="830997"/>
+          </a:xfrm>
+          <a:prstGeom prst="rect">
+            <a:avLst/>
+          </a:prstGeom>
+          <a:noFill/>
+        </p:spPr>
+        <p:txBody>
+          <a:bodyPr wrap="none" rtlCol="0">
+            <a:spAutoFit/>
+          </a:bodyPr>
+          <a:lstStyle/>
+          <a:p>
+            <a:r>
+              <a:rPr lang="en-US" sz="4800" dirty="0"/>
+              <a:t>sockets</a:t>
+            </a:r>
+            <a:endParaRPr lang="LID4096" sz="4800" dirty="0"/>
+          </a:p>
+        </p:txBody>
+      </p:sp>
+    </p:spTree>
+    <p:extLst>
+      <p:ext uri="{BB962C8B-B14F-4D97-AF65-F5344CB8AC3E}">
+        <p14:creationId xmlns:p14="http://schemas.microsoft.com/office/powerpoint/2010/main" val="3971017919"/>
+      </p:ext>
+    </p:extLst>
+  </p:cSld>
+  <p:clrMapOvr>
+    <a:masterClrMapping/>
+  </p:clrMapOvr>
+</p:sld>
+</file>
+
+<file path=ppt/slides/slide19.xml><?xml version="1.0" encoding="utf-8"?>
+<p:sld xmlns:a="http://schemas.openxmlformats.org/drawingml/2006/main" xmlns:r="http://schemas.openxmlformats.org/officeDocument/2006/relationships" xmlns:p="http://schemas.openxmlformats.org/presentationml/2006/main">
+  <p:cSld>
+    <p:spTree>
+      <p:nvGrpSpPr>
+        <p:cNvPr id="1" name=""/>
+        <p:cNvGrpSpPr/>
+        <p:nvPr/>
+      </p:nvGrpSpPr>
+      <p:grpSpPr>
+        <a:xfrm>
+          <a:off x="0" y="0"/>
+          <a:ext cx="0" cy="0"/>
+          <a:chOff x="0" y="0"/>
+          <a:chExt cx="0" cy="0"/>
+        </a:xfrm>
+      </p:grpSpPr>
+      <p:sp>
+        <p:nvSpPr>
+          <p:cNvPr id="4" name="TextBox 3">
+            <a:extLst>
+              <a:ext uri="{FF2B5EF4-FFF2-40B4-BE49-F238E27FC236}">
+                <a16:creationId xmlns:a16="http://schemas.microsoft.com/office/drawing/2014/main" id="{DFA81FBF-438D-4E60-A45E-5D0C020B0507}"/>
+              </a:ext>
+            </a:extLst>
+          </p:cNvPr>
+          <p:cNvSpPr txBox="1"/>
+          <p:nvPr/>
+        </p:nvSpPr>
+        <p:spPr>
+          <a:xfrm>
+            <a:off x="711200" y="2460625"/>
+            <a:ext cx="10791825" cy="830997"/>
+          </a:xfrm>
+          <a:prstGeom prst="rect">
+            <a:avLst/>
+          </a:prstGeom>
+          <a:noFill/>
+        </p:spPr>
+        <p:txBody>
+          <a:bodyPr wrap="square" rtlCol="0">
+            <a:spAutoFit/>
+          </a:bodyPr>
+          <a:lstStyle/>
+          <a:p>
+            <a:pPr algn="ctr"/>
+            <a:r>
+              <a:rPr lang="en-US" sz="4800" dirty="0"/>
+              <a:t>Pages and Components</a:t>
+            </a:r>
+            <a:endParaRPr lang="en-IL" sz="4800" dirty="0"/>
+          </a:p>
+        </p:txBody>
+      </p:sp>
+    </p:spTree>
+    <p:extLst>
+      <p:ext uri="{BB962C8B-B14F-4D97-AF65-F5344CB8AC3E}">
+        <p14:creationId xmlns:p14="http://schemas.microsoft.com/office/powerpoint/2010/main" val="1545925520"/>
+      </p:ext>
+    </p:extLst>
+  </p:cSld>
+  <p:clrMapOvr>
+    <a:masterClrMapping/>
+  </p:clrMapOvr>
+</p:sld>
+</file>
+
+<file path=ppt/slides/slide2.xml><?xml version="1.0" encoding="utf-8"?>
+<p:sld xmlns:a="http://schemas.openxmlformats.org/drawingml/2006/main" xmlns:r="http://schemas.openxmlformats.org/officeDocument/2006/relationships" xmlns:p="http://schemas.openxmlformats.org/presentationml/2006/main">
+  <p:cSld>
+    <p:spTree>
+      <p:nvGrpSpPr>
+        <p:cNvPr id="1" name=""/>
+        <p:cNvGrpSpPr/>
+        <p:nvPr/>
+      </p:nvGrpSpPr>
+      <p:grpSpPr>
+        <a:xfrm>
+          <a:off x="0" y="0"/>
+          <a:ext cx="0" cy="0"/>
+          <a:chOff x="0" y="0"/>
+          <a:chExt cx="0" cy="0"/>
+        </a:xfrm>
+      </p:grpSpPr>
+      <p:sp>
+        <p:nvSpPr>
+          <p:cNvPr id="5" name="TextBox 4">
+            <a:extLst>
+              <a:ext uri="{FF2B5EF4-FFF2-40B4-BE49-F238E27FC236}">
+                <a16:creationId xmlns:a16="http://schemas.microsoft.com/office/drawing/2014/main" id="{DC0E5CC2-AA53-4B62-BD66-9C01E8D4C8F6}"/>
+              </a:ext>
+            </a:extLst>
+          </p:cNvPr>
+          <p:cNvSpPr txBox="1"/>
+          <p:nvPr/>
+        </p:nvSpPr>
+        <p:spPr>
+          <a:xfrm>
+            <a:off x="638173" y="428853"/>
+            <a:ext cx="10791825" cy="646331"/>
+          </a:xfrm>
+          <a:prstGeom prst="rect">
+            <a:avLst/>
+          </a:prstGeom>
+          <a:noFill/>
+        </p:spPr>
+        <p:txBody>
+          <a:bodyPr wrap="square" rtlCol="0">
+            <a:spAutoFit/>
+          </a:bodyPr>
+          <a:lstStyle/>
+          <a:p>
+            <a:r>
+              <a:rPr lang="en-US" sz="3600" dirty="0"/>
+              <a:t>Highlights</a:t>
+            </a:r>
+            <a:endParaRPr lang="en-IL" sz="3600" dirty="0"/>
+          </a:p>
+        </p:txBody>
+      </p:sp>
+      <p:sp>
+        <p:nvSpPr>
+          <p:cNvPr id="6" name="TextBox 5">
+            <a:extLst>
+              <a:ext uri="{FF2B5EF4-FFF2-40B4-BE49-F238E27FC236}">
+                <a16:creationId xmlns:a16="http://schemas.microsoft.com/office/drawing/2014/main" id="{9977DBF7-2954-4C60-BAA9-D13E7A77418A}"/>
+              </a:ext>
+            </a:extLst>
+          </p:cNvPr>
+          <p:cNvSpPr txBox="1"/>
+          <p:nvPr/>
+        </p:nvSpPr>
+        <p:spPr>
+          <a:xfrm>
+            <a:off x="638174" y="1397000"/>
+            <a:ext cx="10791825" cy="4708981"/>
+          </a:xfrm>
+          <a:prstGeom prst="rect">
+            <a:avLst/>
+          </a:prstGeom>
+          <a:noFill/>
+        </p:spPr>
+        <p:txBody>
+          <a:bodyPr wrap="square" rtlCol="0">
+            <a:spAutoFit/>
+          </a:bodyPr>
+          <a:lstStyle/>
+          <a:p>
+            <a:r>
+              <a:rPr lang="en-US" sz="2000" b="1" dirty="0"/>
+              <a:t>Product Name: TBD</a:t>
+            </a:r>
+          </a:p>
+          <a:p>
+            <a:endParaRPr lang="en-US" sz="2000" dirty="0"/>
+          </a:p>
+          <a:p>
+            <a:r>
+              <a:rPr lang="en-US" sz="2000" b="1" dirty="0"/>
+              <a:t>Product Short Description:</a:t>
+            </a:r>
+            <a:endParaRPr lang="en-US" sz="2000" b="1" dirty="0">
+              <a:solidFill>
+                <a:srgbClr val="FF0000"/>
+              </a:solidFill>
+            </a:endParaRPr>
+          </a:p>
+          <a:p>
+            <a:r>
+              <a:rPr lang="en-US" sz="2000" dirty="0"/>
+              <a:t>A marketplace for social media influencers and advertising campaigns.</a:t>
+            </a:r>
+          </a:p>
+          <a:p>
+            <a:endParaRPr lang="en-US" sz="2000" b="1" dirty="0"/>
+          </a:p>
+          <a:p>
+            <a:r>
+              <a:rPr lang="en-US" sz="2000" b="1" dirty="0"/>
+              <a:t>Users:</a:t>
+            </a:r>
+            <a:endParaRPr lang="en-US" sz="2000" b="1" dirty="0">
+              <a:solidFill>
+                <a:srgbClr val="FF0000"/>
+              </a:solidFill>
+            </a:endParaRPr>
+          </a:p>
+          <a:p>
+            <a:r>
+              <a:rPr lang="en-US" sz="2000" dirty="0"/>
+              <a:t>Guest users, influencers, brand managers, Admin.</a:t>
+            </a:r>
+          </a:p>
+          <a:p>
+            <a:endParaRPr lang="en-US" sz="2000" dirty="0"/>
+          </a:p>
+          <a:p>
+            <a:r>
+              <a:rPr lang="en-US" sz="2000" b="1" dirty="0"/>
+              <a:t>Key features:</a:t>
+            </a:r>
+            <a:endParaRPr lang="en-US" sz="2000" b="1" dirty="0">
+              <a:solidFill>
+                <a:srgbClr val="FF0000"/>
+              </a:solidFill>
+            </a:endParaRPr>
+          </a:p>
+          <a:p>
+            <a:r>
+              <a:rPr lang="en-US" sz="2000" dirty="0"/>
+              <a:t>Offer advertising campaigns by brands, chat between influencers and campaign managers,</a:t>
+            </a:r>
+          </a:p>
+          <a:p>
+            <a:r>
+              <a:rPr lang="en-US" sz="2000" dirty="0"/>
+              <a:t>Show influencers reviews &amp; description.</a:t>
+            </a:r>
+          </a:p>
+          <a:p>
+            <a:endParaRPr lang="en-US" sz="2000" dirty="0"/>
+          </a:p>
+          <a:p>
+            <a:r>
+              <a:rPr lang="en-US" sz="2000" b="1" dirty="0"/>
+              <a:t>Guest mode:</a:t>
+            </a:r>
+            <a:endParaRPr lang="en-US" sz="2000" b="1" dirty="0">
+              <a:solidFill>
+                <a:srgbClr val="FF0000"/>
+              </a:solidFill>
+            </a:endParaRPr>
+          </a:p>
+          <a:p>
+            <a:r>
+              <a:rPr lang="en-US" sz="2000" dirty="0"/>
+              <a:t>A guest can browse all current advertising campaigns offered by brands and look at specific influencer details, information &amp; reviews.</a:t>
+            </a:r>
+          </a:p>
+        </p:txBody>
+      </p:sp>
+    </p:spTree>
+    <p:extLst>
+      <p:ext uri="{BB962C8B-B14F-4D97-AF65-F5344CB8AC3E}">
+        <p14:creationId xmlns:p14="http://schemas.microsoft.com/office/powerpoint/2010/main" val="1863815534"/>
+      </p:ext>
+    </p:extLst>
+  </p:cSld>
+  <p:clrMapOvr>
+    <a:masterClrMapping/>
+  </p:clrMapOvr>
+</p:sld>
+</file>
+
+<file path=ppt/slides/slide20.xml><?xml version="1.0" encoding="utf-8"?>
+<p:sld xmlns:a="http://schemas.openxmlformats.org/drawingml/2006/main" xmlns:r="http://schemas.openxmlformats.org/officeDocument/2006/relationships" xmlns:p="http://schemas.openxmlformats.org/presentationml/2006/main">
+  <p:cSld>
+    <p:spTree>
+      <p:nvGrpSpPr>
+        <p:cNvPr id="1" name=""/>
+        <p:cNvGrpSpPr/>
+        <p:nvPr/>
+      </p:nvGrpSpPr>
+      <p:grpSpPr>
+        <a:xfrm>
+          <a:off x="0" y="0"/>
+          <a:ext cx="0" cy="0"/>
+          <a:chOff x="0" y="0"/>
+          <a:chExt cx="0" cy="0"/>
+        </a:xfrm>
+      </p:grpSpPr>
+      <p:sp>
+        <p:nvSpPr>
+          <p:cNvPr id="4" name="Rectangle 3">
+            <a:extLst>
+              <a:ext uri="{FF2B5EF4-FFF2-40B4-BE49-F238E27FC236}">
+                <a16:creationId xmlns:a16="http://schemas.microsoft.com/office/drawing/2014/main" id="{6139A825-29DC-43CF-B00B-0CB88584A7B5}"/>
+              </a:ext>
+            </a:extLst>
+          </p:cNvPr>
+          <p:cNvSpPr/>
+          <p:nvPr/>
+        </p:nvSpPr>
+        <p:spPr>
+          <a:xfrm>
+            <a:off x="3048000" y="612845"/>
+            <a:ext cx="6096000" cy="4801314"/>
+          </a:xfrm>
+          <a:prstGeom prst="rect">
+            <a:avLst/>
+          </a:prstGeom>
+        </p:spPr>
+        <p:txBody>
+          <a:bodyPr>
+            <a:spAutoFit/>
+          </a:bodyPr>
+          <a:lstStyle/>
+          <a:p>
+            <a:r>
+              <a:rPr lang="en-US" b="1" dirty="0"/>
+              <a:t>Ajax and REST API</a:t>
+            </a:r>
+          </a:p>
+          <a:p>
+            <a:r>
+              <a:rPr lang="en-US" dirty="0"/>
+              <a:t>CRUDL for stations with </a:t>
+            </a:r>
+            <a:r>
+              <a:rPr lang="en-US" dirty="0" err="1"/>
+              <a:t>axios</a:t>
+            </a:r>
+            <a:r>
+              <a:rPr lang="en-US" dirty="0"/>
+              <a:t> and Node.js</a:t>
+            </a:r>
+          </a:p>
+          <a:p>
+            <a:endParaRPr lang="en-US" dirty="0"/>
+          </a:p>
+          <a:p>
+            <a:r>
+              <a:rPr lang="en-US" b="1" dirty="0"/>
+              <a:t>Authentication</a:t>
+            </a:r>
+          </a:p>
+          <a:p>
+            <a:r>
+              <a:rPr lang="en-US" dirty="0"/>
+              <a:t>User/password and server session</a:t>
+            </a:r>
+          </a:p>
+          <a:p>
+            <a:endParaRPr lang="en-US" dirty="0"/>
+          </a:p>
+          <a:p>
+            <a:r>
+              <a:rPr lang="en-US" b="1" dirty="0"/>
+              <a:t>Storage </a:t>
+            </a:r>
+            <a:endParaRPr lang="en-US" b="1" dirty="0">
+              <a:solidFill>
+                <a:srgbClr val="FF0000"/>
+              </a:solidFill>
+            </a:endParaRPr>
+          </a:p>
+          <a:p>
+            <a:r>
+              <a:rPr lang="en-US" dirty="0" err="1"/>
+              <a:t>Cloudinary</a:t>
+            </a:r>
+            <a:r>
+              <a:rPr lang="en-US" dirty="0"/>
+              <a:t> to store users profile and station images</a:t>
+            </a:r>
+          </a:p>
+          <a:p>
+            <a:endParaRPr lang="en-US" b="1" dirty="0"/>
+          </a:p>
+          <a:p>
+            <a:r>
+              <a:rPr lang="en-US" b="1" dirty="0"/>
+              <a:t>Database</a:t>
+            </a:r>
+            <a:endParaRPr lang="en-US" b="1" dirty="0">
+              <a:solidFill>
+                <a:srgbClr val="FF0000"/>
+              </a:solidFill>
+            </a:endParaRPr>
+          </a:p>
+          <a:p>
+            <a:r>
+              <a:rPr lang="en-US" dirty="0" err="1"/>
+              <a:t>Mongodb</a:t>
+            </a:r>
+            <a:r>
+              <a:rPr lang="en-US" dirty="0"/>
+              <a:t> on Atlas cloud databases</a:t>
+            </a:r>
+          </a:p>
+          <a:p>
+            <a:endParaRPr lang="en-US" b="1" dirty="0"/>
+          </a:p>
+          <a:p>
+            <a:r>
+              <a:rPr lang="en-US" b="1" dirty="0"/>
+              <a:t>Web Sockets</a:t>
+            </a:r>
+            <a:endParaRPr lang="en-US" b="1" dirty="0">
+              <a:solidFill>
+                <a:srgbClr val="FF0000"/>
+              </a:solidFill>
+            </a:endParaRPr>
+          </a:p>
+          <a:p>
+            <a:r>
+              <a:rPr lang="en-US" dirty="0"/>
+              <a:t>Multi room with a Socket per station</a:t>
+            </a:r>
+          </a:p>
+          <a:p>
+            <a:endParaRPr lang="en-US" b="1" dirty="0"/>
+          </a:p>
+          <a:p>
+            <a:r>
+              <a:rPr lang="en-US" b="1" dirty="0"/>
+              <a:t>Share</a:t>
+            </a:r>
+            <a:endParaRPr lang="en-US" b="1" dirty="0">
+              <a:solidFill>
+                <a:srgbClr val="FF0000"/>
+              </a:solidFill>
+            </a:endParaRPr>
+          </a:p>
+          <a:p>
+            <a:r>
+              <a:rPr lang="en-US" dirty="0"/>
+              <a:t>Share to Facebook (if time permits)</a:t>
+            </a:r>
+          </a:p>
+        </p:txBody>
+      </p:sp>
+    </p:spTree>
+    <p:extLst>
+      <p:ext uri="{BB962C8B-B14F-4D97-AF65-F5344CB8AC3E}">
+        <p14:creationId xmlns:p14="http://schemas.microsoft.com/office/powerpoint/2010/main" val="2599240806"/>
+      </p:ext>
+    </p:extLst>
+  </p:cSld>
+  <p:clrMapOvr>
+    <a:masterClrMapping/>
+  </p:clrMapOvr>
+</p:sld>
+</file>
+
+<file path=ppt/slides/slide3.xml><?xml version="1.0" encoding="utf-8"?>
+<p:sld xmlns:a="http://schemas.openxmlformats.org/drawingml/2006/main" xmlns:r="http://schemas.openxmlformats.org/officeDocument/2006/relationships" xmlns:p="http://schemas.openxmlformats.org/presentationml/2006/main">
+  <p:cSld>
+    <p:spTree>
+      <p:nvGrpSpPr>
+        <p:cNvPr id="1" name=""/>
+        <p:cNvGrpSpPr/>
+        <p:nvPr/>
+      </p:nvGrpSpPr>
+      <p:grpSpPr>
+        <a:xfrm>
+          <a:off x="0" y="0"/>
+          <a:ext cx="0" cy="0"/>
+          <a:chOff x="0" y="0"/>
+          <a:chExt cx="0" cy="0"/>
+        </a:xfrm>
+      </p:grpSpPr>
+      <p:sp>
+        <p:nvSpPr>
+          <p:cNvPr id="4" name="TextBox 3">
+            <a:extLst>
+              <a:ext uri="{FF2B5EF4-FFF2-40B4-BE49-F238E27FC236}">
+                <a16:creationId xmlns:a16="http://schemas.microsoft.com/office/drawing/2014/main" id="{2D7CEFB0-FADC-4FB1-BAF0-957FE4800C52}"/>
+              </a:ext>
+            </a:extLst>
+          </p:cNvPr>
+          <p:cNvSpPr txBox="1"/>
+          <p:nvPr/>
+        </p:nvSpPr>
+        <p:spPr>
+          <a:xfrm>
+            <a:off x="700087" y="395938"/>
+            <a:ext cx="10791825" cy="646331"/>
+          </a:xfrm>
+          <a:prstGeom prst="rect">
+            <a:avLst/>
+          </a:prstGeom>
+          <a:noFill/>
+        </p:spPr>
+        <p:txBody>
+          <a:bodyPr wrap="square" rtlCol="0">
+            <a:spAutoFit/>
+          </a:bodyPr>
+          <a:lstStyle/>
+          <a:p>
+            <a:r>
+              <a:rPr lang="en-US" sz="3600" dirty="0"/>
+              <a:t>Main Pages</a:t>
+            </a:r>
+            <a:endParaRPr lang="en-IL" sz="3600" dirty="0"/>
+          </a:p>
+        </p:txBody>
+      </p:sp>
+      <p:sp>
+        <p:nvSpPr>
+          <p:cNvPr id="5" name="TextBox 4">
+            <a:extLst>
+              <a:ext uri="{FF2B5EF4-FFF2-40B4-BE49-F238E27FC236}">
+                <a16:creationId xmlns:a16="http://schemas.microsoft.com/office/drawing/2014/main" id="{D574FECC-1A6C-40B3-920D-F62C0657B98D}"/>
+              </a:ext>
+            </a:extLst>
+          </p:cNvPr>
+          <p:cNvSpPr txBox="1"/>
+          <p:nvPr/>
+        </p:nvSpPr>
+        <p:spPr>
+          <a:xfrm>
+            <a:off x="700087" y="1251852"/>
+            <a:ext cx="4241029" cy="1323439"/>
+          </a:xfrm>
+          <a:prstGeom prst="rect">
+            <a:avLst/>
+          </a:prstGeom>
+          <a:noFill/>
+        </p:spPr>
+        <p:txBody>
+          <a:bodyPr wrap="square" rtlCol="0">
+            <a:spAutoFit/>
+          </a:bodyPr>
+          <a:lstStyle/>
+          <a:p>
+            <a:r>
+              <a:rPr lang="en-US" sz="2000" b="1" dirty="0"/>
+              <a:t>Home page</a:t>
+            </a:r>
+          </a:p>
+          <a:p>
+            <a:r>
+              <a:rPr lang="en-US" sz="2000" dirty="0"/>
+              <a:t>A short preview of the services available for social media influencers and advertising campaign managers.</a:t>
+            </a:r>
+            <a:endParaRPr lang="he-IL" sz="2000" b="1" dirty="0"/>
+          </a:p>
+        </p:txBody>
+      </p:sp>
+      <p:sp>
+        <p:nvSpPr>
+          <p:cNvPr id="15" name="Rectangle 14">
+            <a:extLst>
+              <a:ext uri="{FF2B5EF4-FFF2-40B4-BE49-F238E27FC236}">
+                <a16:creationId xmlns:a16="http://schemas.microsoft.com/office/drawing/2014/main" id="{C41FA7C2-ED23-4A3B-B446-3C387A35C022}"/>
+              </a:ext>
+            </a:extLst>
+          </p:cNvPr>
+          <p:cNvSpPr/>
+          <p:nvPr/>
+        </p:nvSpPr>
+        <p:spPr>
+          <a:xfrm>
+            <a:off x="700087" y="3169980"/>
+            <a:ext cx="6096000" cy="646331"/>
+          </a:xfrm>
+          <a:prstGeom prst="rect">
+            <a:avLst/>
+          </a:prstGeom>
+        </p:spPr>
+        <p:txBody>
+          <a:bodyPr>
+            <a:spAutoFit/>
+          </a:bodyPr>
+          <a:lstStyle/>
+          <a:p>
+            <a:r>
+              <a:rPr lang="en-US" b="1" dirty="0"/>
+              <a:t>Influencer list</a:t>
+            </a:r>
+            <a:endParaRPr lang="en-US" b="1" dirty="0">
+              <a:solidFill>
+                <a:srgbClr val="FF0000"/>
+              </a:solidFill>
+            </a:endParaRPr>
+          </a:p>
+          <a:p>
+            <a:r>
+              <a:rPr lang="en-US" dirty="0"/>
+              <a:t>View all influencers.</a:t>
+            </a:r>
+          </a:p>
+        </p:txBody>
+      </p:sp>
+      <p:sp>
+        <p:nvSpPr>
+          <p:cNvPr id="16" name="Rectangle 15">
+            <a:extLst>
+              <a:ext uri="{FF2B5EF4-FFF2-40B4-BE49-F238E27FC236}">
+                <a16:creationId xmlns:a16="http://schemas.microsoft.com/office/drawing/2014/main" id="{63A56CBD-07C3-4B26-A4F7-91B53B590A2B}"/>
+              </a:ext>
+            </a:extLst>
+          </p:cNvPr>
+          <p:cNvSpPr/>
+          <p:nvPr/>
+        </p:nvSpPr>
+        <p:spPr>
+          <a:xfrm>
+            <a:off x="700087" y="4959817"/>
+            <a:ext cx="6096000" cy="646331"/>
+          </a:xfrm>
+          <a:prstGeom prst="rect">
+            <a:avLst/>
+          </a:prstGeom>
+        </p:spPr>
+        <p:txBody>
+          <a:bodyPr>
+            <a:spAutoFit/>
+          </a:bodyPr>
+          <a:lstStyle/>
+          <a:p>
+            <a:r>
+              <a:rPr lang="en-US" b="1" dirty="0"/>
+              <a:t>Influencer details</a:t>
+            </a:r>
+          </a:p>
+          <a:p>
+            <a:r>
+              <a:rPr lang="en-US" dirty="0"/>
+              <a:t>View the details of a selected influencer.</a:t>
+            </a:r>
+          </a:p>
+        </p:txBody>
+      </p:sp>
+      <p:pic>
+        <p:nvPicPr>
+          <p:cNvPr id="18" name="Picture 17" descr="A screenshot of a cell phone&#10;&#10;Description automatically generated">
+            <a:extLst>
+              <a:ext uri="{FF2B5EF4-FFF2-40B4-BE49-F238E27FC236}">
+                <a16:creationId xmlns:a16="http://schemas.microsoft.com/office/drawing/2014/main" id="{224C1CD8-6B2C-46A1-A591-40F9A0E1829B}"/>
+              </a:ext>
+            </a:extLst>
+          </p:cNvPr>
+          <p:cNvPicPr>
+            <a:picLocks noChangeAspect="1"/>
+          </p:cNvPicPr>
+          <p:nvPr/>
+        </p:nvPicPr>
+        <p:blipFill>
+          <a:blip r:embed="rId2">
+            <a:extLst>
+              <a:ext uri="{28A0092B-C50C-407E-A947-70E740481C1C}">
+                <a14:useLocalDpi xmlns:a14="http://schemas.microsoft.com/office/drawing/2010/main" val="0"/>
+              </a:ext>
+            </a:extLst>
+          </a:blip>
+          <a:stretch>
+            <a:fillRect/>
+          </a:stretch>
+        </p:blipFill>
+        <p:spPr>
+          <a:xfrm>
+            <a:off x="7250886" y="955731"/>
+            <a:ext cx="3032573" cy="1915680"/>
+          </a:xfrm>
+          <a:prstGeom prst="rect">
+            <a:avLst/>
+          </a:prstGeom>
+        </p:spPr>
+      </p:pic>
+      <p:pic>
+        <p:nvPicPr>
+          <p:cNvPr id="20" name="Picture 19" descr="A close up of a logo&#10;&#10;Description automatically generated">
+            <a:extLst>
+              <a:ext uri="{FF2B5EF4-FFF2-40B4-BE49-F238E27FC236}">
+                <a16:creationId xmlns:a16="http://schemas.microsoft.com/office/drawing/2014/main" id="{8545C896-8CDB-468E-AF49-E8D77057380C}"/>
+              </a:ext>
+            </a:extLst>
+          </p:cNvPr>
+          <p:cNvPicPr>
+            <a:picLocks noChangeAspect="1"/>
+          </p:cNvPicPr>
+          <p:nvPr/>
+        </p:nvPicPr>
+        <p:blipFill>
+          <a:blip r:embed="rId3">
+            <a:extLst>
+              <a:ext uri="{28A0092B-C50C-407E-A947-70E740481C1C}">
+                <a14:useLocalDpi xmlns:a14="http://schemas.microsoft.com/office/drawing/2010/main" val="0"/>
+              </a:ext>
+            </a:extLst>
+          </a:blip>
+          <a:stretch>
+            <a:fillRect/>
+          </a:stretch>
+        </p:blipFill>
+        <p:spPr>
+          <a:xfrm>
+            <a:off x="7250885" y="2995086"/>
+            <a:ext cx="3032573" cy="1642448"/>
+          </a:xfrm>
+          <a:prstGeom prst="rect">
+            <a:avLst/>
+          </a:prstGeom>
+        </p:spPr>
+      </p:pic>
+      <p:pic>
+        <p:nvPicPr>
+          <p:cNvPr id="22" name="Picture 21" descr="A screenshot of a cell phone&#10;&#10;Description automatically generated">
+            <a:extLst>
+              <a:ext uri="{FF2B5EF4-FFF2-40B4-BE49-F238E27FC236}">
+                <a16:creationId xmlns:a16="http://schemas.microsoft.com/office/drawing/2014/main" id="{E8454461-EEE3-4A13-960C-CEF48DA85040}"/>
+              </a:ext>
+            </a:extLst>
+          </p:cNvPr>
+          <p:cNvPicPr>
+            <a:picLocks noChangeAspect="1"/>
+          </p:cNvPicPr>
+          <p:nvPr/>
+        </p:nvPicPr>
+        <p:blipFill>
+          <a:blip r:embed="rId4">
+            <a:extLst>
+              <a:ext uri="{28A0092B-C50C-407E-A947-70E740481C1C}">
+                <a14:useLocalDpi xmlns:a14="http://schemas.microsoft.com/office/drawing/2010/main" val="0"/>
+              </a:ext>
+            </a:extLst>
+          </a:blip>
+          <a:stretch>
+            <a:fillRect/>
+          </a:stretch>
+        </p:blipFill>
+        <p:spPr>
+          <a:xfrm>
+            <a:off x="7250884" y="4761209"/>
+            <a:ext cx="3032574" cy="1642447"/>
+          </a:xfrm>
+          <a:prstGeom prst="rect">
+            <a:avLst/>
+          </a:prstGeom>
+        </p:spPr>
+      </p:pic>
+    </p:spTree>
+    <p:extLst>
+      <p:ext uri="{BB962C8B-B14F-4D97-AF65-F5344CB8AC3E}">
+        <p14:creationId xmlns:p14="http://schemas.microsoft.com/office/powerpoint/2010/main" val="2841210898"/>
+      </p:ext>
+    </p:extLst>
+  </p:cSld>
+  <p:clrMapOvr>
+    <a:masterClrMapping/>
+  </p:clrMapOvr>
+</p:sld>
+</file>
+
+<file path=ppt/slides/slide4.xml><?xml version="1.0" encoding="utf-8"?>
+<p:sld xmlns:a="http://schemas.openxmlformats.org/drawingml/2006/main" xmlns:r="http://schemas.openxmlformats.org/officeDocument/2006/relationships" xmlns:p="http://schemas.openxmlformats.org/presentationml/2006/main">
+  <p:cSld>
+    <p:spTree>
+      <p:nvGrpSpPr>
+        <p:cNvPr id="1" name=""/>
+        <p:cNvGrpSpPr/>
+        <p:nvPr/>
+      </p:nvGrpSpPr>
+      <p:grpSpPr>
+        <a:xfrm>
+          <a:off x="0" y="0"/>
+          <a:ext cx="0" cy="0"/>
+          <a:chOff x="0" y="0"/>
+          <a:chExt cx="0" cy="0"/>
+        </a:xfrm>
+      </p:grpSpPr>
+      <p:sp>
+        <p:nvSpPr>
+          <p:cNvPr id="3" name="TextBox 2">
+            <a:extLst>
+              <a:ext uri="{FF2B5EF4-FFF2-40B4-BE49-F238E27FC236}">
+                <a16:creationId xmlns:a16="http://schemas.microsoft.com/office/drawing/2014/main" id="{F1E93BA6-BC7C-4149-8F14-FC8A2653FBF9}"/>
+              </a:ext>
+            </a:extLst>
+          </p:cNvPr>
+          <p:cNvSpPr txBox="1"/>
+          <p:nvPr/>
+        </p:nvSpPr>
+        <p:spPr>
+          <a:xfrm>
+            <a:off x="608989" y="1016776"/>
+            <a:ext cx="4241029" cy="400110"/>
+          </a:xfrm>
+          <a:prstGeom prst="rect">
+            <a:avLst/>
+          </a:prstGeom>
+          <a:noFill/>
+        </p:spPr>
+        <p:txBody>
+          <a:bodyPr wrap="square" rtlCol="0">
+            <a:spAutoFit/>
+          </a:bodyPr>
+          <a:lstStyle/>
+          <a:p>
+            <a:r>
+              <a:rPr lang="en-US" sz="2000" b="1" dirty="0"/>
+              <a:t>Home page</a:t>
+            </a:r>
+          </a:p>
+        </p:txBody>
+      </p:sp>
+      <p:sp>
+        <p:nvSpPr>
+          <p:cNvPr id="4" name="Rectangle 3">
+            <a:extLst>
+              <a:ext uri="{FF2B5EF4-FFF2-40B4-BE49-F238E27FC236}">
+                <a16:creationId xmlns:a16="http://schemas.microsoft.com/office/drawing/2014/main" id="{EEE42FB3-2A8D-47D7-B62D-C297D15D08F2}"/>
+              </a:ext>
+            </a:extLst>
+          </p:cNvPr>
+          <p:cNvSpPr/>
+          <p:nvPr/>
+        </p:nvSpPr>
+        <p:spPr>
+          <a:xfrm>
+            <a:off x="4532264" y="3334335"/>
+            <a:ext cx="6096000" cy="369332"/>
+          </a:xfrm>
+          <a:prstGeom prst="rect">
+            <a:avLst/>
+          </a:prstGeom>
+        </p:spPr>
+        <p:txBody>
+          <a:bodyPr>
+            <a:spAutoFit/>
+          </a:bodyPr>
+          <a:lstStyle/>
+          <a:p>
+            <a:r>
+              <a:rPr lang="en-US" b="1" dirty="0"/>
+              <a:t>Influencer list</a:t>
+            </a:r>
+            <a:endParaRPr lang="en-US" b="1" dirty="0">
+              <a:solidFill>
+                <a:srgbClr val="FF0000"/>
+              </a:solidFill>
+            </a:endParaRPr>
+          </a:p>
+        </p:txBody>
+      </p:sp>
+      <p:sp>
+        <p:nvSpPr>
+          <p:cNvPr id="5" name="Rectangle 4">
+            <a:extLst>
+              <a:ext uri="{FF2B5EF4-FFF2-40B4-BE49-F238E27FC236}">
+                <a16:creationId xmlns:a16="http://schemas.microsoft.com/office/drawing/2014/main" id="{E23390ED-6675-4D82-9ED4-A77450E29D02}"/>
+              </a:ext>
+            </a:extLst>
+          </p:cNvPr>
+          <p:cNvSpPr/>
+          <p:nvPr/>
+        </p:nvSpPr>
+        <p:spPr>
+          <a:xfrm>
+            <a:off x="8662439" y="1065309"/>
+            <a:ext cx="6096000" cy="369332"/>
+          </a:xfrm>
+          <a:prstGeom prst="rect">
+            <a:avLst/>
+          </a:prstGeom>
+        </p:spPr>
+        <p:txBody>
+          <a:bodyPr>
+            <a:spAutoFit/>
+          </a:bodyPr>
+          <a:lstStyle/>
+          <a:p>
+            <a:r>
+              <a:rPr lang="en-US" b="1" dirty="0"/>
+              <a:t>Influencer details</a:t>
+            </a:r>
+          </a:p>
+        </p:txBody>
+      </p:sp>
+      <p:pic>
+        <p:nvPicPr>
+          <p:cNvPr id="6" name="Picture 5" descr="A screenshot of a cell phone&#10;&#10;Description automatically generated">
+            <a:extLst>
+              <a:ext uri="{FF2B5EF4-FFF2-40B4-BE49-F238E27FC236}">
+                <a16:creationId xmlns:a16="http://schemas.microsoft.com/office/drawing/2014/main" id="{DA4B41B6-AACC-43BC-8366-C475F81DCA19}"/>
+              </a:ext>
+            </a:extLst>
+          </p:cNvPr>
+          <p:cNvPicPr>
+            <a:picLocks noChangeAspect="1"/>
+          </p:cNvPicPr>
+          <p:nvPr/>
+        </p:nvPicPr>
+        <p:blipFill>
+          <a:blip r:embed="rId2">
+            <a:extLst>
+              <a:ext uri="{28A0092B-C50C-407E-A947-70E740481C1C}">
+                <a14:useLocalDpi xmlns:a14="http://schemas.microsoft.com/office/drawing/2010/main" val="0"/>
+              </a:ext>
+            </a:extLst>
+          </a:blip>
+          <a:stretch>
+            <a:fillRect/>
+          </a:stretch>
+        </p:blipFill>
+        <p:spPr>
+          <a:xfrm>
+            <a:off x="691541" y="1416886"/>
+            <a:ext cx="3591929" cy="2269026"/>
+          </a:xfrm>
+          <a:prstGeom prst="rect">
+            <a:avLst/>
+          </a:prstGeom>
+        </p:spPr>
+      </p:pic>
+      <p:pic>
+        <p:nvPicPr>
+          <p:cNvPr id="7" name="Picture 6" descr="A close up of a logo&#10;&#10;Description automatically generated">
+            <a:extLst>
+              <a:ext uri="{FF2B5EF4-FFF2-40B4-BE49-F238E27FC236}">
+                <a16:creationId xmlns:a16="http://schemas.microsoft.com/office/drawing/2014/main" id="{F17AFAA5-1E4E-480F-B3C1-3E2D32988887}"/>
+              </a:ext>
+            </a:extLst>
+          </p:cNvPr>
+          <p:cNvPicPr>
+            <a:picLocks noChangeAspect="1"/>
+          </p:cNvPicPr>
+          <p:nvPr/>
+        </p:nvPicPr>
+        <p:blipFill>
+          <a:blip r:embed="rId3">
+            <a:extLst>
+              <a:ext uri="{28A0092B-C50C-407E-A947-70E740481C1C}">
+                <a14:useLocalDpi xmlns:a14="http://schemas.microsoft.com/office/drawing/2010/main" val="0"/>
+              </a:ext>
+            </a:extLst>
+          </a:blip>
+          <a:stretch>
+            <a:fillRect/>
+          </a:stretch>
+        </p:blipFill>
+        <p:spPr>
+          <a:xfrm>
+            <a:off x="4637482" y="3703667"/>
+            <a:ext cx="3532884" cy="2269026"/>
+          </a:xfrm>
+          <a:prstGeom prst="rect">
+            <a:avLst/>
+          </a:prstGeom>
+        </p:spPr>
+      </p:pic>
+      <p:pic>
+        <p:nvPicPr>
+          <p:cNvPr id="8" name="Picture 7" descr="A screenshot of a cell phone&#10;&#10;Description automatically generated">
+            <a:extLst>
+              <a:ext uri="{FF2B5EF4-FFF2-40B4-BE49-F238E27FC236}">
+                <a16:creationId xmlns:a16="http://schemas.microsoft.com/office/drawing/2014/main" id="{4D61E139-1E3A-4EF4-93B3-58AD55C42F1B}"/>
+              </a:ext>
+            </a:extLst>
+          </p:cNvPr>
+          <p:cNvPicPr>
+            <a:picLocks noChangeAspect="1"/>
+          </p:cNvPicPr>
+          <p:nvPr/>
+        </p:nvPicPr>
+        <p:blipFill>
+          <a:blip r:embed="rId4">
+            <a:extLst>
+              <a:ext uri="{28A0092B-C50C-407E-A947-70E740481C1C}">
+                <a14:useLocalDpi xmlns:a14="http://schemas.microsoft.com/office/drawing/2010/main" val="0"/>
+              </a:ext>
+            </a:extLst>
+          </a:blip>
+          <a:stretch>
+            <a:fillRect/>
+          </a:stretch>
+        </p:blipFill>
+        <p:spPr>
+          <a:xfrm>
+            <a:off x="8715220" y="1416886"/>
+            <a:ext cx="3032574" cy="2269026"/>
+          </a:xfrm>
+          <a:prstGeom prst="rect">
+            <a:avLst/>
+          </a:prstGeom>
+        </p:spPr>
+      </p:pic>
+      <p:cxnSp>
+        <p:nvCxnSpPr>
+          <p:cNvPr id="11" name="Straight Arrow Connector 10">
+            <a:extLst>
+              <a:ext uri="{FF2B5EF4-FFF2-40B4-BE49-F238E27FC236}">
+                <a16:creationId xmlns:a16="http://schemas.microsoft.com/office/drawing/2014/main" id="{C76FA932-4BE2-40F8-B443-8AD4A264C10C}"/>
+              </a:ext>
+            </a:extLst>
+          </p:cNvPr>
+          <p:cNvCxnSpPr>
+            <a:cxnSpLocks/>
+          </p:cNvCxnSpPr>
+          <p:nvPr/>
+        </p:nvCxnSpPr>
+        <p:spPr>
+          <a:xfrm>
+            <a:off x="1503813" y="2840375"/>
+            <a:ext cx="3107925" cy="1531975"/>
+          </a:xfrm>
+          <a:prstGeom prst="straightConnector1">
+            <a:avLst/>
+          </a:prstGeom>
+          <a:ln w="38100">
+            <a:tailEnd type="triangle"/>
+          </a:ln>
+        </p:spPr>
+        <p:style>
+          <a:lnRef idx="1">
+            <a:schemeClr val="accent1"/>
+          </a:lnRef>
+          <a:fillRef idx="0">
+            <a:schemeClr val="accent1"/>
+          </a:fillRef>
+          <a:effectRef idx="0">
+            <a:schemeClr val="accent1"/>
+          </a:effectRef>
+          <a:fontRef idx="minor">
+            <a:schemeClr val="tx1"/>
+          </a:fontRef>
+        </p:style>
+      </p:cxnSp>
+      <p:sp>
+        <p:nvSpPr>
+          <p:cNvPr id="12" name="TextBox 11">
+            <a:extLst>
+              <a:ext uri="{FF2B5EF4-FFF2-40B4-BE49-F238E27FC236}">
+                <a16:creationId xmlns:a16="http://schemas.microsoft.com/office/drawing/2014/main" id="{643BD4E4-1692-4566-A528-8D64CD844C5F}"/>
+              </a:ext>
+            </a:extLst>
+          </p:cNvPr>
+          <p:cNvSpPr txBox="1"/>
+          <p:nvPr/>
+        </p:nvSpPr>
+        <p:spPr>
+          <a:xfrm>
+            <a:off x="787205" y="4076908"/>
+            <a:ext cx="3179704" cy="461665"/>
+          </a:xfrm>
+          <a:prstGeom prst="rect">
+            <a:avLst/>
+          </a:prstGeom>
+          <a:noFill/>
+        </p:spPr>
+        <p:txBody>
+          <a:bodyPr wrap="square" rtlCol="0">
+            <a:spAutoFit/>
+          </a:bodyPr>
+          <a:lstStyle/>
+          <a:p>
+            <a:r>
+              <a:rPr lang="en-US" sz="1200" dirty="0"/>
+              <a:t>On clicking the “I’m a brand” button the app will redirect to the influencers list.</a:t>
+            </a:r>
+            <a:endParaRPr lang="en-IL" sz="1200" dirty="0"/>
+          </a:p>
+        </p:txBody>
+      </p:sp>
+      <p:sp>
+        <p:nvSpPr>
+          <p:cNvPr id="13" name="TextBox 12">
+            <a:extLst>
+              <a:ext uri="{FF2B5EF4-FFF2-40B4-BE49-F238E27FC236}">
+                <a16:creationId xmlns:a16="http://schemas.microsoft.com/office/drawing/2014/main" id="{26FC4166-FA93-4D42-8C0A-9DDE2F2234FB}"/>
+              </a:ext>
+            </a:extLst>
+          </p:cNvPr>
+          <p:cNvSpPr txBox="1"/>
+          <p:nvPr/>
+        </p:nvSpPr>
+        <p:spPr>
+          <a:xfrm>
+            <a:off x="8606607" y="4589592"/>
+            <a:ext cx="3249799" cy="461665"/>
+          </a:xfrm>
+          <a:prstGeom prst="rect">
+            <a:avLst/>
+          </a:prstGeom>
+          <a:noFill/>
+        </p:spPr>
+        <p:txBody>
+          <a:bodyPr wrap="square" rtlCol="0">
+            <a:spAutoFit/>
+          </a:bodyPr>
+          <a:lstStyle/>
+          <a:p>
+            <a:r>
+              <a:rPr lang="en-US" sz="1200" dirty="0"/>
+              <a:t>After selecting an influencer from the list the app will redirect to the influencer’s details page.</a:t>
+            </a:r>
+            <a:endParaRPr lang="en-IL" sz="1200" dirty="0"/>
+          </a:p>
+        </p:txBody>
+      </p:sp>
+      <p:cxnSp>
+        <p:nvCxnSpPr>
+          <p:cNvPr id="16" name="Straight Arrow Connector 15">
+            <a:extLst>
+              <a:ext uri="{FF2B5EF4-FFF2-40B4-BE49-F238E27FC236}">
+                <a16:creationId xmlns:a16="http://schemas.microsoft.com/office/drawing/2014/main" id="{AE515208-CF3B-4CE0-A5C8-45AE534FADA4}"/>
+              </a:ext>
+            </a:extLst>
+          </p:cNvPr>
+          <p:cNvCxnSpPr>
+            <a:cxnSpLocks/>
+          </p:cNvCxnSpPr>
+          <p:nvPr/>
+        </p:nvCxnSpPr>
+        <p:spPr>
+          <a:xfrm flipV="1">
+            <a:off x="7655022" y="3742702"/>
+            <a:ext cx="1805172" cy="1622793"/>
+          </a:xfrm>
+          <a:prstGeom prst="straightConnector1">
+            <a:avLst/>
+          </a:prstGeom>
+          <a:ln w="38100">
+            <a:tailEnd type="triangle"/>
+          </a:ln>
+        </p:spPr>
+        <p:style>
+          <a:lnRef idx="1">
+            <a:schemeClr val="accent1"/>
+          </a:lnRef>
+          <a:fillRef idx="0">
+            <a:schemeClr val="accent1"/>
+          </a:fillRef>
+          <a:effectRef idx="0">
+            <a:schemeClr val="accent1"/>
+          </a:effectRef>
+          <a:fontRef idx="minor">
+            <a:schemeClr val="tx1"/>
+          </a:fontRef>
+        </p:style>
+      </p:cxnSp>
+      <p:sp>
+        <p:nvSpPr>
+          <p:cNvPr id="22" name="TextBox 21">
+            <a:extLst>
+              <a:ext uri="{FF2B5EF4-FFF2-40B4-BE49-F238E27FC236}">
+                <a16:creationId xmlns:a16="http://schemas.microsoft.com/office/drawing/2014/main" id="{09171F18-46F3-4170-821D-7BA0875B0B5B}"/>
+              </a:ext>
+            </a:extLst>
+          </p:cNvPr>
+          <p:cNvSpPr txBox="1"/>
+          <p:nvPr/>
+        </p:nvSpPr>
+        <p:spPr>
+          <a:xfrm>
+            <a:off x="127519" y="6293527"/>
+            <a:ext cx="7893508" cy="646331"/>
+          </a:xfrm>
+          <a:prstGeom prst="rect">
+            <a:avLst/>
+          </a:prstGeom>
+          <a:noFill/>
+        </p:spPr>
+        <p:txBody>
+          <a:bodyPr wrap="none" rtlCol="0">
+            <a:spAutoFit/>
+          </a:bodyPr>
+          <a:lstStyle/>
+          <a:p>
+            <a:r>
+              <a:rPr lang="en-US" dirty="0"/>
+              <a:t>*Clicking the “I’m an influencer” button the app will redirect to the campaigns list.</a:t>
+            </a:r>
+            <a:endParaRPr lang="en-IL" dirty="0"/>
+          </a:p>
+          <a:p>
+            <a:endParaRPr lang="LID4096" dirty="0"/>
+          </a:p>
+        </p:txBody>
+      </p:sp>
+      <p:sp>
+        <p:nvSpPr>
+          <p:cNvPr id="23" name="TextBox 22">
+            <a:extLst>
+              <a:ext uri="{FF2B5EF4-FFF2-40B4-BE49-F238E27FC236}">
+                <a16:creationId xmlns:a16="http://schemas.microsoft.com/office/drawing/2014/main" id="{FB62E828-3BB8-485E-81AC-CEEC8A764FCF}"/>
+              </a:ext>
+            </a:extLst>
+          </p:cNvPr>
+          <p:cNvSpPr txBox="1"/>
+          <p:nvPr/>
+        </p:nvSpPr>
+        <p:spPr>
+          <a:xfrm>
+            <a:off x="290382" y="179384"/>
+            <a:ext cx="10791825" cy="646331"/>
+          </a:xfrm>
+          <a:prstGeom prst="rect">
+            <a:avLst/>
+          </a:prstGeom>
+          <a:noFill/>
+        </p:spPr>
+        <p:txBody>
+          <a:bodyPr wrap="square" rtlCol="0">
+            <a:spAutoFit/>
+          </a:bodyPr>
+          <a:lstStyle/>
+          <a:p>
+            <a:r>
+              <a:rPr lang="en-US" sz="3600" dirty="0"/>
+              <a:t>Main Flows</a:t>
+            </a:r>
+            <a:endParaRPr lang="en-IL" sz="3600" dirty="0"/>
+          </a:p>
+        </p:txBody>
+      </p:sp>
+    </p:spTree>
+    <p:extLst>
+      <p:ext uri="{BB962C8B-B14F-4D97-AF65-F5344CB8AC3E}">
+        <p14:creationId xmlns:p14="http://schemas.microsoft.com/office/powerpoint/2010/main" val="3225280151"/>
+      </p:ext>
+    </p:extLst>
+  </p:cSld>
+  <p:clrMapOvr>
+    <a:masterClrMapping/>
+  </p:clrMapOvr>
+</p:sld>
+</file>
+
+<file path=ppt/slides/slide5.xml><?xml version="1.0" encoding="utf-8"?>
+<p:sld xmlns:a="http://schemas.openxmlformats.org/drawingml/2006/main" xmlns:r="http://schemas.openxmlformats.org/officeDocument/2006/relationships" xmlns:p="http://schemas.openxmlformats.org/presentationml/2006/main">
+  <p:cSld>
+    <p:spTree>
+      <p:nvGrpSpPr>
+        <p:cNvPr id="1" name=""/>
+        <p:cNvGrpSpPr/>
+        <p:nvPr/>
+      </p:nvGrpSpPr>
+      <p:grpSpPr>
+        <a:xfrm>
+          <a:off x="0" y="0"/>
+          <a:ext cx="0" cy="0"/>
+          <a:chOff x="0" y="0"/>
+          <a:chExt cx="0" cy="0"/>
+        </a:xfrm>
+      </p:grpSpPr>
+      <p:pic>
+        <p:nvPicPr>
+          <p:cNvPr id="4" name="Picture 3" descr="A screenshot of a cell phone&#10;&#10;Description automatically generated">
+            <a:extLst>
+              <a:ext uri="{FF2B5EF4-FFF2-40B4-BE49-F238E27FC236}">
+                <a16:creationId xmlns:a16="http://schemas.microsoft.com/office/drawing/2014/main" id="{7E7199AD-CA55-496D-A8BC-2BC7FB832FED}"/>
+              </a:ext>
+            </a:extLst>
+          </p:cNvPr>
+          <p:cNvPicPr>
+            <a:picLocks noChangeAspect="1"/>
+          </p:cNvPicPr>
+          <p:nvPr/>
+        </p:nvPicPr>
+        <p:blipFill>
+          <a:blip r:embed="rId2">
+            <a:extLst>
+              <a:ext uri="{28A0092B-C50C-407E-A947-70E740481C1C}">
+                <a14:useLocalDpi xmlns:a14="http://schemas.microsoft.com/office/drawing/2010/main" val="0"/>
+              </a:ext>
+            </a:extLst>
+          </a:blip>
+          <a:stretch>
+            <a:fillRect/>
+          </a:stretch>
+        </p:blipFill>
+        <p:spPr>
+          <a:xfrm>
+            <a:off x="2395843" y="1448047"/>
+            <a:ext cx="7400313" cy="4448025"/>
+          </a:xfrm>
+          <a:prstGeom prst="rect">
+            <a:avLst/>
+          </a:prstGeom>
+        </p:spPr>
+      </p:pic>
+      <p:sp>
+        <p:nvSpPr>
+          <p:cNvPr id="9" name="TextBox 8">
+            <a:extLst>
+              <a:ext uri="{FF2B5EF4-FFF2-40B4-BE49-F238E27FC236}">
+                <a16:creationId xmlns:a16="http://schemas.microsoft.com/office/drawing/2014/main" id="{7313F87A-7587-4CA4-84A3-6A8B86FA6118}"/>
+              </a:ext>
+            </a:extLst>
+          </p:cNvPr>
+          <p:cNvSpPr txBox="1"/>
+          <p:nvPr/>
+        </p:nvSpPr>
+        <p:spPr>
+          <a:xfrm>
+            <a:off x="463631" y="481574"/>
+            <a:ext cx="10791825" cy="646331"/>
+          </a:xfrm>
+          <a:prstGeom prst="rect">
+            <a:avLst/>
+          </a:prstGeom>
+          <a:noFill/>
+        </p:spPr>
+        <p:txBody>
+          <a:bodyPr wrap="square" rtlCol="0">
+            <a:spAutoFit/>
+          </a:bodyPr>
+          <a:lstStyle/>
+          <a:p>
+            <a:pPr algn="ctr"/>
+            <a:r>
+              <a:rPr lang="en-US" sz="3600" dirty="0"/>
+              <a:t>Home page</a:t>
+            </a:r>
+            <a:endParaRPr lang="en-IL" sz="3600" dirty="0"/>
+          </a:p>
+        </p:txBody>
+      </p:sp>
+    </p:spTree>
+    <p:extLst>
+      <p:ext uri="{BB962C8B-B14F-4D97-AF65-F5344CB8AC3E}">
+        <p14:creationId xmlns:p14="http://schemas.microsoft.com/office/powerpoint/2010/main" val="1502490920"/>
+      </p:ext>
+    </p:extLst>
+  </p:cSld>
+  <p:clrMapOvr>
+    <a:masterClrMapping/>
+  </p:clrMapOvr>
+</p:sld>
+</file>
+
+<file path=ppt/slides/slide6.xml><?xml version="1.0" encoding="utf-8"?>
+<p:sld xmlns:a="http://schemas.openxmlformats.org/drawingml/2006/main" xmlns:r="http://schemas.openxmlformats.org/officeDocument/2006/relationships" xmlns:p="http://schemas.openxmlformats.org/presentationml/2006/main">
+  <p:cSld>
+    <p:spTree>
+      <p:nvGrpSpPr>
+        <p:cNvPr id="1" name=""/>
+        <p:cNvGrpSpPr/>
+        <p:nvPr/>
+      </p:nvGrpSpPr>
+      <p:grpSpPr>
+        <a:xfrm>
+          <a:off x="0" y="0"/>
+          <a:ext cx="0" cy="0"/>
+          <a:chOff x="0" y="0"/>
+          <a:chExt cx="0" cy="0"/>
+        </a:xfrm>
+      </p:grpSpPr>
+      <p:sp>
+        <p:nvSpPr>
           <p:cNvPr id="5" name="TextBox 4">
             <a:extLst>
               <a:ext uri="{FF2B5EF4-FFF2-40B4-BE49-F238E27FC236}">
@@ -5327,7 +7498,7 @@
               </a:spcAft>
             </a:pPr>
             <a:r>
-              <a:rPr lang="en-US" sz="6000" b="1" kern="1200">
+              <a:rPr lang="en-US" sz="6000" b="1" kern="1200" dirty="0">
                 <a:solidFill>
                   <a:srgbClr val="FFFFFF"/>
                 </a:solidFill>
@@ -5337,6 +7508,79 @@
               </a:rPr>
               <a:t>Main Pages UX</a:t>
             </a:r>
+          </a:p>
+        </p:txBody>
+      </p:sp>
+      <p:pic>
+        <p:nvPicPr>
+          <p:cNvPr id="6" name="Picture 5" descr="A close up of a logo&#10;&#10;Description automatically generated">
+            <a:extLst>
+              <a:ext uri="{FF2B5EF4-FFF2-40B4-BE49-F238E27FC236}">
+                <a16:creationId xmlns:a16="http://schemas.microsoft.com/office/drawing/2014/main" id="{A951C50C-9B13-41CE-82C9-204CB48B5314}"/>
+              </a:ext>
+            </a:extLst>
+          </p:cNvPr>
+          <p:cNvPicPr>
+            <a:picLocks noChangeAspect="1"/>
+          </p:cNvPicPr>
+          <p:nvPr/>
+        </p:nvPicPr>
+        <p:blipFill>
+          <a:blip r:embed="rId2">
+            <a:extLst>
+              <a:ext uri="{28A0092B-C50C-407E-A947-70E740481C1C}">
+                <a14:useLocalDpi xmlns:a14="http://schemas.microsoft.com/office/drawing/2010/main" val="0"/>
+              </a:ext>
+            </a:extLst>
+          </a:blip>
+          <a:stretch>
+            <a:fillRect/>
+          </a:stretch>
+        </p:blipFill>
+        <p:spPr>
+          <a:xfrm>
+            <a:off x="3041438" y="1648440"/>
+            <a:ext cx="5627614" cy="4852555"/>
+          </a:xfrm>
+          <a:prstGeom prst="rect">
+            <a:avLst/>
+          </a:prstGeom>
+        </p:spPr>
+      </p:pic>
+      <p:sp>
+        <p:nvSpPr>
+          <p:cNvPr id="7" name="TextBox 6">
+            <a:extLst>
+              <a:ext uri="{FF2B5EF4-FFF2-40B4-BE49-F238E27FC236}">
+                <a16:creationId xmlns:a16="http://schemas.microsoft.com/office/drawing/2014/main" id="{A4207114-C088-4D80-82F8-AC4100B18612}"/>
+              </a:ext>
+            </a:extLst>
+          </p:cNvPr>
+          <p:cNvSpPr txBox="1"/>
+          <p:nvPr/>
+        </p:nvSpPr>
+        <p:spPr>
+          <a:xfrm>
+            <a:off x="353634" y="683458"/>
+            <a:ext cx="10791825" cy="646331"/>
+          </a:xfrm>
+          <a:prstGeom prst="rect">
+            <a:avLst/>
+          </a:prstGeom>
+          <a:noFill/>
+        </p:spPr>
+        <p:txBody>
+          <a:bodyPr wrap="square" rtlCol="0">
+            <a:spAutoFit/>
+          </a:bodyPr>
+          <a:lstStyle/>
+          <a:p>
+            <a:pPr algn="ctr"/>
+            <a:r>
+              <a:rPr lang="en-US" sz="3600" dirty="0"/>
+              <a:t>Influencers/campaigns list</a:t>
+            </a:r>
+            <a:endParaRPr lang="en-IL" sz="3600" dirty="0"/>
           </a:p>
         </p:txBody>
       </p:sp>
@@ -5372,10 +7616,10 @@
       </p:grpSpPr>
       <p:sp>
         <p:nvSpPr>
-          <p:cNvPr id="4" name="TextBox 3">
-            <a:extLst>
-              <a:ext uri="{FF2B5EF4-FFF2-40B4-BE49-F238E27FC236}">
-                <a16:creationId xmlns:a16="http://schemas.microsoft.com/office/drawing/2014/main" id="{3D51EDE4-28B8-4819-971D-711EDCE9B6C7}"/>
+          <p:cNvPr id="5" name="TextBox 4">
+            <a:extLst>
+              <a:ext uri="{FF2B5EF4-FFF2-40B4-BE49-F238E27FC236}">
+                <a16:creationId xmlns:a16="http://schemas.microsoft.com/office/drawing/2014/main" id="{654AA4C7-1A2B-4498-BBA8-ECF8118D3984}"/>
               </a:ext>
             </a:extLst>
           </p:cNvPr>
@@ -5384,35 +7628,50 @@
         </p:nvSpPr>
         <p:spPr>
           <a:xfrm>
-            <a:off x="217089" y="107571"/>
-            <a:ext cx="10791825" cy="830997"/>
+            <a:off x="3045368" y="2043663"/>
+            <a:ext cx="6105194" cy="2031055"/>
           </a:xfrm>
           <a:prstGeom prst="rect">
             <a:avLst/>
           </a:prstGeom>
-          <a:noFill/>
-        </p:spPr>
-        <p:txBody>
-          <a:bodyPr wrap="square" rtlCol="0">
-            <a:spAutoFit/>
+        </p:spPr>
+        <p:txBody>
+          <a:bodyPr vert="horz" lIns="91440" tIns="45720" rIns="91440" bIns="45720" rtlCol="0" anchor="b">
+            <a:normAutofit/>
           </a:bodyPr>
           <a:lstStyle/>
           <a:p>
-            <a:pPr algn="ctr"/>
-            <a:r>
-              <a:rPr lang="en-US" sz="4800" b="1" dirty="0"/>
-              <a:t>Home page</a:t>
-            </a:r>
-            <a:endParaRPr lang="en-IL" sz="4800" b="1" dirty="0"/>
+            <a:pPr algn="ctr" defTabSz="914400">
+              <a:lnSpc>
+                <a:spcPct val="90000"/>
+              </a:lnSpc>
+              <a:spcBef>
+                <a:spcPct val="0"/>
+              </a:spcBef>
+              <a:spcAft>
+                <a:spcPts val="600"/>
+              </a:spcAft>
+            </a:pPr>
+            <a:r>
+              <a:rPr lang="en-US" sz="6000" b="1" kern="1200" dirty="0">
+                <a:solidFill>
+                  <a:srgbClr val="FFFFFF"/>
+                </a:solidFill>
+                <a:latin typeface="+mj-lt"/>
+                <a:ea typeface="+mj-ea"/>
+                <a:cs typeface="+mj-cs"/>
+              </a:rPr>
+              <a:t>Main Pages UX</a:t>
+            </a:r>
           </a:p>
         </p:txBody>
       </p:sp>
       <p:pic>
         <p:nvPicPr>
-          <p:cNvPr id="6" name="Picture 5" descr="A screenshot of a cell phone&#10;&#10;Description automatically generated">
-            <a:extLst>
-              <a:ext uri="{FF2B5EF4-FFF2-40B4-BE49-F238E27FC236}">
-                <a16:creationId xmlns:a16="http://schemas.microsoft.com/office/drawing/2014/main" id="{81D79A4D-2CA6-490A-9E0D-576F2D2E4D83}"/>
+          <p:cNvPr id="3" name="Picture 2" descr="A screenshot of a cell phone&#10;&#10;Description automatically generated">
+            <a:extLst>
+              <a:ext uri="{FF2B5EF4-FFF2-40B4-BE49-F238E27FC236}">
+                <a16:creationId xmlns:a16="http://schemas.microsoft.com/office/drawing/2014/main" id="{2D4F13B8-A64D-487B-995E-3CD8511E17C1}"/>
               </a:ext>
             </a:extLst>
           </p:cNvPr>
@@ -5435,8 +7694,8 @@
         </p:blipFill>
         <p:spPr>
           <a:xfrm>
-            <a:off x="2915229" y="1242531"/>
-            <a:ext cx="5395549" cy="5432397"/>
+            <a:off x="2474287" y="1291633"/>
+            <a:ext cx="6770512" cy="4643878"/>
           </a:xfrm>
           <a:prstGeom prst="rect">
             <a:avLst/>
@@ -5445,120 +7704,45 @@
       </p:pic>
       <p:sp>
         <p:nvSpPr>
-          <p:cNvPr id="7" name="Speech Bubble: Rectangle 6">
-            <a:extLst>
-              <a:ext uri="{FF2B5EF4-FFF2-40B4-BE49-F238E27FC236}">
-                <a16:creationId xmlns:a16="http://schemas.microsoft.com/office/drawing/2014/main" id="{481E7738-8657-4480-A4E5-E55E29C4AFE0}"/>
-              </a:ext>
-            </a:extLst>
-          </p:cNvPr>
-          <p:cNvSpPr/>
+          <p:cNvPr id="4" name="TextBox 3">
+            <a:extLst>
+              <a:ext uri="{FF2B5EF4-FFF2-40B4-BE49-F238E27FC236}">
+                <a16:creationId xmlns:a16="http://schemas.microsoft.com/office/drawing/2014/main" id="{1ECB22A6-7C5D-4B9C-AFD1-E842A56A1F3B}"/>
+              </a:ext>
+            </a:extLst>
+          </p:cNvPr>
+          <p:cNvSpPr txBox="1"/>
           <p:nvPr/>
         </p:nvSpPr>
         <p:spPr>
           <a:xfrm>
-            <a:off x="8747005" y="1576781"/>
-            <a:ext cx="2292992" cy="600512"/>
-          </a:xfrm>
-          <a:prstGeom prst="wedgeRectCallout">
-            <a:avLst>
-              <a:gd name="adj1" fmla="val -78552"/>
-              <a:gd name="adj2" fmla="val 167949"/>
-            </a:avLst>
-          </a:prstGeom>
-          <a:solidFill>
-            <a:schemeClr val="bg1"/>
-          </a:solidFill>
-          <a:ln>
-            <a:solidFill>
-              <a:schemeClr val="tx1"/>
-            </a:solidFill>
-          </a:ln>
-        </p:spPr>
-        <p:style>
-          <a:lnRef idx="2">
-            <a:schemeClr val="accent1">
-              <a:shade val="50000"/>
-            </a:schemeClr>
-          </a:lnRef>
-          <a:fillRef idx="1">
-            <a:schemeClr val="accent1"/>
-          </a:fillRef>
-          <a:effectRef idx="0">
-            <a:schemeClr val="accent1"/>
-          </a:effectRef>
-          <a:fontRef idx="minor">
-            <a:schemeClr val="lt1"/>
-          </a:fontRef>
-        </p:style>
-        <p:txBody>
-          <a:bodyPr rtlCol="0" anchor="ctr"/>
-          <a:lstStyle/>
-          <a:p>
-            <a:pPr algn="ctr"/>
-            <a:r>
-              <a:rPr lang="en-US" dirty="0">
-                <a:solidFill>
-                  <a:schemeClr val="tx1"/>
-                </a:solidFill>
-              </a:rPr>
-              <a:t>Top fold</a:t>
-            </a:r>
-            <a:endParaRPr lang="en-IL" dirty="0">
-              <a:solidFill>
-                <a:schemeClr val="tx1"/>
-              </a:solidFill>
-            </a:endParaRPr>
-          </a:p>
-        </p:txBody>
-      </p:sp>
-      <p:cxnSp>
-        <p:nvCxnSpPr>
-          <p:cNvPr id="9" name="Straight Connector 8">
-            <a:extLst>
-              <a:ext uri="{FF2B5EF4-FFF2-40B4-BE49-F238E27FC236}">
-                <a16:creationId xmlns:a16="http://schemas.microsoft.com/office/drawing/2014/main" id="{2C707158-827F-4CEF-A116-E8D2B290DC4C}"/>
-              </a:ext>
-            </a:extLst>
-          </p:cNvPr>
-          <p:cNvCxnSpPr>
-            <a:cxnSpLocks/>
-          </p:cNvCxnSpPr>
-          <p:nvPr/>
-        </p:nvCxnSpPr>
-        <p:spPr>
-          <a:xfrm>
-            <a:off x="2915228" y="4370664"/>
-            <a:ext cx="5395549" cy="0"/>
-          </a:xfrm>
-          <a:prstGeom prst="line">
+            <a:off x="463631" y="481574"/>
+            <a:ext cx="10791825" cy="646331"/>
+          </a:xfrm>
+          <a:prstGeom prst="rect">
             <a:avLst/>
           </a:prstGeom>
-          <a:ln>
-            <a:solidFill>
-              <a:schemeClr val="tx1"/>
-            </a:solidFill>
-          </a:ln>
-        </p:spPr>
-        <p:style>
-          <a:lnRef idx="1">
-            <a:schemeClr val="accent1"/>
-          </a:lnRef>
-          <a:fillRef idx="0">
-            <a:schemeClr val="accent1"/>
-          </a:fillRef>
-          <a:effectRef idx="0">
-            <a:schemeClr val="accent1"/>
-          </a:effectRef>
-          <a:fontRef idx="minor">
-            <a:schemeClr val="tx1"/>
-          </a:fontRef>
-        </p:style>
-      </p:cxnSp>
+          <a:noFill/>
+        </p:spPr>
+        <p:txBody>
+          <a:bodyPr wrap="square" rtlCol="0">
+            <a:spAutoFit/>
+          </a:bodyPr>
+          <a:lstStyle/>
+          <a:p>
+            <a:pPr algn="ctr"/>
+            <a:r>
+              <a:rPr lang="en-US" sz="3600" dirty="0"/>
+              <a:t>Influencers details</a:t>
+            </a:r>
+            <a:endParaRPr lang="en-IL" sz="3600" dirty="0"/>
+          </a:p>
+        </p:txBody>
+      </p:sp>
     </p:spTree>
     <p:extLst>
       <p:ext uri="{BB962C8B-B14F-4D97-AF65-F5344CB8AC3E}">
-        <p14:creationId xmlns:p14="http://schemas.microsoft.com/office/powerpoint/2010/main" val="108204211"/>
+        <p14:creationId xmlns:p14="http://schemas.microsoft.com/office/powerpoint/2010/main" val="492903815"/>
       </p:ext>
     </p:extLst>
   </p:cSld>
@@ -5587,10 +7771,10 @@
       </p:grpSpPr>
       <p:sp>
         <p:nvSpPr>
-          <p:cNvPr id="4" name="TextBox 3">
-            <a:extLst>
-              <a:ext uri="{FF2B5EF4-FFF2-40B4-BE49-F238E27FC236}">
-                <a16:creationId xmlns:a16="http://schemas.microsoft.com/office/drawing/2014/main" id="{A20F8FB7-2329-452A-8B8D-8BD6DEF52C94}"/>
+          <p:cNvPr id="5" name="TextBox 4">
+            <a:extLst>
+              <a:ext uri="{FF2B5EF4-FFF2-40B4-BE49-F238E27FC236}">
+                <a16:creationId xmlns:a16="http://schemas.microsoft.com/office/drawing/2014/main" id="{654AA4C7-1A2B-4498-BBA8-ECF8118D3984}"/>
               </a:ext>
             </a:extLst>
           </p:cNvPr>
@@ -5599,35 +7783,50 @@
         </p:nvSpPr>
         <p:spPr>
           <a:xfrm>
-            <a:off x="700087" y="183072"/>
-            <a:ext cx="10791825" cy="830997"/>
+            <a:off x="3045368" y="2043663"/>
+            <a:ext cx="6105194" cy="2031055"/>
           </a:xfrm>
           <a:prstGeom prst="rect">
             <a:avLst/>
           </a:prstGeom>
-          <a:noFill/>
-        </p:spPr>
-        <p:txBody>
-          <a:bodyPr wrap="square" rtlCol="0">
-            <a:spAutoFit/>
+        </p:spPr>
+        <p:txBody>
+          <a:bodyPr vert="horz" lIns="91440" tIns="45720" rIns="91440" bIns="45720" rtlCol="0" anchor="b">
+            <a:normAutofit/>
           </a:bodyPr>
           <a:lstStyle/>
           <a:p>
-            <a:pPr algn="ctr"/>
-            <a:r>
-              <a:rPr lang="en-US" sz="4800" b="1" dirty="0"/>
-              <a:t>Service (product) page</a:t>
-            </a:r>
-            <a:endParaRPr lang="en-IL" sz="4800" b="1" dirty="0"/>
+            <a:pPr algn="ctr" defTabSz="914400">
+              <a:lnSpc>
+                <a:spcPct val="90000"/>
+              </a:lnSpc>
+              <a:spcBef>
+                <a:spcPct val="0"/>
+              </a:spcBef>
+              <a:spcAft>
+                <a:spcPts val="600"/>
+              </a:spcAft>
+            </a:pPr>
+            <a:r>
+              <a:rPr lang="en-US" sz="6000" b="1" kern="1200">
+                <a:solidFill>
+                  <a:srgbClr val="FFFFFF"/>
+                </a:solidFill>
+                <a:latin typeface="+mj-lt"/>
+                <a:ea typeface="+mj-ea"/>
+                <a:cs typeface="+mj-cs"/>
+              </a:rPr>
+              <a:t>Main Pages UX</a:t>
+            </a:r>
           </a:p>
         </p:txBody>
       </p:sp>
       <p:pic>
         <p:nvPicPr>
-          <p:cNvPr id="6" name="Picture 5" descr="A screenshot of a cell phone&#10;&#10;Description automatically generated">
-            <a:extLst>
-              <a:ext uri="{FF2B5EF4-FFF2-40B4-BE49-F238E27FC236}">
-                <a16:creationId xmlns:a16="http://schemas.microsoft.com/office/drawing/2014/main" id="{FFB14594-7CAB-4341-BDCD-F861110D51F9}"/>
+          <p:cNvPr id="3" name="Picture 2" descr="A screenshot of a cell phone&#10;&#10;Description automatically generated">
+            <a:extLst>
+              <a:ext uri="{FF2B5EF4-FFF2-40B4-BE49-F238E27FC236}">
+                <a16:creationId xmlns:a16="http://schemas.microsoft.com/office/drawing/2014/main" id="{6C1CE063-71DF-4DA2-B538-FD563D26DD51}"/>
               </a:ext>
             </a:extLst>
           </p:cNvPr>
@@ -5650,8 +7849,8 @@
         </p:blipFill>
         <p:spPr>
           <a:xfrm>
-            <a:off x="3824867" y="1585519"/>
-            <a:ext cx="4228563" cy="4814273"/>
+            <a:off x="2381250" y="914400"/>
+            <a:ext cx="7429500" cy="5029200"/>
           </a:xfrm>
           <a:prstGeom prst="rect">
             <a:avLst/>
@@ -5661,7 +7860,7 @@
     </p:spTree>
     <p:extLst>
       <p:ext uri="{BB962C8B-B14F-4D97-AF65-F5344CB8AC3E}">
-        <p14:creationId xmlns:p14="http://schemas.microsoft.com/office/powerpoint/2010/main" val="2717050892"/>
+        <p14:creationId xmlns:p14="http://schemas.microsoft.com/office/powerpoint/2010/main" val="802986406"/>
       </p:ext>
     </p:extLst>
   </p:cSld>
@@ -5688,49 +7887,12 @@
           <a:chExt cx="0" cy="0"/>
         </a:xfrm>
       </p:grpSpPr>
-      <p:sp>
-        <p:nvSpPr>
-          <p:cNvPr id="6" name="TextBox 5">
-            <a:extLst>
-              <a:ext uri="{FF2B5EF4-FFF2-40B4-BE49-F238E27FC236}">
-                <a16:creationId xmlns:a16="http://schemas.microsoft.com/office/drawing/2014/main" id="{2944E135-BBD5-433E-9245-F6C3C661DB91}"/>
-              </a:ext>
-            </a:extLst>
-          </p:cNvPr>
-          <p:cNvSpPr txBox="1"/>
-          <p:nvPr/>
-        </p:nvSpPr>
-        <p:spPr>
-          <a:xfrm>
-            <a:off x="700087" y="183072"/>
-            <a:ext cx="10791825" cy="830997"/>
-          </a:xfrm>
-          <a:prstGeom prst="rect">
-            <a:avLst/>
-          </a:prstGeom>
-          <a:noFill/>
-        </p:spPr>
-        <p:txBody>
-          <a:bodyPr wrap="square" rtlCol="0">
-            <a:spAutoFit/>
-          </a:bodyPr>
-          <a:lstStyle/>
-          <a:p>
-            <a:pPr algn="ctr"/>
-            <a:r>
-              <a:rPr lang="en-US" sz="4800" b="1" dirty="0"/>
-              <a:t>Seller profile</a:t>
-            </a:r>
-            <a:endParaRPr lang="en-IL" sz="4800" b="1" dirty="0"/>
-          </a:p>
-        </p:txBody>
-      </p:sp>
       <p:pic>
         <p:nvPicPr>
-          <p:cNvPr id="8" name="Picture 7" descr="A screenshot of a cell phone&#10;&#10;Description automatically generated">
-            <a:extLst>
-              <a:ext uri="{FF2B5EF4-FFF2-40B4-BE49-F238E27FC236}">
-                <a16:creationId xmlns:a16="http://schemas.microsoft.com/office/drawing/2014/main" id="{CFE443FC-3A79-47AD-97F5-91B82F2DCACF}"/>
+          <p:cNvPr id="6" name="Picture 5" descr="A screenshot of a cell phone&#10;&#10;Description automatically generated">
+            <a:extLst>
+              <a:ext uri="{FF2B5EF4-FFF2-40B4-BE49-F238E27FC236}">
+                <a16:creationId xmlns:a16="http://schemas.microsoft.com/office/drawing/2014/main" id="{B3586B3C-780F-473E-BBA7-A0A8A7A0C74A}"/>
               </a:ext>
             </a:extLst>
           </p:cNvPr>
@@ -5753,18 +7915,54 @@
         </p:blipFill>
         <p:spPr>
           <a:xfrm>
-            <a:off x="1750768" y="1726331"/>
-            <a:ext cx="8690463" cy="4501214"/>
+            <a:off x="1663402" y="1547678"/>
+            <a:ext cx="8544921" cy="4425831"/>
           </a:xfrm>
           <a:prstGeom prst="rect">
             <a:avLst/>
           </a:prstGeom>
         </p:spPr>
       </p:pic>
+      <p:sp>
+        <p:nvSpPr>
+          <p:cNvPr id="7" name="TextBox 6">
+            <a:extLst>
+              <a:ext uri="{FF2B5EF4-FFF2-40B4-BE49-F238E27FC236}">
+                <a16:creationId xmlns:a16="http://schemas.microsoft.com/office/drawing/2014/main" id="{6D0166C4-C9CE-4C4F-B1A8-5A1936D903EC}"/>
+              </a:ext>
+            </a:extLst>
+          </p:cNvPr>
+          <p:cNvSpPr txBox="1"/>
+          <p:nvPr/>
+        </p:nvSpPr>
+        <p:spPr>
+          <a:xfrm>
+            <a:off x="4794191" y="590550"/>
+            <a:ext cx="2219197" cy="646331"/>
+          </a:xfrm>
+          <a:prstGeom prst="rect">
+            <a:avLst/>
+          </a:prstGeom>
+          <a:noFill/>
+        </p:spPr>
+        <p:txBody>
+          <a:bodyPr wrap="none" rtlCol="0">
+            <a:spAutoFit/>
+          </a:bodyPr>
+          <a:lstStyle/>
+          <a:p>
+            <a:r>
+              <a:rPr lang="en-US" sz="3600" dirty="0"/>
+              <a:t>Back office</a:t>
+            </a:r>
+            <a:endParaRPr lang="LID4096" sz="3600" dirty="0"/>
+          </a:p>
+        </p:txBody>
+      </p:sp>
     </p:spTree>
     <p:extLst>
       <p:ext uri="{BB962C8B-B14F-4D97-AF65-F5344CB8AC3E}">
-        <p14:creationId xmlns:p14="http://schemas.microsoft.com/office/powerpoint/2010/main" val="805262605"/>
+        <p14:creationId xmlns:p14="http://schemas.microsoft.com/office/powerpoint/2010/main" val="3112836048"/>
       </p:ext>
     </p:extLst>
   </p:cSld>
@@ -5777,7 +7975,7 @@
 <file path=ppt/theme/theme1.xml><?xml version="1.0" encoding="utf-8"?>
 <a:theme xmlns:a="http://schemas.openxmlformats.org/drawingml/2006/main" name="Office Theme">
   <a:themeElements>
-    <a:clrScheme name="Office Theme">
+    <a:clrScheme name="Office">
       <a:dk1>
         <a:sysClr val="windowText" lastClr="000000"/>
       </a:dk1>
@@ -5815,7 +8013,7 @@
         <a:srgbClr val="954F72"/>
       </a:folHlink>
     </a:clrScheme>
-    <a:fontScheme name="Office Theme">
+    <a:fontScheme name="Office">
       <a:majorFont>
         <a:latin typeface="Calibri Light" panose="020F0302020204030204"/>
         <a:ea typeface=""/>
@@ -5850,6 +8048,23 @@
         <a:font script="Viet" typeface="Times New Roman"/>
         <a:font script="Uigh" typeface="Microsoft Uighur"/>
         <a:font script="Geor" typeface="Sylfaen"/>
+        <a:font script="Armn" typeface="Arial"/>
+        <a:font script="Bugi" typeface="Leelawadee UI"/>
+        <a:font script="Bopo" typeface="Microsoft JhengHei"/>
+        <a:font script="Java" typeface="Javanese Text"/>
+        <a:font script="Lisu" typeface="Segoe UI"/>
+        <a:font script="Mymr" typeface="Myanmar Text"/>
+        <a:font script="Nkoo" typeface="Ebrima"/>
+        <a:font script="Olck" typeface="Nirmala UI"/>
+        <a:font script="Osma" typeface="Ebrima"/>
+        <a:font script="Phag" typeface="Phagspa"/>
+        <a:font script="Syrn" typeface="Estrangelo Edessa"/>
+        <a:font script="Syrj" typeface="Estrangelo Edessa"/>
+        <a:font script="Syre" typeface="Estrangelo Edessa"/>
+        <a:font script="Sora" typeface="Nirmala UI"/>
+        <a:font script="Tale" typeface="Microsoft Tai Le"/>
+        <a:font script="Talu" typeface="Microsoft New Tai Lue"/>
+        <a:font script="Tfng" typeface="Ebrima"/>
       </a:majorFont>
       <a:minorFont>
         <a:latin typeface="Calibri" panose="020F0502020204030204"/>
@@ -5885,9 +8100,26 @@
         <a:font script="Viet" typeface="Arial"/>
         <a:font script="Uigh" typeface="Microsoft Uighur"/>
         <a:font script="Geor" typeface="Sylfaen"/>
+        <a:font script="Armn" typeface="Arial"/>
+        <a:font script="Bugi" typeface="Leelawadee UI"/>
+        <a:font script="Bopo" typeface="Microsoft JhengHei"/>
+        <a:font script="Java" typeface="Javanese Text"/>
+        <a:font script="Lisu" typeface="Segoe UI"/>
+        <a:font script="Mymr" typeface="Myanmar Text"/>
+        <a:font script="Nkoo" typeface="Ebrima"/>
+        <a:font script="Olck" typeface="Nirmala UI"/>
+        <a:font script="Osma" typeface="Ebrima"/>
+        <a:font script="Phag" typeface="Phagspa"/>
+        <a:font script="Syrn" typeface="Estrangelo Edessa"/>
+        <a:font script="Syrj" typeface="Estrangelo Edessa"/>
+        <a:font script="Syre" typeface="Estrangelo Edessa"/>
+        <a:font script="Sora" typeface="Nirmala UI"/>
+        <a:font script="Tale" typeface="Microsoft Tai Le"/>
+        <a:font script="Talu" typeface="Microsoft New Tai Lue"/>
+        <a:font script="Tfng" typeface="Ebrima"/>
       </a:minorFont>
     </a:fontScheme>
-    <a:fmtScheme name="Office Theme">
+    <a:fmtScheme name="Office">
       <a:fillStyleLst>
         <a:solidFill>
           <a:schemeClr val="phClr"/>

--- a/Product Definition Document Sample - Vybing - v1.5.pptx
+++ b/Product Definition Document Sample - Vybing - v1.5.pptx
@@ -14,17 +14,24 @@
     <p:sldId id="285" r:id="rId8"/>
     <p:sldId id="286" r:id="rId9"/>
     <p:sldId id="262" r:id="rId10"/>
-    <p:sldId id="287" r:id="rId11"/>
-    <p:sldId id="288" r:id="rId12"/>
-    <p:sldId id="284" r:id="rId13"/>
-    <p:sldId id="291" r:id="rId14"/>
-    <p:sldId id="292" r:id="rId15"/>
-    <p:sldId id="293" r:id="rId16"/>
-    <p:sldId id="294" r:id="rId17"/>
-    <p:sldId id="295" r:id="rId18"/>
-    <p:sldId id="296" r:id="rId19"/>
-    <p:sldId id="290" r:id="rId20"/>
-    <p:sldId id="289" r:id="rId21"/>
+    <p:sldId id="288" r:id="rId11"/>
+    <p:sldId id="284" r:id="rId12"/>
+    <p:sldId id="291" r:id="rId13"/>
+    <p:sldId id="292" r:id="rId14"/>
+    <p:sldId id="293" r:id="rId15"/>
+    <p:sldId id="297" r:id="rId16"/>
+    <p:sldId id="298" r:id="rId17"/>
+    <p:sldId id="303" r:id="rId18"/>
+    <p:sldId id="304" r:id="rId19"/>
+    <p:sldId id="294" r:id="rId20"/>
+    <p:sldId id="295" r:id="rId21"/>
+    <p:sldId id="305" r:id="rId22"/>
+    <p:sldId id="296" r:id="rId23"/>
+    <p:sldId id="306" r:id="rId24"/>
+    <p:sldId id="290" r:id="rId25"/>
+    <p:sldId id="302" r:id="rId26"/>
+    <p:sldId id="300" r:id="rId27"/>
+    <p:sldId id="289" r:id="rId28"/>
   </p:sldIdLst>
   <p:sldSz cx="12192000" cy="6858000"/>
   <p:notesSz cx="6858000" cy="9144000"/>
@@ -280,7 +287,7 @@
           <a:p>
             <a:fld id="{4B7DD4BD-98AB-4514-9C83-F780CBEC7266}" type="datetimeFigureOut">
               <a:rPr lang="LID4096" smtClean="0"/>
-              <a:t>03/18/2020</a:t>
+              <a:t>03/19/2020</a:t>
             </a:fld>
             <a:endParaRPr lang="LID4096"/>
           </a:p>
@@ -480,7 +487,7 @@
           <a:p>
             <a:fld id="{4B7DD4BD-98AB-4514-9C83-F780CBEC7266}" type="datetimeFigureOut">
               <a:rPr lang="LID4096" smtClean="0"/>
-              <a:t>03/18/2020</a:t>
+              <a:t>03/19/2020</a:t>
             </a:fld>
             <a:endParaRPr lang="LID4096"/>
           </a:p>
@@ -690,7 +697,7 @@
           <a:p>
             <a:fld id="{4B7DD4BD-98AB-4514-9C83-F780CBEC7266}" type="datetimeFigureOut">
               <a:rPr lang="LID4096" smtClean="0"/>
-              <a:t>03/18/2020</a:t>
+              <a:t>03/19/2020</a:t>
             </a:fld>
             <a:endParaRPr lang="LID4096"/>
           </a:p>
@@ -890,7 +897,7 @@
           <a:p>
             <a:fld id="{4B7DD4BD-98AB-4514-9C83-F780CBEC7266}" type="datetimeFigureOut">
               <a:rPr lang="LID4096" smtClean="0"/>
-              <a:t>03/18/2020</a:t>
+              <a:t>03/19/2020</a:t>
             </a:fld>
             <a:endParaRPr lang="LID4096"/>
           </a:p>
@@ -1166,7 +1173,7 @@
           <a:p>
             <a:fld id="{4B7DD4BD-98AB-4514-9C83-F780CBEC7266}" type="datetimeFigureOut">
               <a:rPr lang="LID4096" smtClean="0"/>
-              <a:t>03/18/2020</a:t>
+              <a:t>03/19/2020</a:t>
             </a:fld>
             <a:endParaRPr lang="LID4096"/>
           </a:p>
@@ -1434,7 +1441,7 @@
           <a:p>
             <a:fld id="{4B7DD4BD-98AB-4514-9C83-F780CBEC7266}" type="datetimeFigureOut">
               <a:rPr lang="LID4096" smtClean="0"/>
-              <a:t>03/18/2020</a:t>
+              <a:t>03/19/2020</a:t>
             </a:fld>
             <a:endParaRPr lang="LID4096"/>
           </a:p>
@@ -1849,7 +1856,7 @@
           <a:p>
             <a:fld id="{4B7DD4BD-98AB-4514-9C83-F780CBEC7266}" type="datetimeFigureOut">
               <a:rPr lang="LID4096" smtClean="0"/>
-              <a:t>03/18/2020</a:t>
+              <a:t>03/19/2020</a:t>
             </a:fld>
             <a:endParaRPr lang="LID4096"/>
           </a:p>
@@ -1991,7 +1998,7 @@
           <a:p>
             <a:fld id="{4B7DD4BD-98AB-4514-9C83-F780CBEC7266}" type="datetimeFigureOut">
               <a:rPr lang="LID4096" smtClean="0"/>
-              <a:t>03/18/2020</a:t>
+              <a:t>03/19/2020</a:t>
             </a:fld>
             <a:endParaRPr lang="LID4096"/>
           </a:p>
@@ -2104,7 +2111,7 @@
           <a:p>
             <a:fld id="{4B7DD4BD-98AB-4514-9C83-F780CBEC7266}" type="datetimeFigureOut">
               <a:rPr lang="LID4096" smtClean="0"/>
-              <a:t>03/18/2020</a:t>
+              <a:t>03/19/2020</a:t>
             </a:fld>
             <a:endParaRPr lang="LID4096"/>
           </a:p>
@@ -2417,7 +2424,7 @@
           <a:p>
             <a:fld id="{4B7DD4BD-98AB-4514-9C83-F780CBEC7266}" type="datetimeFigureOut">
               <a:rPr lang="LID4096" smtClean="0"/>
-              <a:t>03/18/2020</a:t>
+              <a:t>03/19/2020</a:t>
             </a:fld>
             <a:endParaRPr lang="LID4096"/>
           </a:p>
@@ -2706,7 +2713,7 @@
           <a:p>
             <a:fld id="{4B7DD4BD-98AB-4514-9C83-F780CBEC7266}" type="datetimeFigureOut">
               <a:rPr lang="LID4096" smtClean="0"/>
-              <a:t>03/18/2020</a:t>
+              <a:t>03/19/2020</a:t>
             </a:fld>
             <a:endParaRPr lang="LID4096"/>
           </a:p>
@@ -2949,7 +2956,7 @@
           <a:p>
             <a:fld id="{4B7DD4BD-98AB-4514-9C83-F780CBEC7266}" type="datetimeFigureOut">
               <a:rPr lang="LID4096" smtClean="0"/>
-              <a:t>03/18/2020</a:t>
+              <a:t>03/19/2020</a:t>
             </a:fld>
             <a:endParaRPr lang="LID4096"/>
           </a:p>
@@ -3590,7 +3597,7 @@
           <p:cNvPr id="3" name="Picture 2" descr="A screenshot of a cell phone&#10;&#10;Description automatically generated">
             <a:extLst>
               <a:ext uri="{FF2B5EF4-FFF2-40B4-BE49-F238E27FC236}">
-                <a16:creationId xmlns:a16="http://schemas.microsoft.com/office/drawing/2014/main" id="{C9D0F67A-406C-462E-BFF7-E373211B45DA}"/>
+                <a16:creationId xmlns:a16="http://schemas.microsoft.com/office/drawing/2014/main" id="{9A9F65F4-2E24-4667-9EAA-A9DA8DDECA0A}"/>
               </a:ext>
             </a:extLst>
           </p:cNvPr>
@@ -3613,54 +3620,18 @@
         </p:blipFill>
         <p:spPr>
           <a:xfrm>
-            <a:off x="2381250" y="1418874"/>
-            <a:ext cx="7429500" cy="5010150"/>
+            <a:off x="2381250" y="855677"/>
+            <a:ext cx="7429500" cy="5029200"/>
           </a:xfrm>
           <a:prstGeom prst="rect">
             <a:avLst/>
           </a:prstGeom>
         </p:spPr>
       </p:pic>
-      <p:sp>
-        <p:nvSpPr>
-          <p:cNvPr id="4" name="TextBox 3">
-            <a:extLst>
-              <a:ext uri="{FF2B5EF4-FFF2-40B4-BE49-F238E27FC236}">
-                <a16:creationId xmlns:a16="http://schemas.microsoft.com/office/drawing/2014/main" id="{9A268770-B0C1-4207-894D-927C9020C151}"/>
-              </a:ext>
-            </a:extLst>
-          </p:cNvPr>
-          <p:cNvSpPr txBox="1"/>
-          <p:nvPr/>
-        </p:nvSpPr>
-        <p:spPr>
-          <a:xfrm>
-            <a:off x="3973794" y="589660"/>
-            <a:ext cx="4724178" cy="646331"/>
-          </a:xfrm>
-          <a:prstGeom prst="rect">
-            <a:avLst/>
-          </a:prstGeom>
-          <a:noFill/>
-        </p:spPr>
-        <p:txBody>
-          <a:bodyPr wrap="none" rtlCol="0">
-            <a:spAutoFit/>
-          </a:bodyPr>
-          <a:lstStyle/>
-          <a:p>
-            <a:r>
-              <a:rPr lang="en-US" sz="3600" dirty="0"/>
-              <a:t>submit deal details form</a:t>
-            </a:r>
-            <a:endParaRPr lang="LID4096" sz="3600" dirty="0"/>
-          </a:p>
-        </p:txBody>
-      </p:sp>
     </p:spTree>
     <p:extLst>
       <p:ext uri="{BB962C8B-B14F-4D97-AF65-F5344CB8AC3E}">
-        <p14:creationId xmlns:p14="http://schemas.microsoft.com/office/powerpoint/2010/main" val="5912195"/>
+        <p14:creationId xmlns:p14="http://schemas.microsoft.com/office/powerpoint/2010/main" val="609656634"/>
       </p:ext>
     </p:extLst>
   </p:cSld>
@@ -3689,10 +3660,10 @@
       </p:grpSpPr>
       <p:pic>
         <p:nvPicPr>
-          <p:cNvPr id="3" name="Picture 2" descr="A screenshot of a cell phone&#10;&#10;Description automatically generated">
-            <a:extLst>
-              <a:ext uri="{FF2B5EF4-FFF2-40B4-BE49-F238E27FC236}">
-                <a16:creationId xmlns:a16="http://schemas.microsoft.com/office/drawing/2014/main" id="{9A9F65F4-2E24-4667-9EAA-A9DA8DDECA0A}"/>
+          <p:cNvPr id="4" name="Picture 3" descr="A screenshot of a cell phone&#10;&#10;Description automatically generated">
+            <a:extLst>
+              <a:ext uri="{FF2B5EF4-FFF2-40B4-BE49-F238E27FC236}">
+                <a16:creationId xmlns:a16="http://schemas.microsoft.com/office/drawing/2014/main" id="{618C7AA7-5284-41C5-806F-007221978570}"/>
               </a:ext>
             </a:extLst>
           </p:cNvPr>
@@ -3715,18 +3686,54 @@
         </p:blipFill>
         <p:spPr>
           <a:xfrm>
-            <a:off x="2381250" y="855677"/>
-            <a:ext cx="7429500" cy="5029200"/>
+            <a:off x="2515475" y="1442031"/>
+            <a:ext cx="7429500" cy="4762500"/>
           </a:xfrm>
           <a:prstGeom prst="rect">
             <a:avLst/>
           </a:prstGeom>
         </p:spPr>
       </p:pic>
+      <p:sp>
+        <p:nvSpPr>
+          <p:cNvPr id="5" name="TextBox 4">
+            <a:extLst>
+              <a:ext uri="{FF2B5EF4-FFF2-40B4-BE49-F238E27FC236}">
+                <a16:creationId xmlns:a16="http://schemas.microsoft.com/office/drawing/2014/main" id="{44DEB319-2D1F-40B4-ABE3-FBBD2A09C22D}"/>
+              </a:ext>
+            </a:extLst>
+          </p:cNvPr>
+          <p:cNvSpPr txBox="1"/>
+          <p:nvPr/>
+        </p:nvSpPr>
+        <p:spPr>
+          <a:xfrm>
+            <a:off x="4516518" y="427839"/>
+            <a:ext cx="3427413" cy="646331"/>
+          </a:xfrm>
+          <a:prstGeom prst="rect">
+            <a:avLst/>
+          </a:prstGeom>
+          <a:noFill/>
+        </p:spPr>
+        <p:txBody>
+          <a:bodyPr wrap="none" rtlCol="0">
+            <a:spAutoFit/>
+          </a:bodyPr>
+          <a:lstStyle/>
+          <a:p>
+            <a:r>
+              <a:rPr lang="en-US" sz="3600" dirty="0"/>
+              <a:t>Campaign Details</a:t>
+            </a:r>
+            <a:endParaRPr lang="LID4096" sz="3600" dirty="0"/>
+          </a:p>
+        </p:txBody>
+      </p:sp>
     </p:spTree>
     <p:extLst>
       <p:ext uri="{BB962C8B-B14F-4D97-AF65-F5344CB8AC3E}">
-        <p14:creationId xmlns:p14="http://schemas.microsoft.com/office/powerpoint/2010/main" val="609656634"/>
+        <p14:creationId xmlns:p14="http://schemas.microsoft.com/office/powerpoint/2010/main" val="3333028897"/>
       </p:ext>
     </p:extLst>
   </p:cSld>
@@ -3753,48 +3760,12 @@
           <a:chExt cx="0" cy="0"/>
         </a:xfrm>
       </p:grpSpPr>
-      <p:pic>
-        <p:nvPicPr>
-          <p:cNvPr id="4" name="Picture 3" descr="A screenshot of a cell phone&#10;&#10;Description automatically generated">
-            <a:extLst>
-              <a:ext uri="{FF2B5EF4-FFF2-40B4-BE49-F238E27FC236}">
-                <a16:creationId xmlns:a16="http://schemas.microsoft.com/office/drawing/2014/main" id="{618C7AA7-5284-41C5-806F-007221978570}"/>
-              </a:ext>
-            </a:extLst>
-          </p:cNvPr>
-          <p:cNvPicPr>
-            <a:picLocks noChangeAspect="1"/>
-          </p:cNvPicPr>
-          <p:nvPr/>
-        </p:nvPicPr>
-        <p:blipFill>
-          <a:blip r:embed="rId2">
-            <a:extLst>
-              <a:ext uri="{28A0092B-C50C-407E-A947-70E740481C1C}">
-                <a14:useLocalDpi xmlns:a14="http://schemas.microsoft.com/office/drawing/2010/main" val="0"/>
-              </a:ext>
-            </a:extLst>
-          </a:blip>
-          <a:stretch>
-            <a:fillRect/>
-          </a:stretch>
-        </p:blipFill>
-        <p:spPr>
-          <a:xfrm>
-            <a:off x="2515475" y="1442031"/>
-            <a:ext cx="7429500" cy="4762500"/>
-          </a:xfrm>
-          <a:prstGeom prst="rect">
-            <a:avLst/>
-          </a:prstGeom>
-        </p:spPr>
-      </p:pic>
-      <p:sp>
-        <p:nvSpPr>
-          <p:cNvPr id="5" name="TextBox 4">
-            <a:extLst>
-              <a:ext uri="{FF2B5EF4-FFF2-40B4-BE49-F238E27FC236}">
-                <a16:creationId xmlns:a16="http://schemas.microsoft.com/office/drawing/2014/main" id="{44DEB319-2D1F-40B4-ABE3-FBBD2A09C22D}"/>
+      <p:sp>
+        <p:nvSpPr>
+          <p:cNvPr id="4" name="TextBox 3">
+            <a:extLst>
+              <a:ext uri="{FF2B5EF4-FFF2-40B4-BE49-F238E27FC236}">
+                <a16:creationId xmlns:a16="http://schemas.microsoft.com/office/drawing/2014/main" id="{ECCD89D4-B96F-4D57-99E1-85D53B52F356}"/>
               </a:ext>
             </a:extLst>
           </p:cNvPr>
@@ -3803,8 +3774,8 @@
         </p:nvSpPr>
         <p:spPr>
           <a:xfrm>
-            <a:off x="4516518" y="427839"/>
-            <a:ext cx="3427413" cy="646331"/>
+            <a:off x="638175" y="409575"/>
+            <a:ext cx="10791825" cy="646331"/>
           </a:xfrm>
           <a:prstGeom prst="rect">
             <a:avLst/>
@@ -3812,55 +3783,25 @@
           <a:noFill/>
         </p:spPr>
         <p:txBody>
-          <a:bodyPr wrap="none" rtlCol="0">
+          <a:bodyPr wrap="square" rtlCol="0">
             <a:spAutoFit/>
           </a:bodyPr>
           <a:lstStyle/>
           <a:p>
             <a:r>
               <a:rPr lang="en-US" sz="3600" dirty="0"/>
-              <a:t>Campaign Details</a:t>
-            </a:r>
-            <a:endParaRPr lang="LID4096" sz="3600" dirty="0"/>
-          </a:p>
-        </p:txBody>
-      </p:sp>
-    </p:spTree>
-    <p:extLst>
-      <p:ext uri="{BB962C8B-B14F-4D97-AF65-F5344CB8AC3E}">
-        <p14:creationId xmlns:p14="http://schemas.microsoft.com/office/powerpoint/2010/main" val="3333028897"/>
-      </p:ext>
-    </p:extLst>
-  </p:cSld>
-  <p:clrMapOvr>
-    <a:masterClrMapping/>
-  </p:clrMapOvr>
-</p:sld>
-</file>
-
-<file path=ppt/slides/slide13.xml><?xml version="1.0" encoding="utf-8"?>
-<p:sld xmlns:a="http://schemas.openxmlformats.org/drawingml/2006/main" xmlns:r="http://schemas.openxmlformats.org/officeDocument/2006/relationships" xmlns:p="http://schemas.openxmlformats.org/presentationml/2006/main">
-  <p:cSld>
-    <p:spTree>
-      <p:nvGrpSpPr>
-        <p:cNvPr id="1" name=""/>
-        <p:cNvGrpSpPr/>
-        <p:nvPr/>
-      </p:nvGrpSpPr>
-      <p:grpSpPr>
-        <a:xfrm>
-          <a:off x="0" y="0"/>
-          <a:ext cx="0" cy="0"/>
-          <a:chOff x="0" y="0"/>
-          <a:chExt cx="0" cy="0"/>
-        </a:xfrm>
-      </p:grpSpPr>
-      <p:sp>
-        <p:nvSpPr>
-          <p:cNvPr id="4" name="TextBox 3">
-            <a:extLst>
-              <a:ext uri="{FF2B5EF4-FFF2-40B4-BE49-F238E27FC236}">
-                <a16:creationId xmlns:a16="http://schemas.microsoft.com/office/drawing/2014/main" id="{ECCD89D4-B96F-4D57-99E1-85D53B52F356}"/>
+              <a:t>Special Functionality for Demo</a:t>
+            </a:r>
+            <a:endParaRPr lang="en-IL" sz="3600" dirty="0"/>
+          </a:p>
+        </p:txBody>
+      </p:sp>
+      <p:sp>
+        <p:nvSpPr>
+          <p:cNvPr id="6" name="TextBox 5">
+            <a:extLst>
+              <a:ext uri="{FF2B5EF4-FFF2-40B4-BE49-F238E27FC236}">
+                <a16:creationId xmlns:a16="http://schemas.microsoft.com/office/drawing/2014/main" id="{A994E0EC-8240-401F-A27B-E217F931CD4F}"/>
               </a:ext>
             </a:extLst>
           </p:cNvPr>
@@ -3869,7 +3810,7 @@
         </p:nvSpPr>
         <p:spPr>
           <a:xfrm>
-            <a:off x="638175" y="409575"/>
+            <a:off x="638174" y="1397000"/>
             <a:ext cx="10791825" cy="830997"/>
           </a:xfrm>
           <a:prstGeom prst="rect">
@@ -3883,88 +3824,17 @@
           </a:bodyPr>
           <a:lstStyle/>
           <a:p>
-            <a:r>
-              <a:rPr lang="en-US" sz="4800" b="1" dirty="0"/>
-              <a:t>Special Functionality for Demo</a:t>
-            </a:r>
-            <a:endParaRPr lang="en-IL" sz="4800" b="1" dirty="0"/>
-          </a:p>
-        </p:txBody>
-      </p:sp>
-      <p:cxnSp>
-        <p:nvCxnSpPr>
-          <p:cNvPr id="5" name="Straight Connector 4">
-            <a:extLst>
-              <a:ext uri="{FF2B5EF4-FFF2-40B4-BE49-F238E27FC236}">
-                <a16:creationId xmlns:a16="http://schemas.microsoft.com/office/drawing/2014/main" id="{746AD933-D3BC-40F9-A0FC-DD990AD1CA8E}"/>
-              </a:ext>
-            </a:extLst>
-          </p:cNvPr>
-          <p:cNvCxnSpPr/>
-          <p:nvPr/>
-        </p:nvCxnSpPr>
-        <p:spPr>
-          <a:xfrm>
-            <a:off x="638174" y="1228725"/>
-            <a:ext cx="10791825" cy="0"/>
-          </a:xfrm>
-          <a:prstGeom prst="line">
-            <a:avLst/>
-          </a:prstGeom>
-        </p:spPr>
-        <p:style>
-          <a:lnRef idx="1">
-            <a:schemeClr val="accent1"/>
-          </a:lnRef>
-          <a:fillRef idx="0">
-            <a:schemeClr val="accent1"/>
-          </a:fillRef>
-          <a:effectRef idx="0">
-            <a:schemeClr val="accent1"/>
-          </a:effectRef>
-          <a:fontRef idx="minor">
-            <a:schemeClr val="tx1"/>
-          </a:fontRef>
-        </p:style>
-      </p:cxnSp>
-      <p:sp>
-        <p:nvSpPr>
-          <p:cNvPr id="6" name="TextBox 5">
-            <a:extLst>
-              <a:ext uri="{FF2B5EF4-FFF2-40B4-BE49-F238E27FC236}">
-                <a16:creationId xmlns:a16="http://schemas.microsoft.com/office/drawing/2014/main" id="{A994E0EC-8240-401F-A27B-E217F931CD4F}"/>
-              </a:ext>
-            </a:extLst>
-          </p:cNvPr>
-          <p:cNvSpPr txBox="1"/>
-          <p:nvPr/>
-        </p:nvSpPr>
-        <p:spPr>
-          <a:xfrm>
-            <a:off x="638174" y="1397000"/>
-            <a:ext cx="10791825" cy="707886"/>
-          </a:xfrm>
-          <a:prstGeom prst="rect">
-            <a:avLst/>
-          </a:prstGeom>
-          <a:noFill/>
-        </p:spPr>
-        <p:txBody>
-          <a:bodyPr wrap="square" rtlCol="0">
-            <a:spAutoFit/>
-          </a:bodyPr>
-          <a:lstStyle/>
-          <a:p>
-            <a:r>
-              <a:rPr lang="en-US" sz="2000" dirty="0"/>
-              <a:t>Guest mode auto</a:t>
-            </a:r>
-          </a:p>
-          <a:p>
-            <a:r>
-              <a:rPr lang="en-US" sz="2000" dirty="0"/>
-              <a:t>  </a:t>
-            </a:r>
+            <a:pPr marL="342900" indent="-342900">
+              <a:buFont typeface="Arial" panose="020B0604020202020204" pitchFamily="34" charset="0"/>
+              <a:buChar char="•"/>
+            </a:pPr>
+            <a:r>
+              <a:rPr lang="en-US" sz="2400" dirty="0"/>
+              <a:t>Guest mode auto login</a:t>
+            </a:r>
+          </a:p>
+          <a:p>
+            <a:endParaRPr lang="en-US" sz="2400" dirty="0"/>
           </a:p>
         </p:txBody>
       </p:sp>
@@ -3981,7 +3851,7 @@
 </p:sld>
 </file>
 
-<file path=ppt/slides/slide14.xml><?xml version="1.0" encoding="utf-8"?>
+<file path=ppt/slides/slide13.xml><?xml version="1.0" encoding="utf-8"?>
 <p:sld xmlns:a="http://schemas.openxmlformats.org/drawingml/2006/main" xmlns:r="http://schemas.openxmlformats.org/officeDocument/2006/relationships" xmlns:p="http://schemas.openxmlformats.org/presentationml/2006/main">
   <p:cSld>
     <p:bg>
@@ -5708,7 +5578,7 @@
 </p:sld>
 </file>
 
-<file path=ppt/slides/slide15.xml><?xml version="1.0" encoding="utf-8"?>
+<file path=ppt/slides/slide14.xml><?xml version="1.0" encoding="utf-8"?>
 <p:sld xmlns:a="http://schemas.openxmlformats.org/drawingml/2006/main" xmlns:r="http://schemas.openxmlformats.org/officeDocument/2006/relationships" xmlns:p="http://schemas.openxmlformats.org/presentationml/2006/main">
   <p:cSld>
     <p:bg>
@@ -5877,8 +5747,8 @@
         </p:nvSpPr>
         <p:spPr>
           <a:xfrm>
-            <a:off x="3045368" y="2043663"/>
-            <a:ext cx="6105194" cy="2031055"/>
+            <a:off x="3043403" y="2998133"/>
+            <a:ext cx="6105194" cy="861734"/>
           </a:xfrm>
           <a:prstGeom prst="rect">
             <a:avLst/>
@@ -5886,7 +5756,7 @@
         </p:spPr>
         <p:txBody>
           <a:bodyPr vert="horz" lIns="91440" tIns="45720" rIns="91440" bIns="45720" rtlCol="0" anchor="b">
-            <a:normAutofit/>
+            <a:normAutofit lnSpcReduction="10000"/>
           </a:bodyPr>
           <a:lstStyle/>
           <a:p>
@@ -5919,6 +5789,144 @@
     <p:extLst>
       <p:ext uri="{BB962C8B-B14F-4D97-AF65-F5344CB8AC3E}">
         <p14:creationId xmlns:p14="http://schemas.microsoft.com/office/powerpoint/2010/main" val="2643390994"/>
+      </p:ext>
+    </p:extLst>
+  </p:cSld>
+  <p:clrMapOvr>
+    <a:masterClrMapping/>
+  </p:clrMapOvr>
+</p:sld>
+</file>
+
+<file path=ppt/slides/slide15.xml><?xml version="1.0" encoding="utf-8"?>
+<p:sld xmlns:a="http://schemas.openxmlformats.org/drawingml/2006/main" xmlns:r="http://schemas.openxmlformats.org/officeDocument/2006/relationships" xmlns:p="http://schemas.openxmlformats.org/presentationml/2006/main">
+  <p:cSld>
+    <p:spTree>
+      <p:nvGrpSpPr>
+        <p:cNvPr id="1" name=""/>
+        <p:cNvGrpSpPr/>
+        <p:nvPr/>
+      </p:nvGrpSpPr>
+      <p:grpSpPr>
+        <a:xfrm>
+          <a:off x="0" y="0"/>
+          <a:ext cx="0" cy="0"/>
+          <a:chOff x="0" y="0"/>
+          <a:chExt cx="0" cy="0"/>
+        </a:xfrm>
+      </p:grpSpPr>
+      <p:sp>
+        <p:nvSpPr>
+          <p:cNvPr id="9" name="TextBox 8">
+            <a:extLst>
+              <a:ext uri="{FF2B5EF4-FFF2-40B4-BE49-F238E27FC236}">
+                <a16:creationId xmlns:a16="http://schemas.microsoft.com/office/drawing/2014/main" id="{006EBBE6-CE7D-48E2-A26D-C4F6A30011E4}"/>
+              </a:ext>
+            </a:extLst>
+          </p:cNvPr>
+          <p:cNvSpPr txBox="1"/>
+          <p:nvPr/>
+        </p:nvSpPr>
+        <p:spPr>
+          <a:xfrm>
+            <a:off x="632453" y="577355"/>
+            <a:ext cx="10791825" cy="646331"/>
+          </a:xfrm>
+          <a:prstGeom prst="rect">
+            <a:avLst/>
+          </a:prstGeom>
+          <a:noFill/>
+        </p:spPr>
+        <p:txBody>
+          <a:bodyPr wrap="square" rtlCol="0">
+            <a:spAutoFit/>
+          </a:bodyPr>
+          <a:lstStyle/>
+          <a:p>
+            <a:r>
+              <a:rPr lang="en-US" sz="3600"/>
+              <a:t>influencer</a:t>
+            </a:r>
+            <a:endParaRPr lang="en-IL" sz="3600" u="sng" dirty="0"/>
+          </a:p>
+        </p:txBody>
+      </p:sp>
+      <p:pic>
+        <p:nvPicPr>
+          <p:cNvPr id="21" name="Picture 20" descr="A screenshot of a cell phone&#10;&#10;Description automatically generated">
+            <a:extLst>
+              <a:ext uri="{FF2B5EF4-FFF2-40B4-BE49-F238E27FC236}">
+                <a16:creationId xmlns:a16="http://schemas.microsoft.com/office/drawing/2014/main" id="{8BD8A51D-3B08-40C1-B177-9FAB98187AA4}"/>
+              </a:ext>
+            </a:extLst>
+          </p:cNvPr>
+          <p:cNvPicPr>
+            <a:picLocks noChangeAspect="1"/>
+          </p:cNvPicPr>
+          <p:nvPr/>
+        </p:nvPicPr>
+        <p:blipFill>
+          <a:blip r:embed="rId2">
+            <a:extLst>
+              <a:ext uri="{28A0092B-C50C-407E-A947-70E740481C1C}">
+                <a14:useLocalDpi xmlns:a14="http://schemas.microsoft.com/office/drawing/2010/main" val="0"/>
+              </a:ext>
+            </a:extLst>
+          </a:blip>
+          <a:stretch>
+            <a:fillRect/>
+          </a:stretch>
+        </p:blipFill>
+        <p:spPr>
+          <a:xfrm>
+            <a:off x="783455" y="1579686"/>
+            <a:ext cx="5830114" cy="3181794"/>
+          </a:xfrm>
+          <a:prstGeom prst="rect">
+            <a:avLst/>
+          </a:prstGeom>
+        </p:spPr>
+      </p:pic>
+      <p:pic>
+        <p:nvPicPr>
+          <p:cNvPr id="25" name="Picture 24">
+            <a:extLst>
+              <a:ext uri="{FF2B5EF4-FFF2-40B4-BE49-F238E27FC236}">
+                <a16:creationId xmlns:a16="http://schemas.microsoft.com/office/drawing/2014/main" id="{C15B8171-32B5-4BF5-B2DB-42D97B8040E8}"/>
+              </a:ext>
+            </a:extLst>
+          </p:cNvPr>
+          <p:cNvPicPr>
+            <a:picLocks noChangeAspect="1"/>
+          </p:cNvPicPr>
+          <p:nvPr/>
+        </p:nvPicPr>
+        <p:blipFill>
+          <a:blip r:embed="rId3">
+            <a:extLst>
+              <a:ext uri="{28A0092B-C50C-407E-A947-70E740481C1C}">
+                <a14:useLocalDpi xmlns:a14="http://schemas.microsoft.com/office/drawing/2010/main" val="0"/>
+              </a:ext>
+            </a:extLst>
+          </a:blip>
+          <a:stretch>
+            <a:fillRect/>
+          </a:stretch>
+        </p:blipFill>
+        <p:spPr>
+          <a:xfrm>
+            <a:off x="7321750" y="1579686"/>
+            <a:ext cx="4086795" cy="4610743"/>
+          </a:xfrm>
+          <a:prstGeom prst="rect">
+            <a:avLst/>
+          </a:prstGeom>
+        </p:spPr>
+      </p:pic>
+    </p:spTree>
+    <p:extLst>
+      <p:ext uri="{BB962C8B-B14F-4D97-AF65-F5344CB8AC3E}">
+        <p14:creationId xmlns:p14="http://schemas.microsoft.com/office/powerpoint/2010/main" val="1456783685"/>
       </p:ext>
     </p:extLst>
   </p:cSld>
@@ -5947,10 +5955,10 @@
       </p:grpSpPr>
       <p:sp>
         <p:nvSpPr>
-          <p:cNvPr id="3" name="TextBox 2">
-            <a:extLst>
-              <a:ext uri="{FF2B5EF4-FFF2-40B4-BE49-F238E27FC236}">
-                <a16:creationId xmlns:a16="http://schemas.microsoft.com/office/drawing/2014/main" id="{4E89039E-7E36-4C94-9CF7-6570058A9231}"/>
+          <p:cNvPr id="5" name="TextBox 4">
+            <a:extLst>
+              <a:ext uri="{FF2B5EF4-FFF2-40B4-BE49-F238E27FC236}">
+                <a16:creationId xmlns:a16="http://schemas.microsoft.com/office/drawing/2014/main" id="{A651921E-8F5A-4D10-AF3B-2D1482FE0AC5}"/>
               </a:ext>
             </a:extLst>
           </p:cNvPr>
@@ -5959,8 +5967,8 @@
         </p:nvSpPr>
         <p:spPr>
           <a:xfrm>
-            <a:off x="711200" y="2460625"/>
-            <a:ext cx="10791825" cy="830997"/>
+            <a:off x="439506" y="259604"/>
+            <a:ext cx="10791825" cy="646331"/>
           </a:xfrm>
           <a:prstGeom prst="rect">
             <a:avLst/>
@@ -5973,19 +5981,54 @@
           </a:bodyPr>
           <a:lstStyle/>
           <a:p>
-            <a:pPr algn="ctr"/>
-            <a:r>
-              <a:rPr lang="en-US" sz="4800" dirty="0"/>
-              <a:t>Pages and Components</a:t>
-            </a:r>
-            <a:endParaRPr lang="en-IL" sz="4800" dirty="0"/>
-          </a:p>
-        </p:txBody>
-      </p:sp>
+            <a:r>
+              <a:rPr lang="en-US" sz="3600" u="sng" dirty="0"/>
+              <a:t>Brand </a:t>
+            </a:r>
+            <a:endParaRPr lang="en-IL" sz="3600" u="sng" dirty="0"/>
+          </a:p>
+        </p:txBody>
+      </p:sp>
+      <p:pic>
+        <p:nvPicPr>
+          <p:cNvPr id="11" name="Picture 10" descr="A screenshot of a cell phone&#10;&#10;Description automatically generated">
+            <a:extLst>
+              <a:ext uri="{FF2B5EF4-FFF2-40B4-BE49-F238E27FC236}">
+                <a16:creationId xmlns:a16="http://schemas.microsoft.com/office/drawing/2014/main" id="{2D2840D1-CB5C-414B-8A2F-474F8E9DCD84}"/>
+              </a:ext>
+            </a:extLst>
+          </p:cNvPr>
+          <p:cNvPicPr>
+            <a:picLocks noChangeAspect="1"/>
+          </p:cNvPicPr>
+          <p:nvPr/>
+        </p:nvPicPr>
+        <p:blipFill>
+          <a:blip r:embed="rId2">
+            <a:extLst>
+              <a:ext uri="{28A0092B-C50C-407E-A947-70E740481C1C}">
+                <a14:useLocalDpi xmlns:a14="http://schemas.microsoft.com/office/drawing/2010/main" val="0"/>
+              </a:ext>
+            </a:extLst>
+          </a:blip>
+          <a:stretch>
+            <a:fillRect/>
+          </a:stretch>
+        </p:blipFill>
+        <p:spPr>
+          <a:xfrm>
+            <a:off x="3109411" y="789138"/>
+            <a:ext cx="5304748" cy="5601685"/>
+          </a:xfrm>
+          <a:prstGeom prst="rect">
+            <a:avLst/>
+          </a:prstGeom>
+        </p:spPr>
+      </p:pic>
     </p:spTree>
     <p:extLst>
       <p:ext uri="{BB962C8B-B14F-4D97-AF65-F5344CB8AC3E}">
-        <p14:creationId xmlns:p14="http://schemas.microsoft.com/office/powerpoint/2010/main" val="942829184"/>
+        <p14:creationId xmlns:p14="http://schemas.microsoft.com/office/powerpoint/2010/main" val="3371399496"/>
       </p:ext>
     </p:extLst>
   </p:cSld>
@@ -6014,10 +6057,10 @@
       </p:grpSpPr>
       <p:sp>
         <p:nvSpPr>
-          <p:cNvPr id="2" name="TextBox 1">
-            <a:extLst>
-              <a:ext uri="{FF2B5EF4-FFF2-40B4-BE49-F238E27FC236}">
-                <a16:creationId xmlns:a16="http://schemas.microsoft.com/office/drawing/2014/main" id="{F862B99F-C784-4BCE-9799-883D06C40419}"/>
+          <p:cNvPr id="3" name="TextBox 2">
+            <a:extLst>
+              <a:ext uri="{FF2B5EF4-FFF2-40B4-BE49-F238E27FC236}">
+                <a16:creationId xmlns:a16="http://schemas.microsoft.com/office/drawing/2014/main" id="{945D7E7E-A558-4DD3-880D-C1B7E25A7901}"/>
               </a:ext>
             </a:extLst>
           </p:cNvPr>
@@ -6026,8 +6069,8 @@
         </p:nvSpPr>
         <p:spPr>
           <a:xfrm>
-            <a:off x="711200" y="2460625"/>
-            <a:ext cx="10791825" cy="830997"/>
+            <a:off x="439506" y="259604"/>
+            <a:ext cx="10791825" cy="646331"/>
           </a:xfrm>
           <a:prstGeom prst="rect">
             <a:avLst/>
@@ -6040,19 +6083,63 @@
           </a:bodyPr>
           <a:lstStyle/>
           <a:p>
-            <a:pPr algn="ctr"/>
-            <a:r>
-              <a:rPr lang="en-US" sz="4800" dirty="0"/>
-              <a:t>Store</a:t>
-            </a:r>
-            <a:endParaRPr lang="en-IL" sz="4800" dirty="0"/>
-          </a:p>
-        </p:txBody>
-      </p:sp>
+            <a:r>
+              <a:rPr lang="en-US" sz="3600" u="sng">
+                <a:solidFill>
+                  <a:srgbClr val="1D1C1D"/>
+                </a:solidFill>
+                <a:latin typeface="Slack-Lato"/>
+              </a:rPr>
+              <a:t>Campaign</a:t>
+            </a:r>
+            <a:r>
+              <a:rPr lang="en-US" sz="3600" u="sng"/>
+              <a:t> </a:t>
+            </a:r>
+            <a:endParaRPr lang="en-IL" sz="3600" u="sng" dirty="0"/>
+          </a:p>
+        </p:txBody>
+      </p:sp>
+      <p:pic>
+        <p:nvPicPr>
+          <p:cNvPr id="9" name="Picture 8" descr="A screenshot of a cell phone&#10;&#10;Description automatically generated">
+            <a:extLst>
+              <a:ext uri="{FF2B5EF4-FFF2-40B4-BE49-F238E27FC236}">
+                <a16:creationId xmlns:a16="http://schemas.microsoft.com/office/drawing/2014/main" id="{950BEB58-752B-4665-89E6-50AB6052F0DD}"/>
+              </a:ext>
+            </a:extLst>
+          </p:cNvPr>
+          <p:cNvPicPr>
+            <a:picLocks noChangeAspect="1"/>
+          </p:cNvPicPr>
+          <p:nvPr/>
+        </p:nvPicPr>
+        <p:blipFill>
+          <a:blip r:embed="rId2">
+            <a:extLst>
+              <a:ext uri="{28A0092B-C50C-407E-A947-70E740481C1C}">
+                <a14:useLocalDpi xmlns:a14="http://schemas.microsoft.com/office/drawing/2010/main" val="0"/>
+              </a:ext>
+            </a:extLst>
+          </a:blip>
+          <a:stretch>
+            <a:fillRect/>
+          </a:stretch>
+        </p:blipFill>
+        <p:spPr>
+          <a:xfrm>
+            <a:off x="1893837" y="1122027"/>
+            <a:ext cx="8214897" cy="5214732"/>
+          </a:xfrm>
+          <a:prstGeom prst="rect">
+            <a:avLst/>
+          </a:prstGeom>
+        </p:spPr>
+      </p:pic>
     </p:spTree>
     <p:extLst>
       <p:ext uri="{BB962C8B-B14F-4D97-AF65-F5344CB8AC3E}">
-        <p14:creationId xmlns:p14="http://schemas.microsoft.com/office/powerpoint/2010/main" val="3293208531"/>
+        <p14:creationId xmlns:p14="http://schemas.microsoft.com/office/powerpoint/2010/main" val="2067266584"/>
       </p:ext>
     </p:extLst>
   </p:cSld>
@@ -6081,10 +6168,10 @@
       </p:grpSpPr>
       <p:sp>
         <p:nvSpPr>
-          <p:cNvPr id="4" name="TextBox 3">
-            <a:extLst>
-              <a:ext uri="{FF2B5EF4-FFF2-40B4-BE49-F238E27FC236}">
-                <a16:creationId xmlns:a16="http://schemas.microsoft.com/office/drawing/2014/main" id="{E613D765-57D8-4561-A804-83842E42258B}"/>
+          <p:cNvPr id="6" name="TextBox 5">
+            <a:extLst>
+              <a:ext uri="{FF2B5EF4-FFF2-40B4-BE49-F238E27FC236}">
+                <a16:creationId xmlns:a16="http://schemas.microsoft.com/office/drawing/2014/main" id="{6B295DF5-61DD-42B6-AA7C-CB317659112C}"/>
               </a:ext>
             </a:extLst>
           </p:cNvPr>
@@ -6093,8 +6180,8 @@
         </p:nvSpPr>
         <p:spPr>
           <a:xfrm>
-            <a:off x="4739780" y="2598003"/>
-            <a:ext cx="2021002" cy="830997"/>
+            <a:off x="439506" y="259604"/>
+            <a:ext cx="10791825" cy="646331"/>
           </a:xfrm>
           <a:prstGeom prst="rect">
             <a:avLst/>
@@ -6102,23 +6189,68 @@
           <a:noFill/>
         </p:spPr>
         <p:txBody>
-          <a:bodyPr wrap="none" rtlCol="0">
+          <a:bodyPr wrap="square" rtlCol="0">
             <a:spAutoFit/>
           </a:bodyPr>
           <a:lstStyle/>
           <a:p>
             <a:r>
-              <a:rPr lang="en-US" sz="4800" dirty="0"/>
-              <a:t>sockets</a:t>
-            </a:r>
-            <a:endParaRPr lang="LID4096" sz="4800" dirty="0"/>
-          </a:p>
-        </p:txBody>
-      </p:sp>
+              <a:rPr lang="en-US" sz="3600" u="sng" dirty="0">
+                <a:solidFill>
+                  <a:srgbClr val="1D1C1D"/>
+                </a:solidFill>
+                <a:latin typeface="Slack-Lato"/>
+              </a:rPr>
+              <a:t>offer</a:t>
+            </a:r>
+            <a:r>
+              <a:rPr lang="en-US" sz="3600" u="sng" dirty="0"/>
+              <a:t> </a:t>
+            </a:r>
+            <a:endParaRPr lang="en-IL" sz="3600" u="sng" dirty="0"/>
+          </a:p>
+        </p:txBody>
+      </p:sp>
+      <p:pic>
+        <p:nvPicPr>
+          <p:cNvPr id="12" name="Picture 11" descr="A screenshot of a cell phone&#10;&#10;Description automatically generated">
+            <a:extLst>
+              <a:ext uri="{FF2B5EF4-FFF2-40B4-BE49-F238E27FC236}">
+                <a16:creationId xmlns:a16="http://schemas.microsoft.com/office/drawing/2014/main" id="{D9E1543C-8795-4D4B-A997-656DEE4721FD}"/>
+              </a:ext>
+            </a:extLst>
+          </p:cNvPr>
+          <p:cNvPicPr>
+            <a:picLocks noChangeAspect="1"/>
+          </p:cNvPicPr>
+          <p:nvPr/>
+        </p:nvPicPr>
+        <p:blipFill>
+          <a:blip r:embed="rId2">
+            <a:extLst>
+              <a:ext uri="{28A0092B-C50C-407E-A947-70E740481C1C}">
+                <a14:useLocalDpi xmlns:a14="http://schemas.microsoft.com/office/drawing/2010/main" val="0"/>
+              </a:ext>
+            </a:extLst>
+          </a:blip>
+          <a:stretch>
+            <a:fillRect/>
+          </a:stretch>
+        </p:blipFill>
+        <p:spPr>
+          <a:xfrm>
+            <a:off x="439506" y="1314486"/>
+            <a:ext cx="11114955" cy="4229028"/>
+          </a:xfrm>
+          <a:prstGeom prst="rect">
+            <a:avLst/>
+          </a:prstGeom>
+        </p:spPr>
+      </p:pic>
     </p:spTree>
     <p:extLst>
       <p:ext uri="{BB962C8B-B14F-4D97-AF65-F5344CB8AC3E}">
-        <p14:creationId xmlns:p14="http://schemas.microsoft.com/office/powerpoint/2010/main" val="3971017919"/>
+        <p14:creationId xmlns:p14="http://schemas.microsoft.com/office/powerpoint/2010/main" val="3648181609"/>
       </p:ext>
     </p:extLst>
   </p:cSld>
@@ -6147,10 +6279,10 @@
       </p:grpSpPr>
       <p:sp>
         <p:nvSpPr>
-          <p:cNvPr id="4" name="TextBox 3">
-            <a:extLst>
-              <a:ext uri="{FF2B5EF4-FFF2-40B4-BE49-F238E27FC236}">
-                <a16:creationId xmlns:a16="http://schemas.microsoft.com/office/drawing/2014/main" id="{DFA81FBF-438D-4E60-A45E-5D0C020B0507}"/>
+          <p:cNvPr id="3" name="TextBox 2">
+            <a:extLst>
+              <a:ext uri="{FF2B5EF4-FFF2-40B4-BE49-F238E27FC236}">
+                <a16:creationId xmlns:a16="http://schemas.microsoft.com/office/drawing/2014/main" id="{4E89039E-7E36-4C94-9CF7-6570058A9231}"/>
               </a:ext>
             </a:extLst>
           </p:cNvPr>
@@ -6182,10 +6314,211 @@
           </a:p>
         </p:txBody>
       </p:sp>
+      <p:sp>
+        <p:nvSpPr>
+          <p:cNvPr id="7" name="Rectangle 6">
+            <a:extLst>
+              <a:ext uri="{FF2B5EF4-FFF2-40B4-BE49-F238E27FC236}">
+                <a16:creationId xmlns:a16="http://schemas.microsoft.com/office/drawing/2014/main" id="{BA37813C-CA55-4D2A-AE4A-FE189A8B183E}"/>
+              </a:ext>
+              <a:ext uri="{C183D7F6-B498-43B3-948B-1728B52AA6E4}">
+                <adec:decorative xmlns:adec="http://schemas.microsoft.com/office/drawing/2017/decorative" val="1"/>
+              </a:ext>
+            </a:extLst>
+          </p:cNvPr>
+          <p:cNvSpPr>
+            <a:spLocks noGrp="1" noRot="1" noChangeAspect="1" noMove="1" noResize="1" noEditPoints="1" noAdjustHandles="1" noChangeArrowheads="1" noChangeShapeType="1" noTextEdit="1"/>
+          </p:cNvSpPr>
+          <p:nvPr>
+            <p:extLst>
+              <p:ext uri="{386F3935-93C4-4BCD-93E2-E3B085C9AB24}">
+                <p16:designElem xmlns:p16="http://schemas.microsoft.com/office/powerpoint/2015/main" val="1"/>
+              </p:ext>
+            </p:extLst>
+          </p:nvPr>
+        </p:nvSpPr>
+        <p:spPr>
+          <a:xfrm>
+            <a:off x="475488" y="0"/>
+            <a:ext cx="10910292" cy="6858000"/>
+          </a:xfrm>
+          <a:prstGeom prst="rect">
+            <a:avLst/>
+          </a:prstGeom>
+          <a:gradFill>
+            <a:gsLst>
+              <a:gs pos="0">
+                <a:schemeClr val="accent1">
+                  <a:lumMod val="90000"/>
+                </a:schemeClr>
+              </a:gs>
+              <a:gs pos="25000">
+                <a:schemeClr val="accent1">
+                  <a:lumMod val="90000"/>
+                </a:schemeClr>
+              </a:gs>
+              <a:gs pos="94000">
+                <a:schemeClr val="bg2">
+                  <a:lumMod val="25000"/>
+                </a:schemeClr>
+              </a:gs>
+              <a:gs pos="100000">
+                <a:schemeClr val="bg2">
+                  <a:lumMod val="25000"/>
+                </a:schemeClr>
+              </a:gs>
+            </a:gsLst>
+            <a:lin ang="4200000" scaled="0"/>
+          </a:gradFill>
+          <a:ln>
+            <a:noFill/>
+          </a:ln>
+        </p:spPr>
+        <p:style>
+          <a:lnRef idx="2">
+            <a:schemeClr val="accent1">
+              <a:shade val="50000"/>
+            </a:schemeClr>
+          </a:lnRef>
+          <a:fillRef idx="1">
+            <a:schemeClr val="accent1"/>
+          </a:fillRef>
+          <a:effectRef idx="0">
+            <a:schemeClr val="accent1"/>
+          </a:effectRef>
+          <a:fontRef idx="minor">
+            <a:schemeClr val="lt1"/>
+          </a:fontRef>
+        </p:style>
+        <p:txBody>
+          <a:bodyPr rtlCol="0" anchor="ctr"/>
+          <a:lstStyle/>
+          <a:p>
+            <a:pPr algn="ctr"/>
+            <a:endParaRPr lang="en-US"/>
+          </a:p>
+        </p:txBody>
+      </p:sp>
+      <p:pic>
+        <p:nvPicPr>
+          <p:cNvPr id="8" name="Picture 7">
+            <a:extLst>
+              <a:ext uri="{FF2B5EF4-FFF2-40B4-BE49-F238E27FC236}">
+                <a16:creationId xmlns:a16="http://schemas.microsoft.com/office/drawing/2014/main" id="{82E5BD03-6C82-4F49-A76C-AFD7325FEB59}"/>
+              </a:ext>
+              <a:ext uri="{C183D7F6-B498-43B3-948B-1728B52AA6E4}">
+                <adec:decorative xmlns:adec="http://schemas.microsoft.com/office/drawing/2017/decorative" val="1"/>
+              </a:ext>
+            </a:extLst>
+          </p:cNvPr>
+          <p:cNvPicPr>
+            <a:picLocks noGrp="1" noRot="1" noChangeAspect="1" noMove="1" noResize="1" noEditPoints="1" noAdjustHandles="1" noChangeArrowheads="1" noChangeShapeType="1" noCrop="1"/>
+          </p:cNvPicPr>
+          <p:nvPr>
+            <p:extLst>
+              <p:ext uri="{386F3935-93C4-4BCD-93E2-E3B085C9AB24}">
+                <p16:designElem xmlns:p16="http://schemas.microsoft.com/office/powerpoint/2015/main" val="1"/>
+              </p:ext>
+            </p:extLst>
+          </p:nvPr>
+        </p:nvPicPr>
+        <p:blipFill>
+          <a:blip r:embed="rId2">
+            <a:extLst>
+              <a:ext uri="{28A0092B-C50C-407E-A947-70E740481C1C}">
+                <a14:useLocalDpi xmlns:a14="http://schemas.microsoft.com/office/drawing/2010/main" val="0"/>
+              </a:ext>
+            </a:extLst>
+          </a:blip>
+          <a:stretch>
+            <a:fillRect/>
+          </a:stretch>
+        </p:blipFill>
+        <p:spPr>
+          <a:xfrm>
+            <a:off x="0" y="0"/>
+            <a:ext cx="12192000" cy="6858000"/>
+          </a:xfrm>
+          <a:prstGeom prst="rect">
+            <a:avLst/>
+          </a:prstGeom>
+        </p:spPr>
+      </p:pic>
+      <p:sp>
+        <p:nvSpPr>
+          <p:cNvPr id="9" name="TextBox 8">
+            <a:extLst>
+              <a:ext uri="{FF2B5EF4-FFF2-40B4-BE49-F238E27FC236}">
+                <a16:creationId xmlns:a16="http://schemas.microsoft.com/office/drawing/2014/main" id="{778DB6AC-FB2F-4C9A-ACF7-D9A26729E8E7}"/>
+              </a:ext>
+            </a:extLst>
+          </p:cNvPr>
+          <p:cNvSpPr txBox="1"/>
+          <p:nvPr/>
+        </p:nvSpPr>
+        <p:spPr>
+          <a:xfrm>
+            <a:off x="3054515" y="2823004"/>
+            <a:ext cx="6105194" cy="937235"/>
+          </a:xfrm>
+          <a:prstGeom prst="rect">
+            <a:avLst/>
+          </a:prstGeom>
+        </p:spPr>
+        <p:txBody>
+          <a:bodyPr vert="horz" lIns="91440" tIns="45720" rIns="91440" bIns="45720" rtlCol="0" anchor="b">
+            <a:normAutofit/>
+          </a:bodyPr>
+          <a:lstStyle/>
+          <a:p>
+            <a:pPr algn="ctr">
+              <a:lnSpc>
+                <a:spcPct val="90000"/>
+              </a:lnSpc>
+              <a:spcBef>
+                <a:spcPct val="0"/>
+              </a:spcBef>
+              <a:spcAft>
+                <a:spcPts val="600"/>
+              </a:spcAft>
+            </a:pPr>
+            <a:r>
+              <a:rPr lang="en-US" sz="4800" b="1" kern="1200" dirty="0">
+                <a:solidFill>
+                  <a:srgbClr val="FFFFFF"/>
+                </a:solidFill>
+                <a:latin typeface="+mj-lt"/>
+                <a:ea typeface="+mj-ea"/>
+                <a:cs typeface="+mj-cs"/>
+              </a:rPr>
+              <a:t>P</a:t>
+            </a:r>
+            <a:r>
+              <a:rPr lang="en-US" sz="4800" b="1" dirty="0">
+                <a:solidFill>
+                  <a:srgbClr val="FFFFFF"/>
+                </a:solidFill>
+                <a:latin typeface="+mj-lt"/>
+                <a:ea typeface="+mj-ea"/>
+                <a:cs typeface="+mj-cs"/>
+              </a:rPr>
+              <a:t>ages and components</a:t>
+            </a:r>
+            <a:endParaRPr lang="en-US" sz="4800" b="1" kern="1200" dirty="0">
+              <a:solidFill>
+                <a:srgbClr val="FFFFFF"/>
+              </a:solidFill>
+              <a:latin typeface="+mj-lt"/>
+              <a:ea typeface="+mj-ea"/>
+              <a:cs typeface="+mj-cs"/>
+            </a:endParaRPr>
+          </a:p>
+        </p:txBody>
+      </p:sp>
     </p:spTree>
     <p:extLst>
       <p:ext uri="{BB962C8B-B14F-4D97-AF65-F5344CB8AC3E}">
-        <p14:creationId xmlns:p14="http://schemas.microsoft.com/office/powerpoint/2010/main" val="1545925520"/>
+        <p14:creationId xmlns:p14="http://schemas.microsoft.com/office/powerpoint/2010/main" val="942829184"/>
       </p:ext>
     </p:extLst>
   </p:cSld>
@@ -6404,21 +6737,2171 @@
           <p:cNvPr id="4" name="Rectangle 3">
             <a:extLst>
               <a:ext uri="{FF2B5EF4-FFF2-40B4-BE49-F238E27FC236}">
-                <a16:creationId xmlns:a16="http://schemas.microsoft.com/office/drawing/2014/main" id="{6139A825-29DC-43CF-B00B-0CB88584A7B5}"/>
-              </a:ext>
-            </a:extLst>
-          </p:cNvPr>
-          <p:cNvSpPr/>
-          <p:nvPr/>
+                <a16:creationId xmlns:a16="http://schemas.microsoft.com/office/drawing/2014/main" id="{2018887E-1156-4968-86F6-EE6917AF214B}"/>
+              </a:ext>
+              <a:ext uri="{C183D7F6-B498-43B3-948B-1728B52AA6E4}">
+                <adec:decorative xmlns:adec="http://schemas.microsoft.com/office/drawing/2017/decorative" val="1"/>
+              </a:ext>
+            </a:extLst>
+          </p:cNvPr>
+          <p:cNvSpPr>
+            <a:spLocks noGrp="1" noRot="1" noChangeAspect="1" noMove="1" noResize="1" noEditPoints="1" noAdjustHandles="1" noChangeArrowheads="1" noChangeShapeType="1" noTextEdit="1"/>
+          </p:cNvSpPr>
+          <p:nvPr>
+            <p:extLst>
+              <p:ext uri="{386F3935-93C4-4BCD-93E2-E3B085C9AB24}">
+                <p16:designElem xmlns:p16="http://schemas.microsoft.com/office/powerpoint/2015/main" val="1"/>
+              </p:ext>
+            </p:extLst>
+          </p:nvPr>
         </p:nvSpPr>
         <p:spPr>
           <a:xfrm>
-            <a:off x="3048000" y="612845"/>
-            <a:ext cx="6096000" cy="4801314"/>
+            <a:off x="475488" y="0"/>
+            <a:ext cx="10910292" cy="6858000"/>
           </a:xfrm>
           <a:prstGeom prst="rect">
             <a:avLst/>
           </a:prstGeom>
+          <a:gradFill>
+            <a:gsLst>
+              <a:gs pos="0">
+                <a:schemeClr val="accent1">
+                  <a:lumMod val="90000"/>
+                </a:schemeClr>
+              </a:gs>
+              <a:gs pos="25000">
+                <a:schemeClr val="accent1">
+                  <a:lumMod val="90000"/>
+                </a:schemeClr>
+              </a:gs>
+              <a:gs pos="94000">
+                <a:schemeClr val="bg2">
+                  <a:lumMod val="25000"/>
+                </a:schemeClr>
+              </a:gs>
+              <a:gs pos="100000">
+                <a:schemeClr val="bg2">
+                  <a:lumMod val="25000"/>
+                </a:schemeClr>
+              </a:gs>
+            </a:gsLst>
+            <a:lin ang="4200000" scaled="0"/>
+          </a:gradFill>
+          <a:ln>
+            <a:noFill/>
+          </a:ln>
+        </p:spPr>
+        <p:style>
+          <a:lnRef idx="2">
+            <a:schemeClr val="accent1">
+              <a:shade val="50000"/>
+            </a:schemeClr>
+          </a:lnRef>
+          <a:fillRef idx="1">
+            <a:schemeClr val="accent1"/>
+          </a:fillRef>
+          <a:effectRef idx="0">
+            <a:schemeClr val="accent1"/>
+          </a:effectRef>
+          <a:fontRef idx="minor">
+            <a:schemeClr val="lt1"/>
+          </a:fontRef>
+        </p:style>
+        <p:txBody>
+          <a:bodyPr rtlCol="0" anchor="ctr"/>
+          <a:lstStyle/>
+          <a:p>
+            <a:pPr algn="ctr"/>
+            <a:endParaRPr lang="en-US"/>
+          </a:p>
+        </p:txBody>
+      </p:sp>
+      <p:pic>
+        <p:nvPicPr>
+          <p:cNvPr id="5" name="Picture 4">
+            <a:extLst>
+              <a:ext uri="{FF2B5EF4-FFF2-40B4-BE49-F238E27FC236}">
+                <a16:creationId xmlns:a16="http://schemas.microsoft.com/office/drawing/2014/main" id="{F6A99965-B21D-430B-8E3A-293CA6A8179B}"/>
+              </a:ext>
+              <a:ext uri="{C183D7F6-B498-43B3-948B-1728B52AA6E4}">
+                <adec:decorative xmlns:adec="http://schemas.microsoft.com/office/drawing/2017/decorative" val="1"/>
+              </a:ext>
+            </a:extLst>
+          </p:cNvPr>
+          <p:cNvPicPr>
+            <a:picLocks noGrp="1" noRot="1" noChangeAspect="1" noMove="1" noResize="1" noEditPoints="1" noAdjustHandles="1" noChangeArrowheads="1" noChangeShapeType="1" noCrop="1"/>
+          </p:cNvPicPr>
+          <p:nvPr>
+            <p:extLst>
+              <p:ext uri="{386F3935-93C4-4BCD-93E2-E3B085C9AB24}">
+                <p16:designElem xmlns:p16="http://schemas.microsoft.com/office/powerpoint/2015/main" val="1"/>
+              </p:ext>
+            </p:extLst>
+          </p:nvPr>
+        </p:nvPicPr>
+        <p:blipFill>
+          <a:blip r:embed="rId2">
+            <a:extLst>
+              <a:ext uri="{28A0092B-C50C-407E-A947-70E740481C1C}">
+                <a14:useLocalDpi xmlns:a14="http://schemas.microsoft.com/office/drawing/2010/main" val="0"/>
+              </a:ext>
+            </a:extLst>
+          </a:blip>
+          <a:stretch>
+            <a:fillRect/>
+          </a:stretch>
+        </p:blipFill>
+        <p:spPr>
+          <a:xfrm>
+            <a:off x="0" y="0"/>
+            <a:ext cx="12192000" cy="6858000"/>
+          </a:xfrm>
+          <a:prstGeom prst="rect">
+            <a:avLst/>
+          </a:prstGeom>
+        </p:spPr>
+      </p:pic>
+      <p:sp>
+        <p:nvSpPr>
+          <p:cNvPr id="6" name="TextBox 5">
+            <a:extLst>
+              <a:ext uri="{FF2B5EF4-FFF2-40B4-BE49-F238E27FC236}">
+                <a16:creationId xmlns:a16="http://schemas.microsoft.com/office/drawing/2014/main" id="{313E8D6A-36A1-4256-87C3-E42CA313E4BD}"/>
+              </a:ext>
+            </a:extLst>
+          </p:cNvPr>
+          <p:cNvSpPr txBox="1"/>
+          <p:nvPr/>
+        </p:nvSpPr>
+        <p:spPr>
+          <a:xfrm>
+            <a:off x="3043403" y="2837702"/>
+            <a:ext cx="6105194" cy="937235"/>
+          </a:xfrm>
+          <a:prstGeom prst="rect">
+            <a:avLst/>
+          </a:prstGeom>
+        </p:spPr>
+        <p:txBody>
+          <a:bodyPr vert="horz" lIns="91440" tIns="45720" rIns="91440" bIns="45720" rtlCol="0" anchor="b">
+            <a:normAutofit/>
+          </a:bodyPr>
+          <a:lstStyle/>
+          <a:p>
+            <a:pPr algn="ctr">
+              <a:lnSpc>
+                <a:spcPct val="90000"/>
+              </a:lnSpc>
+              <a:spcBef>
+                <a:spcPct val="0"/>
+              </a:spcBef>
+              <a:spcAft>
+                <a:spcPts val="600"/>
+              </a:spcAft>
+            </a:pPr>
+            <a:r>
+              <a:rPr lang="en-US" sz="4800" b="1" kern="1200" dirty="0">
+                <a:solidFill>
+                  <a:srgbClr val="FFFFFF"/>
+                </a:solidFill>
+                <a:latin typeface="+mj-lt"/>
+                <a:ea typeface="+mj-ea"/>
+                <a:cs typeface="+mj-cs"/>
+              </a:rPr>
+              <a:t>Store</a:t>
+            </a:r>
+          </a:p>
+        </p:txBody>
+      </p:sp>
+    </p:spTree>
+    <p:extLst>
+      <p:ext uri="{BB962C8B-B14F-4D97-AF65-F5344CB8AC3E}">
+        <p14:creationId xmlns:p14="http://schemas.microsoft.com/office/powerpoint/2010/main" val="3293208531"/>
+      </p:ext>
+    </p:extLst>
+  </p:cSld>
+  <p:clrMapOvr>
+    <a:masterClrMapping/>
+  </p:clrMapOvr>
+</p:sld>
+</file>
+
+<file path=ppt/slides/slide21.xml><?xml version="1.0" encoding="utf-8"?>
+<p:sld xmlns:a="http://schemas.openxmlformats.org/drawingml/2006/main" xmlns:r="http://schemas.openxmlformats.org/officeDocument/2006/relationships" xmlns:p="http://schemas.openxmlformats.org/presentationml/2006/main">
+  <p:cSld>
+    <p:spTree>
+      <p:nvGrpSpPr>
+        <p:cNvPr id="1" name=""/>
+        <p:cNvGrpSpPr/>
+        <p:nvPr/>
+      </p:nvGrpSpPr>
+      <p:grpSpPr>
+        <a:xfrm>
+          <a:off x="0" y="0"/>
+          <a:ext cx="0" cy="0"/>
+          <a:chOff x="0" y="0"/>
+          <a:chExt cx="0" cy="0"/>
+        </a:xfrm>
+      </p:grpSpPr>
+      <p:sp>
+        <p:nvSpPr>
+          <p:cNvPr id="4" name="TextBox 3">
+            <a:extLst>
+              <a:ext uri="{FF2B5EF4-FFF2-40B4-BE49-F238E27FC236}">
+                <a16:creationId xmlns:a16="http://schemas.microsoft.com/office/drawing/2014/main" id="{973FA7B7-B611-4CFA-B4CE-7DBE6B769260}"/>
+              </a:ext>
+            </a:extLst>
+          </p:cNvPr>
+          <p:cNvSpPr txBox="1"/>
+          <p:nvPr/>
+        </p:nvSpPr>
+        <p:spPr>
+          <a:xfrm>
+            <a:off x="638175" y="409575"/>
+            <a:ext cx="10791825" cy="830997"/>
+          </a:xfrm>
+          <a:prstGeom prst="rect">
+            <a:avLst/>
+          </a:prstGeom>
+          <a:noFill/>
+        </p:spPr>
+        <p:txBody>
+          <a:bodyPr wrap="square" rtlCol="0">
+            <a:spAutoFit/>
+          </a:bodyPr>
+          <a:lstStyle/>
+          <a:p>
+            <a:r>
+              <a:rPr lang="en-US" sz="4800" b="1" dirty="0"/>
+              <a:t>Store - influencer</a:t>
+            </a:r>
+            <a:endParaRPr lang="en-IL" sz="4800" b="1" dirty="0"/>
+          </a:p>
+        </p:txBody>
+      </p:sp>
+      <p:sp>
+        <p:nvSpPr>
+          <p:cNvPr id="5" name="TextBox 4">
+            <a:extLst>
+              <a:ext uri="{FF2B5EF4-FFF2-40B4-BE49-F238E27FC236}">
+                <a16:creationId xmlns:a16="http://schemas.microsoft.com/office/drawing/2014/main" id="{06A76C9A-1AD0-4407-8477-076EA0C2A26E}"/>
+              </a:ext>
+            </a:extLst>
+          </p:cNvPr>
+          <p:cNvSpPr txBox="1"/>
+          <p:nvPr/>
+        </p:nvSpPr>
+        <p:spPr>
+          <a:xfrm>
+            <a:off x="638175" y="1694576"/>
+            <a:ext cx="2911631" cy="2862322"/>
+          </a:xfrm>
+          <a:prstGeom prst="rect">
+            <a:avLst/>
+          </a:prstGeom>
+          <a:noFill/>
+        </p:spPr>
+        <p:txBody>
+          <a:bodyPr wrap="none" rtlCol="0">
+            <a:spAutoFit/>
+          </a:bodyPr>
+          <a:lstStyle/>
+          <a:p>
+            <a:r>
+              <a:rPr lang="en-US" b="1" dirty="0"/>
+              <a:t>State</a:t>
+            </a:r>
+            <a:r>
+              <a:rPr lang="en-US" dirty="0"/>
+              <a:t>:{</a:t>
+            </a:r>
+          </a:p>
+          <a:p>
+            <a:r>
+              <a:rPr lang="en-US" dirty="0"/>
+              <a:t>	Campaigns:[],</a:t>
+            </a:r>
+          </a:p>
+          <a:p>
+            <a:r>
+              <a:rPr lang="en-US" dirty="0"/>
+              <a:t>	</a:t>
+            </a:r>
+            <a:r>
+              <a:rPr lang="en-US" dirty="0" err="1"/>
+              <a:t>currInfluencer:null</a:t>
+            </a:r>
+            <a:r>
+              <a:rPr lang="en-US" dirty="0"/>
+              <a:t>,</a:t>
+            </a:r>
+          </a:p>
+          <a:p>
+            <a:r>
+              <a:rPr lang="en-US" dirty="0"/>
+              <a:t>}</a:t>
+            </a:r>
+          </a:p>
+          <a:p>
+            <a:r>
+              <a:rPr lang="en-US" dirty="0"/>
+              <a:t>getter:{</a:t>
+            </a:r>
+          </a:p>
+          <a:p>
+            <a:r>
+              <a:rPr lang="en-US" dirty="0"/>
+              <a:t>	campaigns,</a:t>
+            </a:r>
+          </a:p>
+          <a:p>
+            <a:r>
+              <a:rPr lang="en-US" dirty="0"/>
+              <a:t>	</a:t>
+            </a:r>
+            <a:r>
+              <a:rPr lang="en-US" dirty="0" err="1"/>
+              <a:t>currInfluencer</a:t>
+            </a:r>
+            <a:r>
+              <a:rPr lang="en-US" dirty="0"/>
+              <a:t>,</a:t>
+            </a:r>
+          </a:p>
+          <a:p>
+            <a:r>
+              <a:rPr lang="en-US" dirty="0"/>
+              <a:t>	brands</a:t>
+            </a:r>
+          </a:p>
+          <a:p>
+            <a:r>
+              <a:rPr lang="en-US" dirty="0"/>
+              <a:t>}</a:t>
+            </a:r>
+          </a:p>
+          <a:p>
+            <a:r>
+              <a:rPr lang="en-US" dirty="0"/>
+              <a:t>Actions:{}</a:t>
+            </a:r>
+            <a:endParaRPr lang="LID4096" dirty="0"/>
+          </a:p>
+        </p:txBody>
+      </p:sp>
+    </p:spTree>
+    <p:extLst>
+      <p:ext uri="{BB962C8B-B14F-4D97-AF65-F5344CB8AC3E}">
+        <p14:creationId xmlns:p14="http://schemas.microsoft.com/office/powerpoint/2010/main" val="1260128743"/>
+      </p:ext>
+    </p:extLst>
+  </p:cSld>
+  <p:clrMapOvr>
+    <a:masterClrMapping/>
+  </p:clrMapOvr>
+</p:sld>
+</file>
+
+<file path=ppt/slides/slide22.xml><?xml version="1.0" encoding="utf-8"?>
+<p:sld xmlns:a="http://schemas.openxmlformats.org/drawingml/2006/main" xmlns:r="http://schemas.openxmlformats.org/officeDocument/2006/relationships" xmlns:p="http://schemas.openxmlformats.org/presentationml/2006/main">
+  <p:cSld>
+    <p:spTree>
+      <p:nvGrpSpPr>
+        <p:cNvPr id="1" name=""/>
+        <p:cNvGrpSpPr/>
+        <p:nvPr/>
+      </p:nvGrpSpPr>
+      <p:grpSpPr>
+        <a:xfrm>
+          <a:off x="0" y="0"/>
+          <a:ext cx="0" cy="0"/>
+          <a:chOff x="0" y="0"/>
+          <a:chExt cx="0" cy="0"/>
+        </a:xfrm>
+      </p:grpSpPr>
+      <p:sp>
+        <p:nvSpPr>
+          <p:cNvPr id="3" name="TextBox 2">
+            <a:extLst>
+              <a:ext uri="{FF2B5EF4-FFF2-40B4-BE49-F238E27FC236}">
+                <a16:creationId xmlns:a16="http://schemas.microsoft.com/office/drawing/2014/main" id="{77E0E3E9-7708-46DC-B6E7-E99A9EBB5D31}"/>
+              </a:ext>
+            </a:extLst>
+          </p:cNvPr>
+          <p:cNvSpPr txBox="1"/>
+          <p:nvPr/>
+        </p:nvSpPr>
+        <p:spPr>
+          <a:xfrm>
+            <a:off x="233028" y="2846519"/>
+            <a:ext cx="10791825" cy="830997"/>
+          </a:xfrm>
+          <a:prstGeom prst="rect">
+            <a:avLst/>
+          </a:prstGeom>
+          <a:noFill/>
+        </p:spPr>
+        <p:txBody>
+          <a:bodyPr wrap="square" rtlCol="0">
+            <a:spAutoFit/>
+          </a:bodyPr>
+          <a:lstStyle/>
+          <a:p>
+            <a:pPr algn="ctr"/>
+            <a:r>
+              <a:rPr lang="en-US" sz="4800" dirty="0"/>
+              <a:t>Pages and Components</a:t>
+            </a:r>
+            <a:endParaRPr lang="en-IL" sz="4800" dirty="0"/>
+          </a:p>
+        </p:txBody>
+      </p:sp>
+      <p:sp>
+        <p:nvSpPr>
+          <p:cNvPr id="5" name="Rectangle 4">
+            <a:extLst>
+              <a:ext uri="{FF2B5EF4-FFF2-40B4-BE49-F238E27FC236}">
+                <a16:creationId xmlns:a16="http://schemas.microsoft.com/office/drawing/2014/main" id="{8306D683-33C5-4D58-A70F-78116BB188A9}"/>
+              </a:ext>
+              <a:ext uri="{C183D7F6-B498-43B3-948B-1728B52AA6E4}">
+                <adec:decorative xmlns:adec="http://schemas.microsoft.com/office/drawing/2017/decorative" val="1"/>
+              </a:ext>
+            </a:extLst>
+          </p:cNvPr>
+          <p:cNvSpPr>
+            <a:spLocks noGrp="1" noRot="1" noChangeAspect="1" noMove="1" noResize="1" noEditPoints="1" noAdjustHandles="1" noChangeArrowheads="1" noChangeShapeType="1" noTextEdit="1"/>
+          </p:cNvSpPr>
+          <p:nvPr>
+            <p:extLst>
+              <p:ext uri="{386F3935-93C4-4BCD-93E2-E3B085C9AB24}">
+                <p16:designElem xmlns:p16="http://schemas.microsoft.com/office/powerpoint/2015/main" val="1"/>
+              </p:ext>
+            </p:extLst>
+          </p:nvPr>
+        </p:nvSpPr>
+        <p:spPr>
+          <a:xfrm>
+            <a:off x="475488" y="0"/>
+            <a:ext cx="10910292" cy="6858000"/>
+          </a:xfrm>
+          <a:prstGeom prst="rect">
+            <a:avLst/>
+          </a:prstGeom>
+          <a:gradFill>
+            <a:gsLst>
+              <a:gs pos="0">
+                <a:schemeClr val="accent1">
+                  <a:lumMod val="90000"/>
+                </a:schemeClr>
+              </a:gs>
+              <a:gs pos="25000">
+                <a:schemeClr val="accent1">
+                  <a:lumMod val="90000"/>
+                </a:schemeClr>
+              </a:gs>
+              <a:gs pos="94000">
+                <a:schemeClr val="bg2">
+                  <a:lumMod val="25000"/>
+                </a:schemeClr>
+              </a:gs>
+              <a:gs pos="100000">
+                <a:schemeClr val="bg2">
+                  <a:lumMod val="25000"/>
+                </a:schemeClr>
+              </a:gs>
+            </a:gsLst>
+            <a:lin ang="4200000" scaled="0"/>
+          </a:gradFill>
+          <a:ln>
+            <a:noFill/>
+          </a:ln>
+        </p:spPr>
+        <p:style>
+          <a:lnRef idx="2">
+            <a:schemeClr val="accent1">
+              <a:shade val="50000"/>
+            </a:schemeClr>
+          </a:lnRef>
+          <a:fillRef idx="1">
+            <a:schemeClr val="accent1"/>
+          </a:fillRef>
+          <a:effectRef idx="0">
+            <a:schemeClr val="accent1"/>
+          </a:effectRef>
+          <a:fontRef idx="minor">
+            <a:schemeClr val="lt1"/>
+          </a:fontRef>
+        </p:style>
+        <p:txBody>
+          <a:bodyPr rtlCol="0" anchor="ctr"/>
+          <a:lstStyle/>
+          <a:p>
+            <a:pPr algn="ctr"/>
+            <a:endParaRPr lang="en-US"/>
+          </a:p>
+        </p:txBody>
+      </p:sp>
+      <p:pic>
+        <p:nvPicPr>
+          <p:cNvPr id="6" name="Picture 5">
+            <a:extLst>
+              <a:ext uri="{FF2B5EF4-FFF2-40B4-BE49-F238E27FC236}">
+                <a16:creationId xmlns:a16="http://schemas.microsoft.com/office/drawing/2014/main" id="{A158A2EF-CD6D-40EE-901E-EEBEE59D8083}"/>
+              </a:ext>
+              <a:ext uri="{C183D7F6-B498-43B3-948B-1728B52AA6E4}">
+                <adec:decorative xmlns:adec="http://schemas.microsoft.com/office/drawing/2017/decorative" val="1"/>
+              </a:ext>
+            </a:extLst>
+          </p:cNvPr>
+          <p:cNvPicPr>
+            <a:picLocks noGrp="1" noRot="1" noChangeAspect="1" noMove="1" noResize="1" noEditPoints="1" noAdjustHandles="1" noChangeArrowheads="1" noChangeShapeType="1" noCrop="1"/>
+          </p:cNvPicPr>
+          <p:nvPr>
+            <p:extLst>
+              <p:ext uri="{386F3935-93C4-4BCD-93E2-E3B085C9AB24}">
+                <p16:designElem xmlns:p16="http://schemas.microsoft.com/office/powerpoint/2015/main" val="1"/>
+              </p:ext>
+            </p:extLst>
+          </p:nvPr>
+        </p:nvPicPr>
+        <p:blipFill>
+          <a:blip r:embed="rId2">
+            <a:extLst>
+              <a:ext uri="{28A0092B-C50C-407E-A947-70E740481C1C}">
+                <a14:useLocalDpi xmlns:a14="http://schemas.microsoft.com/office/drawing/2010/main" val="0"/>
+              </a:ext>
+            </a:extLst>
+          </a:blip>
+          <a:stretch>
+            <a:fillRect/>
+          </a:stretch>
+        </p:blipFill>
+        <p:spPr>
+          <a:xfrm>
+            <a:off x="0" y="0"/>
+            <a:ext cx="12192000" cy="6858000"/>
+          </a:xfrm>
+          <a:prstGeom prst="rect">
+            <a:avLst/>
+          </a:prstGeom>
+        </p:spPr>
+      </p:pic>
+      <p:sp>
+        <p:nvSpPr>
+          <p:cNvPr id="7" name="TextBox 6">
+            <a:extLst>
+              <a:ext uri="{FF2B5EF4-FFF2-40B4-BE49-F238E27FC236}">
+                <a16:creationId xmlns:a16="http://schemas.microsoft.com/office/drawing/2014/main" id="{6880F6D0-ED74-45BA-9D4E-00D880FBDE5E}"/>
+              </a:ext>
+            </a:extLst>
+          </p:cNvPr>
+          <p:cNvSpPr txBox="1"/>
+          <p:nvPr/>
+        </p:nvSpPr>
+        <p:spPr>
+          <a:xfrm>
+            <a:off x="3043403" y="2875880"/>
+            <a:ext cx="6105194" cy="937235"/>
+          </a:xfrm>
+          <a:prstGeom prst="rect">
+            <a:avLst/>
+          </a:prstGeom>
+        </p:spPr>
+        <p:txBody>
+          <a:bodyPr vert="horz" lIns="91440" tIns="45720" rIns="91440" bIns="45720" rtlCol="0" anchor="b">
+            <a:normAutofit/>
+          </a:bodyPr>
+          <a:lstStyle/>
+          <a:p>
+            <a:pPr algn="ctr">
+              <a:lnSpc>
+                <a:spcPct val="90000"/>
+              </a:lnSpc>
+              <a:spcBef>
+                <a:spcPct val="0"/>
+              </a:spcBef>
+              <a:spcAft>
+                <a:spcPts val="600"/>
+              </a:spcAft>
+            </a:pPr>
+            <a:r>
+              <a:rPr lang="en-US" sz="4800" b="1" kern="1200" dirty="0">
+                <a:solidFill>
+                  <a:srgbClr val="FFFFFF"/>
+                </a:solidFill>
+                <a:latin typeface="+mj-lt"/>
+                <a:ea typeface="+mj-ea"/>
+                <a:cs typeface="+mj-cs"/>
+              </a:rPr>
+              <a:t>Sockets</a:t>
+            </a:r>
+          </a:p>
+        </p:txBody>
+      </p:sp>
+    </p:spTree>
+    <p:extLst>
+      <p:ext uri="{BB962C8B-B14F-4D97-AF65-F5344CB8AC3E}">
+        <p14:creationId xmlns:p14="http://schemas.microsoft.com/office/powerpoint/2010/main" val="3971017919"/>
+      </p:ext>
+    </p:extLst>
+  </p:cSld>
+  <p:clrMapOvr>
+    <a:masterClrMapping/>
+  </p:clrMapOvr>
+</p:sld>
+</file>
+
+<file path=ppt/slides/slide23.xml><?xml version="1.0" encoding="utf-8"?>
+<p:sld xmlns:a="http://schemas.openxmlformats.org/drawingml/2006/main" xmlns:r="http://schemas.openxmlformats.org/officeDocument/2006/relationships" xmlns:p="http://schemas.openxmlformats.org/presentationml/2006/main">
+  <p:cSld>
+    <p:spTree>
+      <p:nvGrpSpPr>
+        <p:cNvPr id="1" name=""/>
+        <p:cNvGrpSpPr/>
+        <p:nvPr/>
+      </p:nvGrpSpPr>
+      <p:grpSpPr>
+        <a:xfrm>
+          <a:off x="0" y="0"/>
+          <a:ext cx="0" cy="0"/>
+          <a:chOff x="0" y="0"/>
+          <a:chExt cx="0" cy="0"/>
+        </a:xfrm>
+      </p:grpSpPr>
+      <p:sp>
+        <p:nvSpPr>
+          <p:cNvPr id="4" name="TextBox 3">
+            <a:extLst>
+              <a:ext uri="{FF2B5EF4-FFF2-40B4-BE49-F238E27FC236}">
+                <a16:creationId xmlns:a16="http://schemas.microsoft.com/office/drawing/2014/main" id="{4A29162F-E0FA-4AE6-A718-EEF6E46FED35}"/>
+              </a:ext>
+            </a:extLst>
+          </p:cNvPr>
+          <p:cNvSpPr txBox="1"/>
+          <p:nvPr/>
+        </p:nvSpPr>
+        <p:spPr>
+          <a:xfrm>
+            <a:off x="638175" y="409575"/>
+            <a:ext cx="10791825" cy="830997"/>
+          </a:xfrm>
+          <a:prstGeom prst="rect">
+            <a:avLst/>
+          </a:prstGeom>
+          <a:noFill/>
+        </p:spPr>
+        <p:txBody>
+          <a:bodyPr wrap="square" rtlCol="0">
+            <a:spAutoFit/>
+          </a:bodyPr>
+          <a:lstStyle/>
+          <a:p>
+            <a:r>
+              <a:rPr lang="en-US" sz="4800" b="1" dirty="0"/>
+              <a:t>Socket Protocol</a:t>
+            </a:r>
+            <a:endParaRPr lang="en-IL" sz="4800" b="1" dirty="0"/>
+          </a:p>
+        </p:txBody>
+      </p:sp>
+      <p:sp>
+        <p:nvSpPr>
+          <p:cNvPr id="5" name="TextBox 4">
+            <a:extLst>
+              <a:ext uri="{FF2B5EF4-FFF2-40B4-BE49-F238E27FC236}">
+                <a16:creationId xmlns:a16="http://schemas.microsoft.com/office/drawing/2014/main" id="{B28B829A-E6FD-4059-BCC4-CC29DF0D1476}"/>
+              </a:ext>
+            </a:extLst>
+          </p:cNvPr>
+          <p:cNvSpPr txBox="1"/>
+          <p:nvPr/>
+        </p:nvSpPr>
+        <p:spPr>
+          <a:xfrm>
+            <a:off x="855677" y="2189526"/>
+            <a:ext cx="2214694" cy="1754326"/>
+          </a:xfrm>
+          <a:prstGeom prst="rect">
+            <a:avLst/>
+          </a:prstGeom>
+          <a:noFill/>
+        </p:spPr>
+        <p:txBody>
+          <a:bodyPr wrap="square" rtlCol="0">
+            <a:spAutoFit/>
+          </a:bodyPr>
+          <a:lstStyle/>
+          <a:p>
+            <a:r>
+              <a:rPr lang="en-US" b="1" dirty="0"/>
+              <a:t>On </a:t>
+            </a:r>
+          </a:p>
+          <a:p>
+            <a:r>
+              <a:rPr lang="en-US" dirty="0" err="1"/>
+              <a:t>newChatMsg</a:t>
+            </a:r>
+            <a:r>
+              <a:rPr lang="en-US" dirty="0"/>
+              <a:t> (msg)</a:t>
+            </a:r>
+          </a:p>
+          <a:p>
+            <a:endParaRPr lang="en-US" dirty="0"/>
+          </a:p>
+          <a:p>
+            <a:r>
+              <a:rPr lang="en-US" b="1" dirty="0"/>
+              <a:t>Emit</a:t>
+            </a:r>
+          </a:p>
+          <a:p>
+            <a:r>
+              <a:rPr lang="en-US" dirty="0" err="1"/>
+              <a:t>sendMsg</a:t>
+            </a:r>
+            <a:r>
+              <a:rPr lang="en-US" dirty="0"/>
+              <a:t> (msg)</a:t>
+            </a:r>
+          </a:p>
+          <a:p>
+            <a:endParaRPr lang="LID4096" dirty="0"/>
+          </a:p>
+        </p:txBody>
+      </p:sp>
+    </p:spTree>
+    <p:extLst>
+      <p:ext uri="{BB962C8B-B14F-4D97-AF65-F5344CB8AC3E}">
+        <p14:creationId xmlns:p14="http://schemas.microsoft.com/office/powerpoint/2010/main" val="3415865244"/>
+      </p:ext>
+    </p:extLst>
+  </p:cSld>
+  <p:clrMapOvr>
+    <a:masterClrMapping/>
+  </p:clrMapOvr>
+</p:sld>
+</file>
+
+<file path=ppt/slides/slide24.xml><?xml version="1.0" encoding="utf-8"?>
+<p:sld xmlns:a="http://schemas.openxmlformats.org/drawingml/2006/main" xmlns:r="http://schemas.openxmlformats.org/officeDocument/2006/relationships" xmlns:p="http://schemas.openxmlformats.org/presentationml/2006/main">
+  <p:cSld>
+    <p:spTree>
+      <p:nvGrpSpPr>
+        <p:cNvPr id="1" name=""/>
+        <p:cNvGrpSpPr/>
+        <p:nvPr/>
+      </p:nvGrpSpPr>
+      <p:grpSpPr>
+        <a:xfrm>
+          <a:off x="0" y="0"/>
+          <a:ext cx="0" cy="0"/>
+          <a:chOff x="0" y="0"/>
+          <a:chExt cx="0" cy="0"/>
+        </a:xfrm>
+      </p:grpSpPr>
+      <p:sp>
+        <p:nvSpPr>
+          <p:cNvPr id="4" name="TextBox 3">
+            <a:extLst>
+              <a:ext uri="{FF2B5EF4-FFF2-40B4-BE49-F238E27FC236}">
+                <a16:creationId xmlns:a16="http://schemas.microsoft.com/office/drawing/2014/main" id="{DFA81FBF-438D-4E60-A45E-5D0C020B0507}"/>
+              </a:ext>
+            </a:extLst>
+          </p:cNvPr>
+          <p:cNvSpPr txBox="1"/>
+          <p:nvPr/>
+        </p:nvSpPr>
+        <p:spPr>
+          <a:xfrm>
+            <a:off x="711200" y="2460625"/>
+            <a:ext cx="10791825" cy="830997"/>
+          </a:xfrm>
+          <a:prstGeom prst="rect">
+            <a:avLst/>
+          </a:prstGeom>
+          <a:noFill/>
+        </p:spPr>
+        <p:txBody>
+          <a:bodyPr wrap="square" rtlCol="0">
+            <a:spAutoFit/>
+          </a:bodyPr>
+          <a:lstStyle/>
+          <a:p>
+            <a:pPr algn="ctr"/>
+            <a:r>
+              <a:rPr lang="en-US" sz="4800" dirty="0"/>
+              <a:t>Pages and Components</a:t>
+            </a:r>
+            <a:endParaRPr lang="en-IL" sz="4800" dirty="0"/>
+          </a:p>
+        </p:txBody>
+      </p:sp>
+    </p:spTree>
+    <p:extLst>
+      <p:ext uri="{BB962C8B-B14F-4D97-AF65-F5344CB8AC3E}">
+        <p14:creationId xmlns:p14="http://schemas.microsoft.com/office/powerpoint/2010/main" val="1545925520"/>
+      </p:ext>
+    </p:extLst>
+  </p:cSld>
+  <p:clrMapOvr>
+    <a:masterClrMapping/>
+  </p:clrMapOvr>
+</p:sld>
+</file>
+
+<file path=ppt/slides/slide25.xml><?xml version="1.0" encoding="utf-8"?>
+<p:sld xmlns:a="http://schemas.openxmlformats.org/drawingml/2006/main" xmlns:r="http://schemas.openxmlformats.org/officeDocument/2006/relationships" xmlns:p="http://schemas.openxmlformats.org/presentationml/2006/main">
+  <p:cSld>
+    <p:spTree>
+      <p:nvGrpSpPr>
+        <p:cNvPr id="1" name=""/>
+        <p:cNvGrpSpPr/>
+        <p:nvPr/>
+      </p:nvGrpSpPr>
+      <p:grpSpPr>
+        <a:xfrm>
+          <a:off x="0" y="0"/>
+          <a:ext cx="0" cy="0"/>
+          <a:chOff x="0" y="0"/>
+          <a:chExt cx="0" cy="0"/>
+        </a:xfrm>
+      </p:grpSpPr>
+      <p:sp>
+        <p:nvSpPr>
+          <p:cNvPr id="4" name="TextBox 3">
+            <a:extLst>
+              <a:ext uri="{FF2B5EF4-FFF2-40B4-BE49-F238E27FC236}">
+                <a16:creationId xmlns:a16="http://schemas.microsoft.com/office/drawing/2014/main" id="{BD6A0C72-B58B-45D8-841A-AE4B3C9474B6}"/>
+              </a:ext>
+            </a:extLst>
+          </p:cNvPr>
+          <p:cNvSpPr txBox="1"/>
+          <p:nvPr/>
+        </p:nvSpPr>
+        <p:spPr>
+          <a:xfrm>
+            <a:off x="638175" y="409575"/>
+            <a:ext cx="10791825" cy="830997"/>
+          </a:xfrm>
+          <a:prstGeom prst="rect">
+            <a:avLst/>
+          </a:prstGeom>
+          <a:noFill/>
+        </p:spPr>
+        <p:txBody>
+          <a:bodyPr wrap="square" rtlCol="0">
+            <a:spAutoFit/>
+          </a:bodyPr>
+          <a:lstStyle/>
+          <a:p>
+            <a:r>
+              <a:rPr lang="en-US" sz="4800" b="1" dirty="0"/>
+              <a:t>Pages</a:t>
+            </a:r>
+            <a:endParaRPr lang="en-IL" sz="4800" b="1" dirty="0"/>
+          </a:p>
+        </p:txBody>
+      </p:sp>
+      <p:cxnSp>
+        <p:nvCxnSpPr>
+          <p:cNvPr id="5" name="Straight Connector 4">
+            <a:extLst>
+              <a:ext uri="{FF2B5EF4-FFF2-40B4-BE49-F238E27FC236}">
+                <a16:creationId xmlns:a16="http://schemas.microsoft.com/office/drawing/2014/main" id="{EF164E52-D386-4B9B-97A1-F91928A9CD15}"/>
+              </a:ext>
+            </a:extLst>
+          </p:cNvPr>
+          <p:cNvCxnSpPr/>
+          <p:nvPr/>
+        </p:nvCxnSpPr>
+        <p:spPr>
+          <a:xfrm>
+            <a:off x="638174" y="1228725"/>
+            <a:ext cx="10791825" cy="0"/>
+          </a:xfrm>
+          <a:prstGeom prst="line">
+            <a:avLst/>
+          </a:prstGeom>
+        </p:spPr>
+        <p:style>
+          <a:lnRef idx="1">
+            <a:schemeClr val="accent1"/>
+          </a:lnRef>
+          <a:fillRef idx="0">
+            <a:schemeClr val="accent1"/>
+          </a:fillRef>
+          <a:effectRef idx="0">
+            <a:schemeClr val="accent1"/>
+          </a:effectRef>
+          <a:fontRef idx="minor">
+            <a:schemeClr val="tx1"/>
+          </a:fontRef>
+        </p:style>
+      </p:cxnSp>
+      <p:graphicFrame>
+        <p:nvGraphicFramePr>
+          <p:cNvPr id="6" name="Table 5">
+            <a:extLst>
+              <a:ext uri="{FF2B5EF4-FFF2-40B4-BE49-F238E27FC236}">
+                <a16:creationId xmlns:a16="http://schemas.microsoft.com/office/drawing/2014/main" id="{E6FE27F7-D7E8-4398-9807-DFB7B45AAE62}"/>
+              </a:ext>
+            </a:extLst>
+          </p:cNvPr>
+          <p:cNvGraphicFramePr>
+            <a:graphicFrameLocks noGrp="1"/>
+          </p:cNvGraphicFramePr>
+          <p:nvPr>
+            <p:extLst>
+              <p:ext uri="{D42A27DB-BD31-4B8C-83A1-F6EECF244321}">
+                <p14:modId xmlns:p14="http://schemas.microsoft.com/office/powerpoint/2010/main" val="3487933136"/>
+              </p:ext>
+            </p:extLst>
+          </p:nvPr>
+        </p:nvGraphicFramePr>
+        <p:xfrm>
+          <a:off x="638174" y="1502375"/>
+          <a:ext cx="11098024" cy="4816419"/>
+        </p:xfrm>
+        <a:graphic>
+          <a:graphicData uri="http://schemas.openxmlformats.org/drawingml/2006/table">
+            <a:tbl>
+              <a:tblPr firstRow="1" bandRow="1">
+                <a:tableStyleId>{5C22544A-7EE6-4342-B048-85BDC9FD1C3A}</a:tableStyleId>
+              </a:tblPr>
+              <a:tblGrid>
+                <a:gridCol w="2151693">
+                  <a:extLst>
+                    <a:ext uri="{9D8B030D-6E8A-4147-A177-3AD203B41FA5}">
+                      <a16:colId xmlns:a16="http://schemas.microsoft.com/office/drawing/2014/main" val="2629285889"/>
+                    </a:ext>
+                  </a:extLst>
+                </a:gridCol>
+                <a:gridCol w="5967621">
+                  <a:extLst>
+                    <a:ext uri="{9D8B030D-6E8A-4147-A177-3AD203B41FA5}">
+                      <a16:colId xmlns:a16="http://schemas.microsoft.com/office/drawing/2014/main" val="1905034006"/>
+                    </a:ext>
+                  </a:extLst>
+                </a:gridCol>
+                <a:gridCol w="2978710">
+                  <a:extLst>
+                    <a:ext uri="{9D8B030D-6E8A-4147-A177-3AD203B41FA5}">
+                      <a16:colId xmlns:a16="http://schemas.microsoft.com/office/drawing/2014/main" val="2241685329"/>
+                    </a:ext>
+                  </a:extLst>
+                </a:gridCol>
+              </a:tblGrid>
+              <a:tr h="344224">
+                <a:tc>
+                  <a:txBody>
+                    <a:bodyPr/>
+                    <a:lstStyle/>
+                    <a:p>
+                      <a:r>
+                        <a:rPr lang="en-US" dirty="0"/>
+                        <a:t>Page</a:t>
+                      </a:r>
+                      <a:endParaRPr lang="en-IL" dirty="0"/>
+                    </a:p>
+                  </a:txBody>
+                  <a:tcPr/>
+                </a:tc>
+                <a:tc>
+                  <a:txBody>
+                    <a:bodyPr/>
+                    <a:lstStyle/>
+                    <a:p>
+                      <a:r>
+                        <a:rPr lang="en-US" dirty="0"/>
+                        <a:t>Description</a:t>
+                      </a:r>
+                      <a:endParaRPr lang="en-IL" dirty="0"/>
+                    </a:p>
+                  </a:txBody>
+                  <a:tcPr/>
+                </a:tc>
+                <a:tc>
+                  <a:txBody>
+                    <a:bodyPr/>
+                    <a:lstStyle/>
+                    <a:p>
+                      <a:r>
+                        <a:rPr lang="en-US" dirty="0"/>
+                        <a:t>Routing</a:t>
+                      </a:r>
+                      <a:endParaRPr lang="en-IL" dirty="0"/>
+                    </a:p>
+                  </a:txBody>
+                  <a:tcPr/>
+                </a:tc>
+                <a:extLst>
+                  <a:ext uri="{0D108BD9-81ED-4DB2-BD59-A6C34878D82A}">
+                    <a16:rowId xmlns:a16="http://schemas.microsoft.com/office/drawing/2014/main" val="3992010310"/>
+                  </a:ext>
+                </a:extLst>
+              </a:tr>
+              <a:tr h="602393">
+                <a:tc>
+                  <a:txBody>
+                    <a:bodyPr/>
+                    <a:lstStyle/>
+                    <a:p>
+                      <a:r>
+                        <a:rPr lang="en-US" dirty="0"/>
+                        <a:t>Homepage</a:t>
+                      </a:r>
+                      <a:endParaRPr lang="en-IL" dirty="0"/>
+                    </a:p>
+                  </a:txBody>
+                  <a:tcPr/>
+                </a:tc>
+                <a:tc>
+                  <a:txBody>
+                    <a:bodyPr/>
+                    <a:lstStyle/>
+                    <a:p>
+                      <a:endParaRPr lang="en-IL" dirty="0"/>
+                    </a:p>
+                  </a:txBody>
+                  <a:tcPr/>
+                </a:tc>
+                <a:tc>
+                  <a:txBody>
+                    <a:bodyPr/>
+                    <a:lstStyle/>
+                    <a:p>
+                      <a:r>
+                        <a:rPr lang="en-US" dirty="0"/>
+                        <a:t>/</a:t>
+                      </a:r>
+                      <a:endParaRPr lang="en-IL" dirty="0"/>
+                    </a:p>
+                  </a:txBody>
+                  <a:tcPr/>
+                </a:tc>
+                <a:extLst>
+                  <a:ext uri="{0D108BD9-81ED-4DB2-BD59-A6C34878D82A}">
+                    <a16:rowId xmlns:a16="http://schemas.microsoft.com/office/drawing/2014/main" val="3609057055"/>
+                  </a:ext>
+                </a:extLst>
+              </a:tr>
+              <a:tr h="602393">
+                <a:tc>
+                  <a:txBody>
+                    <a:bodyPr/>
+                    <a:lstStyle/>
+                    <a:p>
+                      <a:r>
+                        <a:rPr lang="en-US" dirty="0" err="1"/>
+                        <a:t>marketPlace</a:t>
+                      </a:r>
+                      <a:endParaRPr lang="en-IL" dirty="0"/>
+                    </a:p>
+                  </a:txBody>
+                  <a:tcPr/>
+                </a:tc>
+                <a:tc>
+                  <a:txBody>
+                    <a:bodyPr/>
+                    <a:lstStyle/>
+                    <a:p>
+                      <a:r>
+                        <a:rPr lang="en-US" dirty="0"/>
+                        <a:t>Renders the relevant list component according to the user type.</a:t>
+                      </a:r>
+                      <a:endParaRPr lang="en-IL" dirty="0"/>
+                    </a:p>
+                  </a:txBody>
+                  <a:tcPr/>
+                </a:tc>
+                <a:tc>
+                  <a:txBody>
+                    <a:bodyPr/>
+                    <a:lstStyle/>
+                    <a:p>
+                      <a:r>
+                        <a:rPr lang="en-US" dirty="0"/>
+                        <a:t>/marketplace</a:t>
+                      </a:r>
+                    </a:p>
+                  </a:txBody>
+                  <a:tcPr/>
+                </a:tc>
+                <a:extLst>
+                  <a:ext uri="{0D108BD9-81ED-4DB2-BD59-A6C34878D82A}">
+                    <a16:rowId xmlns:a16="http://schemas.microsoft.com/office/drawing/2014/main" val="2841359990"/>
+                  </a:ext>
+                </a:extLst>
+              </a:tr>
+              <a:tr h="731549">
+                <a:tc>
+                  <a:txBody>
+                    <a:bodyPr/>
+                    <a:lstStyle/>
+                    <a:p>
+                      <a:r>
+                        <a:rPr lang="en-US" dirty="0" err="1"/>
+                        <a:t>influencerDetails</a:t>
+                      </a:r>
+                      <a:endParaRPr lang="en-IL" dirty="0"/>
+                    </a:p>
+                  </a:txBody>
+                  <a:tcPr/>
+                </a:tc>
+                <a:tc>
+                  <a:txBody>
+                    <a:bodyPr/>
+                    <a:lstStyle/>
+                    <a:p>
+                      <a:r>
+                        <a:rPr lang="en-US" dirty="0"/>
+                        <a:t>Shows</a:t>
+                      </a:r>
+                      <a:r>
+                        <a:rPr lang="en-US" baseline="0" dirty="0"/>
+                        <a:t> details about an </a:t>
+                      </a:r>
+                      <a:r>
+                        <a:rPr lang="en-US" dirty="0"/>
+                        <a:t>influencer</a:t>
+                      </a:r>
+                      <a:r>
+                        <a:rPr lang="en-US" baseline="0" dirty="0"/>
+                        <a:t>.</a:t>
+                      </a:r>
+                      <a:endParaRPr lang="en-IL" dirty="0"/>
+                    </a:p>
+                  </a:txBody>
+                  <a:tcPr/>
+                </a:tc>
+                <a:tc>
+                  <a:txBody>
+                    <a:bodyPr/>
+                    <a:lstStyle/>
+                    <a:p>
+                      <a:r>
+                        <a:rPr lang="en-US" dirty="0"/>
+                        <a:t>/influencer/:id</a:t>
+                      </a:r>
+                      <a:endParaRPr lang="en-IL" dirty="0"/>
+                    </a:p>
+                  </a:txBody>
+                  <a:tcPr/>
+                </a:tc>
+                <a:extLst>
+                  <a:ext uri="{0D108BD9-81ED-4DB2-BD59-A6C34878D82A}">
+                    <a16:rowId xmlns:a16="http://schemas.microsoft.com/office/drawing/2014/main" val="3241726061"/>
+                  </a:ext>
+                </a:extLst>
+              </a:tr>
+              <a:tr h="527070">
+                <a:tc>
+                  <a:txBody>
+                    <a:bodyPr/>
+                    <a:lstStyle/>
+                    <a:p>
+                      <a:r>
+                        <a:rPr lang="en-US" sz="1800" dirty="0" err="1"/>
+                        <a:t>brand</a:t>
+                      </a:r>
+                      <a:r>
+                        <a:rPr lang="en-US" dirty="0" err="1"/>
+                        <a:t>Details</a:t>
+                      </a:r>
+                      <a:endParaRPr lang="en-IL" dirty="0"/>
+                    </a:p>
+                  </a:txBody>
+                  <a:tcPr/>
+                </a:tc>
+                <a:tc>
+                  <a:txBody>
+                    <a:bodyPr/>
+                    <a:lstStyle/>
+                    <a:p>
+                      <a:r>
+                        <a:rPr lang="en-US" dirty="0"/>
+                        <a:t>Shows</a:t>
+                      </a:r>
+                      <a:r>
+                        <a:rPr lang="en-US" baseline="0" dirty="0"/>
+                        <a:t> details about a </a:t>
+                      </a:r>
+                      <a:r>
+                        <a:rPr lang="en-US" sz="1800" dirty="0"/>
+                        <a:t>brand</a:t>
+                      </a:r>
+                      <a:endParaRPr lang="en-IL" dirty="0"/>
+                    </a:p>
+                  </a:txBody>
+                  <a:tcPr/>
+                </a:tc>
+                <a:tc>
+                  <a:txBody>
+                    <a:bodyPr/>
+                    <a:lstStyle/>
+                    <a:p>
+                      <a:r>
+                        <a:rPr lang="en-US" dirty="0"/>
+                        <a:t>/brand/:id</a:t>
+                      </a:r>
+                      <a:endParaRPr lang="en-IL" dirty="0"/>
+                    </a:p>
+                  </a:txBody>
+                  <a:tcPr/>
+                </a:tc>
+                <a:extLst>
+                  <a:ext uri="{0D108BD9-81ED-4DB2-BD59-A6C34878D82A}">
+                    <a16:rowId xmlns:a16="http://schemas.microsoft.com/office/drawing/2014/main" val="10004"/>
+                  </a:ext>
+                </a:extLst>
+              </a:tr>
+              <a:tr h="669407">
+                <a:tc>
+                  <a:txBody>
+                    <a:bodyPr/>
+                    <a:lstStyle/>
+                    <a:p>
+                      <a:r>
+                        <a:rPr lang="en-US" dirty="0" err="1"/>
+                        <a:t>LoginSignupPage</a:t>
+                      </a:r>
+                      <a:endParaRPr lang="en-IL" dirty="0"/>
+                    </a:p>
+                  </a:txBody>
+                  <a:tcPr/>
+                </a:tc>
+                <a:tc>
+                  <a:txBody>
+                    <a:bodyPr/>
+                    <a:lstStyle/>
+                    <a:p>
+                      <a:r>
+                        <a:rPr lang="en-US" dirty="0"/>
+                        <a:t>Login / Signup</a:t>
+                      </a:r>
+                      <a:endParaRPr lang="en-IL" dirty="0"/>
+                    </a:p>
+                  </a:txBody>
+                  <a:tcPr/>
+                </a:tc>
+                <a:tc>
+                  <a:txBody>
+                    <a:bodyPr/>
+                    <a:lstStyle/>
+                    <a:p>
+                      <a:r>
+                        <a:rPr lang="en-US" dirty="0"/>
+                        <a:t>/signup</a:t>
+                      </a:r>
+                      <a:endParaRPr lang="en-IL" dirty="0"/>
+                    </a:p>
+                  </a:txBody>
+                  <a:tcPr/>
+                </a:tc>
+                <a:extLst>
+                  <a:ext uri="{0D108BD9-81ED-4DB2-BD59-A6C34878D82A}">
+                    <a16:rowId xmlns:a16="http://schemas.microsoft.com/office/drawing/2014/main" val="2890815631"/>
+                  </a:ext>
+                </a:extLst>
+              </a:tr>
+              <a:tr h="0">
+                <a:tc>
+                  <a:txBody>
+                    <a:bodyPr/>
+                    <a:lstStyle/>
+                    <a:p>
+                      <a:pPr marL="0" marR="0" lvl="0" indent="0" algn="l" defTabSz="914400" rtl="0" eaLnBrk="1" fontAlgn="auto" latinLnBrk="0" hangingPunct="1">
+                        <a:lnSpc>
+                          <a:spcPct val="100000"/>
+                        </a:lnSpc>
+                        <a:spcBef>
+                          <a:spcPts val="0"/>
+                        </a:spcBef>
+                        <a:spcAft>
+                          <a:spcPts val="0"/>
+                        </a:spcAft>
+                        <a:buClrTx/>
+                        <a:buSzTx/>
+                        <a:buFontTx/>
+                        <a:buNone/>
+                        <a:tabLst/>
+                        <a:defRPr/>
+                      </a:pPr>
+                      <a:r>
+                        <a:rPr lang="en-US" sz="1800" dirty="0" err="1"/>
+                        <a:t>backOffice</a:t>
+                      </a:r>
+                      <a:endParaRPr lang="LID4096" sz="1800" dirty="0"/>
+                    </a:p>
+                    <a:p>
+                      <a:endParaRPr lang="en-IL" dirty="0"/>
+                    </a:p>
+                  </a:txBody>
+                  <a:tcPr/>
+                </a:tc>
+                <a:tc>
+                  <a:txBody>
+                    <a:bodyPr/>
+                    <a:lstStyle/>
+                    <a:p>
+                      <a:r>
+                        <a:rPr lang="en-US" dirty="0"/>
+                        <a:t>Back office page with a router view that renders a component </a:t>
+                      </a:r>
+                      <a:r>
+                        <a:rPr lang="en-US" dirty="0" err="1"/>
+                        <a:t>relevent</a:t>
+                      </a:r>
+                      <a:r>
+                        <a:rPr lang="en-US" dirty="0"/>
+                        <a:t> to the logged in user type.</a:t>
+                      </a:r>
+                      <a:endParaRPr lang="en-IL" dirty="0"/>
+                    </a:p>
+                  </a:txBody>
+                  <a:tcPr/>
+                </a:tc>
+                <a:tc>
+                  <a:txBody>
+                    <a:bodyPr/>
+                    <a:lstStyle/>
+                    <a:p>
+                      <a:pPr marL="0" marR="0" lvl="0" indent="0" algn="l" defTabSz="914400" rtl="0" eaLnBrk="1" fontAlgn="auto" latinLnBrk="0" hangingPunct="1">
+                        <a:lnSpc>
+                          <a:spcPct val="100000"/>
+                        </a:lnSpc>
+                        <a:spcBef>
+                          <a:spcPts val="0"/>
+                        </a:spcBef>
+                        <a:spcAft>
+                          <a:spcPts val="0"/>
+                        </a:spcAft>
+                        <a:buClrTx/>
+                        <a:buSzTx/>
+                        <a:buFontTx/>
+                        <a:buNone/>
+                        <a:tabLst/>
+                        <a:defRPr/>
+                      </a:pPr>
+                      <a:r>
+                        <a:rPr lang="en-US" dirty="0"/>
+                        <a:t>/influencer/</a:t>
+                      </a:r>
+                      <a:r>
+                        <a:rPr lang="en-US" sz="1800" dirty="0" err="1"/>
+                        <a:t>backOffice</a:t>
+                      </a:r>
+                      <a:endParaRPr lang="LID4096" sz="1800" dirty="0"/>
+                    </a:p>
+                    <a:p>
+                      <a:pPr marL="0" marR="0" lvl="0" indent="0" algn="l" defTabSz="914400" rtl="0" eaLnBrk="1" fontAlgn="auto" latinLnBrk="0" hangingPunct="1">
+                        <a:lnSpc>
+                          <a:spcPct val="100000"/>
+                        </a:lnSpc>
+                        <a:spcBef>
+                          <a:spcPts val="0"/>
+                        </a:spcBef>
+                        <a:spcAft>
+                          <a:spcPts val="0"/>
+                        </a:spcAft>
+                        <a:buClrTx/>
+                        <a:buSzTx/>
+                        <a:buFontTx/>
+                        <a:buNone/>
+                        <a:tabLst/>
+                        <a:defRPr/>
+                      </a:pPr>
+                      <a:r>
+                        <a:rPr lang="en-US" dirty="0"/>
+                        <a:t>/brand/</a:t>
+                      </a:r>
+                      <a:r>
+                        <a:rPr lang="en-US" sz="1800" dirty="0" err="1"/>
+                        <a:t>backOffice</a:t>
+                      </a:r>
+                      <a:endParaRPr lang="LID4096" sz="1800" dirty="0"/>
+                    </a:p>
+                    <a:p>
+                      <a:endParaRPr lang="en-IL" dirty="0"/>
+                    </a:p>
+                  </a:txBody>
+                  <a:tcPr/>
+                </a:tc>
+                <a:extLst>
+                  <a:ext uri="{0D108BD9-81ED-4DB2-BD59-A6C34878D82A}">
+                    <a16:rowId xmlns:a16="http://schemas.microsoft.com/office/drawing/2014/main" val="1029278385"/>
+                  </a:ext>
+                </a:extLst>
+              </a:tr>
+              <a:tr h="344224">
+                <a:tc>
+                  <a:txBody>
+                    <a:bodyPr/>
+                    <a:lstStyle/>
+                    <a:p>
+                      <a:endParaRPr lang="en-IL" dirty="0"/>
+                    </a:p>
+                  </a:txBody>
+                  <a:tcPr/>
+                </a:tc>
+                <a:tc>
+                  <a:txBody>
+                    <a:bodyPr/>
+                    <a:lstStyle/>
+                    <a:p>
+                      <a:endParaRPr lang="en-IL" dirty="0"/>
+                    </a:p>
+                  </a:txBody>
+                  <a:tcPr/>
+                </a:tc>
+                <a:tc>
+                  <a:txBody>
+                    <a:bodyPr/>
+                    <a:lstStyle/>
+                    <a:p>
+                      <a:endParaRPr lang="en-IL" dirty="0"/>
+                    </a:p>
+                  </a:txBody>
+                  <a:tcPr/>
+                </a:tc>
+                <a:extLst>
+                  <a:ext uri="{0D108BD9-81ED-4DB2-BD59-A6C34878D82A}">
+                    <a16:rowId xmlns:a16="http://schemas.microsoft.com/office/drawing/2014/main" val="632013727"/>
+                  </a:ext>
+                </a:extLst>
+              </a:tr>
+            </a:tbl>
+          </a:graphicData>
+        </a:graphic>
+      </p:graphicFrame>
+    </p:spTree>
+    <p:extLst>
+      <p:ext uri="{BB962C8B-B14F-4D97-AF65-F5344CB8AC3E}">
+        <p14:creationId xmlns:p14="http://schemas.microsoft.com/office/powerpoint/2010/main" val="219292975"/>
+      </p:ext>
+    </p:extLst>
+  </p:cSld>
+  <p:clrMapOvr>
+    <a:masterClrMapping/>
+  </p:clrMapOvr>
+</p:sld>
+</file>
+
+<file path=ppt/slides/slide26.xml><?xml version="1.0" encoding="utf-8"?>
+<p:sld xmlns:a="http://schemas.openxmlformats.org/drawingml/2006/main" xmlns:r="http://schemas.openxmlformats.org/officeDocument/2006/relationships" xmlns:p="http://schemas.openxmlformats.org/presentationml/2006/main">
+  <p:cSld>
+    <p:spTree>
+      <p:nvGrpSpPr>
+        <p:cNvPr id="1" name=""/>
+        <p:cNvGrpSpPr/>
+        <p:nvPr/>
+      </p:nvGrpSpPr>
+      <p:grpSpPr>
+        <a:xfrm>
+          <a:off x="0" y="0"/>
+          <a:ext cx="0" cy="0"/>
+          <a:chOff x="0" y="0"/>
+          <a:chExt cx="0" cy="0"/>
+        </a:xfrm>
+      </p:grpSpPr>
+      <p:sp>
+        <p:nvSpPr>
+          <p:cNvPr id="4" name="TextBox 3">
+            <a:extLst>
+              <a:ext uri="{FF2B5EF4-FFF2-40B4-BE49-F238E27FC236}">
+                <a16:creationId xmlns:a16="http://schemas.microsoft.com/office/drawing/2014/main" id="{C7940BDF-9965-4FFA-A0CA-8C42348D5287}"/>
+              </a:ext>
+            </a:extLst>
+          </p:cNvPr>
+          <p:cNvSpPr txBox="1"/>
+          <p:nvPr/>
+        </p:nvSpPr>
+        <p:spPr>
+          <a:xfrm>
+            <a:off x="584449" y="258574"/>
+            <a:ext cx="10791825" cy="830997"/>
+          </a:xfrm>
+          <a:prstGeom prst="rect">
+            <a:avLst/>
+          </a:prstGeom>
+          <a:noFill/>
+        </p:spPr>
+        <p:txBody>
+          <a:bodyPr wrap="square" rtlCol="0">
+            <a:spAutoFit/>
+          </a:bodyPr>
+          <a:lstStyle/>
+          <a:p>
+            <a:r>
+              <a:rPr lang="en-US" sz="4800" b="1" dirty="0"/>
+              <a:t>Components </a:t>
+            </a:r>
+            <a:endParaRPr lang="en-IL" sz="4800" b="1" dirty="0"/>
+          </a:p>
+        </p:txBody>
+      </p:sp>
+      <p:graphicFrame>
+        <p:nvGraphicFramePr>
+          <p:cNvPr id="6" name="Table 5">
+            <a:extLst>
+              <a:ext uri="{FF2B5EF4-FFF2-40B4-BE49-F238E27FC236}">
+                <a16:creationId xmlns:a16="http://schemas.microsoft.com/office/drawing/2014/main" id="{3F9CD6CE-FE25-43BB-AF95-D93A05F552C6}"/>
+              </a:ext>
+            </a:extLst>
+          </p:cNvPr>
+          <p:cNvGraphicFramePr>
+            <a:graphicFrameLocks noGrp="1"/>
+          </p:cNvGraphicFramePr>
+          <p:nvPr>
+            <p:extLst>
+              <p:ext uri="{D42A27DB-BD31-4B8C-83A1-F6EECF244321}">
+                <p14:modId xmlns:p14="http://schemas.microsoft.com/office/powerpoint/2010/main" val="1014070171"/>
+              </p:ext>
+            </p:extLst>
+          </p:nvPr>
+        </p:nvGraphicFramePr>
+        <p:xfrm>
+          <a:off x="584449" y="1242318"/>
+          <a:ext cx="10855328" cy="3876040"/>
+        </p:xfrm>
+        <a:graphic>
+          <a:graphicData uri="http://schemas.openxmlformats.org/drawingml/2006/table">
+            <a:tbl>
+              <a:tblPr firstRow="1" bandRow="1">
+                <a:tableStyleId>{5C22544A-7EE6-4342-B048-85BDC9FD1C3A}</a:tableStyleId>
+              </a:tblPr>
+              <a:tblGrid>
+                <a:gridCol w="2334923">
+                  <a:extLst>
+                    <a:ext uri="{9D8B030D-6E8A-4147-A177-3AD203B41FA5}">
+                      <a16:colId xmlns:a16="http://schemas.microsoft.com/office/drawing/2014/main" val="2629285889"/>
+                    </a:ext>
+                  </a:extLst>
+                </a:gridCol>
+                <a:gridCol w="2449582">
+                  <a:extLst>
+                    <a:ext uri="{9D8B030D-6E8A-4147-A177-3AD203B41FA5}">
+                      <a16:colId xmlns:a16="http://schemas.microsoft.com/office/drawing/2014/main" val="20001"/>
+                    </a:ext>
+                  </a:extLst>
+                </a:gridCol>
+                <a:gridCol w="2642532">
+                  <a:extLst>
+                    <a:ext uri="{9D8B030D-6E8A-4147-A177-3AD203B41FA5}">
+                      <a16:colId xmlns:a16="http://schemas.microsoft.com/office/drawing/2014/main" val="20002"/>
+                    </a:ext>
+                  </a:extLst>
+                </a:gridCol>
+                <a:gridCol w="3428291">
+                  <a:extLst>
+                    <a:ext uri="{9D8B030D-6E8A-4147-A177-3AD203B41FA5}">
+                      <a16:colId xmlns:a16="http://schemas.microsoft.com/office/drawing/2014/main" val="1905034006"/>
+                    </a:ext>
+                  </a:extLst>
+                </a:gridCol>
+              </a:tblGrid>
+              <a:tr h="370840">
+                <a:tc>
+                  <a:txBody>
+                    <a:bodyPr/>
+                    <a:lstStyle/>
+                    <a:p>
+                      <a:r>
+                        <a:rPr lang="en-US" dirty="0"/>
+                        <a:t>Component</a:t>
+                      </a:r>
+                      <a:endParaRPr lang="en-IL" dirty="0"/>
+                    </a:p>
+                  </a:txBody>
+                  <a:tcPr/>
+                </a:tc>
+                <a:tc>
+                  <a:txBody>
+                    <a:bodyPr/>
+                    <a:lstStyle/>
+                    <a:p>
+                      <a:r>
+                        <a:rPr lang="en-US" dirty="0"/>
+                        <a:t>Props</a:t>
+                      </a:r>
+                      <a:endParaRPr lang="en-IL" dirty="0"/>
+                    </a:p>
+                  </a:txBody>
+                  <a:tcPr/>
+                </a:tc>
+                <a:tc>
+                  <a:txBody>
+                    <a:bodyPr/>
+                    <a:lstStyle/>
+                    <a:p>
+                      <a:r>
+                        <a:rPr lang="en-US" dirty="0"/>
+                        <a:t>Emits</a:t>
+                      </a:r>
+                      <a:endParaRPr lang="en-IL" dirty="0"/>
+                    </a:p>
+                  </a:txBody>
+                  <a:tcPr/>
+                </a:tc>
+                <a:tc>
+                  <a:txBody>
+                    <a:bodyPr/>
+                    <a:lstStyle/>
+                    <a:p>
+                      <a:r>
+                        <a:rPr lang="en-US" dirty="0"/>
+                        <a:t>Description</a:t>
+                      </a:r>
+                      <a:endParaRPr lang="en-IL" dirty="0"/>
+                    </a:p>
+                  </a:txBody>
+                  <a:tcPr/>
+                </a:tc>
+                <a:extLst>
+                  <a:ext uri="{0D108BD9-81ED-4DB2-BD59-A6C34878D82A}">
+                    <a16:rowId xmlns:a16="http://schemas.microsoft.com/office/drawing/2014/main" val="3992010310"/>
+                  </a:ext>
+                </a:extLst>
+              </a:tr>
+              <a:tr h="370840">
+                <a:tc>
+                  <a:txBody>
+                    <a:bodyPr/>
+                    <a:lstStyle/>
+                    <a:p>
+                      <a:r>
+                        <a:rPr lang="en-US" dirty="0"/>
+                        <a:t>List</a:t>
+                      </a:r>
+                      <a:endParaRPr lang="en-IL" dirty="0"/>
+                    </a:p>
+                  </a:txBody>
+                  <a:tcPr/>
+                </a:tc>
+                <a:tc>
+                  <a:txBody>
+                    <a:bodyPr/>
+                    <a:lstStyle/>
+                    <a:p>
+                      <a:pPr marL="0" marR="0" lvl="0" indent="0" algn="l" defTabSz="914400" rtl="0" eaLnBrk="1" fontAlgn="auto" latinLnBrk="0" hangingPunct="1">
+                        <a:lnSpc>
+                          <a:spcPct val="100000"/>
+                        </a:lnSpc>
+                        <a:spcBef>
+                          <a:spcPts val="0"/>
+                        </a:spcBef>
+                        <a:spcAft>
+                          <a:spcPts val="0"/>
+                        </a:spcAft>
+                        <a:buClrTx/>
+                        <a:buSzTx/>
+                        <a:buFontTx/>
+                        <a:buNone/>
+                        <a:tabLst/>
+                        <a:defRPr/>
+                      </a:pPr>
+                      <a:r>
+                        <a:rPr lang="en-US" dirty="0"/>
+                        <a:t>Influencers/brands</a:t>
+                      </a:r>
+                      <a:endParaRPr lang="en-IL" dirty="0"/>
+                    </a:p>
+                  </a:txBody>
+                  <a:tcPr/>
+                </a:tc>
+                <a:tc>
+                  <a:txBody>
+                    <a:bodyPr/>
+                    <a:lstStyle/>
+                    <a:p>
+                      <a:endParaRPr lang="en-US" dirty="0"/>
+                    </a:p>
+                  </a:txBody>
+                  <a:tcPr/>
+                </a:tc>
+                <a:tc>
+                  <a:txBody>
+                    <a:bodyPr/>
+                    <a:lstStyle/>
+                    <a:p>
+                      <a:endParaRPr lang="en-IL" dirty="0"/>
+                    </a:p>
+                  </a:txBody>
+                  <a:tcPr/>
+                </a:tc>
+                <a:extLst>
+                  <a:ext uri="{0D108BD9-81ED-4DB2-BD59-A6C34878D82A}">
+                    <a16:rowId xmlns:a16="http://schemas.microsoft.com/office/drawing/2014/main" val="1292504506"/>
+                  </a:ext>
+                </a:extLst>
+              </a:tr>
+              <a:tr h="370840">
+                <a:tc>
+                  <a:txBody>
+                    <a:bodyPr/>
+                    <a:lstStyle/>
+                    <a:p>
+                      <a:r>
+                        <a:rPr lang="en-US" dirty="0" err="1"/>
+                        <a:t>influencerPreview</a:t>
+                      </a:r>
+                      <a:endParaRPr lang="en-IL" dirty="0"/>
+                    </a:p>
+                  </a:txBody>
+                  <a:tcPr/>
+                </a:tc>
+                <a:tc>
+                  <a:txBody>
+                    <a:bodyPr/>
+                    <a:lstStyle/>
+                    <a:p>
+                      <a:r>
+                        <a:rPr lang="en-US" dirty="0"/>
+                        <a:t>Influencer</a:t>
+                      </a:r>
+                      <a:endParaRPr lang="en-IL" dirty="0"/>
+                    </a:p>
+                  </a:txBody>
+                  <a:tcPr/>
+                </a:tc>
+                <a:tc>
+                  <a:txBody>
+                    <a:bodyPr/>
+                    <a:lstStyle/>
+                    <a:p>
+                      <a:endParaRPr lang="en-IL" dirty="0"/>
+                    </a:p>
+                  </a:txBody>
+                  <a:tcPr/>
+                </a:tc>
+                <a:tc>
+                  <a:txBody>
+                    <a:bodyPr/>
+                    <a:lstStyle/>
+                    <a:p>
+                      <a:r>
+                        <a:rPr lang="en-US" dirty="0"/>
+                        <a:t>Preview of the influencer with a link to his/her details page.</a:t>
+                      </a:r>
+                      <a:endParaRPr lang="en-IL" dirty="0"/>
+                    </a:p>
+                  </a:txBody>
+                  <a:tcPr/>
+                </a:tc>
+                <a:extLst>
+                  <a:ext uri="{0D108BD9-81ED-4DB2-BD59-A6C34878D82A}">
+                    <a16:rowId xmlns:a16="http://schemas.microsoft.com/office/drawing/2014/main" val="3609057055"/>
+                  </a:ext>
+                </a:extLst>
+              </a:tr>
+              <a:tr h="546168">
+                <a:tc>
+                  <a:txBody>
+                    <a:bodyPr/>
+                    <a:lstStyle/>
+                    <a:p>
+                      <a:pPr marL="0" marR="0" lvl="0" indent="0" algn="l" defTabSz="914400" rtl="0" eaLnBrk="1" fontAlgn="auto" latinLnBrk="0" hangingPunct="1">
+                        <a:lnSpc>
+                          <a:spcPct val="100000"/>
+                        </a:lnSpc>
+                        <a:spcBef>
+                          <a:spcPts val="0"/>
+                        </a:spcBef>
+                        <a:spcAft>
+                          <a:spcPts val="0"/>
+                        </a:spcAft>
+                        <a:buClrTx/>
+                        <a:buSzTx/>
+                        <a:buFontTx/>
+                        <a:buNone/>
+                        <a:tabLst/>
+                        <a:defRPr/>
+                      </a:pPr>
+                      <a:r>
+                        <a:rPr lang="en-US" dirty="0" err="1"/>
+                        <a:t>brandPreview</a:t>
+                      </a:r>
+                      <a:endParaRPr lang="en-IL" dirty="0"/>
+                    </a:p>
+                    <a:p>
+                      <a:pPr marL="0" marR="0" lvl="0" indent="0" algn="l" defTabSz="914400" rtl="0" eaLnBrk="1" fontAlgn="auto" latinLnBrk="0" hangingPunct="1">
+                        <a:lnSpc>
+                          <a:spcPct val="100000"/>
+                        </a:lnSpc>
+                        <a:spcBef>
+                          <a:spcPts val="0"/>
+                        </a:spcBef>
+                        <a:spcAft>
+                          <a:spcPts val="0"/>
+                        </a:spcAft>
+                        <a:buClrTx/>
+                        <a:buSzTx/>
+                        <a:buFontTx/>
+                        <a:buNone/>
+                        <a:tabLst/>
+                        <a:defRPr/>
+                      </a:pPr>
+                      <a:endParaRPr lang="en-IL" dirty="0"/>
+                    </a:p>
+                  </a:txBody>
+                  <a:tcPr/>
+                </a:tc>
+                <a:tc>
+                  <a:txBody>
+                    <a:bodyPr/>
+                    <a:lstStyle/>
+                    <a:p>
+                      <a:r>
+                        <a:rPr lang="en-US" dirty="0"/>
+                        <a:t>brand</a:t>
+                      </a:r>
+                      <a:endParaRPr lang="en-IL" dirty="0"/>
+                    </a:p>
+                  </a:txBody>
+                  <a:tcPr/>
+                </a:tc>
+                <a:tc>
+                  <a:txBody>
+                    <a:bodyPr/>
+                    <a:lstStyle/>
+                    <a:p>
+                      <a:endParaRPr lang="en-IL" dirty="0"/>
+                    </a:p>
+                  </a:txBody>
+                  <a:tcPr/>
+                </a:tc>
+                <a:tc>
+                  <a:txBody>
+                    <a:bodyPr/>
+                    <a:lstStyle/>
+                    <a:p>
+                      <a:endParaRPr lang="en-IL" dirty="0"/>
+                    </a:p>
+                  </a:txBody>
+                  <a:tcPr/>
+                </a:tc>
+                <a:extLst>
+                  <a:ext uri="{0D108BD9-81ED-4DB2-BD59-A6C34878D82A}">
+                    <a16:rowId xmlns:a16="http://schemas.microsoft.com/office/drawing/2014/main" val="3248800940"/>
+                  </a:ext>
+                </a:extLst>
+              </a:tr>
+              <a:tr h="370840">
+                <a:tc>
+                  <a:txBody>
+                    <a:bodyPr/>
+                    <a:lstStyle/>
+                    <a:p>
+                      <a:r>
+                        <a:rPr lang="en-US" dirty="0" err="1"/>
+                        <a:t>offerPreview</a:t>
+                      </a:r>
+                      <a:endParaRPr lang="en-IL" dirty="0"/>
+                    </a:p>
+                  </a:txBody>
+                  <a:tcPr/>
+                </a:tc>
+                <a:tc>
+                  <a:txBody>
+                    <a:bodyPr/>
+                    <a:lstStyle/>
+                    <a:p>
+                      <a:r>
+                        <a:rPr lang="en-US" dirty="0"/>
+                        <a:t>offer</a:t>
+                      </a:r>
+                      <a:endParaRPr lang="en-IL" dirty="0"/>
+                    </a:p>
+                  </a:txBody>
+                  <a:tcPr/>
+                </a:tc>
+                <a:tc>
+                  <a:txBody>
+                    <a:bodyPr/>
+                    <a:lstStyle/>
+                    <a:p>
+                      <a:endParaRPr lang="en-IL" dirty="0"/>
+                    </a:p>
+                  </a:txBody>
+                  <a:tcPr/>
+                </a:tc>
+                <a:tc>
+                  <a:txBody>
+                    <a:bodyPr/>
+                    <a:lstStyle/>
+                    <a:p>
+                      <a:endParaRPr lang="en-IL" dirty="0"/>
+                    </a:p>
+                  </a:txBody>
+                  <a:tcPr/>
+                </a:tc>
+                <a:extLst>
+                  <a:ext uri="{0D108BD9-81ED-4DB2-BD59-A6C34878D82A}">
+                    <a16:rowId xmlns:a16="http://schemas.microsoft.com/office/drawing/2014/main" val="3893292650"/>
+                  </a:ext>
+                </a:extLst>
+              </a:tr>
+              <a:tr h="370840">
+                <a:tc>
+                  <a:txBody>
+                    <a:bodyPr/>
+                    <a:lstStyle/>
+                    <a:p>
+                      <a:r>
+                        <a:rPr lang="en-US" dirty="0"/>
+                        <a:t>chat</a:t>
+                      </a:r>
+                      <a:endParaRPr lang="en-IL" dirty="0"/>
+                    </a:p>
+                  </a:txBody>
+                  <a:tcPr/>
+                </a:tc>
+                <a:tc>
+                  <a:txBody>
+                    <a:bodyPr/>
+                    <a:lstStyle/>
+                    <a:p>
+                      <a:endParaRPr lang="en-IL" dirty="0"/>
+                    </a:p>
+                  </a:txBody>
+                  <a:tcPr/>
+                </a:tc>
+                <a:tc>
+                  <a:txBody>
+                    <a:bodyPr/>
+                    <a:lstStyle/>
+                    <a:p>
+                      <a:endParaRPr lang="en-IL" dirty="0"/>
+                    </a:p>
+                  </a:txBody>
+                  <a:tcPr/>
+                </a:tc>
+                <a:tc>
+                  <a:txBody>
+                    <a:bodyPr/>
+                    <a:lstStyle/>
+                    <a:p>
+                      <a:endParaRPr lang="en-IL" dirty="0"/>
+                    </a:p>
+                  </a:txBody>
+                  <a:tcPr/>
+                </a:tc>
+                <a:extLst>
+                  <a:ext uri="{0D108BD9-81ED-4DB2-BD59-A6C34878D82A}">
+                    <a16:rowId xmlns:a16="http://schemas.microsoft.com/office/drawing/2014/main" val="264475979"/>
+                  </a:ext>
+                </a:extLst>
+              </a:tr>
+              <a:tr h="370840">
+                <a:tc>
+                  <a:txBody>
+                    <a:bodyPr/>
+                    <a:lstStyle/>
+                    <a:p>
+                      <a:r>
+                        <a:rPr lang="en-US" dirty="0"/>
+                        <a:t>filter</a:t>
+                      </a:r>
+                      <a:endParaRPr lang="en-IL" dirty="0"/>
+                    </a:p>
+                  </a:txBody>
+                  <a:tcPr/>
+                </a:tc>
+                <a:tc>
+                  <a:txBody>
+                    <a:bodyPr/>
+                    <a:lstStyle/>
+                    <a:p>
+                      <a:endParaRPr lang="en-IL" dirty="0"/>
+                    </a:p>
+                  </a:txBody>
+                  <a:tcPr/>
+                </a:tc>
+                <a:tc>
+                  <a:txBody>
+                    <a:bodyPr/>
+                    <a:lstStyle/>
+                    <a:p>
+                      <a:endParaRPr lang="en-IL" dirty="0"/>
+                    </a:p>
+                  </a:txBody>
+                  <a:tcPr/>
+                </a:tc>
+                <a:tc>
+                  <a:txBody>
+                    <a:bodyPr/>
+                    <a:lstStyle/>
+                    <a:p>
+                      <a:endParaRPr lang="en-IL" dirty="0"/>
+                    </a:p>
+                  </a:txBody>
+                  <a:tcPr/>
+                </a:tc>
+                <a:extLst>
+                  <a:ext uri="{0D108BD9-81ED-4DB2-BD59-A6C34878D82A}">
+                    <a16:rowId xmlns:a16="http://schemas.microsoft.com/office/drawing/2014/main" val="429539222"/>
+                  </a:ext>
+                </a:extLst>
+              </a:tr>
+              <a:tr h="370840">
+                <a:tc>
+                  <a:txBody>
+                    <a:bodyPr/>
+                    <a:lstStyle/>
+                    <a:p>
+                      <a:r>
+                        <a:rPr lang="en-US" dirty="0"/>
+                        <a:t>inbox</a:t>
+                      </a:r>
+                      <a:endParaRPr lang="en-IL" dirty="0"/>
+                    </a:p>
+                  </a:txBody>
+                  <a:tcPr/>
+                </a:tc>
+                <a:tc>
+                  <a:txBody>
+                    <a:bodyPr/>
+                    <a:lstStyle/>
+                    <a:p>
+                      <a:endParaRPr lang="en-IL" dirty="0"/>
+                    </a:p>
+                  </a:txBody>
+                  <a:tcPr/>
+                </a:tc>
+                <a:tc>
+                  <a:txBody>
+                    <a:bodyPr/>
+                    <a:lstStyle/>
+                    <a:p>
+                      <a:endParaRPr lang="en-IL" dirty="0"/>
+                    </a:p>
+                  </a:txBody>
+                  <a:tcPr/>
+                </a:tc>
+                <a:tc>
+                  <a:txBody>
+                    <a:bodyPr/>
+                    <a:lstStyle/>
+                    <a:p>
+                      <a:endParaRPr lang="en-IL" dirty="0"/>
+                    </a:p>
+                  </a:txBody>
+                  <a:tcPr/>
+                </a:tc>
+                <a:extLst>
+                  <a:ext uri="{0D108BD9-81ED-4DB2-BD59-A6C34878D82A}">
+                    <a16:rowId xmlns:a16="http://schemas.microsoft.com/office/drawing/2014/main" val="1026168389"/>
+                  </a:ext>
+                </a:extLst>
+              </a:tr>
+              <a:tr h="370840">
+                <a:tc>
+                  <a:txBody>
+                    <a:bodyPr/>
+                    <a:lstStyle/>
+                    <a:p>
+                      <a:r>
+                        <a:rPr lang="en-US" dirty="0"/>
+                        <a:t>offers</a:t>
+                      </a:r>
+                      <a:endParaRPr lang="en-IL" dirty="0"/>
+                    </a:p>
+                  </a:txBody>
+                  <a:tcPr/>
+                </a:tc>
+                <a:tc>
+                  <a:txBody>
+                    <a:bodyPr/>
+                    <a:lstStyle/>
+                    <a:p>
+                      <a:endParaRPr lang="en-IL" dirty="0"/>
+                    </a:p>
+                  </a:txBody>
+                  <a:tcPr/>
+                </a:tc>
+                <a:tc>
+                  <a:txBody>
+                    <a:bodyPr/>
+                    <a:lstStyle/>
+                    <a:p>
+                      <a:endParaRPr lang="en-IL" dirty="0"/>
+                    </a:p>
+                  </a:txBody>
+                  <a:tcPr/>
+                </a:tc>
+                <a:tc>
+                  <a:txBody>
+                    <a:bodyPr/>
+                    <a:lstStyle/>
+                    <a:p>
+                      <a:endParaRPr lang="en-IL" dirty="0"/>
+                    </a:p>
+                  </a:txBody>
+                  <a:tcPr/>
+                </a:tc>
+                <a:extLst>
+                  <a:ext uri="{0D108BD9-81ED-4DB2-BD59-A6C34878D82A}">
+                    <a16:rowId xmlns:a16="http://schemas.microsoft.com/office/drawing/2014/main" val="4166557651"/>
+                  </a:ext>
+                </a:extLst>
+              </a:tr>
+            </a:tbl>
+          </a:graphicData>
+        </a:graphic>
+      </p:graphicFrame>
+    </p:spTree>
+    <p:extLst>
+      <p:ext uri="{BB962C8B-B14F-4D97-AF65-F5344CB8AC3E}">
+        <p14:creationId xmlns:p14="http://schemas.microsoft.com/office/powerpoint/2010/main" val="1783185932"/>
+      </p:ext>
+    </p:extLst>
+  </p:cSld>
+  <p:clrMapOvr>
+    <a:masterClrMapping/>
+  </p:clrMapOvr>
+</p:sld>
+</file>
+
+<file path=ppt/slides/slide27.xml><?xml version="1.0" encoding="utf-8"?>
+<p:sld xmlns:a="http://schemas.openxmlformats.org/drawingml/2006/main" xmlns:r="http://schemas.openxmlformats.org/officeDocument/2006/relationships" xmlns:p="http://schemas.openxmlformats.org/presentationml/2006/main">
+  <p:cSld>
+    <p:spTree>
+      <p:nvGrpSpPr>
+        <p:cNvPr id="1" name=""/>
+        <p:cNvGrpSpPr/>
+        <p:nvPr/>
+      </p:nvGrpSpPr>
+      <p:grpSpPr>
+        <a:xfrm>
+          <a:off x="0" y="0"/>
+          <a:ext cx="0" cy="0"/>
+          <a:chOff x="0" y="0"/>
+          <a:chExt cx="0" cy="0"/>
+        </a:xfrm>
+      </p:grpSpPr>
+      <p:sp>
+        <p:nvSpPr>
+          <p:cNvPr id="4" name="Rectangle 3">
+            <a:extLst>
+              <a:ext uri="{FF2B5EF4-FFF2-40B4-BE49-F238E27FC236}">
+                <a16:creationId xmlns:a16="http://schemas.microsoft.com/office/drawing/2014/main" id="{6139A825-29DC-43CF-B00B-0CB88584A7B5}"/>
+              </a:ext>
+            </a:extLst>
+          </p:cNvPr>
+          <p:cNvSpPr/>
+          <p:nvPr/>
+        </p:nvSpPr>
+        <p:spPr>
+          <a:xfrm>
+            <a:off x="3048000" y="1342688"/>
+            <a:ext cx="6096000" cy="4801314"/>
+          </a:xfrm>
+          <a:prstGeom prst="rect">
+            <a:avLst/>
+          </a:prstGeom>
         </p:spPr>
         <p:txBody>
           <a:bodyPr>
@@ -6434,7 +8917,7 @@
           <a:p>
             <a:r>
               <a:rPr lang="en-US" dirty="0"/>
-              <a:t>CRUDL for stations with </a:t>
+              <a:t>CRUDL for influencers and brands with </a:t>
             </a:r>
             <a:r>
               <a:rPr lang="en-US" dirty="0" err="1"/>
@@ -6481,7 +8964,7 @@
             </a:r>
             <a:r>
               <a:rPr lang="en-US" dirty="0"/>
-              <a:t> to store users profile and station images</a:t>
+              <a:t> to store users and profile images</a:t>
             </a:r>
           </a:p>
           <a:p>
@@ -7915,7 +10398,7 @@
         </p:blipFill>
         <p:spPr>
           <a:xfrm>
-            <a:off x="1663402" y="1547678"/>
+            <a:off x="1705347" y="1589623"/>
             <a:ext cx="8544921" cy="4425831"/>
           </a:xfrm>
           <a:prstGeom prst="rect">
@@ -7956,6 +10439,60 @@
               <a:t>Back office</a:t>
             </a:r>
             <a:endParaRPr lang="LID4096" sz="3600" dirty="0"/>
+          </a:p>
+        </p:txBody>
+      </p:sp>
+      <p:sp>
+        <p:nvSpPr>
+          <p:cNvPr id="2" name="Rectangle 1">
+            <a:extLst>
+              <a:ext uri="{FF2B5EF4-FFF2-40B4-BE49-F238E27FC236}">
+                <a16:creationId xmlns:a16="http://schemas.microsoft.com/office/drawing/2014/main" id="{26E09DA5-3A9E-4A67-A30F-852CB489269A}"/>
+              </a:ext>
+            </a:extLst>
+          </p:cNvPr>
+          <p:cNvSpPr/>
+          <p:nvPr/>
+        </p:nvSpPr>
+        <p:spPr>
+          <a:xfrm>
+            <a:off x="4794191" y="2164359"/>
+            <a:ext cx="910323" cy="251669"/>
+          </a:xfrm>
+          <a:prstGeom prst="rect">
+            <a:avLst/>
+          </a:prstGeom>
+          <a:solidFill>
+            <a:schemeClr val="bg1"/>
+          </a:solidFill>
+          <a:ln>
+            <a:solidFill>
+              <a:schemeClr val="bg1"/>
+            </a:solidFill>
+          </a:ln>
+        </p:spPr>
+        <p:style>
+          <a:lnRef idx="2">
+            <a:schemeClr val="accent1">
+              <a:shade val="50000"/>
+            </a:schemeClr>
+          </a:lnRef>
+          <a:fillRef idx="1">
+            <a:schemeClr val="accent1"/>
+          </a:fillRef>
+          <a:effectRef idx="0">
+            <a:schemeClr val="accent1"/>
+          </a:effectRef>
+          <a:fontRef idx="minor">
+            <a:schemeClr val="lt1"/>
+          </a:fontRef>
+        </p:style>
+        <p:txBody>
+          <a:bodyPr rtlCol="0" anchor="ctr"/>
+          <a:lstStyle/>
+          <a:p>
+            <a:pPr algn="ctr"/>
+            <a:endParaRPr lang="LID4096"/>
           </a:p>
         </p:txBody>
       </p:sp>
